--- a/slides/MS_dialog_challenge_result_outlook_sungjin.pptx
+++ b/slides/MS_dialog_challenge_result_outlook_sungjin.pptx
@@ -5,25 +5,27 @@
     <p:sldMasterId id="2147483678" r:id="rId1"/>
   </p:sldMasterIdLst>
   <p:notesMasterIdLst>
-    <p:notesMasterId r:id="rId18"/>
+    <p:notesMasterId r:id="rId20"/>
   </p:notesMasterIdLst>
   <p:sldIdLst>
-    <p:sldId id="256" r:id="rId2"/>
-    <p:sldId id="277" r:id="rId3"/>
-    <p:sldId id="263" r:id="rId4"/>
-    <p:sldId id="264" r:id="rId5"/>
-    <p:sldId id="265" r:id="rId6"/>
-    <p:sldId id="266" r:id="rId7"/>
-    <p:sldId id="267" r:id="rId8"/>
-    <p:sldId id="268" r:id="rId9"/>
-    <p:sldId id="269" r:id="rId10"/>
-    <p:sldId id="273" r:id="rId11"/>
-    <p:sldId id="274" r:id="rId12"/>
-    <p:sldId id="275" r:id="rId13"/>
-    <p:sldId id="270" r:id="rId14"/>
-    <p:sldId id="271" r:id="rId15"/>
-    <p:sldId id="272" r:id="rId16"/>
-    <p:sldId id="278" r:id="rId17"/>
+    <p:sldId id="277" r:id="rId2"/>
+    <p:sldId id="279" r:id="rId3"/>
+    <p:sldId id="280" r:id="rId4"/>
+    <p:sldId id="256" r:id="rId5"/>
+    <p:sldId id="263" r:id="rId6"/>
+    <p:sldId id="264" r:id="rId7"/>
+    <p:sldId id="265" r:id="rId8"/>
+    <p:sldId id="266" r:id="rId9"/>
+    <p:sldId id="267" r:id="rId10"/>
+    <p:sldId id="268" r:id="rId11"/>
+    <p:sldId id="269" r:id="rId12"/>
+    <p:sldId id="273" r:id="rId13"/>
+    <p:sldId id="274" r:id="rId14"/>
+    <p:sldId id="275" r:id="rId15"/>
+    <p:sldId id="270" r:id="rId16"/>
+    <p:sldId id="271" r:id="rId17"/>
+    <p:sldId id="272" r:id="rId18"/>
+    <p:sldId id="278" r:id="rId19"/>
   </p:sldIdLst>
   <p:sldSz cx="12192000" cy="6858000"/>
   <p:notesSz cx="6858000" cy="9144000"/>
@@ -133,7 +135,7 @@
 <file path=ppt/revisionInfo.xml><?xml version="1.0" encoding="utf-8"?>
 <p1510:revInfo xmlns:a="http://schemas.openxmlformats.org/drawingml/2006/main" xmlns:r="http://schemas.openxmlformats.org/officeDocument/2006/relationships" xmlns:p1510="http://schemas.microsoft.com/office/powerpoint/2015/10/main">
   <p1510:revLst>
-    <p1510:client id="{B31E1CFF-8C70-4EC6-BD85-D53A0AEDF34F}" v="38" dt="2018-12-16T17:00:47.945"/>
+    <p1510:client id="{1D1BFB9D-E8A2-4B6D-8A0D-B59EB588A304}" v="12" dt="2018-12-18T08:07:44.111"/>
   </p1510:revLst>
 </p1510:revInfo>
 </file>
@@ -231,6 +233,123 @@
       </pc:sldChg>
     </pc:docChg>
   </pc:docChgLst>
+  <pc:docChgLst>
+    <pc:chgData name="Jianfeng Gao" userId="925a7f7d873fb194" providerId="LiveId" clId="{1D1BFB9D-E8A2-4B6D-8A0D-B59EB588A304}"/>
+    <pc:docChg chg="custSel addSld modSld sldOrd">
+      <pc:chgData name="Jianfeng Gao" userId="925a7f7d873fb194" providerId="LiveId" clId="{1D1BFB9D-E8A2-4B6D-8A0D-B59EB588A304}" dt="2018-12-18T08:08:02.419" v="1320" actId="20577"/>
+      <pc:docMkLst>
+        <pc:docMk/>
+      </pc:docMkLst>
+      <pc:sldChg chg="ord">
+        <pc:chgData name="Jianfeng Gao" userId="925a7f7d873fb194" providerId="LiveId" clId="{1D1BFB9D-E8A2-4B6D-8A0D-B59EB588A304}" dt="2018-12-18T08:02:12.604" v="1106"/>
+        <pc:sldMkLst>
+          <pc:docMk/>
+          <pc:sldMk cId="2941047382" sldId="256"/>
+        </pc:sldMkLst>
+      </pc:sldChg>
+      <pc:sldChg chg="addSp modSp">
+        <pc:chgData name="Jianfeng Gao" userId="925a7f7d873fb194" providerId="LiveId" clId="{1D1BFB9D-E8A2-4B6D-8A0D-B59EB588A304}" dt="2018-12-18T08:08:02.419" v="1320" actId="20577"/>
+        <pc:sldMkLst>
+          <pc:docMk/>
+          <pc:sldMk cId="1429795469" sldId="277"/>
+        </pc:sldMkLst>
+        <pc:spChg chg="mod">
+          <ac:chgData name="Jianfeng Gao" userId="925a7f7d873fb194" providerId="LiveId" clId="{1D1BFB9D-E8A2-4B6D-8A0D-B59EB588A304}" dt="2018-12-18T08:02:59.508" v="1139" actId="20577"/>
+          <ac:spMkLst>
+            <pc:docMk/>
+            <pc:sldMk cId="1429795469" sldId="277"/>
+            <ac:spMk id="2" creationId="{144AD451-7B57-4F41-9829-31133D62D08F}"/>
+          </ac:spMkLst>
+        </pc:spChg>
+        <pc:spChg chg="add mod">
+          <ac:chgData name="Jianfeng Gao" userId="925a7f7d873fb194" providerId="LiveId" clId="{1D1BFB9D-E8A2-4B6D-8A0D-B59EB588A304}" dt="2018-12-18T08:06:00.225" v="1307" actId="14100"/>
+          <ac:spMkLst>
+            <pc:docMk/>
+            <pc:sldMk cId="1429795469" sldId="277"/>
+            <ac:spMk id="5" creationId="{FD25FB41-2F36-44D4-8BEA-DFB56108EFD6}"/>
+          </ac:spMkLst>
+        </pc:spChg>
+        <pc:graphicFrameChg chg="mod modGraphic">
+          <ac:chgData name="Jianfeng Gao" userId="925a7f7d873fb194" providerId="LiveId" clId="{1D1BFB9D-E8A2-4B6D-8A0D-B59EB588A304}" dt="2018-12-18T08:08:02.419" v="1320" actId="20577"/>
+          <ac:graphicFrameMkLst>
+            <pc:docMk/>
+            <pc:sldMk cId="1429795469" sldId="277"/>
+            <ac:graphicFrameMk id="4" creationId="{F77A13ED-3048-4258-BFDB-E84DE1D5E3DC}"/>
+          </ac:graphicFrameMkLst>
+        </pc:graphicFrameChg>
+      </pc:sldChg>
+      <pc:sldChg chg="addSp modSp add">
+        <pc:chgData name="Jianfeng Gao" userId="925a7f7d873fb194" providerId="LiveId" clId="{1D1BFB9D-E8A2-4B6D-8A0D-B59EB588A304}" dt="2018-12-18T07:59:50.432" v="1094" actId="1076"/>
+        <pc:sldMkLst>
+          <pc:docMk/>
+          <pc:sldMk cId="3185864638" sldId="279"/>
+        </pc:sldMkLst>
+        <pc:spChg chg="mod">
+          <ac:chgData name="Jianfeng Gao" userId="925a7f7d873fb194" providerId="LiveId" clId="{1D1BFB9D-E8A2-4B6D-8A0D-B59EB588A304}" dt="2018-12-18T07:47:08.775" v="234" actId="5793"/>
+          <ac:spMkLst>
+            <pc:docMk/>
+            <pc:sldMk cId="3185864638" sldId="279"/>
+            <ac:spMk id="2" creationId="{609BB154-6BC3-4EB3-B875-6F08FF50CD24}"/>
+          </ac:spMkLst>
+        </pc:spChg>
+        <pc:spChg chg="mod">
+          <ac:chgData name="Jianfeng Gao" userId="925a7f7d873fb194" providerId="LiveId" clId="{1D1BFB9D-E8A2-4B6D-8A0D-B59EB588A304}" dt="2018-12-18T07:57:13.366" v="1011" actId="14100"/>
+          <ac:spMkLst>
+            <pc:docMk/>
+            <pc:sldMk cId="3185864638" sldId="279"/>
+            <ac:spMk id="3" creationId="{8B08BEDF-00AC-4734-B42D-CE5407DBAC89}"/>
+          </ac:spMkLst>
+        </pc:spChg>
+        <pc:spChg chg="add mod">
+          <ac:chgData name="Jianfeng Gao" userId="925a7f7d873fb194" providerId="LiveId" clId="{1D1BFB9D-E8A2-4B6D-8A0D-B59EB588A304}" dt="2018-12-18T07:59:50.432" v="1094" actId="1076"/>
+          <ac:spMkLst>
+            <pc:docMk/>
+            <pc:sldMk cId="3185864638" sldId="279"/>
+            <ac:spMk id="4" creationId="{F2C4060D-D3D5-40D7-A96E-DAB8EE5B5A09}"/>
+          </ac:spMkLst>
+        </pc:spChg>
+      </pc:sldChg>
+      <pc:sldChg chg="addSp delSp modSp add">
+        <pc:chgData name="Jianfeng Gao" userId="925a7f7d873fb194" providerId="LiveId" clId="{1D1BFB9D-E8A2-4B6D-8A0D-B59EB588A304}" dt="2018-12-18T08:01:35.061" v="1105" actId="1076"/>
+        <pc:sldMkLst>
+          <pc:docMk/>
+          <pc:sldMk cId="360247798" sldId="280"/>
+        </pc:sldMkLst>
+        <pc:spChg chg="del">
+          <ac:chgData name="Jianfeng Gao" userId="925a7f7d873fb194" providerId="LiveId" clId="{1D1BFB9D-E8A2-4B6D-8A0D-B59EB588A304}" dt="2018-12-18T08:00:55.358" v="1096" actId="478"/>
+          <ac:spMkLst>
+            <pc:docMk/>
+            <pc:sldMk cId="360247798" sldId="280"/>
+            <ac:spMk id="2" creationId="{5236B315-F44B-4EA7-A32B-C28EFBADF55B}"/>
+          </ac:spMkLst>
+        </pc:spChg>
+        <pc:spChg chg="del">
+          <ac:chgData name="Jianfeng Gao" userId="925a7f7d873fb194" providerId="LiveId" clId="{1D1BFB9D-E8A2-4B6D-8A0D-B59EB588A304}" dt="2018-12-18T08:00:58.056" v="1097" actId="478"/>
+          <ac:spMkLst>
+            <pc:docMk/>
+            <pc:sldMk cId="360247798" sldId="280"/>
+            <ac:spMk id="3" creationId="{400AA2AD-2290-48B7-A53E-1FE079E58354}"/>
+          </ac:spMkLst>
+        </pc:spChg>
+        <pc:spChg chg="add">
+          <ac:chgData name="Jianfeng Gao" userId="925a7f7d873fb194" providerId="LiveId" clId="{1D1BFB9D-E8A2-4B6D-8A0D-B59EB588A304}" dt="2018-12-18T08:01:31.337" v="1104"/>
+          <ac:spMkLst>
+            <pc:docMk/>
+            <pc:sldMk cId="360247798" sldId="280"/>
+            <ac:spMk id="5" creationId="{1510C1B9-B4EB-4CF8-AD43-202008B12CB6}"/>
+          </ac:spMkLst>
+        </pc:spChg>
+        <pc:picChg chg="add mod">
+          <ac:chgData name="Jianfeng Gao" userId="925a7f7d873fb194" providerId="LiveId" clId="{1D1BFB9D-E8A2-4B6D-8A0D-B59EB588A304}" dt="2018-12-18T08:01:35.061" v="1105" actId="1076"/>
+          <ac:picMkLst>
+            <pc:docMk/>
+            <pc:sldMk cId="360247798" sldId="280"/>
+            <ac:picMk id="4" creationId="{EB153EB4-192A-4DA3-A646-980D8C4A941F}"/>
+          </ac:picMkLst>
+        </pc:picChg>
+      </pc:sldChg>
+    </pc:docChg>
+  </pc:docChgLst>
 </pc:chgInfo>
 </file>
 
@@ -316,7 +435,7 @@
           <a:p>
             <a:fld id="{A42A38F0-EF8A-476E-AB61-3E5A76F67408}" type="datetimeFigureOut">
               <a:rPr lang="en-US" smtClean="0"/>
-              <a:t>12/16/2018</a:t>
+              <a:t>12/18/2018</a:t>
             </a:fld>
             <a:endParaRPr lang="en-US"/>
           </a:p>
@@ -663,7 +782,7 @@
           <a:p>
             <a:fld id="{EC6B5AB7-3C93-4F65-B1FA-14AFD04BBA37}" type="slidenum">
               <a:rPr lang="en-US" smtClean="0"/>
-              <a:t>3</a:t>
+              <a:t>5</a:t>
             </a:fld>
             <a:endParaRPr lang="en-US"/>
           </a:p>
@@ -750,7 +869,7 @@
           <a:p>
             <a:fld id="{EC6B5AB7-3C93-4F65-B1FA-14AFD04BBA37}" type="slidenum">
               <a:rPr lang="en-US" smtClean="0"/>
-              <a:t>5</a:t>
+              <a:t>7</a:t>
             </a:fld>
             <a:endParaRPr lang="en-US"/>
           </a:p>
@@ -995,7 +1114,7 @@
           <a:p>
             <a:fld id="{B749262A-AF36-4533-9A86-9501CD17BD5A}" type="datetimeFigureOut">
               <a:rPr lang="en-US" smtClean="0"/>
-              <a:t>12/16/2018</a:t>
+              <a:t>12/18/2018</a:t>
             </a:fld>
             <a:endParaRPr lang="en-US"/>
           </a:p>
@@ -1203,7 +1322,7 @@
           <a:p>
             <a:fld id="{B749262A-AF36-4533-9A86-9501CD17BD5A}" type="datetimeFigureOut">
               <a:rPr lang="en-US" smtClean="0"/>
-              <a:t>12/16/2018</a:t>
+              <a:t>12/18/2018</a:t>
             </a:fld>
             <a:endParaRPr lang="en-US"/>
           </a:p>
@@ -1459,7 +1578,7 @@
           <a:p>
             <a:fld id="{B749262A-AF36-4533-9A86-9501CD17BD5A}" type="datetimeFigureOut">
               <a:rPr lang="en-US" smtClean="0"/>
-              <a:t>12/16/2018</a:t>
+              <a:t>12/18/2018</a:t>
             </a:fld>
             <a:endParaRPr lang="en-US"/>
           </a:p>
@@ -1633,7 +1752,7 @@
           <a:p>
             <a:fld id="{B749262A-AF36-4533-9A86-9501CD17BD5A}" type="datetimeFigureOut">
               <a:rPr lang="en-US" smtClean="0"/>
-              <a:t>12/16/2018</a:t>
+              <a:t>12/18/2018</a:t>
             </a:fld>
             <a:endParaRPr lang="en-US"/>
           </a:p>
@@ -1976,7 +2095,7 @@
           <a:p>
             <a:fld id="{B749262A-AF36-4533-9A86-9501CD17BD5A}" type="datetimeFigureOut">
               <a:rPr lang="en-US" smtClean="0"/>
-              <a:t>12/16/2018</a:t>
+              <a:t>12/18/2018</a:t>
             </a:fld>
             <a:endParaRPr lang="en-US"/>
           </a:p>
@@ -2251,7 +2370,7 @@
           <a:p>
             <a:fld id="{B749262A-AF36-4533-9A86-9501CD17BD5A}" type="datetimeFigureOut">
               <a:rPr lang="en-US" smtClean="0"/>
-              <a:t>12/16/2018</a:t>
+              <a:t>12/18/2018</a:t>
             </a:fld>
             <a:endParaRPr lang="en-US"/>
           </a:p>
@@ -2630,7 +2749,7 @@
           <a:p>
             <a:fld id="{B749262A-AF36-4533-9A86-9501CD17BD5A}" type="datetimeFigureOut">
               <a:rPr lang="en-US" smtClean="0"/>
-              <a:t>12/16/2018</a:t>
+              <a:t>12/18/2018</a:t>
             </a:fld>
             <a:endParaRPr lang="en-US"/>
           </a:p>
@@ -2748,7 +2867,7 @@
           <a:p>
             <a:fld id="{B749262A-AF36-4533-9A86-9501CD17BD5A}" type="datetimeFigureOut">
               <a:rPr lang="en-US" smtClean="0"/>
-              <a:t>12/16/2018</a:t>
+              <a:t>12/18/2018</a:t>
             </a:fld>
             <a:endParaRPr lang="en-US"/>
           </a:p>
@@ -2919,7 +3038,7 @@
           <a:p>
             <a:fld id="{B749262A-AF36-4533-9A86-9501CD17BD5A}" type="datetimeFigureOut">
               <a:rPr lang="en-US" smtClean="0"/>
-              <a:t>12/16/2018</a:t>
+              <a:t>12/18/2018</a:t>
             </a:fld>
             <a:endParaRPr lang="en-US"/>
           </a:p>
@@ -3273,7 +3392,7 @@
           <a:p>
             <a:fld id="{B749262A-AF36-4533-9A86-9501CD17BD5A}" type="datetimeFigureOut">
               <a:rPr lang="en-US" smtClean="0"/>
-              <a:t>12/16/2018</a:t>
+              <a:t>12/18/2018</a:t>
             </a:fld>
             <a:endParaRPr lang="en-US"/>
           </a:p>
@@ -3655,7 +3774,7 @@
           <a:p>
             <a:fld id="{B749262A-AF36-4533-9A86-9501CD17BD5A}" type="datetimeFigureOut">
               <a:rPr lang="en-US" smtClean="0"/>
-              <a:t>12/16/2018</a:t>
+              <a:t>12/18/2018</a:t>
             </a:fld>
             <a:endParaRPr lang="en-US"/>
           </a:p>
@@ -3942,7 +4061,7 @@
           <a:p>
             <a:fld id="{B749262A-AF36-4533-9A86-9501CD17BD5A}" type="datetimeFigureOut">
               <a:rPr lang="en-US" smtClean="0"/>
-              <a:t>12/16/2018</a:t>
+              <a:t>12/18/2018</a:t>
             </a:fld>
             <a:endParaRPr lang="en-US"/>
           </a:p>
@@ -4471,7 +4590,7 @@
           <p:cNvPr id="2" name="Title 1">
             <a:extLst>
               <a:ext uri="{FF2B5EF4-FFF2-40B4-BE49-F238E27FC236}">
-                <a16:creationId xmlns:a16="http://schemas.microsoft.com/office/drawing/2014/main" id="{07D147AE-2374-464C-B508-B02BF3B436F6}"/>
+                <a16:creationId xmlns:a16="http://schemas.microsoft.com/office/drawing/2014/main" id="{144AD451-7B57-4F41-9829-31133D62D08F}"/>
               </a:ext>
             </a:extLst>
           </p:cNvPr>
@@ -4479,7 +4598,7 @@
             <a:spLocks noGrp="1"/>
           </p:cNvSpPr>
           <p:nvPr>
-            <p:ph type="ctrTitle"/>
+            <p:ph type="title"/>
           </p:nvPr>
         </p:nvSpPr>
         <p:spPr/>
@@ -4489,135 +4608,642 @@
           <a:p>
             <a:r>
               <a:rPr lang="en-US" dirty="0"/>
-              <a:t>MS Dialogue Challenge</a:t>
+              <a:t> </a:t>
             </a:r>
           </a:p>
         </p:txBody>
       </p:sp>
-      <p:sp>
-        <p:nvSpPr>
-          <p:cNvPr id="3" name="Subtitle 2">
+      <p:graphicFrame>
+        <p:nvGraphicFramePr>
+          <p:cNvPr id="4" name="Content Placeholder 3">
             <a:extLst>
               <a:ext uri="{FF2B5EF4-FFF2-40B4-BE49-F238E27FC236}">
-                <a16:creationId xmlns:a16="http://schemas.microsoft.com/office/drawing/2014/main" id="{55F2D364-7E4F-4ABB-B69E-DDC0225EF8D7}"/>
+                <a16:creationId xmlns:a16="http://schemas.microsoft.com/office/drawing/2014/main" id="{F77A13ED-3048-4258-BFDB-E84DE1D5E3DC}"/>
               </a:ext>
             </a:extLst>
           </p:cNvPr>
-          <p:cNvSpPr>
-            <a:spLocks noGrp="1"/>
-          </p:cNvSpPr>
+          <p:cNvGraphicFramePr>
+            <a:graphicFrameLocks noGrp="1"/>
+          </p:cNvGraphicFramePr>
           <p:nvPr>
-            <p:ph type="subTitle" idx="1"/>
+            <p:ph idx="1"/>
+            <p:extLst>
+              <p:ext uri="{D42A27DB-BD31-4B8C-83A1-F6EECF244321}">
+                <p14:modId xmlns:p14="http://schemas.microsoft.com/office/powerpoint/2010/main" val="3436683706"/>
+              </p:ext>
+            </p:extLst>
           </p:nvPr>
-        </p:nvSpPr>
-        <p:spPr/>
-        <p:txBody>
-          <a:bodyPr/>
-          <a:lstStyle/>
-          <a:p>
-            <a:r>
-              <a:rPr lang="en-US" dirty="0"/>
-              <a:t>Sungjin Lee, Jianfeng Gao, Xiujun Li, JJ Liu, Sarah Panda</a:t>
-            </a:r>
-          </a:p>
-        </p:txBody>
-      </p:sp>
-      <p:pic>
-        <p:nvPicPr>
-          <p:cNvPr id="1026" name="Picture 2" descr="Image result for microsoft research logo">
+        </p:nvGraphicFramePr>
+        <p:xfrm>
+          <a:off x="787400" y="1737360"/>
+          <a:ext cx="10891519" cy="4279536"/>
+        </p:xfrm>
+        <a:graphic>
+          <a:graphicData uri="http://schemas.openxmlformats.org/drawingml/2006/table">
+            <a:tbl>
+              <a:tblPr firstRow="1" bandRow="1">
+                <a:tableStyleId>{9D7B26C5-4107-4FEC-AEDC-1716B250A1EF}</a:tableStyleId>
+              </a:tblPr>
+              <a:tblGrid>
+                <a:gridCol w="1404170">
+                  <a:extLst>
+                    <a:ext uri="{9D8B030D-6E8A-4147-A177-3AD203B41FA5}">
+                      <a16:colId xmlns:a16="http://schemas.microsoft.com/office/drawing/2014/main" val="227221171"/>
+                    </a:ext>
+                  </a:extLst>
+                </a:gridCol>
+                <a:gridCol w="9487349">
+                  <a:extLst>
+                    <a:ext uri="{9D8B030D-6E8A-4147-A177-3AD203B41FA5}">
+                      <a16:colId xmlns:a16="http://schemas.microsoft.com/office/drawing/2014/main" val="1504000254"/>
+                    </a:ext>
+                  </a:extLst>
+                </a:gridCol>
+              </a:tblGrid>
+              <a:tr h="447929">
+                <a:tc>
+                  <a:txBody>
+                    <a:bodyPr/>
+                    <a:lstStyle/>
+                    <a:p>
+                      <a:pPr algn="ctr"/>
+                      <a:r>
+                        <a:rPr lang="en-US" sz="1400" b="0" dirty="0"/>
+                        <a:t>1:00 - 1:10PM </a:t>
+                      </a:r>
+                    </a:p>
+                  </a:txBody>
+                  <a:tcPr marL="85238" marR="85238" anchor="ctr"/>
+                </a:tc>
+                <a:tc>
+                  <a:txBody>
+                    <a:bodyPr/>
+                    <a:lstStyle/>
+                    <a:p>
+                      <a:pPr marL="0" marR="0" lvl="0" indent="0" algn="l" defTabSz="914400" rtl="0" eaLnBrk="1" fontAlgn="auto" latinLnBrk="0" hangingPunct="1">
+                        <a:lnSpc>
+                          <a:spcPct val="100000"/>
+                        </a:lnSpc>
+                        <a:spcBef>
+                          <a:spcPts val="0"/>
+                        </a:spcBef>
+                        <a:spcAft>
+                          <a:spcPts val="0"/>
+                        </a:spcAft>
+                        <a:buClrTx/>
+                        <a:buSzTx/>
+                        <a:buFontTx/>
+                        <a:buNone/>
+                        <a:tabLst/>
+                        <a:defRPr/>
+                      </a:pPr>
+                      <a:r>
+                        <a:rPr lang="en-US" sz="1400" b="0" dirty="0"/>
+                        <a:t>Opening, Jianfeng Gao (MSR)</a:t>
+                      </a:r>
+                    </a:p>
+                  </a:txBody>
+                  <a:tcPr marL="85238" marR="85238" anchor="ctr"/>
+                </a:tc>
+                <a:extLst>
+                  <a:ext uri="{0D108BD9-81ED-4DB2-BD59-A6C34878D82A}">
+                    <a16:rowId xmlns:a16="http://schemas.microsoft.com/office/drawing/2014/main" val="4021331953"/>
+                  </a:ext>
+                </a:extLst>
+              </a:tr>
+              <a:tr h="447929">
+                <a:tc>
+                  <a:txBody>
+                    <a:bodyPr/>
+                    <a:lstStyle/>
+                    <a:p>
+                      <a:pPr algn="ctr"/>
+                      <a:r>
+                        <a:rPr lang="en-US" sz="1400" dirty="0"/>
+                        <a:t>1:10 – 1:40PM </a:t>
+                      </a:r>
+                    </a:p>
+                  </a:txBody>
+                  <a:tcPr marL="85238" marR="85238" anchor="ctr"/>
+                </a:tc>
+                <a:tc>
+                  <a:txBody>
+                    <a:bodyPr/>
+                    <a:lstStyle/>
+                    <a:p>
+                      <a:pPr marL="0" marR="0" lvl="0" indent="0" algn="l" defTabSz="914400" rtl="0" eaLnBrk="1" fontAlgn="auto" latinLnBrk="0" hangingPunct="1">
+                        <a:lnSpc>
+                          <a:spcPct val="100000"/>
+                        </a:lnSpc>
+                        <a:spcBef>
+                          <a:spcPts val="0"/>
+                        </a:spcBef>
+                        <a:spcAft>
+                          <a:spcPts val="0"/>
+                        </a:spcAft>
+                        <a:buClrTx/>
+                        <a:buSzTx/>
+                        <a:buFontTx/>
+                        <a:buNone/>
+                        <a:tabLst/>
+                        <a:defRPr/>
+                      </a:pPr>
+                      <a:r>
+                        <a:rPr lang="en-US" sz="1400" dirty="0"/>
+                        <a:t>“Past, Present, and Future of Conversational AI”, </a:t>
+                      </a:r>
+                      <a:r>
+                        <a:rPr lang="en-US" sz="1400" dirty="0" err="1"/>
+                        <a:t>Gokhan</a:t>
+                      </a:r>
+                      <a:r>
+                        <a:rPr lang="en-US" sz="1400" dirty="0"/>
+                        <a:t> Tur (Uber)</a:t>
+                      </a:r>
+                    </a:p>
+                  </a:txBody>
+                  <a:tcPr marL="85238" marR="85238" anchor="ctr"/>
+                </a:tc>
+                <a:extLst>
+                  <a:ext uri="{0D108BD9-81ED-4DB2-BD59-A6C34878D82A}">
+                    <a16:rowId xmlns:a16="http://schemas.microsoft.com/office/drawing/2014/main" val="1371339437"/>
+                  </a:ext>
+                </a:extLst>
+              </a:tr>
+              <a:tr h="447929">
+                <a:tc>
+                  <a:txBody>
+                    <a:bodyPr/>
+                    <a:lstStyle/>
+                    <a:p>
+                      <a:pPr algn="ctr"/>
+                      <a:r>
+                        <a:rPr lang="en-US" sz="1400" dirty="0"/>
+                        <a:t>1:40 – 2:10PM </a:t>
+                      </a:r>
+                    </a:p>
+                  </a:txBody>
+                  <a:tcPr marL="85238" marR="85238" anchor="ctr"/>
+                </a:tc>
+                <a:tc>
+                  <a:txBody>
+                    <a:bodyPr/>
+                    <a:lstStyle/>
+                    <a:p>
+                      <a:pPr marL="0" marR="0" lvl="0" indent="0" algn="l" defTabSz="914400" rtl="0" eaLnBrk="1" fontAlgn="auto" latinLnBrk="0" hangingPunct="1">
+                        <a:lnSpc>
+                          <a:spcPct val="100000"/>
+                        </a:lnSpc>
+                        <a:spcBef>
+                          <a:spcPts val="0"/>
+                        </a:spcBef>
+                        <a:spcAft>
+                          <a:spcPts val="0"/>
+                        </a:spcAft>
+                        <a:buClrTx/>
+                        <a:buSzTx/>
+                        <a:buFontTx/>
+                        <a:buNone/>
+                        <a:tabLst/>
+                        <a:defRPr/>
+                      </a:pPr>
+                      <a:r>
+                        <a:rPr lang="en-US" sz="1400" dirty="0"/>
+                        <a:t>“Towards Building More Intelligent Conversational System: Semantics, Consistency &amp; </a:t>
+                      </a:r>
+                      <a:r>
+                        <a:rPr lang="en-US" sz="1400" dirty="0" err="1"/>
+                        <a:t>Interactiveness</a:t>
+                      </a:r>
+                      <a:r>
+                        <a:rPr lang="en-US" sz="1400" dirty="0"/>
+                        <a:t>”, Minlie Huang (Tsinghua)</a:t>
+                      </a:r>
+                    </a:p>
+                  </a:txBody>
+                  <a:tcPr marL="85238" marR="85238" anchor="ctr"/>
+                </a:tc>
+                <a:extLst>
+                  <a:ext uri="{0D108BD9-81ED-4DB2-BD59-A6C34878D82A}">
+                    <a16:rowId xmlns:a16="http://schemas.microsoft.com/office/drawing/2014/main" val="2237612375"/>
+                  </a:ext>
+                </a:extLst>
+              </a:tr>
+              <a:tr h="447929">
+                <a:tc>
+                  <a:txBody>
+                    <a:bodyPr/>
+                    <a:lstStyle/>
+                    <a:p>
+                      <a:pPr algn="ctr"/>
+                      <a:r>
+                        <a:rPr lang="en-US" sz="1400" dirty="0"/>
+                        <a:t>2:10 – 2:40PM </a:t>
+                      </a:r>
+                    </a:p>
+                  </a:txBody>
+                  <a:tcPr marL="85238" marR="85238" anchor="ctr"/>
+                </a:tc>
+                <a:tc>
+                  <a:txBody>
+                    <a:bodyPr/>
+                    <a:lstStyle/>
+                    <a:p>
+                      <a:pPr marL="0" marR="0" lvl="0" indent="0" algn="l" defTabSz="914400" rtl="0" eaLnBrk="1" fontAlgn="auto" latinLnBrk="0" hangingPunct="1">
+                        <a:lnSpc>
+                          <a:spcPct val="100000"/>
+                        </a:lnSpc>
+                        <a:spcBef>
+                          <a:spcPts val="0"/>
+                        </a:spcBef>
+                        <a:spcAft>
+                          <a:spcPts val="0"/>
+                        </a:spcAft>
+                        <a:buClrTx/>
+                        <a:buSzTx/>
+                        <a:buFontTx/>
+                        <a:buNone/>
+                        <a:tabLst/>
+                        <a:defRPr/>
+                      </a:pPr>
+                      <a:r>
+                        <a:rPr lang="en-US" sz="1400" dirty="0"/>
+                        <a:t>“Towards Open-Domain Conversational AI”, Vivian Chen (NTU)</a:t>
+                      </a:r>
+                    </a:p>
+                  </a:txBody>
+                  <a:tcPr marL="85238" marR="85238" anchor="ctr"/>
+                </a:tc>
+                <a:extLst>
+                  <a:ext uri="{0D108BD9-81ED-4DB2-BD59-A6C34878D82A}">
+                    <a16:rowId xmlns:a16="http://schemas.microsoft.com/office/drawing/2014/main" val="3059524474"/>
+                  </a:ext>
+                </a:extLst>
+              </a:tr>
+              <a:tr h="447929">
+                <a:tc>
+                  <a:txBody>
+                    <a:bodyPr/>
+                    <a:lstStyle/>
+                    <a:p>
+                      <a:pPr algn="ctr"/>
+                      <a:r>
+                        <a:rPr lang="en-US" sz="1400" dirty="0"/>
+                        <a:t>2:40 – 3:00PM </a:t>
+                      </a:r>
+                    </a:p>
+                  </a:txBody>
+                  <a:tcPr marL="85238" marR="85238" anchor="ctr"/>
+                </a:tc>
+                <a:tc>
+                  <a:txBody>
+                    <a:bodyPr/>
+                    <a:lstStyle/>
+                    <a:p>
+                      <a:r>
+                        <a:rPr lang="en-US" sz="1400" dirty="0"/>
+                        <a:t>Break</a:t>
+                      </a:r>
+                    </a:p>
+                  </a:txBody>
+                  <a:tcPr marL="85238" marR="85238" anchor="ctr"/>
+                </a:tc>
+                <a:extLst>
+                  <a:ext uri="{0D108BD9-81ED-4DB2-BD59-A6C34878D82A}">
+                    <a16:rowId xmlns:a16="http://schemas.microsoft.com/office/drawing/2014/main" val="2199818635"/>
+                  </a:ext>
+                </a:extLst>
+              </a:tr>
+              <a:tr h="447929">
+                <a:tc>
+                  <a:txBody>
+                    <a:bodyPr/>
+                    <a:lstStyle/>
+                    <a:p>
+                      <a:pPr algn="ctr"/>
+                      <a:r>
+                        <a:rPr lang="en-US" sz="1400" dirty="0"/>
+                        <a:t>3:00 – 3:20PM </a:t>
+                      </a:r>
+                    </a:p>
+                  </a:txBody>
+                  <a:tcPr marL="85238" marR="85238" anchor="ctr"/>
+                </a:tc>
+                <a:tc>
+                  <a:txBody>
+                    <a:bodyPr/>
+                    <a:lstStyle/>
+                    <a:p>
+                      <a:pPr marL="0" marR="0" lvl="0" indent="0" algn="l" defTabSz="914400" rtl="0" eaLnBrk="1" fontAlgn="auto" latinLnBrk="0" hangingPunct="1">
+                        <a:lnSpc>
+                          <a:spcPct val="100000"/>
+                        </a:lnSpc>
+                        <a:spcBef>
+                          <a:spcPts val="0"/>
+                        </a:spcBef>
+                        <a:spcAft>
+                          <a:spcPts val="0"/>
+                        </a:spcAft>
+                        <a:buClrTx/>
+                        <a:buSzTx/>
+                        <a:buFontTx/>
+                        <a:buNone/>
+                        <a:tabLst/>
+                        <a:defRPr/>
+                      </a:pPr>
+                      <a:r>
+                        <a:rPr lang="en-US" sz="1400" dirty="0"/>
+                        <a:t>“MS dialogue challenge: result and outlook”, Sungjin Lee (MSR)</a:t>
+                      </a:r>
+                    </a:p>
+                  </a:txBody>
+                  <a:tcPr marL="85238" marR="85238" anchor="ctr"/>
+                </a:tc>
+                <a:extLst>
+                  <a:ext uri="{0D108BD9-81ED-4DB2-BD59-A6C34878D82A}">
+                    <a16:rowId xmlns:a16="http://schemas.microsoft.com/office/drawing/2014/main" val="2981817609"/>
+                  </a:ext>
+                </a:extLst>
+              </a:tr>
+              <a:tr h="447929">
+                <a:tc>
+                  <a:txBody>
+                    <a:bodyPr/>
+                    <a:lstStyle/>
+                    <a:p>
+                      <a:pPr algn="ctr"/>
+                      <a:r>
+                        <a:rPr lang="en-US" sz="1400" dirty="0"/>
+                        <a:t>3:20 – 3:35PM </a:t>
+                      </a:r>
+                    </a:p>
+                  </a:txBody>
+                  <a:tcPr marL="85238" marR="85238" anchor="ctr"/>
+                </a:tc>
+                <a:tc>
+                  <a:txBody>
+                    <a:bodyPr/>
+                    <a:lstStyle/>
+                    <a:p>
+                      <a:pPr marL="0" marR="0" lvl="0" indent="0" algn="l" defTabSz="914400" rtl="0" eaLnBrk="1" fontAlgn="auto" latinLnBrk="0" hangingPunct="1">
+                        <a:lnSpc>
+                          <a:spcPct val="100000"/>
+                        </a:lnSpc>
+                        <a:spcBef>
+                          <a:spcPts val="0"/>
+                        </a:spcBef>
+                        <a:spcAft>
+                          <a:spcPts val="0"/>
+                        </a:spcAft>
+                        <a:buClrTx/>
+                        <a:buSzTx/>
+                        <a:buFontTx/>
+                        <a:buNone/>
+                        <a:tabLst/>
+                        <a:defRPr/>
+                      </a:pPr>
+                      <a:r>
+                        <a:rPr lang="en-US" sz="1400" dirty="0"/>
+                        <a:t>“Universe Model: A Human-like User Simulator Based on Dialogue Context”, </a:t>
+                      </a:r>
+                    </a:p>
+                    <a:p>
+                      <a:pPr marL="0" marR="0" lvl="0" indent="0" algn="l" defTabSz="914400" rtl="0" eaLnBrk="1" fontAlgn="auto" latinLnBrk="0" hangingPunct="1">
+                        <a:lnSpc>
+                          <a:spcPct val="100000"/>
+                        </a:lnSpc>
+                        <a:spcBef>
+                          <a:spcPts val="0"/>
+                        </a:spcBef>
+                        <a:spcAft>
+                          <a:spcPts val="0"/>
+                        </a:spcAft>
+                        <a:buClrTx/>
+                        <a:buSzTx/>
+                        <a:buFontTx/>
+                        <a:buNone/>
+                        <a:tabLst/>
+                        <a:defRPr/>
+                      </a:pPr>
+                      <a:r>
+                        <a:rPr lang="en-US" sz="1400" dirty="0"/>
+                        <a:t>Sihong Liu (</a:t>
+                      </a:r>
+                      <a:r>
+                        <a:rPr lang="en-US" altLang="zh-CN" sz="1400" dirty="0">
+                          <a:solidFill>
+                            <a:schemeClr val="tx1"/>
+                          </a:solidFill>
+                        </a:rPr>
+                        <a:t>Beijing University of Posts and Telecommunications</a:t>
+                      </a:r>
+                      <a:r>
+                        <a:rPr lang="en-US" sz="1400" dirty="0"/>
+                        <a:t>)</a:t>
+                      </a:r>
+                    </a:p>
+                  </a:txBody>
+                  <a:tcPr marL="85238" marR="85238" anchor="ctr"/>
+                </a:tc>
+                <a:extLst>
+                  <a:ext uri="{0D108BD9-81ED-4DB2-BD59-A6C34878D82A}">
+                    <a16:rowId xmlns:a16="http://schemas.microsoft.com/office/drawing/2014/main" val="348489174"/>
+                  </a:ext>
+                </a:extLst>
+              </a:tr>
+              <a:tr h="447929">
+                <a:tc>
+                  <a:txBody>
+                    <a:bodyPr/>
+                    <a:lstStyle/>
+                    <a:p>
+                      <a:pPr algn="ctr"/>
+                      <a:r>
+                        <a:rPr lang="en-US" sz="1400" dirty="0"/>
+                        <a:t>3:35 – 3:50PM </a:t>
+                      </a:r>
+                    </a:p>
+                  </a:txBody>
+                  <a:tcPr marL="85238" marR="85238" anchor="ctr"/>
+                </a:tc>
+                <a:tc>
+                  <a:txBody>
+                    <a:bodyPr/>
+                    <a:lstStyle/>
+                    <a:p>
+                      <a:pPr marL="0" marR="0" lvl="0" indent="0" algn="l" defTabSz="914400" rtl="0" eaLnBrk="1" fontAlgn="auto" latinLnBrk="0" hangingPunct="1">
+                        <a:lnSpc>
+                          <a:spcPct val="100000"/>
+                        </a:lnSpc>
+                        <a:spcBef>
+                          <a:spcPts val="0"/>
+                        </a:spcBef>
+                        <a:spcAft>
+                          <a:spcPts val="0"/>
+                        </a:spcAft>
+                        <a:buClrTx/>
+                        <a:buSzTx/>
+                        <a:buFontTx/>
+                        <a:buNone/>
+                        <a:tabLst/>
+                        <a:defRPr/>
+                      </a:pPr>
+                      <a:r>
+                        <a:rPr lang="en-US" sz="1400" dirty="0"/>
+                        <a:t>“Double dueling Agent for Dialogue Policy Learning”, </a:t>
+                      </a:r>
+                      <a:r>
+                        <a:rPr lang="en-US" sz="1400"/>
+                        <a:t>Yu-An Wang (NTU)</a:t>
+                      </a:r>
+                      <a:endParaRPr lang="en-US" sz="1400" dirty="0"/>
+                    </a:p>
+                  </a:txBody>
+                  <a:tcPr marL="85238" marR="85238" anchor="ctr"/>
+                </a:tc>
+                <a:extLst>
+                  <a:ext uri="{0D108BD9-81ED-4DB2-BD59-A6C34878D82A}">
+                    <a16:rowId xmlns:a16="http://schemas.microsoft.com/office/drawing/2014/main" val="1548488906"/>
+                  </a:ext>
+                </a:extLst>
+              </a:tr>
+              <a:tr h="625873">
+                <a:tc>
+                  <a:txBody>
+                    <a:bodyPr/>
+                    <a:lstStyle/>
+                    <a:p>
+                      <a:pPr algn="ctr"/>
+                      <a:r>
+                        <a:rPr lang="en-US" sz="1400" dirty="0"/>
+                        <a:t>3:50 – 4:30PM </a:t>
+                      </a:r>
+                    </a:p>
+                  </a:txBody>
+                  <a:tcPr marL="85238" marR="85238" anchor="ctr"/>
+                </a:tc>
+                <a:tc>
+                  <a:txBody>
+                    <a:bodyPr/>
+                    <a:lstStyle/>
+                    <a:p>
+                      <a:r>
+                        <a:rPr lang="en-US" sz="1400" dirty="0"/>
+                        <a:t>Panel discussion - Alex </a:t>
+                      </a:r>
+                      <a:r>
+                        <a:rPr lang="en-US" sz="1400" dirty="0" err="1"/>
+                        <a:t>Acero</a:t>
+                      </a:r>
+                      <a:r>
+                        <a:rPr lang="en-US" sz="1400" dirty="0"/>
+                        <a:t> (Apple), Vivian Chen (NTU), </a:t>
+                      </a:r>
+                      <a:r>
+                        <a:rPr lang="en-US" sz="1400" dirty="0" err="1"/>
+                        <a:t>Minlie</a:t>
+                      </a:r>
+                      <a:r>
+                        <a:rPr lang="en-US" sz="1400" dirty="0"/>
+                        <a:t> Huang (Tsinghua), Sungjin Lee (MSR), Spyros </a:t>
+                      </a:r>
+                      <a:r>
+                        <a:rPr lang="en-US" sz="1400" dirty="0" err="1"/>
+                        <a:t>Matsoukas</a:t>
+                      </a:r>
+                      <a:r>
+                        <a:rPr lang="en-US" sz="1400" dirty="0"/>
+                        <a:t> (Amazon), </a:t>
+                      </a:r>
+                      <a:r>
+                        <a:rPr lang="en-US" sz="1400" dirty="0" err="1"/>
+                        <a:t>Gokhan</a:t>
+                      </a:r>
+                      <a:r>
+                        <a:rPr lang="en-US" sz="1400" dirty="0"/>
+                        <a:t> Tur (Uber)</a:t>
+                      </a:r>
+                    </a:p>
+                  </a:txBody>
+                  <a:tcPr marL="85238" marR="85238" anchor="ctr"/>
+                </a:tc>
+                <a:extLst>
+                  <a:ext uri="{0D108BD9-81ED-4DB2-BD59-A6C34878D82A}">
+                    <a16:rowId xmlns:a16="http://schemas.microsoft.com/office/drawing/2014/main" val="1209207760"/>
+                  </a:ext>
+                </a:extLst>
+              </a:tr>
+            </a:tbl>
+          </a:graphicData>
+        </a:graphic>
+      </p:graphicFrame>
+      <p:sp>
+        <p:nvSpPr>
+          <p:cNvPr id="5" name="Title 1">
             <a:extLst>
               <a:ext uri="{FF2B5EF4-FFF2-40B4-BE49-F238E27FC236}">
-                <a16:creationId xmlns:a16="http://schemas.microsoft.com/office/drawing/2014/main" id="{6D15E103-38D7-4DDB-96E5-231CCE0A423F}"/>
+                <a16:creationId xmlns:a16="http://schemas.microsoft.com/office/drawing/2014/main" id="{FD25FB41-2F36-44D4-8BEA-DFB56108EFD6}"/>
               </a:ext>
             </a:extLst>
           </p:cNvPr>
-          <p:cNvPicPr>
-            <a:picLocks noChangeAspect="1" noChangeArrowheads="1"/>
-          </p:cNvPicPr>
+          <p:cNvSpPr txBox="1">
+            <a:spLocks/>
+          </p:cNvSpPr>
           <p:nvPr/>
-        </p:nvPicPr>
-        <p:blipFill rotWithShape="1">
-          <a:blip r:embed="rId2">
-            <a:extLst>
-              <a:ext uri="{28A0092B-C50C-407E-A947-70E740481C1C}">
-                <a14:useLocalDpi xmlns:a14="http://schemas.microsoft.com/office/drawing/2010/main" val="0"/>
-              </a:ext>
-            </a:extLst>
-          </a:blip>
-          <a:srcRect l="7560" t="20552" r="9258" b="29574"/>
-          <a:stretch/>
-        </p:blipFill>
-        <p:spPr bwMode="auto">
+        </p:nvSpPr>
+        <p:spPr>
           <a:xfrm>
-            <a:off x="0" y="0"/>
-            <a:ext cx="2343807" cy="791284"/>
+            <a:off x="787400" y="71121"/>
+            <a:ext cx="10891518" cy="1666240"/>
           </a:xfrm>
           <a:prstGeom prst="rect">
             <a:avLst/>
           </a:prstGeom>
-          <a:noFill/>
-          <a:extLst>
-            <a:ext uri="{909E8E84-426E-40DD-AFC4-6F175D3DCCD1}">
-              <a14:hiddenFill xmlns:a14="http://schemas.microsoft.com/office/drawing/2010/main">
+        </p:spPr>
+        <p:txBody>
+          <a:bodyPr vert="horz" lIns="91440" tIns="45720" rIns="91440" bIns="45720" rtlCol="0" anchor="b">
+            <a:normAutofit/>
+          </a:bodyPr>
+          <a:lstStyle>
+            <a:lvl1pPr marL="0" algn="l" defTabSz="914400" rtl="0" eaLnBrk="1" latinLnBrk="0" hangingPunct="1">
+              <a:lnSpc>
+                <a:spcPct val="85000"/>
+              </a:lnSpc>
+              <a:spcBef>
+                <a:spcPct val="0"/>
+              </a:spcBef>
+              <a:buNone/>
+              <a:defRPr sz="4800" kern="1200" spc="-50" baseline="0">
                 <a:solidFill>
-                  <a:srgbClr val="FFFFFF"/>
+                  <a:schemeClr val="tx1">
+                    <a:lumMod val="75000"/>
+                    <a:lumOff val="25000"/>
+                  </a:schemeClr>
                 </a:solidFill>
-              </a14:hiddenFill>
-            </a:ext>
-          </a:extLst>
-        </p:spPr>
-      </p:pic>
-      <p:pic>
-        <p:nvPicPr>
-          <p:cNvPr id="1028" name="Picture 4" descr="Image result for tsinghua university logo">
-            <a:extLst>
-              <a:ext uri="{FF2B5EF4-FFF2-40B4-BE49-F238E27FC236}">
-                <a16:creationId xmlns:a16="http://schemas.microsoft.com/office/drawing/2014/main" id="{57AFCD69-C330-44C6-8DB5-1FABA653E5DE}"/>
-              </a:ext>
-            </a:extLst>
-          </p:cNvPr>
-          <p:cNvPicPr>
-            <a:picLocks noChangeAspect="1" noChangeArrowheads="1"/>
-          </p:cNvPicPr>
-          <p:nvPr/>
-        </p:nvPicPr>
-        <p:blipFill>
-          <a:blip r:embed="rId3">
-            <a:extLst>
-              <a:ext uri="{28A0092B-C50C-407E-A947-70E740481C1C}">
-                <a14:useLocalDpi xmlns:a14="http://schemas.microsoft.com/office/drawing/2010/main" val="0"/>
-              </a:ext>
-            </a:extLst>
-          </a:blip>
-          <a:srcRect/>
-          <a:stretch>
-            <a:fillRect/>
-          </a:stretch>
-        </p:blipFill>
-        <p:spPr bwMode="auto">
-          <a:xfrm>
-            <a:off x="9690537" y="0"/>
-            <a:ext cx="2238461" cy="861223"/>
-          </a:xfrm>
-          <a:prstGeom prst="rect">
-            <a:avLst/>
-          </a:prstGeom>
-          <a:noFill/>
-          <a:extLst>
-            <a:ext uri="{909E8E84-426E-40DD-AFC4-6F175D3DCCD1}">
-              <a14:hiddenFill xmlns:a14="http://schemas.microsoft.com/office/drawing/2010/main">
-                <a:solidFill>
-                  <a:srgbClr val="FFFFFF"/>
-                </a:solidFill>
-              </a14:hiddenFill>
-            </a:ext>
-          </a:extLst>
-        </p:spPr>
-      </p:pic>
+                <a:latin typeface="+mj-lt"/>
+                <a:ea typeface="+mj-ea"/>
+                <a:cs typeface="+mj-cs"/>
+              </a:defRPr>
+            </a:lvl1pPr>
+          </a:lstStyle>
+          <a:p>
+            <a:r>
+              <a:rPr lang="en-US" sz="3200" dirty="0"/>
+              <a:t>SLT 2018 Special Session – Microsoft Dialogue Challenge: Building E2E Task-Completion Dialogue Systems.</a:t>
+            </a:r>
+          </a:p>
+          <a:p>
+            <a:r>
+              <a:rPr lang="en-US" dirty="0"/>
+              <a:t>Agenda</a:t>
+            </a:r>
+          </a:p>
+        </p:txBody>
+      </p:sp>
     </p:spTree>
     <p:extLst>
       <p:ext uri="{BB962C8B-B14F-4D97-AF65-F5344CB8AC3E}">
-        <p14:creationId xmlns:p14="http://schemas.microsoft.com/office/powerpoint/2010/main" val="2941047382"/>
+        <p14:creationId xmlns:p14="http://schemas.microsoft.com/office/powerpoint/2010/main" val="1429795469"/>
       </p:ext>
     </p:extLst>
   </p:cSld>
@@ -4628,6 +5254,699 @@
 </file>
 
 <file path=ppt/slides/slide10.xml><?xml version="1.0" encoding="utf-8"?>
+<p:sld xmlns:a="http://schemas.openxmlformats.org/drawingml/2006/main" xmlns:r="http://schemas.openxmlformats.org/officeDocument/2006/relationships" xmlns:p="http://schemas.openxmlformats.org/presentationml/2006/main">
+  <p:cSld>
+    <p:spTree>
+      <p:nvGrpSpPr>
+        <p:cNvPr id="1" name=""/>
+        <p:cNvGrpSpPr/>
+        <p:nvPr/>
+      </p:nvGrpSpPr>
+      <p:grpSpPr>
+        <a:xfrm>
+          <a:off x="0" y="0"/>
+          <a:ext cx="0" cy="0"/>
+          <a:chOff x="0" y="0"/>
+          <a:chExt cx="0" cy="0"/>
+        </a:xfrm>
+      </p:grpSpPr>
+      <p:sp>
+        <p:nvSpPr>
+          <p:cNvPr id="2" name="Title 1">
+            <a:extLst>
+              <a:ext uri="{FF2B5EF4-FFF2-40B4-BE49-F238E27FC236}">
+                <a16:creationId xmlns:a16="http://schemas.microsoft.com/office/drawing/2014/main" id="{8E90D89F-97BE-43E5-AC8C-0824232D70F7}"/>
+              </a:ext>
+            </a:extLst>
+          </p:cNvPr>
+          <p:cNvSpPr>
+            <a:spLocks noGrp="1"/>
+          </p:cNvSpPr>
+          <p:nvPr>
+            <p:ph type="title"/>
+          </p:nvPr>
+        </p:nvSpPr>
+        <p:spPr/>
+        <p:txBody>
+          <a:bodyPr/>
+          <a:lstStyle/>
+          <a:p>
+            <a:r>
+              <a:rPr lang="en-US" dirty="0"/>
+              <a:t>First Challenge Result</a:t>
+            </a:r>
+          </a:p>
+        </p:txBody>
+      </p:sp>
+      <p:graphicFrame>
+        <p:nvGraphicFramePr>
+          <p:cNvPr id="6" name="Content Placeholder 5">
+            <a:extLst>
+              <a:ext uri="{FF2B5EF4-FFF2-40B4-BE49-F238E27FC236}">
+                <a16:creationId xmlns:a16="http://schemas.microsoft.com/office/drawing/2014/main" id="{6F2D6566-B3A5-4EA2-A22B-E23C17568E2C}"/>
+              </a:ext>
+            </a:extLst>
+          </p:cNvPr>
+          <p:cNvGraphicFramePr>
+            <a:graphicFrameLocks noGrp="1"/>
+          </p:cNvGraphicFramePr>
+          <p:nvPr>
+            <p:ph sz="half" idx="1"/>
+            <p:extLst>
+              <p:ext uri="{D42A27DB-BD31-4B8C-83A1-F6EECF244321}">
+                <p14:modId xmlns:p14="http://schemas.microsoft.com/office/powerpoint/2010/main" val="1542638530"/>
+              </p:ext>
+            </p:extLst>
+          </p:nvPr>
+        </p:nvGraphicFramePr>
+        <p:xfrm>
+          <a:off x="1096963" y="1846263"/>
+          <a:ext cx="5776803" cy="3729777"/>
+        </p:xfrm>
+        <a:graphic>
+          <a:graphicData uri="http://schemas.openxmlformats.org/drawingml/2006/table">
+            <a:tbl>
+              <a:tblPr firstRow="1" bandRow="1">
+                <a:tableStyleId>{5C22544A-7EE6-4342-B048-85BDC9FD1C3A}</a:tableStyleId>
+              </a:tblPr>
+              <a:tblGrid>
+                <a:gridCol w="2045630">
+                  <a:extLst>
+                    <a:ext uri="{9D8B030D-6E8A-4147-A177-3AD203B41FA5}">
+                      <a16:colId xmlns:a16="http://schemas.microsoft.com/office/drawing/2014/main" val="1708560700"/>
+                    </a:ext>
+                  </a:extLst>
+                </a:gridCol>
+                <a:gridCol w="1387366">
+                  <a:extLst>
+                    <a:ext uri="{9D8B030D-6E8A-4147-A177-3AD203B41FA5}">
+                      <a16:colId xmlns:a16="http://schemas.microsoft.com/office/drawing/2014/main" val="3124179117"/>
+                    </a:ext>
+                  </a:extLst>
+                </a:gridCol>
+                <a:gridCol w="1397875">
+                  <a:extLst>
+                    <a:ext uri="{9D8B030D-6E8A-4147-A177-3AD203B41FA5}">
+                      <a16:colId xmlns:a16="http://schemas.microsoft.com/office/drawing/2014/main" val="2539521818"/>
+                    </a:ext>
+                  </a:extLst>
+                </a:gridCol>
+                <a:gridCol w="945932">
+                  <a:extLst>
+                    <a:ext uri="{9D8B030D-6E8A-4147-A177-3AD203B41FA5}">
+                      <a16:colId xmlns:a16="http://schemas.microsoft.com/office/drawing/2014/main" val="1372155429"/>
+                    </a:ext>
+                  </a:extLst>
+                </a:gridCol>
+              </a:tblGrid>
+              <a:tr h="739282">
+                <a:tc>
+                  <a:txBody>
+                    <a:bodyPr/>
+                    <a:lstStyle/>
+                    <a:p>
+                      <a:r>
+                        <a:rPr lang="en-US" dirty="0"/>
+                        <a:t>Movie Domain Entry</a:t>
+                      </a:r>
+                    </a:p>
+                  </a:txBody>
+                  <a:tcPr anchor="ctr"/>
+                </a:tc>
+                <a:tc>
+                  <a:txBody>
+                    <a:bodyPr/>
+                    <a:lstStyle/>
+                    <a:p>
+                      <a:pPr algn="ctr"/>
+                      <a:r>
+                        <a:rPr lang="en-US" dirty="0"/>
+                        <a:t>Automatic</a:t>
+                      </a:r>
+                    </a:p>
+                    <a:p>
+                      <a:pPr algn="ctr"/>
+                      <a:r>
+                        <a:rPr lang="en-US" dirty="0"/>
+                        <a:t>Success Rate</a:t>
+                      </a:r>
+                    </a:p>
+                  </a:txBody>
+                  <a:tcPr anchor="ctr"/>
+                </a:tc>
+                <a:tc>
+                  <a:txBody>
+                    <a:bodyPr/>
+                    <a:lstStyle/>
+                    <a:p>
+                      <a:pPr algn="ctr"/>
+                      <a:r>
+                        <a:rPr lang="en-US" dirty="0"/>
+                        <a:t>Human</a:t>
+                      </a:r>
+                    </a:p>
+                    <a:p>
+                      <a:pPr algn="ctr"/>
+                      <a:r>
+                        <a:rPr lang="en-US" dirty="0"/>
+                        <a:t>Success Rate</a:t>
+                      </a:r>
+                    </a:p>
+                  </a:txBody>
+                  <a:tcPr anchor="ctr"/>
+                </a:tc>
+                <a:tc>
+                  <a:txBody>
+                    <a:bodyPr/>
+                    <a:lstStyle/>
+                    <a:p>
+                      <a:pPr algn="ctr"/>
+                      <a:r>
+                        <a:rPr lang="en-US" dirty="0"/>
+                        <a:t>Human</a:t>
+                      </a:r>
+                    </a:p>
+                    <a:p>
+                      <a:pPr algn="ctr"/>
+                      <a:r>
+                        <a:rPr lang="en-US" dirty="0"/>
+                        <a:t>Rating</a:t>
+                      </a:r>
+                    </a:p>
+                  </a:txBody>
+                  <a:tcPr anchor="ctr"/>
+                </a:tc>
+                <a:extLst>
+                  <a:ext uri="{0D108BD9-81ED-4DB2-BD59-A6C34878D82A}">
+                    <a16:rowId xmlns:a16="http://schemas.microsoft.com/office/drawing/2014/main" val="2552333945"/>
+                  </a:ext>
+                </a:extLst>
+              </a:tr>
+              <a:tr h="598099">
+                <a:tc>
+                  <a:txBody>
+                    <a:bodyPr/>
+                    <a:lstStyle/>
+                    <a:p>
+                      <a:r>
+                        <a:rPr lang="en-US" dirty="0"/>
+                        <a:t>NTU-Double-Q</a:t>
+                      </a:r>
+                    </a:p>
+                  </a:txBody>
+                  <a:tcPr anchor="ctr"/>
+                </a:tc>
+                <a:tc>
+                  <a:txBody>
+                    <a:bodyPr/>
+                    <a:lstStyle/>
+                    <a:p>
+                      <a:pPr algn="ctr"/>
+                      <a:r>
+                        <a:rPr lang="en-US" dirty="0"/>
+                        <a:t>41.8%</a:t>
+                      </a:r>
+                    </a:p>
+                  </a:txBody>
+                  <a:tcPr anchor="ctr"/>
+                </a:tc>
+                <a:tc>
+                  <a:txBody>
+                    <a:bodyPr/>
+                    <a:lstStyle/>
+                    <a:p>
+                      <a:pPr algn="ctr"/>
+                      <a:r>
+                        <a:rPr lang="en-US" b="1" dirty="0"/>
+                        <a:t>31.1%</a:t>
+                      </a:r>
+                    </a:p>
+                  </a:txBody>
+                  <a:tcPr anchor="ctr"/>
+                </a:tc>
+                <a:tc>
+                  <a:txBody>
+                    <a:bodyPr/>
+                    <a:lstStyle/>
+                    <a:p>
+                      <a:pPr algn="ctr"/>
+                      <a:r>
+                        <a:rPr lang="en-US" b="1" dirty="0"/>
+                        <a:t>2.65</a:t>
+                      </a:r>
+                    </a:p>
+                  </a:txBody>
+                  <a:tcPr anchor="ctr"/>
+                </a:tc>
+                <a:extLst>
+                  <a:ext uri="{0D108BD9-81ED-4DB2-BD59-A6C34878D82A}">
+                    <a16:rowId xmlns:a16="http://schemas.microsoft.com/office/drawing/2014/main" val="3164877562"/>
+                  </a:ext>
+                </a:extLst>
+              </a:tr>
+              <a:tr h="598099">
+                <a:tc>
+                  <a:txBody>
+                    <a:bodyPr/>
+                    <a:lstStyle/>
+                    <a:p>
+                      <a:r>
+                        <a:rPr lang="en-US" dirty="0"/>
+                        <a:t>DQN</a:t>
+                      </a:r>
+                    </a:p>
+                  </a:txBody>
+                  <a:tcPr anchor="ctr"/>
+                </a:tc>
+                <a:tc>
+                  <a:txBody>
+                    <a:bodyPr/>
+                    <a:lstStyle/>
+                    <a:p>
+                      <a:pPr algn="ctr"/>
+                      <a:r>
+                        <a:rPr lang="en-US" b="1" dirty="0"/>
+                        <a:t>44.1%</a:t>
+                      </a:r>
+                    </a:p>
+                  </a:txBody>
+                  <a:tcPr anchor="ctr"/>
+                </a:tc>
+                <a:tc>
+                  <a:txBody>
+                    <a:bodyPr/>
+                    <a:lstStyle/>
+                    <a:p>
+                      <a:pPr algn="ctr"/>
+                      <a:r>
+                        <a:rPr lang="en-US" dirty="0"/>
+                        <a:t>30.8%</a:t>
+                      </a:r>
+                    </a:p>
+                  </a:txBody>
+                  <a:tcPr anchor="ctr"/>
+                </a:tc>
+                <a:tc>
+                  <a:txBody>
+                    <a:bodyPr/>
+                    <a:lstStyle/>
+                    <a:p>
+                      <a:pPr algn="ctr"/>
+                      <a:r>
+                        <a:rPr lang="en-US" dirty="0"/>
+                        <a:t>2.62</a:t>
+                      </a:r>
+                    </a:p>
+                  </a:txBody>
+                  <a:tcPr anchor="ctr"/>
+                </a:tc>
+                <a:extLst>
+                  <a:ext uri="{0D108BD9-81ED-4DB2-BD59-A6C34878D82A}">
+                    <a16:rowId xmlns:a16="http://schemas.microsoft.com/office/drawing/2014/main" val="1912893160"/>
+                  </a:ext>
+                </a:extLst>
+              </a:tr>
+              <a:tr h="598099">
+                <a:tc>
+                  <a:txBody>
+                    <a:bodyPr/>
+                    <a:lstStyle/>
+                    <a:p>
+                      <a:r>
+                        <a:rPr lang="en-US" dirty="0"/>
+                        <a:t>NTU-HDQN</a:t>
+                      </a:r>
+                    </a:p>
+                  </a:txBody>
+                  <a:tcPr anchor="ctr"/>
+                </a:tc>
+                <a:tc>
+                  <a:txBody>
+                    <a:bodyPr/>
+                    <a:lstStyle/>
+                    <a:p>
+                      <a:pPr algn="ctr"/>
+                      <a:r>
+                        <a:rPr lang="en-US" dirty="0"/>
+                        <a:t>33.3%</a:t>
+                      </a:r>
+                    </a:p>
+                  </a:txBody>
+                  <a:tcPr anchor="ctr"/>
+                </a:tc>
+                <a:tc>
+                  <a:txBody>
+                    <a:bodyPr/>
+                    <a:lstStyle/>
+                    <a:p>
+                      <a:pPr algn="ctr"/>
+                      <a:r>
+                        <a:rPr lang="en-US" dirty="0"/>
+                        <a:t>27.3%</a:t>
+                      </a:r>
+                    </a:p>
+                  </a:txBody>
+                  <a:tcPr anchor="ctr"/>
+                </a:tc>
+                <a:tc>
+                  <a:txBody>
+                    <a:bodyPr/>
+                    <a:lstStyle/>
+                    <a:p>
+                      <a:pPr algn="ctr"/>
+                      <a:r>
+                        <a:rPr lang="en-US" dirty="0"/>
+                        <a:t>2.49*</a:t>
+                      </a:r>
+                    </a:p>
+                  </a:txBody>
+                  <a:tcPr anchor="ctr"/>
+                </a:tc>
+                <a:extLst>
+                  <a:ext uri="{0D108BD9-81ED-4DB2-BD59-A6C34878D82A}">
+                    <a16:rowId xmlns:a16="http://schemas.microsoft.com/office/drawing/2014/main" val="1618865082"/>
+                  </a:ext>
+                </a:extLst>
+              </a:tr>
+              <a:tr h="598099">
+                <a:tc>
+                  <a:txBody>
+                    <a:bodyPr/>
+                    <a:lstStyle/>
+                    <a:p>
+                      <a:r>
+                        <a:rPr lang="en-US" dirty="0"/>
+                        <a:t>BUPT-Transfer-DDQ</a:t>
+                      </a:r>
+                    </a:p>
+                  </a:txBody>
+                  <a:tcPr anchor="ctr"/>
+                </a:tc>
+                <a:tc>
+                  <a:txBody>
+                    <a:bodyPr/>
+                    <a:lstStyle/>
+                    <a:p>
+                      <a:pPr algn="ctr"/>
+                      <a:r>
+                        <a:rPr lang="en-US" dirty="0"/>
+                        <a:t>11.5%</a:t>
+                      </a:r>
+                    </a:p>
+                  </a:txBody>
+                  <a:tcPr anchor="ctr"/>
+                </a:tc>
+                <a:tc>
+                  <a:txBody>
+                    <a:bodyPr/>
+                    <a:lstStyle/>
+                    <a:p>
+                      <a:pPr algn="ctr"/>
+                      <a:r>
+                        <a:rPr lang="en-US" dirty="0"/>
+                        <a:t>9.66%</a:t>
+                      </a:r>
+                    </a:p>
+                  </a:txBody>
+                  <a:tcPr anchor="ctr"/>
+                </a:tc>
+                <a:tc>
+                  <a:txBody>
+                    <a:bodyPr/>
+                    <a:lstStyle/>
+                    <a:p>
+                      <a:pPr algn="ctr"/>
+                      <a:r>
+                        <a:rPr lang="en-US" dirty="0"/>
+                        <a:t>2.24*</a:t>
+                      </a:r>
+                    </a:p>
+                  </a:txBody>
+                  <a:tcPr anchor="ctr"/>
+                </a:tc>
+                <a:extLst>
+                  <a:ext uri="{0D108BD9-81ED-4DB2-BD59-A6C34878D82A}">
+                    <a16:rowId xmlns:a16="http://schemas.microsoft.com/office/drawing/2014/main" val="3800161506"/>
+                  </a:ext>
+                </a:extLst>
+              </a:tr>
+              <a:tr h="598099">
+                <a:tc>
+                  <a:txBody>
+                    <a:bodyPr/>
+                    <a:lstStyle/>
+                    <a:p>
+                      <a:r>
+                        <a:rPr lang="en-US" dirty="0"/>
+                        <a:t>Rule</a:t>
+                      </a:r>
+                    </a:p>
+                  </a:txBody>
+                  <a:tcPr anchor="ctr"/>
+                </a:tc>
+                <a:tc>
+                  <a:txBody>
+                    <a:bodyPr/>
+                    <a:lstStyle/>
+                    <a:p>
+                      <a:pPr algn="ctr"/>
+                      <a:r>
+                        <a:rPr lang="en-US" dirty="0"/>
+                        <a:t>6.13%</a:t>
+                      </a:r>
+                    </a:p>
+                  </a:txBody>
+                  <a:tcPr anchor="ctr"/>
+                </a:tc>
+                <a:tc>
+                  <a:txBody>
+                    <a:bodyPr/>
+                    <a:lstStyle/>
+                    <a:p>
+                      <a:pPr algn="ctr"/>
+                      <a:r>
+                        <a:rPr lang="en-US" dirty="0"/>
+                        <a:t>6.42%</a:t>
+                      </a:r>
+                    </a:p>
+                  </a:txBody>
+                  <a:tcPr anchor="ctr"/>
+                </a:tc>
+                <a:tc>
+                  <a:txBody>
+                    <a:bodyPr/>
+                    <a:lstStyle/>
+                    <a:p>
+                      <a:pPr algn="ctr"/>
+                      <a:r>
+                        <a:rPr lang="en-US" dirty="0"/>
+                        <a:t>1.78*</a:t>
+                      </a:r>
+                    </a:p>
+                  </a:txBody>
+                  <a:tcPr anchor="ctr"/>
+                </a:tc>
+                <a:extLst>
+                  <a:ext uri="{0D108BD9-81ED-4DB2-BD59-A6C34878D82A}">
+                    <a16:rowId xmlns:a16="http://schemas.microsoft.com/office/drawing/2014/main" val="1156242241"/>
+                  </a:ext>
+                </a:extLst>
+              </a:tr>
+            </a:tbl>
+          </a:graphicData>
+        </a:graphic>
+      </p:graphicFrame>
+      <p:sp>
+        <p:nvSpPr>
+          <p:cNvPr id="5" name="Content Placeholder 4">
+            <a:extLst>
+              <a:ext uri="{FF2B5EF4-FFF2-40B4-BE49-F238E27FC236}">
+                <a16:creationId xmlns:a16="http://schemas.microsoft.com/office/drawing/2014/main" id="{8BE5B73B-9C08-4CFD-A588-72C5E2E70052}"/>
+              </a:ext>
+            </a:extLst>
+          </p:cNvPr>
+          <p:cNvSpPr>
+            <a:spLocks noGrp="1"/>
+          </p:cNvSpPr>
+          <p:nvPr>
+            <p:ph sz="half" idx="2"/>
+          </p:nvPr>
+        </p:nvSpPr>
+        <p:spPr>
+          <a:xfrm>
+            <a:off x="7126014" y="1845735"/>
+            <a:ext cx="4029666" cy="4023360"/>
+          </a:xfrm>
+        </p:spPr>
+        <p:txBody>
+          <a:bodyPr>
+            <a:normAutofit/>
+          </a:bodyPr>
+          <a:lstStyle/>
+          <a:p>
+            <a:r>
+              <a:rPr lang="en-US" dirty="0"/>
+              <a:t>No entries for Restaurant and Taxi domain.</a:t>
+            </a:r>
+          </a:p>
+          <a:p>
+            <a:r>
+              <a:rPr lang="en-US" dirty="0"/>
+              <a:t>4 reinforcement learning-based agents and 1 rule-based agent.</a:t>
+            </a:r>
+          </a:p>
+          <a:p>
+            <a:r>
+              <a:rPr lang="en-US" dirty="0"/>
+              <a:t>Overall, RL-based agents outperform rule-based agent. </a:t>
+            </a:r>
+          </a:p>
+          <a:p>
+            <a:r>
+              <a:rPr lang="en-US" dirty="0"/>
+              <a:t>The first and second systems in automatic evaluation switch positions in human evaluation.</a:t>
+            </a:r>
+          </a:p>
+          <a:p>
+            <a:r>
+              <a:rPr lang="en-US" dirty="0"/>
+              <a:t>More details available from participants’ presentation.</a:t>
+            </a:r>
+          </a:p>
+        </p:txBody>
+      </p:sp>
+      <p:sp>
+        <p:nvSpPr>
+          <p:cNvPr id="7" name="TextBox 6">
+            <a:extLst>
+              <a:ext uri="{FF2B5EF4-FFF2-40B4-BE49-F238E27FC236}">
+                <a16:creationId xmlns:a16="http://schemas.microsoft.com/office/drawing/2014/main" id="{83C37651-CB9A-46FB-82C9-F605EC031B26}"/>
+              </a:ext>
+            </a:extLst>
+          </p:cNvPr>
+          <p:cNvSpPr txBox="1"/>
+          <p:nvPr/>
+        </p:nvSpPr>
+        <p:spPr>
+          <a:xfrm>
+            <a:off x="1096963" y="5627358"/>
+            <a:ext cx="3526286" cy="369332"/>
+          </a:xfrm>
+          <a:prstGeom prst="rect">
+            <a:avLst/>
+          </a:prstGeom>
+          <a:noFill/>
+        </p:spPr>
+        <p:txBody>
+          <a:bodyPr wrap="none" rtlCol="0">
+            <a:spAutoFit/>
+          </a:bodyPr>
+          <a:lstStyle/>
+          <a:p>
+            <a:r>
+              <a:rPr lang="en-US" dirty="0"/>
+              <a:t>*Statistically significant with p&lt;0.05</a:t>
+            </a:r>
+          </a:p>
+        </p:txBody>
+      </p:sp>
+    </p:spTree>
+    <p:extLst>
+      <p:ext uri="{BB962C8B-B14F-4D97-AF65-F5344CB8AC3E}">
+        <p14:creationId xmlns:p14="http://schemas.microsoft.com/office/powerpoint/2010/main" val="2842116293"/>
+      </p:ext>
+    </p:extLst>
+  </p:cSld>
+  <p:clrMapOvr>
+    <a:masterClrMapping/>
+  </p:clrMapOvr>
+</p:sld>
+</file>
+
+<file path=ppt/slides/slide11.xml><?xml version="1.0" encoding="utf-8"?>
+<p:sld xmlns:a="http://schemas.openxmlformats.org/drawingml/2006/main" xmlns:r="http://schemas.openxmlformats.org/officeDocument/2006/relationships" xmlns:p="http://schemas.openxmlformats.org/presentationml/2006/main">
+  <p:cSld>
+    <p:spTree>
+      <p:nvGrpSpPr>
+        <p:cNvPr id="1" name=""/>
+        <p:cNvGrpSpPr/>
+        <p:nvPr/>
+      </p:nvGrpSpPr>
+      <p:grpSpPr>
+        <a:xfrm>
+          <a:off x="0" y="0"/>
+          <a:ext cx="0" cy="0"/>
+          <a:chOff x="0" y="0"/>
+          <a:chExt cx="0" cy="0"/>
+        </a:xfrm>
+      </p:grpSpPr>
+      <p:sp>
+        <p:nvSpPr>
+          <p:cNvPr id="2" name="Title 1">
+            <a:extLst>
+              <a:ext uri="{FF2B5EF4-FFF2-40B4-BE49-F238E27FC236}">
+                <a16:creationId xmlns:a16="http://schemas.microsoft.com/office/drawing/2014/main" id="{01455DA4-99C8-45B5-9CA7-F34DEAF8F5DC}"/>
+              </a:ext>
+            </a:extLst>
+          </p:cNvPr>
+          <p:cNvSpPr>
+            <a:spLocks noGrp="1"/>
+          </p:cNvSpPr>
+          <p:nvPr>
+            <p:ph type="title"/>
+          </p:nvPr>
+        </p:nvSpPr>
+        <p:spPr/>
+        <p:txBody>
+          <a:bodyPr/>
+          <a:lstStyle/>
+          <a:p>
+            <a:r>
+              <a:rPr lang="en-US" dirty="0"/>
+              <a:t>Next Challenge with Tsinghua University</a:t>
+            </a:r>
+          </a:p>
+        </p:txBody>
+      </p:sp>
+      <p:sp>
+        <p:nvSpPr>
+          <p:cNvPr id="5" name="Text Placeholder 4">
+            <a:extLst>
+              <a:ext uri="{FF2B5EF4-FFF2-40B4-BE49-F238E27FC236}">
+                <a16:creationId xmlns:a16="http://schemas.microsoft.com/office/drawing/2014/main" id="{FFA32C89-A8C1-4BFF-842B-C70FAA43DFD9}"/>
+              </a:ext>
+            </a:extLst>
+          </p:cNvPr>
+          <p:cNvSpPr>
+            <a:spLocks noGrp="1"/>
+          </p:cNvSpPr>
+          <p:nvPr>
+            <p:ph type="body" idx="1"/>
+          </p:nvPr>
+        </p:nvSpPr>
+        <p:spPr/>
+        <p:txBody>
+          <a:bodyPr/>
+          <a:lstStyle/>
+          <a:p>
+            <a:endParaRPr lang="en-US"/>
+          </a:p>
+        </p:txBody>
+      </p:sp>
+    </p:spTree>
+    <p:extLst>
+      <p:ext uri="{BB962C8B-B14F-4D97-AF65-F5344CB8AC3E}">
+        <p14:creationId xmlns:p14="http://schemas.microsoft.com/office/powerpoint/2010/main" val="495807618"/>
+      </p:ext>
+    </p:extLst>
+  </p:cSld>
+  <p:clrMapOvr>
+    <a:masterClrMapping/>
+  </p:clrMapOvr>
+</p:sld>
+</file>
+
+<file path=ppt/slides/slide12.xml><?xml version="1.0" encoding="utf-8"?>
 <p:sld xmlns:a="http://schemas.openxmlformats.org/drawingml/2006/main" xmlns:r="http://schemas.openxmlformats.org/officeDocument/2006/relationships" xmlns:p="http://schemas.openxmlformats.org/presentationml/2006/main">
   <p:cSld>
     <p:spTree>
@@ -5711,7 +7030,7 @@
 </p:sld>
 </file>
 
-<file path=ppt/slides/slide11.xml><?xml version="1.0" encoding="utf-8"?>
+<file path=ppt/slides/slide13.xml><?xml version="1.0" encoding="utf-8"?>
 <p:sld xmlns:a="http://schemas.openxmlformats.org/drawingml/2006/main" xmlns:r="http://schemas.openxmlformats.org/officeDocument/2006/relationships" xmlns:p="http://schemas.openxmlformats.org/presentationml/2006/main">
   <p:cSld>
     <p:spTree>
@@ -7029,7 +8348,7 @@
 </p:sld>
 </file>
 
-<file path=ppt/slides/slide12.xml><?xml version="1.0" encoding="utf-8"?>
+<file path=ppt/slides/slide14.xml><?xml version="1.0" encoding="utf-8"?>
 <p:sld xmlns:a="http://schemas.openxmlformats.org/drawingml/2006/main" xmlns:r="http://schemas.openxmlformats.org/officeDocument/2006/relationships" xmlns:p="http://schemas.openxmlformats.org/presentationml/2006/main">
   <p:cSld>
     <p:spTree>
@@ -7825,7 +9144,7 @@
 </p:sld>
 </file>
 
-<file path=ppt/slides/slide13.xml><?xml version="1.0" encoding="utf-8"?>
+<file path=ppt/slides/slide15.xml><?xml version="1.0" encoding="utf-8"?>
 <p:sld xmlns:a="http://schemas.openxmlformats.org/drawingml/2006/main" xmlns:r="http://schemas.openxmlformats.org/officeDocument/2006/relationships" xmlns:p="http://schemas.openxmlformats.org/presentationml/2006/main">
   <p:cSld>
     <p:spTree>
@@ -8607,7 +9926,7 @@
 </p:sld>
 </file>
 
-<file path=ppt/slides/slide14.xml><?xml version="1.0" encoding="utf-8"?>
+<file path=ppt/slides/slide16.xml><?xml version="1.0" encoding="utf-8"?>
 <p:sld xmlns:a="http://schemas.openxmlformats.org/drawingml/2006/main" xmlns:r="http://schemas.openxmlformats.org/officeDocument/2006/relationships" xmlns:p="http://schemas.openxmlformats.org/presentationml/2006/main">
   <p:cSld>
     <p:spTree>
@@ -10259,7 +11578,7 @@
 </p:sld>
 </file>
 
-<file path=ppt/slides/slide15.xml><?xml version="1.0" encoding="utf-8"?>
+<file path=ppt/slides/slide17.xml><?xml version="1.0" encoding="utf-8"?>
 <p:sld xmlns:a="http://schemas.openxmlformats.org/drawingml/2006/main" xmlns:r="http://schemas.openxmlformats.org/officeDocument/2006/relationships" xmlns:p="http://schemas.openxmlformats.org/presentationml/2006/main">
   <p:cSld>
     <p:spTree>
@@ -10398,7 +11717,7 @@
 </p:sld>
 </file>
 
-<file path=ppt/slides/slide16.xml><?xml version="1.0" encoding="utf-8"?>
+<file path=ppt/slides/slide18.xml><?xml version="1.0" encoding="utf-8"?>
 <p:sld xmlns:a="http://schemas.openxmlformats.org/drawingml/2006/main" xmlns:r="http://schemas.openxmlformats.org/officeDocument/2006/relationships" xmlns:p="http://schemas.openxmlformats.org/presentationml/2006/main">
   <p:cSld>
     <p:spTree>
@@ -12005,7 +13324,7 @@
           <p:cNvPr id="2" name="Title 1">
             <a:extLst>
               <a:ext uri="{FF2B5EF4-FFF2-40B4-BE49-F238E27FC236}">
-                <a16:creationId xmlns:a16="http://schemas.microsoft.com/office/drawing/2014/main" id="{144AD451-7B57-4F41-9829-31133D62D08F}"/>
+                <a16:creationId xmlns:a16="http://schemas.microsoft.com/office/drawing/2014/main" id="{609BB154-6BC3-4EB3-B875-6F08FF50CD24}"/>
               </a:ext>
             </a:extLst>
           </p:cNvPr>
@@ -12023,547 +13342,133 @@
           <a:p>
             <a:r>
               <a:rPr lang="en-US" dirty="0"/>
-              <a:t>Schedule</a:t>
+              <a:t>Topics we’d like to discuss…</a:t>
             </a:r>
           </a:p>
         </p:txBody>
       </p:sp>
-      <p:graphicFrame>
-        <p:nvGraphicFramePr>
-          <p:cNvPr id="4" name="Content Placeholder 3">
+      <p:sp>
+        <p:nvSpPr>
+          <p:cNvPr id="3" name="Content Placeholder 2">
             <a:extLst>
               <a:ext uri="{FF2B5EF4-FFF2-40B4-BE49-F238E27FC236}">
-                <a16:creationId xmlns:a16="http://schemas.microsoft.com/office/drawing/2014/main" id="{F77A13ED-3048-4258-BFDB-E84DE1D5E3DC}"/>
+                <a16:creationId xmlns:a16="http://schemas.microsoft.com/office/drawing/2014/main" id="{8B08BEDF-00AC-4734-B42D-CE5407DBAC89}"/>
               </a:ext>
             </a:extLst>
           </p:cNvPr>
-          <p:cNvGraphicFramePr>
-            <a:graphicFrameLocks noGrp="1"/>
-          </p:cNvGraphicFramePr>
+          <p:cNvSpPr>
+            <a:spLocks noGrp="1"/>
+          </p:cNvSpPr>
           <p:nvPr>
             <p:ph idx="1"/>
-            <p:extLst>
-              <p:ext uri="{D42A27DB-BD31-4B8C-83A1-F6EECF244321}">
-                <p14:modId xmlns:p14="http://schemas.microsoft.com/office/powerpoint/2010/main" val="383449646"/>
-              </p:ext>
-            </p:extLst>
           </p:nvPr>
-        </p:nvGraphicFramePr>
-        <p:xfrm>
-          <a:off x="1096963" y="1846263"/>
-          <a:ext cx="10058400" cy="4209305"/>
-        </p:xfrm>
-        <a:graphic>
-          <a:graphicData uri="http://schemas.openxmlformats.org/drawingml/2006/table">
-            <a:tbl>
-              <a:tblPr firstRow="1" bandRow="1">
-                <a:tableStyleId>{9D7B26C5-4107-4FEC-AEDC-1716B250A1EF}</a:tableStyleId>
-              </a:tblPr>
-              <a:tblGrid>
-                <a:gridCol w="1823519">
-                  <a:extLst>
-                    <a:ext uri="{9D8B030D-6E8A-4147-A177-3AD203B41FA5}">
-                      <a16:colId xmlns:a16="http://schemas.microsoft.com/office/drawing/2014/main" val="227221171"/>
-                    </a:ext>
-                  </a:extLst>
-                </a:gridCol>
-                <a:gridCol w="8234881">
-                  <a:extLst>
-                    <a:ext uri="{9D8B030D-6E8A-4147-A177-3AD203B41FA5}">
-                      <a16:colId xmlns:a16="http://schemas.microsoft.com/office/drawing/2014/main" val="1504000254"/>
-                    </a:ext>
-                  </a:extLst>
-                </a:gridCol>
-              </a:tblGrid>
-              <a:tr h="447929">
-                <a:tc>
-                  <a:txBody>
-                    <a:bodyPr/>
-                    <a:lstStyle/>
-                    <a:p>
-                      <a:pPr algn="ctr"/>
-                      <a:r>
-                        <a:rPr lang="en-US" sz="1400" b="0" dirty="0"/>
-                        <a:t>1:00 - 1:10PM </a:t>
-                      </a:r>
-                    </a:p>
-                  </a:txBody>
-                  <a:tcPr anchor="ctr"/>
-                </a:tc>
-                <a:tc>
-                  <a:txBody>
-                    <a:bodyPr/>
-                    <a:lstStyle/>
-                    <a:p>
-                      <a:pPr marL="0" marR="0" lvl="0" indent="0" algn="l" defTabSz="914400" rtl="0" eaLnBrk="1" fontAlgn="auto" latinLnBrk="0" hangingPunct="1">
-                        <a:lnSpc>
-                          <a:spcPct val="100000"/>
-                        </a:lnSpc>
-                        <a:spcBef>
-                          <a:spcPts val="0"/>
-                        </a:spcBef>
-                        <a:spcAft>
-                          <a:spcPts val="0"/>
-                        </a:spcAft>
-                        <a:buClrTx/>
-                        <a:buSzTx/>
-                        <a:buFontTx/>
-                        <a:buNone/>
-                        <a:tabLst/>
-                        <a:defRPr/>
-                      </a:pPr>
-                      <a:r>
-                        <a:rPr lang="en-US" sz="1400" b="0" dirty="0"/>
-                        <a:t>Opening, Jianfeng Gao (MSR)</a:t>
-                      </a:r>
-                    </a:p>
-                  </a:txBody>
-                  <a:tcPr anchor="ctr"/>
-                </a:tc>
-                <a:extLst>
-                  <a:ext uri="{0D108BD9-81ED-4DB2-BD59-A6C34878D82A}">
-                    <a16:rowId xmlns:a16="http://schemas.microsoft.com/office/drawing/2014/main" val="4021331953"/>
-                  </a:ext>
-                </a:extLst>
-              </a:tr>
-              <a:tr h="447929">
-                <a:tc>
-                  <a:txBody>
-                    <a:bodyPr/>
-                    <a:lstStyle/>
-                    <a:p>
-                      <a:pPr algn="ctr"/>
-                      <a:r>
-                        <a:rPr lang="en-US" sz="1400" dirty="0"/>
-                        <a:t>1:10 – 1:40PM </a:t>
-                      </a:r>
-                    </a:p>
-                  </a:txBody>
-                  <a:tcPr anchor="ctr"/>
-                </a:tc>
-                <a:tc>
-                  <a:txBody>
-                    <a:bodyPr/>
-                    <a:lstStyle/>
-                    <a:p>
-                      <a:pPr marL="0" marR="0" lvl="0" indent="0" algn="l" defTabSz="914400" rtl="0" eaLnBrk="1" fontAlgn="auto" latinLnBrk="0" hangingPunct="1">
-                        <a:lnSpc>
-                          <a:spcPct val="100000"/>
-                        </a:lnSpc>
-                        <a:spcBef>
-                          <a:spcPts val="0"/>
-                        </a:spcBef>
-                        <a:spcAft>
-                          <a:spcPts val="0"/>
-                        </a:spcAft>
-                        <a:buClrTx/>
-                        <a:buSzTx/>
-                        <a:buFontTx/>
-                        <a:buNone/>
-                        <a:tabLst/>
-                        <a:defRPr/>
-                      </a:pPr>
-                      <a:r>
-                        <a:rPr lang="en-US" sz="1400" dirty="0"/>
-                        <a:t>“Past, Present, and Future of Conversational AI”, </a:t>
-                      </a:r>
-                      <a:r>
-                        <a:rPr lang="en-US" sz="1400" dirty="0" err="1"/>
-                        <a:t>Gokhan</a:t>
-                      </a:r>
-                      <a:r>
-                        <a:rPr lang="en-US" sz="1400" dirty="0"/>
-                        <a:t> Tur (Uber)</a:t>
-                      </a:r>
-                    </a:p>
-                  </a:txBody>
-                  <a:tcPr anchor="ctr"/>
-                </a:tc>
-                <a:extLst>
-                  <a:ext uri="{0D108BD9-81ED-4DB2-BD59-A6C34878D82A}">
-                    <a16:rowId xmlns:a16="http://schemas.microsoft.com/office/drawing/2014/main" val="1371339437"/>
-                  </a:ext>
-                </a:extLst>
-              </a:tr>
-              <a:tr h="447929">
-                <a:tc>
-                  <a:txBody>
-                    <a:bodyPr/>
-                    <a:lstStyle/>
-                    <a:p>
-                      <a:pPr algn="ctr"/>
-                      <a:r>
-                        <a:rPr lang="en-US" sz="1400" dirty="0"/>
-                        <a:t>1:40 – 2:10PM </a:t>
-                      </a:r>
-                    </a:p>
-                  </a:txBody>
-                  <a:tcPr anchor="ctr"/>
-                </a:tc>
-                <a:tc>
-                  <a:txBody>
-                    <a:bodyPr/>
-                    <a:lstStyle/>
-                    <a:p>
-                      <a:pPr marL="0" marR="0" lvl="0" indent="0" algn="l" defTabSz="914400" rtl="0" eaLnBrk="1" fontAlgn="auto" latinLnBrk="0" hangingPunct="1">
-                        <a:lnSpc>
-                          <a:spcPct val="100000"/>
-                        </a:lnSpc>
-                        <a:spcBef>
-                          <a:spcPts val="0"/>
-                        </a:spcBef>
-                        <a:spcAft>
-                          <a:spcPts val="0"/>
-                        </a:spcAft>
-                        <a:buClrTx/>
-                        <a:buSzTx/>
-                        <a:buFontTx/>
-                        <a:buNone/>
-                        <a:tabLst/>
-                        <a:defRPr/>
-                      </a:pPr>
-                      <a:r>
-                        <a:rPr lang="en-US" sz="1400" dirty="0"/>
-                        <a:t>“Universe Model: A Human-like User Simulator Based on Dialogue Context”, </a:t>
-                      </a:r>
-                      <a:r>
-                        <a:rPr lang="en-US" sz="1400" dirty="0" err="1"/>
-                        <a:t>Minlie</a:t>
-                      </a:r>
-                      <a:r>
-                        <a:rPr lang="en-US" sz="1400" dirty="0"/>
-                        <a:t> Huang (Tsinghua)</a:t>
-                      </a:r>
-                    </a:p>
-                  </a:txBody>
-                  <a:tcPr anchor="ctr"/>
-                </a:tc>
-                <a:extLst>
-                  <a:ext uri="{0D108BD9-81ED-4DB2-BD59-A6C34878D82A}">
-                    <a16:rowId xmlns:a16="http://schemas.microsoft.com/office/drawing/2014/main" val="2237612375"/>
-                  </a:ext>
-                </a:extLst>
-              </a:tr>
-              <a:tr h="447929">
-                <a:tc>
-                  <a:txBody>
-                    <a:bodyPr/>
-                    <a:lstStyle/>
-                    <a:p>
-                      <a:pPr algn="ctr"/>
-                      <a:r>
-                        <a:rPr lang="en-US" sz="1400" dirty="0"/>
-                        <a:t>2:10 – 2:40PM </a:t>
-                      </a:r>
-                    </a:p>
-                  </a:txBody>
-                  <a:tcPr anchor="ctr"/>
-                </a:tc>
-                <a:tc>
-                  <a:txBody>
-                    <a:bodyPr/>
-                    <a:lstStyle/>
-                    <a:p>
-                      <a:pPr marL="0" marR="0" lvl="0" indent="0" algn="l" defTabSz="914400" rtl="0" eaLnBrk="1" fontAlgn="auto" latinLnBrk="0" hangingPunct="1">
-                        <a:lnSpc>
-                          <a:spcPct val="100000"/>
-                        </a:lnSpc>
-                        <a:spcBef>
-                          <a:spcPts val="0"/>
-                        </a:spcBef>
-                        <a:spcAft>
-                          <a:spcPts val="0"/>
-                        </a:spcAft>
-                        <a:buClrTx/>
-                        <a:buSzTx/>
-                        <a:buFontTx/>
-                        <a:buNone/>
-                        <a:tabLst/>
-                        <a:defRPr/>
-                      </a:pPr>
-                      <a:r>
-                        <a:rPr lang="en-US" sz="1400" dirty="0"/>
-                        <a:t>“Towards Open-Domain Conversational AI”, Vivian Chen (NTU)</a:t>
-                      </a:r>
-                    </a:p>
-                  </a:txBody>
-                  <a:tcPr anchor="ctr"/>
-                </a:tc>
-                <a:extLst>
-                  <a:ext uri="{0D108BD9-81ED-4DB2-BD59-A6C34878D82A}">
-                    <a16:rowId xmlns:a16="http://schemas.microsoft.com/office/drawing/2014/main" val="3059524474"/>
-                  </a:ext>
-                </a:extLst>
-              </a:tr>
-              <a:tr h="447929">
-                <a:tc>
-                  <a:txBody>
-                    <a:bodyPr/>
-                    <a:lstStyle/>
-                    <a:p>
-                      <a:pPr algn="ctr"/>
-                      <a:r>
-                        <a:rPr lang="en-US" sz="1400" dirty="0"/>
-                        <a:t>2:40 – 3:00PM </a:t>
-                      </a:r>
-                    </a:p>
-                  </a:txBody>
-                  <a:tcPr anchor="ctr"/>
-                </a:tc>
-                <a:tc>
-                  <a:txBody>
-                    <a:bodyPr/>
-                    <a:lstStyle/>
-                    <a:p>
-                      <a:r>
-                        <a:rPr lang="en-US" sz="1400" dirty="0"/>
-                        <a:t>Break</a:t>
-                      </a:r>
-                    </a:p>
-                  </a:txBody>
-                  <a:tcPr anchor="ctr"/>
-                </a:tc>
-                <a:extLst>
-                  <a:ext uri="{0D108BD9-81ED-4DB2-BD59-A6C34878D82A}">
-                    <a16:rowId xmlns:a16="http://schemas.microsoft.com/office/drawing/2014/main" val="2199818635"/>
-                  </a:ext>
-                </a:extLst>
-              </a:tr>
-              <a:tr h="447929">
-                <a:tc>
-                  <a:txBody>
-                    <a:bodyPr/>
-                    <a:lstStyle/>
-                    <a:p>
-                      <a:pPr algn="ctr"/>
-                      <a:r>
-                        <a:rPr lang="en-US" sz="1400" dirty="0"/>
-                        <a:t>3:00 – 3:20PM </a:t>
-                      </a:r>
-                    </a:p>
-                  </a:txBody>
-                  <a:tcPr anchor="ctr"/>
-                </a:tc>
-                <a:tc>
-                  <a:txBody>
-                    <a:bodyPr/>
-                    <a:lstStyle/>
-                    <a:p>
-                      <a:pPr marL="0" marR="0" lvl="0" indent="0" algn="l" defTabSz="914400" rtl="0" eaLnBrk="1" fontAlgn="auto" latinLnBrk="0" hangingPunct="1">
-                        <a:lnSpc>
-                          <a:spcPct val="100000"/>
-                        </a:lnSpc>
-                        <a:spcBef>
-                          <a:spcPts val="0"/>
-                        </a:spcBef>
-                        <a:spcAft>
-                          <a:spcPts val="0"/>
-                        </a:spcAft>
-                        <a:buClrTx/>
-                        <a:buSzTx/>
-                        <a:buFontTx/>
-                        <a:buNone/>
-                        <a:tabLst/>
-                        <a:defRPr/>
-                      </a:pPr>
-                      <a:r>
-                        <a:rPr lang="en-US" sz="1400" dirty="0"/>
-                        <a:t>“MS dialogue challenge: result and outlook”, Sungjin Lee (MSR)</a:t>
-                      </a:r>
-                    </a:p>
-                  </a:txBody>
-                  <a:tcPr anchor="ctr"/>
-                </a:tc>
-                <a:extLst>
-                  <a:ext uri="{0D108BD9-81ED-4DB2-BD59-A6C34878D82A}">
-                    <a16:rowId xmlns:a16="http://schemas.microsoft.com/office/drawing/2014/main" val="2981817609"/>
-                  </a:ext>
-                </a:extLst>
-              </a:tr>
-              <a:tr h="447929">
-                <a:tc>
-                  <a:txBody>
-                    <a:bodyPr/>
-                    <a:lstStyle/>
-                    <a:p>
-                      <a:pPr algn="ctr"/>
-                      <a:r>
-                        <a:rPr lang="en-US" sz="1400" dirty="0"/>
-                        <a:t>3:20 – 3:35PM </a:t>
-                      </a:r>
-                    </a:p>
-                  </a:txBody>
-                  <a:tcPr anchor="ctr"/>
-                </a:tc>
-                <a:tc>
-                  <a:txBody>
-                    <a:bodyPr/>
-                    <a:lstStyle/>
-                    <a:p>
-                      <a:pPr marL="0" marR="0" lvl="0" indent="0" algn="l" defTabSz="914400" rtl="0" eaLnBrk="1" fontAlgn="auto" latinLnBrk="0" hangingPunct="1">
-                        <a:lnSpc>
-                          <a:spcPct val="100000"/>
-                        </a:lnSpc>
-                        <a:spcBef>
-                          <a:spcPts val="0"/>
-                        </a:spcBef>
-                        <a:spcAft>
-                          <a:spcPts val="0"/>
-                        </a:spcAft>
-                        <a:buClrTx/>
-                        <a:buSzTx/>
-                        <a:buFontTx/>
-                        <a:buNone/>
-                        <a:tabLst/>
-                        <a:defRPr/>
-                      </a:pPr>
-                      <a:r>
-                        <a:rPr lang="en-US" sz="1400" dirty="0"/>
-                        <a:t>“Universe Model: A Human-like User Simulator Based on Dialogue Context”, </a:t>
-                      </a:r>
-                      <a:r>
-                        <a:rPr lang="en-US" sz="1400" dirty="0" err="1"/>
-                        <a:t>Sihong</a:t>
-                      </a:r>
-                      <a:r>
-                        <a:rPr lang="en-US" sz="1400" dirty="0"/>
-                        <a:t> Liu</a:t>
-                      </a:r>
-                    </a:p>
-                  </a:txBody>
-                  <a:tcPr anchor="ctr"/>
-                </a:tc>
-                <a:extLst>
-                  <a:ext uri="{0D108BD9-81ED-4DB2-BD59-A6C34878D82A}">
-                    <a16:rowId xmlns:a16="http://schemas.microsoft.com/office/drawing/2014/main" val="348489174"/>
-                  </a:ext>
-                </a:extLst>
-              </a:tr>
-              <a:tr h="447929">
-                <a:tc>
-                  <a:txBody>
-                    <a:bodyPr/>
-                    <a:lstStyle/>
-                    <a:p>
-                      <a:pPr algn="ctr"/>
-                      <a:r>
-                        <a:rPr lang="en-US" sz="1400" dirty="0"/>
-                        <a:t>3:35 – 3:50PM </a:t>
-                      </a:r>
-                    </a:p>
-                  </a:txBody>
-                  <a:tcPr anchor="ctr"/>
-                </a:tc>
-                <a:tc>
-                  <a:txBody>
-                    <a:bodyPr/>
-                    <a:lstStyle/>
-                    <a:p>
-                      <a:pPr marL="0" marR="0" lvl="0" indent="0" algn="l" defTabSz="914400" rtl="0" eaLnBrk="1" fontAlgn="auto" latinLnBrk="0" hangingPunct="1">
-                        <a:lnSpc>
-                          <a:spcPct val="100000"/>
-                        </a:lnSpc>
-                        <a:spcBef>
-                          <a:spcPts val="0"/>
-                        </a:spcBef>
-                        <a:spcAft>
-                          <a:spcPts val="0"/>
-                        </a:spcAft>
-                        <a:buClrTx/>
-                        <a:buSzTx/>
-                        <a:buFontTx/>
-                        <a:buNone/>
-                        <a:tabLst/>
-                        <a:defRPr/>
-                      </a:pPr>
-                      <a:r>
-                        <a:rPr lang="en-US" sz="1400" dirty="0"/>
-                        <a:t>“Double dueling Agent for Dialogue Policy Learning”, Yu-An Wang</a:t>
-                      </a:r>
-                    </a:p>
-                  </a:txBody>
-                  <a:tcPr anchor="ctr"/>
-                </a:tc>
-                <a:extLst>
-                  <a:ext uri="{0D108BD9-81ED-4DB2-BD59-A6C34878D82A}">
-                    <a16:rowId xmlns:a16="http://schemas.microsoft.com/office/drawing/2014/main" val="1548488906"/>
-                  </a:ext>
-                </a:extLst>
-              </a:tr>
-              <a:tr h="625873">
-                <a:tc>
-                  <a:txBody>
-                    <a:bodyPr/>
-                    <a:lstStyle/>
-                    <a:p>
-                      <a:pPr algn="ctr"/>
-                      <a:r>
-                        <a:rPr lang="en-US" sz="1400" dirty="0"/>
-                        <a:t>3:50 – 4:30PM </a:t>
-                      </a:r>
-                    </a:p>
-                  </a:txBody>
-                  <a:tcPr anchor="ctr"/>
-                </a:tc>
-                <a:tc>
-                  <a:txBody>
-                    <a:bodyPr/>
-                    <a:lstStyle/>
-                    <a:p>
-                      <a:r>
-                        <a:rPr lang="en-US" sz="1400" dirty="0"/>
-                        <a:t>Panel discussion - Alex </a:t>
-                      </a:r>
-                      <a:r>
-                        <a:rPr lang="en-US" sz="1400" dirty="0" err="1"/>
-                        <a:t>Acero</a:t>
-                      </a:r>
-                      <a:r>
-                        <a:rPr lang="en-US" sz="1400" dirty="0"/>
-                        <a:t> (Apple), Vivian Chen (NTU), </a:t>
-                      </a:r>
-                      <a:r>
-                        <a:rPr lang="en-US" sz="1400" dirty="0" err="1"/>
-                        <a:t>Minlie</a:t>
-                      </a:r>
-                      <a:r>
-                        <a:rPr lang="en-US" sz="1400" dirty="0"/>
-                        <a:t> Huang (Tsinghua), Sungjin Lee (MSR), Spyros </a:t>
-                      </a:r>
-                      <a:r>
-                        <a:rPr lang="en-US" sz="1400" dirty="0" err="1"/>
-                        <a:t>Matsoukas</a:t>
-                      </a:r>
-                      <a:r>
-                        <a:rPr lang="en-US" sz="1400" dirty="0"/>
-                        <a:t> (Amazon), </a:t>
-                      </a:r>
-                      <a:r>
-                        <a:rPr lang="en-US" sz="1400" dirty="0" err="1"/>
-                        <a:t>Gokhan</a:t>
-                      </a:r>
-                      <a:r>
-                        <a:rPr lang="en-US" sz="1400" dirty="0"/>
-                        <a:t> Tur (Uber)</a:t>
-                      </a:r>
-                    </a:p>
-                  </a:txBody>
-                  <a:tcPr anchor="ctr"/>
-                </a:tc>
-                <a:extLst>
-                  <a:ext uri="{0D108BD9-81ED-4DB2-BD59-A6C34878D82A}">
-                    <a16:rowId xmlns:a16="http://schemas.microsoft.com/office/drawing/2014/main" val="1209207760"/>
-                  </a:ext>
-                </a:extLst>
-              </a:tr>
-            </a:tbl>
-          </a:graphicData>
-        </a:graphic>
-      </p:graphicFrame>
+        </p:nvSpPr>
+        <p:spPr>
+          <a:xfrm>
+            <a:off x="1097280" y="1845734"/>
+            <a:ext cx="10058400" cy="3884506"/>
+          </a:xfrm>
+        </p:spPr>
+        <p:txBody>
+          <a:bodyPr/>
+          <a:lstStyle/>
+          <a:p>
+            <a:r>
+              <a:rPr lang="en-US" dirty="0"/>
+              <a:t>- E2E system evaluation: simulated users, paid users and unpaid users.</a:t>
+            </a:r>
+          </a:p>
+          <a:p>
+            <a:r>
+              <a:rPr lang="en-US" dirty="0"/>
+              <a:t>- A unified modeling framework for dialogues: rule-based, SL, RL;  fully data-driven vs. hybrid.</a:t>
+            </a:r>
+          </a:p>
+          <a:p>
+            <a:r>
+              <a:rPr lang="en-US" dirty="0"/>
+              <a:t>- Scalable training for task-oriented dialogues </a:t>
+            </a:r>
+          </a:p>
+          <a:p>
+            <a:r>
+              <a:rPr lang="en-US" dirty="0"/>
+              <a:t>- Dealing with heterogeneous data: chitchat, goal-oriented, non-conversational data</a:t>
+            </a:r>
+          </a:p>
+          <a:p>
+            <a:r>
+              <a:rPr lang="en-US" dirty="0"/>
+              <a:t>- Incorporating EQ (or empathy) into dialogue: recognize user emotion, generate empathetic responses</a:t>
+            </a:r>
+          </a:p>
+          <a:p>
+            <a:r>
+              <a:rPr lang="en-US" dirty="0"/>
+              <a:t>- Towards human-level intelligence: understand humans and their surrounding physical world</a:t>
+            </a:r>
+          </a:p>
+          <a:p>
+            <a:r>
+              <a:rPr lang="en-US" dirty="0"/>
+              <a:t>- Towards an ethical AI bot.</a:t>
+            </a:r>
+          </a:p>
+          <a:p>
+            <a:r>
+              <a:rPr lang="en-US" dirty="0"/>
+              <a:t>- …</a:t>
+            </a:r>
+          </a:p>
+        </p:txBody>
+      </p:sp>
+      <p:sp>
+        <p:nvSpPr>
+          <p:cNvPr id="4" name="TextBox 3">
+            <a:extLst>
+              <a:ext uri="{FF2B5EF4-FFF2-40B4-BE49-F238E27FC236}">
+                <a16:creationId xmlns:a16="http://schemas.microsoft.com/office/drawing/2014/main" id="{F2C4060D-D3D5-40D7-A96E-DAB8EE5B5A09}"/>
+              </a:ext>
+            </a:extLst>
+          </p:cNvPr>
+          <p:cNvSpPr txBox="1"/>
+          <p:nvPr/>
+        </p:nvSpPr>
+        <p:spPr>
+          <a:xfrm>
+            <a:off x="972820" y="5930054"/>
+            <a:ext cx="10246360" cy="369332"/>
+          </a:xfrm>
+          <a:prstGeom prst="rect">
+            <a:avLst/>
+          </a:prstGeom>
+          <a:noFill/>
+        </p:spPr>
+        <p:txBody>
+          <a:bodyPr wrap="square" rtlCol="0">
+            <a:spAutoFit/>
+          </a:bodyPr>
+          <a:lstStyle/>
+          <a:p>
+            <a:pPr algn="ctr"/>
+            <a:r>
+              <a:rPr lang="en-US" dirty="0"/>
+              <a:t>Gao, Galley, Li. 2018. Neural Approaches to Conversational AI. </a:t>
+            </a:r>
+            <a:r>
+              <a:rPr lang="en-US" dirty="0">
+                <a:hlinkClick r:id="rId2"/>
+              </a:rPr>
+              <a:t>arxiv.org/pdf/1809.08267.pdf </a:t>
+            </a:r>
+            <a:endParaRPr lang="en-US" dirty="0"/>
+          </a:p>
+        </p:txBody>
+      </p:sp>
     </p:spTree>
     <p:extLst>
       <p:ext uri="{BB962C8B-B14F-4D97-AF65-F5344CB8AC3E}">
-        <p14:creationId xmlns:p14="http://schemas.microsoft.com/office/powerpoint/2010/main" val="1429795469"/>
+        <p14:creationId xmlns:p14="http://schemas.microsoft.com/office/powerpoint/2010/main" val="3185864638"/>
       </p:ext>
     </p:extLst>
   </p:cSld>
@@ -12574,6 +13479,287 @@
 </file>
 
 <file path=ppt/slides/slide3.xml><?xml version="1.0" encoding="utf-8"?>
+<p:sld xmlns:a="http://schemas.openxmlformats.org/drawingml/2006/main" xmlns:r="http://schemas.openxmlformats.org/officeDocument/2006/relationships" xmlns:p="http://schemas.openxmlformats.org/presentationml/2006/main">
+  <p:cSld>
+    <p:spTree>
+      <p:nvGrpSpPr>
+        <p:cNvPr id="1" name=""/>
+        <p:cNvGrpSpPr/>
+        <p:nvPr/>
+      </p:nvGrpSpPr>
+      <p:grpSpPr>
+        <a:xfrm>
+          <a:off x="0" y="0"/>
+          <a:ext cx="0" cy="0"/>
+          <a:chOff x="0" y="0"/>
+          <a:chExt cx="0" cy="0"/>
+        </a:xfrm>
+      </p:grpSpPr>
+      <p:pic>
+        <p:nvPicPr>
+          <p:cNvPr id="4" name="Picture 3">
+            <a:extLst>
+              <a:ext uri="{FF2B5EF4-FFF2-40B4-BE49-F238E27FC236}">
+                <a16:creationId xmlns:a16="http://schemas.microsoft.com/office/drawing/2014/main" id="{EB153EB4-192A-4DA3-A646-980D8C4A941F}"/>
+              </a:ext>
+            </a:extLst>
+          </p:cNvPr>
+          <p:cNvPicPr>
+            <a:picLocks noChangeAspect="1"/>
+          </p:cNvPicPr>
+          <p:nvPr/>
+        </p:nvPicPr>
+        <p:blipFill>
+          <a:blip r:embed="rId2"/>
+          <a:stretch>
+            <a:fillRect/>
+          </a:stretch>
+        </p:blipFill>
+        <p:spPr>
+          <a:xfrm>
+            <a:off x="1544617" y="984282"/>
+            <a:ext cx="9285645" cy="4288757"/>
+          </a:xfrm>
+          <a:prstGeom prst="rect">
+            <a:avLst/>
+          </a:prstGeom>
+        </p:spPr>
+      </p:pic>
+      <p:sp>
+        <p:nvSpPr>
+          <p:cNvPr id="5" name="TextBox 4">
+            <a:extLst>
+              <a:ext uri="{FF2B5EF4-FFF2-40B4-BE49-F238E27FC236}">
+                <a16:creationId xmlns:a16="http://schemas.microsoft.com/office/drawing/2014/main" id="{1510C1B9-B4EB-4CF8-AD43-202008B12CB6}"/>
+              </a:ext>
+            </a:extLst>
+          </p:cNvPr>
+          <p:cNvSpPr txBox="1"/>
+          <p:nvPr/>
+        </p:nvSpPr>
+        <p:spPr>
+          <a:xfrm>
+            <a:off x="972820" y="5930054"/>
+            <a:ext cx="10246360" cy="369332"/>
+          </a:xfrm>
+          <a:prstGeom prst="rect">
+            <a:avLst/>
+          </a:prstGeom>
+          <a:noFill/>
+        </p:spPr>
+        <p:txBody>
+          <a:bodyPr wrap="square" rtlCol="0">
+            <a:spAutoFit/>
+          </a:bodyPr>
+          <a:lstStyle/>
+          <a:p>
+            <a:pPr algn="ctr"/>
+            <a:r>
+              <a:rPr lang="en-US" dirty="0"/>
+              <a:t>Gao, Galley, Li. 2018. Neural Approaches to Conversational AI. </a:t>
+            </a:r>
+            <a:r>
+              <a:rPr lang="en-US" dirty="0">
+                <a:hlinkClick r:id="rId3"/>
+              </a:rPr>
+              <a:t>arxiv.org/pdf/1809.08267.pdf </a:t>
+            </a:r>
+            <a:endParaRPr lang="en-US" dirty="0"/>
+          </a:p>
+        </p:txBody>
+      </p:sp>
+    </p:spTree>
+    <p:extLst>
+      <p:ext uri="{BB962C8B-B14F-4D97-AF65-F5344CB8AC3E}">
+        <p14:creationId xmlns:p14="http://schemas.microsoft.com/office/powerpoint/2010/main" val="360247798"/>
+      </p:ext>
+    </p:extLst>
+  </p:cSld>
+  <p:clrMapOvr>
+    <a:masterClrMapping/>
+  </p:clrMapOvr>
+</p:sld>
+</file>
+
+<file path=ppt/slides/slide4.xml><?xml version="1.0" encoding="utf-8"?>
+<p:sld xmlns:a="http://schemas.openxmlformats.org/drawingml/2006/main" xmlns:r="http://schemas.openxmlformats.org/officeDocument/2006/relationships" xmlns:p="http://schemas.openxmlformats.org/presentationml/2006/main">
+  <p:cSld>
+    <p:spTree>
+      <p:nvGrpSpPr>
+        <p:cNvPr id="1" name=""/>
+        <p:cNvGrpSpPr/>
+        <p:nvPr/>
+      </p:nvGrpSpPr>
+      <p:grpSpPr>
+        <a:xfrm>
+          <a:off x="0" y="0"/>
+          <a:ext cx="0" cy="0"/>
+          <a:chOff x="0" y="0"/>
+          <a:chExt cx="0" cy="0"/>
+        </a:xfrm>
+      </p:grpSpPr>
+      <p:sp>
+        <p:nvSpPr>
+          <p:cNvPr id="2" name="Title 1">
+            <a:extLst>
+              <a:ext uri="{FF2B5EF4-FFF2-40B4-BE49-F238E27FC236}">
+                <a16:creationId xmlns:a16="http://schemas.microsoft.com/office/drawing/2014/main" id="{07D147AE-2374-464C-B508-B02BF3B436F6}"/>
+              </a:ext>
+            </a:extLst>
+          </p:cNvPr>
+          <p:cNvSpPr>
+            <a:spLocks noGrp="1"/>
+          </p:cNvSpPr>
+          <p:nvPr>
+            <p:ph type="ctrTitle"/>
+          </p:nvPr>
+        </p:nvSpPr>
+        <p:spPr/>
+        <p:txBody>
+          <a:bodyPr/>
+          <a:lstStyle/>
+          <a:p>
+            <a:r>
+              <a:rPr lang="en-US" dirty="0"/>
+              <a:t>MS Dialogue Challenge</a:t>
+            </a:r>
+          </a:p>
+        </p:txBody>
+      </p:sp>
+      <p:sp>
+        <p:nvSpPr>
+          <p:cNvPr id="3" name="Subtitle 2">
+            <a:extLst>
+              <a:ext uri="{FF2B5EF4-FFF2-40B4-BE49-F238E27FC236}">
+                <a16:creationId xmlns:a16="http://schemas.microsoft.com/office/drawing/2014/main" id="{55F2D364-7E4F-4ABB-B69E-DDC0225EF8D7}"/>
+              </a:ext>
+            </a:extLst>
+          </p:cNvPr>
+          <p:cNvSpPr>
+            <a:spLocks noGrp="1"/>
+          </p:cNvSpPr>
+          <p:nvPr>
+            <p:ph type="subTitle" idx="1"/>
+          </p:nvPr>
+        </p:nvSpPr>
+        <p:spPr/>
+        <p:txBody>
+          <a:bodyPr/>
+          <a:lstStyle/>
+          <a:p>
+            <a:r>
+              <a:rPr lang="en-US" dirty="0"/>
+              <a:t>Sungjin Lee, Jianfeng Gao, Xiujun Li, JJ Liu, Sarah Panda</a:t>
+            </a:r>
+          </a:p>
+        </p:txBody>
+      </p:sp>
+      <p:pic>
+        <p:nvPicPr>
+          <p:cNvPr id="1026" name="Picture 2" descr="Image result for microsoft research logo">
+            <a:extLst>
+              <a:ext uri="{FF2B5EF4-FFF2-40B4-BE49-F238E27FC236}">
+                <a16:creationId xmlns:a16="http://schemas.microsoft.com/office/drawing/2014/main" id="{6D15E103-38D7-4DDB-96E5-231CCE0A423F}"/>
+              </a:ext>
+            </a:extLst>
+          </p:cNvPr>
+          <p:cNvPicPr>
+            <a:picLocks noChangeAspect="1" noChangeArrowheads="1"/>
+          </p:cNvPicPr>
+          <p:nvPr/>
+        </p:nvPicPr>
+        <p:blipFill rotWithShape="1">
+          <a:blip r:embed="rId2">
+            <a:extLst>
+              <a:ext uri="{28A0092B-C50C-407E-A947-70E740481C1C}">
+                <a14:useLocalDpi xmlns:a14="http://schemas.microsoft.com/office/drawing/2010/main" val="0"/>
+              </a:ext>
+            </a:extLst>
+          </a:blip>
+          <a:srcRect l="7560" t="20552" r="9258" b="29574"/>
+          <a:stretch/>
+        </p:blipFill>
+        <p:spPr bwMode="auto">
+          <a:xfrm>
+            <a:off x="0" y="0"/>
+            <a:ext cx="2343807" cy="791284"/>
+          </a:xfrm>
+          <a:prstGeom prst="rect">
+            <a:avLst/>
+          </a:prstGeom>
+          <a:noFill/>
+          <a:extLst>
+            <a:ext uri="{909E8E84-426E-40DD-AFC4-6F175D3DCCD1}">
+              <a14:hiddenFill xmlns:a14="http://schemas.microsoft.com/office/drawing/2010/main">
+                <a:solidFill>
+                  <a:srgbClr val="FFFFFF"/>
+                </a:solidFill>
+              </a14:hiddenFill>
+            </a:ext>
+          </a:extLst>
+        </p:spPr>
+      </p:pic>
+      <p:pic>
+        <p:nvPicPr>
+          <p:cNvPr id="1028" name="Picture 4" descr="Image result for tsinghua university logo">
+            <a:extLst>
+              <a:ext uri="{FF2B5EF4-FFF2-40B4-BE49-F238E27FC236}">
+                <a16:creationId xmlns:a16="http://schemas.microsoft.com/office/drawing/2014/main" id="{57AFCD69-C330-44C6-8DB5-1FABA653E5DE}"/>
+              </a:ext>
+            </a:extLst>
+          </p:cNvPr>
+          <p:cNvPicPr>
+            <a:picLocks noChangeAspect="1" noChangeArrowheads="1"/>
+          </p:cNvPicPr>
+          <p:nvPr/>
+        </p:nvPicPr>
+        <p:blipFill>
+          <a:blip r:embed="rId3">
+            <a:extLst>
+              <a:ext uri="{28A0092B-C50C-407E-A947-70E740481C1C}">
+                <a14:useLocalDpi xmlns:a14="http://schemas.microsoft.com/office/drawing/2010/main" val="0"/>
+              </a:ext>
+            </a:extLst>
+          </a:blip>
+          <a:srcRect/>
+          <a:stretch>
+            <a:fillRect/>
+          </a:stretch>
+        </p:blipFill>
+        <p:spPr bwMode="auto">
+          <a:xfrm>
+            <a:off x="9690537" y="0"/>
+            <a:ext cx="2238461" cy="861223"/>
+          </a:xfrm>
+          <a:prstGeom prst="rect">
+            <a:avLst/>
+          </a:prstGeom>
+          <a:noFill/>
+          <a:extLst>
+            <a:ext uri="{909E8E84-426E-40DD-AFC4-6F175D3DCCD1}">
+              <a14:hiddenFill xmlns:a14="http://schemas.microsoft.com/office/drawing/2010/main">
+                <a:solidFill>
+                  <a:srgbClr val="FFFFFF"/>
+                </a:solidFill>
+              </a14:hiddenFill>
+            </a:ext>
+          </a:extLst>
+        </p:spPr>
+      </p:pic>
+    </p:spTree>
+    <p:extLst>
+      <p:ext uri="{BB962C8B-B14F-4D97-AF65-F5344CB8AC3E}">
+        <p14:creationId xmlns:p14="http://schemas.microsoft.com/office/powerpoint/2010/main" val="2941047382"/>
+      </p:ext>
+    </p:extLst>
+  </p:cSld>
+  <p:clrMapOvr>
+    <a:masterClrMapping/>
+  </p:clrMapOvr>
+</p:sld>
+</file>
+
+<file path=ppt/slides/slide5.xml><?xml version="1.0" encoding="utf-8"?>
 <p:sld xmlns:a="http://schemas.openxmlformats.org/drawingml/2006/main" xmlns:r="http://schemas.openxmlformats.org/officeDocument/2006/relationships" xmlns:p="http://schemas.openxmlformats.org/presentationml/2006/main">
   <p:cSld>
     <p:spTree>
@@ -13862,7 +15048,7 @@
 </p:sld>
 </file>
 
-<file path=ppt/slides/slide4.xml><?xml version="1.0" encoding="utf-8"?>
+<file path=ppt/slides/slide6.xml><?xml version="1.0" encoding="utf-8"?>
 <p:sld xmlns:a="http://schemas.openxmlformats.org/drawingml/2006/main" xmlns:r="http://schemas.openxmlformats.org/officeDocument/2006/relationships" xmlns:p="http://schemas.openxmlformats.org/presentationml/2006/main">
   <p:cSld>
     <p:spTree>
@@ -15435,7 +16621,7 @@
 </p:sld>
 </file>
 
-<file path=ppt/slides/slide5.xml><?xml version="1.0" encoding="utf-8"?>
+<file path=ppt/slides/slide7.xml><?xml version="1.0" encoding="utf-8"?>
 <p:sld xmlns:a="http://schemas.openxmlformats.org/drawingml/2006/main" xmlns:r="http://schemas.openxmlformats.org/officeDocument/2006/relationships" xmlns:p="http://schemas.openxmlformats.org/presentationml/2006/main">
   <p:cSld>
     <p:spTree>
@@ -16358,7 +17544,7 @@
 </p:sld>
 </file>
 
-<file path=ppt/slides/slide6.xml><?xml version="1.0" encoding="utf-8"?>
+<file path=ppt/slides/slide8.xml><?xml version="1.0" encoding="utf-8"?>
 <p:sld xmlns:a="http://schemas.openxmlformats.org/drawingml/2006/main" xmlns:r="http://schemas.openxmlformats.org/officeDocument/2006/relationships" xmlns:p="http://schemas.openxmlformats.org/presentationml/2006/main">
   <p:cSld>
     <p:spTree>
@@ -17499,7 +18685,7 @@
 </p:sld>
 </file>
 
-<file path=ppt/slides/slide7.xml><?xml version="1.0" encoding="utf-8"?>
+<file path=ppt/slides/slide9.xml><?xml version="1.0" encoding="utf-8"?>
 <p:sld xmlns:a="http://schemas.openxmlformats.org/drawingml/2006/main" xmlns:r="http://schemas.openxmlformats.org/officeDocument/2006/relationships" xmlns:p="http://schemas.openxmlformats.org/presentationml/2006/main">
   <p:cSld>
     <p:spTree>
@@ -17700,699 +18886,6 @@
     <p:extLst>
       <p:ext uri="{BB962C8B-B14F-4D97-AF65-F5344CB8AC3E}">
         <p14:creationId xmlns:p14="http://schemas.microsoft.com/office/powerpoint/2010/main" val="2724246603"/>
-      </p:ext>
-    </p:extLst>
-  </p:cSld>
-  <p:clrMapOvr>
-    <a:masterClrMapping/>
-  </p:clrMapOvr>
-</p:sld>
-</file>
-
-<file path=ppt/slides/slide8.xml><?xml version="1.0" encoding="utf-8"?>
-<p:sld xmlns:a="http://schemas.openxmlformats.org/drawingml/2006/main" xmlns:r="http://schemas.openxmlformats.org/officeDocument/2006/relationships" xmlns:p="http://schemas.openxmlformats.org/presentationml/2006/main">
-  <p:cSld>
-    <p:spTree>
-      <p:nvGrpSpPr>
-        <p:cNvPr id="1" name=""/>
-        <p:cNvGrpSpPr/>
-        <p:nvPr/>
-      </p:nvGrpSpPr>
-      <p:grpSpPr>
-        <a:xfrm>
-          <a:off x="0" y="0"/>
-          <a:ext cx="0" cy="0"/>
-          <a:chOff x="0" y="0"/>
-          <a:chExt cx="0" cy="0"/>
-        </a:xfrm>
-      </p:grpSpPr>
-      <p:sp>
-        <p:nvSpPr>
-          <p:cNvPr id="2" name="Title 1">
-            <a:extLst>
-              <a:ext uri="{FF2B5EF4-FFF2-40B4-BE49-F238E27FC236}">
-                <a16:creationId xmlns:a16="http://schemas.microsoft.com/office/drawing/2014/main" id="{8E90D89F-97BE-43E5-AC8C-0824232D70F7}"/>
-              </a:ext>
-            </a:extLst>
-          </p:cNvPr>
-          <p:cNvSpPr>
-            <a:spLocks noGrp="1"/>
-          </p:cNvSpPr>
-          <p:nvPr>
-            <p:ph type="title"/>
-          </p:nvPr>
-        </p:nvSpPr>
-        <p:spPr/>
-        <p:txBody>
-          <a:bodyPr/>
-          <a:lstStyle/>
-          <a:p>
-            <a:r>
-              <a:rPr lang="en-US" dirty="0"/>
-              <a:t>First Challenge Result</a:t>
-            </a:r>
-          </a:p>
-        </p:txBody>
-      </p:sp>
-      <p:graphicFrame>
-        <p:nvGraphicFramePr>
-          <p:cNvPr id="6" name="Content Placeholder 5">
-            <a:extLst>
-              <a:ext uri="{FF2B5EF4-FFF2-40B4-BE49-F238E27FC236}">
-                <a16:creationId xmlns:a16="http://schemas.microsoft.com/office/drawing/2014/main" id="{6F2D6566-B3A5-4EA2-A22B-E23C17568E2C}"/>
-              </a:ext>
-            </a:extLst>
-          </p:cNvPr>
-          <p:cNvGraphicFramePr>
-            <a:graphicFrameLocks noGrp="1"/>
-          </p:cNvGraphicFramePr>
-          <p:nvPr>
-            <p:ph sz="half" idx="1"/>
-            <p:extLst>
-              <p:ext uri="{D42A27DB-BD31-4B8C-83A1-F6EECF244321}">
-                <p14:modId xmlns:p14="http://schemas.microsoft.com/office/powerpoint/2010/main" val="1542638530"/>
-              </p:ext>
-            </p:extLst>
-          </p:nvPr>
-        </p:nvGraphicFramePr>
-        <p:xfrm>
-          <a:off x="1096963" y="1846263"/>
-          <a:ext cx="5776803" cy="3729777"/>
-        </p:xfrm>
-        <a:graphic>
-          <a:graphicData uri="http://schemas.openxmlformats.org/drawingml/2006/table">
-            <a:tbl>
-              <a:tblPr firstRow="1" bandRow="1">
-                <a:tableStyleId>{5C22544A-7EE6-4342-B048-85BDC9FD1C3A}</a:tableStyleId>
-              </a:tblPr>
-              <a:tblGrid>
-                <a:gridCol w="2045630">
-                  <a:extLst>
-                    <a:ext uri="{9D8B030D-6E8A-4147-A177-3AD203B41FA5}">
-                      <a16:colId xmlns:a16="http://schemas.microsoft.com/office/drawing/2014/main" val="1708560700"/>
-                    </a:ext>
-                  </a:extLst>
-                </a:gridCol>
-                <a:gridCol w="1387366">
-                  <a:extLst>
-                    <a:ext uri="{9D8B030D-6E8A-4147-A177-3AD203B41FA5}">
-                      <a16:colId xmlns:a16="http://schemas.microsoft.com/office/drawing/2014/main" val="3124179117"/>
-                    </a:ext>
-                  </a:extLst>
-                </a:gridCol>
-                <a:gridCol w="1397875">
-                  <a:extLst>
-                    <a:ext uri="{9D8B030D-6E8A-4147-A177-3AD203B41FA5}">
-                      <a16:colId xmlns:a16="http://schemas.microsoft.com/office/drawing/2014/main" val="2539521818"/>
-                    </a:ext>
-                  </a:extLst>
-                </a:gridCol>
-                <a:gridCol w="945932">
-                  <a:extLst>
-                    <a:ext uri="{9D8B030D-6E8A-4147-A177-3AD203B41FA5}">
-                      <a16:colId xmlns:a16="http://schemas.microsoft.com/office/drawing/2014/main" val="1372155429"/>
-                    </a:ext>
-                  </a:extLst>
-                </a:gridCol>
-              </a:tblGrid>
-              <a:tr h="739282">
-                <a:tc>
-                  <a:txBody>
-                    <a:bodyPr/>
-                    <a:lstStyle/>
-                    <a:p>
-                      <a:r>
-                        <a:rPr lang="en-US" dirty="0"/>
-                        <a:t>Movie Domain Entry</a:t>
-                      </a:r>
-                    </a:p>
-                  </a:txBody>
-                  <a:tcPr anchor="ctr"/>
-                </a:tc>
-                <a:tc>
-                  <a:txBody>
-                    <a:bodyPr/>
-                    <a:lstStyle/>
-                    <a:p>
-                      <a:pPr algn="ctr"/>
-                      <a:r>
-                        <a:rPr lang="en-US" dirty="0"/>
-                        <a:t>Automatic</a:t>
-                      </a:r>
-                    </a:p>
-                    <a:p>
-                      <a:pPr algn="ctr"/>
-                      <a:r>
-                        <a:rPr lang="en-US" dirty="0"/>
-                        <a:t>Success Rate</a:t>
-                      </a:r>
-                    </a:p>
-                  </a:txBody>
-                  <a:tcPr anchor="ctr"/>
-                </a:tc>
-                <a:tc>
-                  <a:txBody>
-                    <a:bodyPr/>
-                    <a:lstStyle/>
-                    <a:p>
-                      <a:pPr algn="ctr"/>
-                      <a:r>
-                        <a:rPr lang="en-US" dirty="0"/>
-                        <a:t>Human</a:t>
-                      </a:r>
-                    </a:p>
-                    <a:p>
-                      <a:pPr algn="ctr"/>
-                      <a:r>
-                        <a:rPr lang="en-US" dirty="0"/>
-                        <a:t>Success Rate</a:t>
-                      </a:r>
-                    </a:p>
-                  </a:txBody>
-                  <a:tcPr anchor="ctr"/>
-                </a:tc>
-                <a:tc>
-                  <a:txBody>
-                    <a:bodyPr/>
-                    <a:lstStyle/>
-                    <a:p>
-                      <a:pPr algn="ctr"/>
-                      <a:r>
-                        <a:rPr lang="en-US" dirty="0"/>
-                        <a:t>Human</a:t>
-                      </a:r>
-                    </a:p>
-                    <a:p>
-                      <a:pPr algn="ctr"/>
-                      <a:r>
-                        <a:rPr lang="en-US" dirty="0"/>
-                        <a:t>Rating</a:t>
-                      </a:r>
-                    </a:p>
-                  </a:txBody>
-                  <a:tcPr anchor="ctr"/>
-                </a:tc>
-                <a:extLst>
-                  <a:ext uri="{0D108BD9-81ED-4DB2-BD59-A6C34878D82A}">
-                    <a16:rowId xmlns:a16="http://schemas.microsoft.com/office/drawing/2014/main" val="2552333945"/>
-                  </a:ext>
-                </a:extLst>
-              </a:tr>
-              <a:tr h="598099">
-                <a:tc>
-                  <a:txBody>
-                    <a:bodyPr/>
-                    <a:lstStyle/>
-                    <a:p>
-                      <a:r>
-                        <a:rPr lang="en-US" dirty="0"/>
-                        <a:t>NTU-Double-Q</a:t>
-                      </a:r>
-                    </a:p>
-                  </a:txBody>
-                  <a:tcPr anchor="ctr"/>
-                </a:tc>
-                <a:tc>
-                  <a:txBody>
-                    <a:bodyPr/>
-                    <a:lstStyle/>
-                    <a:p>
-                      <a:pPr algn="ctr"/>
-                      <a:r>
-                        <a:rPr lang="en-US" dirty="0"/>
-                        <a:t>41.8%</a:t>
-                      </a:r>
-                    </a:p>
-                  </a:txBody>
-                  <a:tcPr anchor="ctr"/>
-                </a:tc>
-                <a:tc>
-                  <a:txBody>
-                    <a:bodyPr/>
-                    <a:lstStyle/>
-                    <a:p>
-                      <a:pPr algn="ctr"/>
-                      <a:r>
-                        <a:rPr lang="en-US" b="1" dirty="0"/>
-                        <a:t>31.1%</a:t>
-                      </a:r>
-                    </a:p>
-                  </a:txBody>
-                  <a:tcPr anchor="ctr"/>
-                </a:tc>
-                <a:tc>
-                  <a:txBody>
-                    <a:bodyPr/>
-                    <a:lstStyle/>
-                    <a:p>
-                      <a:pPr algn="ctr"/>
-                      <a:r>
-                        <a:rPr lang="en-US" b="1" dirty="0"/>
-                        <a:t>2.65</a:t>
-                      </a:r>
-                    </a:p>
-                  </a:txBody>
-                  <a:tcPr anchor="ctr"/>
-                </a:tc>
-                <a:extLst>
-                  <a:ext uri="{0D108BD9-81ED-4DB2-BD59-A6C34878D82A}">
-                    <a16:rowId xmlns:a16="http://schemas.microsoft.com/office/drawing/2014/main" val="3164877562"/>
-                  </a:ext>
-                </a:extLst>
-              </a:tr>
-              <a:tr h="598099">
-                <a:tc>
-                  <a:txBody>
-                    <a:bodyPr/>
-                    <a:lstStyle/>
-                    <a:p>
-                      <a:r>
-                        <a:rPr lang="en-US" dirty="0"/>
-                        <a:t>DQN</a:t>
-                      </a:r>
-                    </a:p>
-                  </a:txBody>
-                  <a:tcPr anchor="ctr"/>
-                </a:tc>
-                <a:tc>
-                  <a:txBody>
-                    <a:bodyPr/>
-                    <a:lstStyle/>
-                    <a:p>
-                      <a:pPr algn="ctr"/>
-                      <a:r>
-                        <a:rPr lang="en-US" b="1" dirty="0"/>
-                        <a:t>44.1%</a:t>
-                      </a:r>
-                    </a:p>
-                  </a:txBody>
-                  <a:tcPr anchor="ctr"/>
-                </a:tc>
-                <a:tc>
-                  <a:txBody>
-                    <a:bodyPr/>
-                    <a:lstStyle/>
-                    <a:p>
-                      <a:pPr algn="ctr"/>
-                      <a:r>
-                        <a:rPr lang="en-US" dirty="0"/>
-                        <a:t>30.8%</a:t>
-                      </a:r>
-                    </a:p>
-                  </a:txBody>
-                  <a:tcPr anchor="ctr"/>
-                </a:tc>
-                <a:tc>
-                  <a:txBody>
-                    <a:bodyPr/>
-                    <a:lstStyle/>
-                    <a:p>
-                      <a:pPr algn="ctr"/>
-                      <a:r>
-                        <a:rPr lang="en-US" dirty="0"/>
-                        <a:t>2.62</a:t>
-                      </a:r>
-                    </a:p>
-                  </a:txBody>
-                  <a:tcPr anchor="ctr"/>
-                </a:tc>
-                <a:extLst>
-                  <a:ext uri="{0D108BD9-81ED-4DB2-BD59-A6C34878D82A}">
-                    <a16:rowId xmlns:a16="http://schemas.microsoft.com/office/drawing/2014/main" val="1912893160"/>
-                  </a:ext>
-                </a:extLst>
-              </a:tr>
-              <a:tr h="598099">
-                <a:tc>
-                  <a:txBody>
-                    <a:bodyPr/>
-                    <a:lstStyle/>
-                    <a:p>
-                      <a:r>
-                        <a:rPr lang="en-US" dirty="0"/>
-                        <a:t>NTU-HDQN</a:t>
-                      </a:r>
-                    </a:p>
-                  </a:txBody>
-                  <a:tcPr anchor="ctr"/>
-                </a:tc>
-                <a:tc>
-                  <a:txBody>
-                    <a:bodyPr/>
-                    <a:lstStyle/>
-                    <a:p>
-                      <a:pPr algn="ctr"/>
-                      <a:r>
-                        <a:rPr lang="en-US" dirty="0"/>
-                        <a:t>33.3%</a:t>
-                      </a:r>
-                    </a:p>
-                  </a:txBody>
-                  <a:tcPr anchor="ctr"/>
-                </a:tc>
-                <a:tc>
-                  <a:txBody>
-                    <a:bodyPr/>
-                    <a:lstStyle/>
-                    <a:p>
-                      <a:pPr algn="ctr"/>
-                      <a:r>
-                        <a:rPr lang="en-US" dirty="0"/>
-                        <a:t>27.3%</a:t>
-                      </a:r>
-                    </a:p>
-                  </a:txBody>
-                  <a:tcPr anchor="ctr"/>
-                </a:tc>
-                <a:tc>
-                  <a:txBody>
-                    <a:bodyPr/>
-                    <a:lstStyle/>
-                    <a:p>
-                      <a:pPr algn="ctr"/>
-                      <a:r>
-                        <a:rPr lang="en-US" dirty="0"/>
-                        <a:t>2.49*</a:t>
-                      </a:r>
-                    </a:p>
-                  </a:txBody>
-                  <a:tcPr anchor="ctr"/>
-                </a:tc>
-                <a:extLst>
-                  <a:ext uri="{0D108BD9-81ED-4DB2-BD59-A6C34878D82A}">
-                    <a16:rowId xmlns:a16="http://schemas.microsoft.com/office/drawing/2014/main" val="1618865082"/>
-                  </a:ext>
-                </a:extLst>
-              </a:tr>
-              <a:tr h="598099">
-                <a:tc>
-                  <a:txBody>
-                    <a:bodyPr/>
-                    <a:lstStyle/>
-                    <a:p>
-                      <a:r>
-                        <a:rPr lang="en-US" dirty="0"/>
-                        <a:t>BUPT-Transfer-DDQ</a:t>
-                      </a:r>
-                    </a:p>
-                  </a:txBody>
-                  <a:tcPr anchor="ctr"/>
-                </a:tc>
-                <a:tc>
-                  <a:txBody>
-                    <a:bodyPr/>
-                    <a:lstStyle/>
-                    <a:p>
-                      <a:pPr algn="ctr"/>
-                      <a:r>
-                        <a:rPr lang="en-US" dirty="0"/>
-                        <a:t>11.5%</a:t>
-                      </a:r>
-                    </a:p>
-                  </a:txBody>
-                  <a:tcPr anchor="ctr"/>
-                </a:tc>
-                <a:tc>
-                  <a:txBody>
-                    <a:bodyPr/>
-                    <a:lstStyle/>
-                    <a:p>
-                      <a:pPr algn="ctr"/>
-                      <a:r>
-                        <a:rPr lang="en-US" dirty="0"/>
-                        <a:t>9.66%</a:t>
-                      </a:r>
-                    </a:p>
-                  </a:txBody>
-                  <a:tcPr anchor="ctr"/>
-                </a:tc>
-                <a:tc>
-                  <a:txBody>
-                    <a:bodyPr/>
-                    <a:lstStyle/>
-                    <a:p>
-                      <a:pPr algn="ctr"/>
-                      <a:r>
-                        <a:rPr lang="en-US" dirty="0"/>
-                        <a:t>2.24*</a:t>
-                      </a:r>
-                    </a:p>
-                  </a:txBody>
-                  <a:tcPr anchor="ctr"/>
-                </a:tc>
-                <a:extLst>
-                  <a:ext uri="{0D108BD9-81ED-4DB2-BD59-A6C34878D82A}">
-                    <a16:rowId xmlns:a16="http://schemas.microsoft.com/office/drawing/2014/main" val="3800161506"/>
-                  </a:ext>
-                </a:extLst>
-              </a:tr>
-              <a:tr h="598099">
-                <a:tc>
-                  <a:txBody>
-                    <a:bodyPr/>
-                    <a:lstStyle/>
-                    <a:p>
-                      <a:r>
-                        <a:rPr lang="en-US" dirty="0"/>
-                        <a:t>Rule</a:t>
-                      </a:r>
-                    </a:p>
-                  </a:txBody>
-                  <a:tcPr anchor="ctr"/>
-                </a:tc>
-                <a:tc>
-                  <a:txBody>
-                    <a:bodyPr/>
-                    <a:lstStyle/>
-                    <a:p>
-                      <a:pPr algn="ctr"/>
-                      <a:r>
-                        <a:rPr lang="en-US" dirty="0"/>
-                        <a:t>6.13%</a:t>
-                      </a:r>
-                    </a:p>
-                  </a:txBody>
-                  <a:tcPr anchor="ctr"/>
-                </a:tc>
-                <a:tc>
-                  <a:txBody>
-                    <a:bodyPr/>
-                    <a:lstStyle/>
-                    <a:p>
-                      <a:pPr algn="ctr"/>
-                      <a:r>
-                        <a:rPr lang="en-US" dirty="0"/>
-                        <a:t>6.42%</a:t>
-                      </a:r>
-                    </a:p>
-                  </a:txBody>
-                  <a:tcPr anchor="ctr"/>
-                </a:tc>
-                <a:tc>
-                  <a:txBody>
-                    <a:bodyPr/>
-                    <a:lstStyle/>
-                    <a:p>
-                      <a:pPr algn="ctr"/>
-                      <a:r>
-                        <a:rPr lang="en-US" dirty="0"/>
-                        <a:t>1.78*</a:t>
-                      </a:r>
-                    </a:p>
-                  </a:txBody>
-                  <a:tcPr anchor="ctr"/>
-                </a:tc>
-                <a:extLst>
-                  <a:ext uri="{0D108BD9-81ED-4DB2-BD59-A6C34878D82A}">
-                    <a16:rowId xmlns:a16="http://schemas.microsoft.com/office/drawing/2014/main" val="1156242241"/>
-                  </a:ext>
-                </a:extLst>
-              </a:tr>
-            </a:tbl>
-          </a:graphicData>
-        </a:graphic>
-      </p:graphicFrame>
-      <p:sp>
-        <p:nvSpPr>
-          <p:cNvPr id="5" name="Content Placeholder 4">
-            <a:extLst>
-              <a:ext uri="{FF2B5EF4-FFF2-40B4-BE49-F238E27FC236}">
-                <a16:creationId xmlns:a16="http://schemas.microsoft.com/office/drawing/2014/main" id="{8BE5B73B-9C08-4CFD-A588-72C5E2E70052}"/>
-              </a:ext>
-            </a:extLst>
-          </p:cNvPr>
-          <p:cNvSpPr>
-            <a:spLocks noGrp="1"/>
-          </p:cNvSpPr>
-          <p:nvPr>
-            <p:ph sz="half" idx="2"/>
-          </p:nvPr>
-        </p:nvSpPr>
-        <p:spPr>
-          <a:xfrm>
-            <a:off x="7126014" y="1845735"/>
-            <a:ext cx="4029666" cy="4023360"/>
-          </a:xfrm>
-        </p:spPr>
-        <p:txBody>
-          <a:bodyPr>
-            <a:normAutofit/>
-          </a:bodyPr>
-          <a:lstStyle/>
-          <a:p>
-            <a:r>
-              <a:rPr lang="en-US" dirty="0"/>
-              <a:t>No entries for Restaurant and Taxi domain.</a:t>
-            </a:r>
-          </a:p>
-          <a:p>
-            <a:r>
-              <a:rPr lang="en-US" dirty="0"/>
-              <a:t>4 reinforcement learning-based agents and 1 rule-based agent.</a:t>
-            </a:r>
-          </a:p>
-          <a:p>
-            <a:r>
-              <a:rPr lang="en-US" dirty="0"/>
-              <a:t>Overall, RL-based agents outperform rule-based agent. </a:t>
-            </a:r>
-          </a:p>
-          <a:p>
-            <a:r>
-              <a:rPr lang="en-US" dirty="0"/>
-              <a:t>The first and second systems in automatic evaluation switch positions in human evaluation.</a:t>
-            </a:r>
-          </a:p>
-          <a:p>
-            <a:r>
-              <a:rPr lang="en-US" dirty="0"/>
-              <a:t>More details available from participants’ presentation.</a:t>
-            </a:r>
-          </a:p>
-        </p:txBody>
-      </p:sp>
-      <p:sp>
-        <p:nvSpPr>
-          <p:cNvPr id="7" name="TextBox 6">
-            <a:extLst>
-              <a:ext uri="{FF2B5EF4-FFF2-40B4-BE49-F238E27FC236}">
-                <a16:creationId xmlns:a16="http://schemas.microsoft.com/office/drawing/2014/main" id="{83C37651-CB9A-46FB-82C9-F605EC031B26}"/>
-              </a:ext>
-            </a:extLst>
-          </p:cNvPr>
-          <p:cNvSpPr txBox="1"/>
-          <p:nvPr/>
-        </p:nvSpPr>
-        <p:spPr>
-          <a:xfrm>
-            <a:off x="1096963" y="5627358"/>
-            <a:ext cx="3526286" cy="369332"/>
-          </a:xfrm>
-          <a:prstGeom prst="rect">
-            <a:avLst/>
-          </a:prstGeom>
-          <a:noFill/>
-        </p:spPr>
-        <p:txBody>
-          <a:bodyPr wrap="none" rtlCol="0">
-            <a:spAutoFit/>
-          </a:bodyPr>
-          <a:lstStyle/>
-          <a:p>
-            <a:r>
-              <a:rPr lang="en-US" dirty="0"/>
-              <a:t>*Statistically significant with p&lt;0.05</a:t>
-            </a:r>
-          </a:p>
-        </p:txBody>
-      </p:sp>
-    </p:spTree>
-    <p:extLst>
-      <p:ext uri="{BB962C8B-B14F-4D97-AF65-F5344CB8AC3E}">
-        <p14:creationId xmlns:p14="http://schemas.microsoft.com/office/powerpoint/2010/main" val="2842116293"/>
-      </p:ext>
-    </p:extLst>
-  </p:cSld>
-  <p:clrMapOvr>
-    <a:masterClrMapping/>
-  </p:clrMapOvr>
-</p:sld>
-</file>
-
-<file path=ppt/slides/slide9.xml><?xml version="1.0" encoding="utf-8"?>
-<p:sld xmlns:a="http://schemas.openxmlformats.org/drawingml/2006/main" xmlns:r="http://schemas.openxmlformats.org/officeDocument/2006/relationships" xmlns:p="http://schemas.openxmlformats.org/presentationml/2006/main">
-  <p:cSld>
-    <p:spTree>
-      <p:nvGrpSpPr>
-        <p:cNvPr id="1" name=""/>
-        <p:cNvGrpSpPr/>
-        <p:nvPr/>
-      </p:nvGrpSpPr>
-      <p:grpSpPr>
-        <a:xfrm>
-          <a:off x="0" y="0"/>
-          <a:ext cx="0" cy="0"/>
-          <a:chOff x="0" y="0"/>
-          <a:chExt cx="0" cy="0"/>
-        </a:xfrm>
-      </p:grpSpPr>
-      <p:sp>
-        <p:nvSpPr>
-          <p:cNvPr id="2" name="Title 1">
-            <a:extLst>
-              <a:ext uri="{FF2B5EF4-FFF2-40B4-BE49-F238E27FC236}">
-                <a16:creationId xmlns:a16="http://schemas.microsoft.com/office/drawing/2014/main" id="{01455DA4-99C8-45B5-9CA7-F34DEAF8F5DC}"/>
-              </a:ext>
-            </a:extLst>
-          </p:cNvPr>
-          <p:cNvSpPr>
-            <a:spLocks noGrp="1"/>
-          </p:cNvSpPr>
-          <p:nvPr>
-            <p:ph type="title"/>
-          </p:nvPr>
-        </p:nvSpPr>
-        <p:spPr/>
-        <p:txBody>
-          <a:bodyPr/>
-          <a:lstStyle/>
-          <a:p>
-            <a:r>
-              <a:rPr lang="en-US" dirty="0"/>
-              <a:t>Next Challenge with Tsinghua University</a:t>
-            </a:r>
-          </a:p>
-        </p:txBody>
-      </p:sp>
-      <p:sp>
-        <p:nvSpPr>
-          <p:cNvPr id="5" name="Text Placeholder 4">
-            <a:extLst>
-              <a:ext uri="{FF2B5EF4-FFF2-40B4-BE49-F238E27FC236}">
-                <a16:creationId xmlns:a16="http://schemas.microsoft.com/office/drawing/2014/main" id="{FFA32C89-A8C1-4BFF-842B-C70FAA43DFD9}"/>
-              </a:ext>
-            </a:extLst>
-          </p:cNvPr>
-          <p:cNvSpPr>
-            <a:spLocks noGrp="1"/>
-          </p:cNvSpPr>
-          <p:nvPr>
-            <p:ph type="body" idx="1"/>
-          </p:nvPr>
-        </p:nvSpPr>
-        <p:spPr/>
-        <p:txBody>
-          <a:bodyPr/>
-          <a:lstStyle/>
-          <a:p>
-            <a:endParaRPr lang="en-US"/>
-          </a:p>
-        </p:txBody>
-      </p:sp>
-    </p:spTree>
-    <p:extLst>
-      <p:ext uri="{BB962C8B-B14F-4D97-AF65-F5344CB8AC3E}">
-        <p14:creationId xmlns:p14="http://schemas.microsoft.com/office/powerpoint/2010/main" val="495807618"/>
       </p:ext>
     </p:extLst>
   </p:cSld>

--- a/slides/MS_dialog_challenge_result_outlook_sungjin.pptx
+++ b/slides/MS_dialog_challenge_result_outlook_sungjin.pptx
@@ -1,6 +1,6 @@
 
 <file path=ppt/presentation.xml><?xml version="1.0" encoding="utf-8"?>
-<p:presentation xmlns:a="http://schemas.openxmlformats.org/drawingml/2006/main" xmlns:r="http://schemas.openxmlformats.org/officeDocument/2006/relationships" xmlns:p="http://schemas.openxmlformats.org/presentationml/2006/main" saveSubsetFonts="1">
+<p:presentation xmlns:a="http://schemas.openxmlformats.org/drawingml/2006/main" xmlns:r="http://schemas.openxmlformats.org/officeDocument/2006/relationships" xmlns:p="http://schemas.openxmlformats.org/presentationml/2006/main" removePersonalInfoOnSave="1" saveSubsetFonts="1">
   <p:sldMasterIdLst>
     <p:sldMasterId id="2147483678" r:id="rId1"/>
   </p:sldMasterIdLst>
@@ -8,13 +8,13 @@
     <p:notesMasterId r:id="rId20"/>
   </p:notesMasterIdLst>
   <p:sldIdLst>
-    <p:sldId id="277" r:id="rId2"/>
-    <p:sldId id="279" r:id="rId3"/>
-    <p:sldId id="280" r:id="rId4"/>
+    <p:sldId id="279" r:id="rId2"/>
+    <p:sldId id="280" r:id="rId3"/>
+    <p:sldId id="281" r:id="rId4"/>
     <p:sldId id="256" r:id="rId5"/>
     <p:sldId id="263" r:id="rId6"/>
-    <p:sldId id="264" r:id="rId7"/>
-    <p:sldId id="265" r:id="rId8"/>
+    <p:sldId id="265" r:id="rId7"/>
+    <p:sldId id="264" r:id="rId8"/>
     <p:sldId id="266" r:id="rId9"/>
     <p:sldId id="267" r:id="rId10"/>
     <p:sldId id="268" r:id="rId11"/>
@@ -135,222 +135,9 @@
 <file path=ppt/revisionInfo.xml><?xml version="1.0" encoding="utf-8"?>
 <p1510:revInfo xmlns:a="http://schemas.openxmlformats.org/drawingml/2006/main" xmlns:r="http://schemas.openxmlformats.org/officeDocument/2006/relationships" xmlns:p1510="http://schemas.microsoft.com/office/powerpoint/2015/10/main">
   <p1510:revLst>
-    <p1510:client id="{1D1BFB9D-E8A2-4B6D-8A0D-B59EB588A304}" v="12" dt="2018-12-18T08:07:44.111"/>
+    <p1510:client id="{C3834523-8166-4C46-BFBF-CCCA1E7FB005}" v="1" dt="2018-12-18T09:07:40.218"/>
   </p1510:revLst>
 </p1510:revInfo>
-</file>
-
-<file path=ppt/changesInfos/changesInfo1.xml><?xml version="1.0" encoding="utf-8"?>
-<pc:chgInfo xmlns:a="http://schemas.openxmlformats.org/drawingml/2006/main" xmlns:r="http://schemas.openxmlformats.org/officeDocument/2006/relationships" xmlns:ac="http://schemas.microsoft.com/office/drawing/2013/main/command" xmlns:pc="http://schemas.microsoft.com/office/powerpoint/2013/main/command">
-  <pc:docChgLst>
-    <pc:chgData name="Sungjin Lee (MSR)" userId="08909c4b-bc1b-44ba-ba75-ec887dad6b2e" providerId="ADAL" clId="{B31E1CFF-8C70-4EC6-BD85-D53A0AEDF34F}"/>
-    <pc:docChg chg="undo redo custSel addSld delSld modSld">
-      <pc:chgData name="Sungjin Lee (MSR)" userId="08909c4b-bc1b-44ba-ba75-ec887dad6b2e" providerId="ADAL" clId="{B31E1CFF-8C70-4EC6-BD85-D53A0AEDF34F}" dt="2018-12-16T17:00:47.943" v="132"/>
-      <pc:docMkLst>
-        <pc:docMk/>
-      </pc:docMkLst>
-      <pc:sldChg chg="modSp">
-        <pc:chgData name="Sungjin Lee (MSR)" userId="08909c4b-bc1b-44ba-ba75-ec887dad6b2e" providerId="ADAL" clId="{B31E1CFF-8C70-4EC6-BD85-D53A0AEDF34F}" dt="2018-12-14T23:05:29.747" v="6" actId="20577"/>
-        <pc:sldMkLst>
-          <pc:docMk/>
-          <pc:sldMk cId="2719098706" sldId="270"/>
-        </pc:sldMkLst>
-        <pc:spChg chg="mod">
-          <ac:chgData name="Sungjin Lee (MSR)" userId="08909c4b-bc1b-44ba-ba75-ec887dad6b2e" providerId="ADAL" clId="{B31E1CFF-8C70-4EC6-BD85-D53A0AEDF34F}" dt="2018-12-14T23:05:29.747" v="6" actId="20577"/>
-          <ac:spMkLst>
-            <pc:docMk/>
-            <pc:sldMk cId="2719098706" sldId="270"/>
-            <ac:spMk id="2" creationId="{01455DA4-99C8-45B5-9CA7-F34DEAF8F5DC}"/>
-          </ac:spMkLst>
-        </pc:spChg>
-      </pc:sldChg>
-      <pc:sldChg chg="modAnim">
-        <pc:chgData name="Sungjin Lee (MSR)" userId="08909c4b-bc1b-44ba-ba75-ec887dad6b2e" providerId="ADAL" clId="{B31E1CFF-8C70-4EC6-BD85-D53A0AEDF34F}" dt="2018-12-14T22:48:50.937" v="0"/>
-        <pc:sldMkLst>
-          <pc:docMk/>
-          <pc:sldMk cId="2477978125" sldId="273"/>
-        </pc:sldMkLst>
-      </pc:sldChg>
-      <pc:sldChg chg="modAnim">
-        <pc:chgData name="Sungjin Lee (MSR)" userId="08909c4b-bc1b-44ba-ba75-ec887dad6b2e" providerId="ADAL" clId="{B31E1CFF-8C70-4EC6-BD85-D53A0AEDF34F}" dt="2018-12-14T22:48:58.273" v="1"/>
-        <pc:sldMkLst>
-          <pc:docMk/>
-          <pc:sldMk cId="2650456373" sldId="275"/>
-        </pc:sldMkLst>
-      </pc:sldChg>
-      <pc:sldChg chg="modSp add del">
-        <pc:chgData name="Sungjin Lee (MSR)" userId="08909c4b-bc1b-44ba-ba75-ec887dad6b2e" providerId="ADAL" clId="{B31E1CFF-8C70-4EC6-BD85-D53A0AEDF34F}" dt="2018-12-16T16:54:27.100" v="131" actId="2696"/>
-        <pc:sldMkLst>
-          <pc:docMk/>
-          <pc:sldMk cId="1221968340" sldId="276"/>
-        </pc:sldMkLst>
-        <pc:spChg chg="mod">
-          <ac:chgData name="Sungjin Lee (MSR)" userId="08909c4b-bc1b-44ba-ba75-ec887dad6b2e" providerId="ADAL" clId="{B31E1CFF-8C70-4EC6-BD85-D53A0AEDF34F}" dt="2018-12-16T16:44:51.792" v="15" actId="20577"/>
-          <ac:spMkLst>
-            <pc:docMk/>
-            <pc:sldMk cId="1221968340" sldId="276"/>
-            <ac:spMk id="2" creationId="{349F6E5D-9ACF-4D7C-899B-175CE9553D83}"/>
-          </ac:spMkLst>
-        </pc:spChg>
-        <pc:spChg chg="mod">
-          <ac:chgData name="Sungjin Lee (MSR)" userId="08909c4b-bc1b-44ba-ba75-ec887dad6b2e" providerId="ADAL" clId="{B31E1CFF-8C70-4EC6-BD85-D53A0AEDF34F}" dt="2018-12-16T16:45:08.778" v="27" actId="27636"/>
-          <ac:spMkLst>
-            <pc:docMk/>
-            <pc:sldMk cId="1221968340" sldId="276"/>
-            <ac:spMk id="3" creationId="{0B906A8F-1A70-407E-A72D-1F338489EDD7}"/>
-          </ac:spMkLst>
-        </pc:spChg>
-      </pc:sldChg>
-      <pc:sldChg chg="modSp add">
-        <pc:chgData name="Sungjin Lee (MSR)" userId="08909c4b-bc1b-44ba-ba75-ec887dad6b2e" providerId="ADAL" clId="{B31E1CFF-8C70-4EC6-BD85-D53A0AEDF34F}" dt="2018-12-16T16:53:58.302" v="130" actId="20577"/>
-        <pc:sldMkLst>
-          <pc:docMk/>
-          <pc:sldMk cId="1429795469" sldId="277"/>
-        </pc:sldMkLst>
-        <pc:spChg chg="mod">
-          <ac:chgData name="Sungjin Lee (MSR)" userId="08909c4b-bc1b-44ba-ba75-ec887dad6b2e" providerId="ADAL" clId="{B31E1CFF-8C70-4EC6-BD85-D53A0AEDF34F}" dt="2018-12-16T16:45:39.854" v="29"/>
-          <ac:spMkLst>
-            <pc:docMk/>
-            <pc:sldMk cId="1429795469" sldId="277"/>
-            <ac:spMk id="2" creationId="{144AD451-7B57-4F41-9829-31133D62D08F}"/>
-          </ac:spMkLst>
-        </pc:spChg>
-        <pc:graphicFrameChg chg="mod modGraphic">
-          <ac:chgData name="Sungjin Lee (MSR)" userId="08909c4b-bc1b-44ba-ba75-ec887dad6b2e" providerId="ADAL" clId="{B31E1CFF-8C70-4EC6-BD85-D53A0AEDF34F}" dt="2018-12-16T16:53:58.302" v="130" actId="20577"/>
-          <ac:graphicFrameMkLst>
-            <pc:docMk/>
-            <pc:sldMk cId="1429795469" sldId="277"/>
-            <ac:graphicFrameMk id="4" creationId="{F77A13ED-3048-4258-BFDB-E84DE1D5E3DC}"/>
-          </ac:graphicFrameMkLst>
-        </pc:graphicFrameChg>
-      </pc:sldChg>
-      <pc:sldChg chg="add">
-        <pc:chgData name="Sungjin Lee (MSR)" userId="08909c4b-bc1b-44ba-ba75-ec887dad6b2e" providerId="ADAL" clId="{B31E1CFF-8C70-4EC6-BD85-D53A0AEDF34F}" dt="2018-12-16T17:00:47.943" v="132"/>
-        <pc:sldMkLst>
-          <pc:docMk/>
-          <pc:sldMk cId="875503407" sldId="278"/>
-        </pc:sldMkLst>
-      </pc:sldChg>
-    </pc:docChg>
-  </pc:docChgLst>
-  <pc:docChgLst>
-    <pc:chgData name="Jianfeng Gao" userId="925a7f7d873fb194" providerId="LiveId" clId="{1D1BFB9D-E8A2-4B6D-8A0D-B59EB588A304}"/>
-    <pc:docChg chg="custSel addSld modSld sldOrd">
-      <pc:chgData name="Jianfeng Gao" userId="925a7f7d873fb194" providerId="LiveId" clId="{1D1BFB9D-E8A2-4B6D-8A0D-B59EB588A304}" dt="2018-12-18T08:08:02.419" v="1320" actId="20577"/>
-      <pc:docMkLst>
-        <pc:docMk/>
-      </pc:docMkLst>
-      <pc:sldChg chg="ord">
-        <pc:chgData name="Jianfeng Gao" userId="925a7f7d873fb194" providerId="LiveId" clId="{1D1BFB9D-E8A2-4B6D-8A0D-B59EB588A304}" dt="2018-12-18T08:02:12.604" v="1106"/>
-        <pc:sldMkLst>
-          <pc:docMk/>
-          <pc:sldMk cId="2941047382" sldId="256"/>
-        </pc:sldMkLst>
-      </pc:sldChg>
-      <pc:sldChg chg="addSp modSp">
-        <pc:chgData name="Jianfeng Gao" userId="925a7f7d873fb194" providerId="LiveId" clId="{1D1BFB9D-E8A2-4B6D-8A0D-B59EB588A304}" dt="2018-12-18T08:08:02.419" v="1320" actId="20577"/>
-        <pc:sldMkLst>
-          <pc:docMk/>
-          <pc:sldMk cId="1429795469" sldId="277"/>
-        </pc:sldMkLst>
-        <pc:spChg chg="mod">
-          <ac:chgData name="Jianfeng Gao" userId="925a7f7d873fb194" providerId="LiveId" clId="{1D1BFB9D-E8A2-4B6D-8A0D-B59EB588A304}" dt="2018-12-18T08:02:59.508" v="1139" actId="20577"/>
-          <ac:spMkLst>
-            <pc:docMk/>
-            <pc:sldMk cId="1429795469" sldId="277"/>
-            <ac:spMk id="2" creationId="{144AD451-7B57-4F41-9829-31133D62D08F}"/>
-          </ac:spMkLst>
-        </pc:spChg>
-        <pc:spChg chg="add mod">
-          <ac:chgData name="Jianfeng Gao" userId="925a7f7d873fb194" providerId="LiveId" clId="{1D1BFB9D-E8A2-4B6D-8A0D-B59EB588A304}" dt="2018-12-18T08:06:00.225" v="1307" actId="14100"/>
-          <ac:spMkLst>
-            <pc:docMk/>
-            <pc:sldMk cId="1429795469" sldId="277"/>
-            <ac:spMk id="5" creationId="{FD25FB41-2F36-44D4-8BEA-DFB56108EFD6}"/>
-          </ac:spMkLst>
-        </pc:spChg>
-        <pc:graphicFrameChg chg="mod modGraphic">
-          <ac:chgData name="Jianfeng Gao" userId="925a7f7d873fb194" providerId="LiveId" clId="{1D1BFB9D-E8A2-4B6D-8A0D-B59EB588A304}" dt="2018-12-18T08:08:02.419" v="1320" actId="20577"/>
-          <ac:graphicFrameMkLst>
-            <pc:docMk/>
-            <pc:sldMk cId="1429795469" sldId="277"/>
-            <ac:graphicFrameMk id="4" creationId="{F77A13ED-3048-4258-BFDB-E84DE1D5E3DC}"/>
-          </ac:graphicFrameMkLst>
-        </pc:graphicFrameChg>
-      </pc:sldChg>
-      <pc:sldChg chg="addSp modSp add">
-        <pc:chgData name="Jianfeng Gao" userId="925a7f7d873fb194" providerId="LiveId" clId="{1D1BFB9D-E8A2-4B6D-8A0D-B59EB588A304}" dt="2018-12-18T07:59:50.432" v="1094" actId="1076"/>
-        <pc:sldMkLst>
-          <pc:docMk/>
-          <pc:sldMk cId="3185864638" sldId="279"/>
-        </pc:sldMkLst>
-        <pc:spChg chg="mod">
-          <ac:chgData name="Jianfeng Gao" userId="925a7f7d873fb194" providerId="LiveId" clId="{1D1BFB9D-E8A2-4B6D-8A0D-B59EB588A304}" dt="2018-12-18T07:47:08.775" v="234" actId="5793"/>
-          <ac:spMkLst>
-            <pc:docMk/>
-            <pc:sldMk cId="3185864638" sldId="279"/>
-            <ac:spMk id="2" creationId="{609BB154-6BC3-4EB3-B875-6F08FF50CD24}"/>
-          </ac:spMkLst>
-        </pc:spChg>
-        <pc:spChg chg="mod">
-          <ac:chgData name="Jianfeng Gao" userId="925a7f7d873fb194" providerId="LiveId" clId="{1D1BFB9D-E8A2-4B6D-8A0D-B59EB588A304}" dt="2018-12-18T07:57:13.366" v="1011" actId="14100"/>
-          <ac:spMkLst>
-            <pc:docMk/>
-            <pc:sldMk cId="3185864638" sldId="279"/>
-            <ac:spMk id="3" creationId="{8B08BEDF-00AC-4734-B42D-CE5407DBAC89}"/>
-          </ac:spMkLst>
-        </pc:spChg>
-        <pc:spChg chg="add mod">
-          <ac:chgData name="Jianfeng Gao" userId="925a7f7d873fb194" providerId="LiveId" clId="{1D1BFB9D-E8A2-4B6D-8A0D-B59EB588A304}" dt="2018-12-18T07:59:50.432" v="1094" actId="1076"/>
-          <ac:spMkLst>
-            <pc:docMk/>
-            <pc:sldMk cId="3185864638" sldId="279"/>
-            <ac:spMk id="4" creationId="{F2C4060D-D3D5-40D7-A96E-DAB8EE5B5A09}"/>
-          </ac:spMkLst>
-        </pc:spChg>
-      </pc:sldChg>
-      <pc:sldChg chg="addSp delSp modSp add">
-        <pc:chgData name="Jianfeng Gao" userId="925a7f7d873fb194" providerId="LiveId" clId="{1D1BFB9D-E8A2-4B6D-8A0D-B59EB588A304}" dt="2018-12-18T08:01:35.061" v="1105" actId="1076"/>
-        <pc:sldMkLst>
-          <pc:docMk/>
-          <pc:sldMk cId="360247798" sldId="280"/>
-        </pc:sldMkLst>
-        <pc:spChg chg="del">
-          <ac:chgData name="Jianfeng Gao" userId="925a7f7d873fb194" providerId="LiveId" clId="{1D1BFB9D-E8A2-4B6D-8A0D-B59EB588A304}" dt="2018-12-18T08:00:55.358" v="1096" actId="478"/>
-          <ac:spMkLst>
-            <pc:docMk/>
-            <pc:sldMk cId="360247798" sldId="280"/>
-            <ac:spMk id="2" creationId="{5236B315-F44B-4EA7-A32B-C28EFBADF55B}"/>
-          </ac:spMkLst>
-        </pc:spChg>
-        <pc:spChg chg="del">
-          <ac:chgData name="Jianfeng Gao" userId="925a7f7d873fb194" providerId="LiveId" clId="{1D1BFB9D-E8A2-4B6D-8A0D-B59EB588A304}" dt="2018-12-18T08:00:58.056" v="1097" actId="478"/>
-          <ac:spMkLst>
-            <pc:docMk/>
-            <pc:sldMk cId="360247798" sldId="280"/>
-            <ac:spMk id="3" creationId="{400AA2AD-2290-48B7-A53E-1FE079E58354}"/>
-          </ac:spMkLst>
-        </pc:spChg>
-        <pc:spChg chg="add">
-          <ac:chgData name="Jianfeng Gao" userId="925a7f7d873fb194" providerId="LiveId" clId="{1D1BFB9D-E8A2-4B6D-8A0D-B59EB588A304}" dt="2018-12-18T08:01:31.337" v="1104"/>
-          <ac:spMkLst>
-            <pc:docMk/>
-            <pc:sldMk cId="360247798" sldId="280"/>
-            <ac:spMk id="5" creationId="{1510C1B9-B4EB-4CF8-AD43-202008B12CB6}"/>
-          </ac:spMkLst>
-        </pc:spChg>
-        <pc:picChg chg="add mod">
-          <ac:chgData name="Jianfeng Gao" userId="925a7f7d873fb194" providerId="LiveId" clId="{1D1BFB9D-E8A2-4B6D-8A0D-B59EB588A304}" dt="2018-12-18T08:01:35.061" v="1105" actId="1076"/>
-          <ac:picMkLst>
-            <pc:docMk/>
-            <pc:sldMk cId="360247798" sldId="280"/>
-            <ac:picMk id="4" creationId="{EB153EB4-192A-4DA3-A646-980D8C4A941F}"/>
-          </ac:picMkLst>
-        </pc:picChg>
-      </pc:sldChg>
-    </pc:docChg>
-  </pc:docChgLst>
-</pc:chgInfo>
 </file>
 
 <file path=ppt/notesMasters/notesMaster1.xml><?xml version="1.0" encoding="utf-8"?>
@@ -746,22 +533,7 @@
           <a:bodyPr/>
           <a:lstStyle/>
           <a:p>
-            <a:r>
-              <a:rPr lang="en-US" dirty="0"/>
-              <a:t>Important, because we don’t know how performance improvement of each component translates to the entire system.</a:t>
-            </a:r>
-          </a:p>
-          <a:p>
-            <a:r>
-              <a:rPr lang="en-US" dirty="0"/>
-              <a:t>Instead of synthesizing understanding errors, better to evaluate with actual errors.</a:t>
-            </a:r>
-          </a:p>
-          <a:p>
-            <a:r>
-              <a:rPr lang="en-US" dirty="0"/>
-              <a:t>This lends itself well to seamless transition to real user experiments.</a:t>
-            </a:r>
+            <a:endParaRPr lang="en-US" dirty="0"/>
           </a:p>
         </p:txBody>
       </p:sp>
@@ -782,7 +554,7 @@
           <a:p>
             <a:fld id="{EC6B5AB7-3C93-4F65-B1FA-14AFD04BBA37}" type="slidenum">
               <a:rPr lang="en-US" smtClean="0"/>
-              <a:t>5</a:t>
+              <a:t>4</a:t>
             </a:fld>
             <a:endParaRPr lang="en-US"/>
           </a:p>
@@ -791,7 +563,427 @@
     </p:spTree>
     <p:extLst>
       <p:ext uri="{BB962C8B-B14F-4D97-AF65-F5344CB8AC3E}">
-        <p14:creationId xmlns:p14="http://schemas.microsoft.com/office/powerpoint/2010/main" val="3478850061"/>
+        <p14:creationId xmlns:p14="http://schemas.microsoft.com/office/powerpoint/2010/main" val="549364430"/>
+      </p:ext>
+    </p:extLst>
+  </p:cSld>
+  <p:clrMapOvr>
+    <a:masterClrMapping/>
+  </p:clrMapOvr>
+</p:notes>
+</file>
+
+<file path=ppt/notesSlides/notesSlide10.xml><?xml version="1.0" encoding="utf-8"?>
+<p:notes xmlns:a="http://schemas.openxmlformats.org/drawingml/2006/main" xmlns:r="http://schemas.openxmlformats.org/officeDocument/2006/relationships" xmlns:p="http://schemas.openxmlformats.org/presentationml/2006/main">
+  <p:cSld>
+    <p:spTree>
+      <p:nvGrpSpPr>
+        <p:cNvPr id="1" name=""/>
+        <p:cNvGrpSpPr/>
+        <p:nvPr/>
+      </p:nvGrpSpPr>
+      <p:grpSpPr>
+        <a:xfrm>
+          <a:off x="0" y="0"/>
+          <a:ext cx="0" cy="0"/>
+          <a:chOff x="0" y="0"/>
+          <a:chExt cx="0" cy="0"/>
+        </a:xfrm>
+      </p:grpSpPr>
+      <p:sp>
+        <p:nvSpPr>
+          <p:cNvPr id="2" name="Slide Image Placeholder 1"/>
+          <p:cNvSpPr>
+            <a:spLocks noGrp="1" noRot="1" noChangeAspect="1"/>
+          </p:cNvSpPr>
+          <p:nvPr>
+            <p:ph type="sldImg"/>
+          </p:nvPr>
+        </p:nvSpPr>
+        <p:spPr/>
+      </p:sp>
+      <p:sp>
+        <p:nvSpPr>
+          <p:cNvPr id="3" name="Notes Placeholder 2"/>
+          <p:cNvSpPr>
+            <a:spLocks noGrp="1"/>
+          </p:cNvSpPr>
+          <p:nvPr>
+            <p:ph type="body" idx="1"/>
+          </p:nvPr>
+        </p:nvSpPr>
+        <p:spPr/>
+        <p:txBody>
+          <a:bodyPr/>
+          <a:lstStyle/>
+          <a:p>
+            <a:endParaRPr lang="en-US" dirty="0"/>
+          </a:p>
+        </p:txBody>
+      </p:sp>
+      <p:sp>
+        <p:nvSpPr>
+          <p:cNvPr id="4" name="Slide Number Placeholder 3"/>
+          <p:cNvSpPr>
+            <a:spLocks noGrp="1"/>
+          </p:cNvSpPr>
+          <p:nvPr>
+            <p:ph type="sldNum" sz="quarter" idx="5"/>
+          </p:nvPr>
+        </p:nvSpPr>
+        <p:spPr/>
+        <p:txBody>
+          <a:bodyPr/>
+          <a:lstStyle/>
+          <a:p>
+            <a:fld id="{EC6B5AB7-3C93-4F65-B1FA-14AFD04BBA37}" type="slidenum">
+              <a:rPr lang="en-US" smtClean="0"/>
+              <a:t>13</a:t>
+            </a:fld>
+            <a:endParaRPr lang="en-US"/>
+          </a:p>
+        </p:txBody>
+      </p:sp>
+    </p:spTree>
+    <p:extLst>
+      <p:ext uri="{BB962C8B-B14F-4D97-AF65-F5344CB8AC3E}">
+        <p14:creationId xmlns:p14="http://schemas.microsoft.com/office/powerpoint/2010/main" val="158940469"/>
+      </p:ext>
+    </p:extLst>
+  </p:cSld>
+  <p:clrMapOvr>
+    <a:masterClrMapping/>
+  </p:clrMapOvr>
+</p:notes>
+</file>
+
+<file path=ppt/notesSlides/notesSlide11.xml><?xml version="1.0" encoding="utf-8"?>
+<p:notes xmlns:a="http://schemas.openxmlformats.org/drawingml/2006/main" xmlns:r="http://schemas.openxmlformats.org/officeDocument/2006/relationships" xmlns:p="http://schemas.openxmlformats.org/presentationml/2006/main">
+  <p:cSld>
+    <p:spTree>
+      <p:nvGrpSpPr>
+        <p:cNvPr id="1" name=""/>
+        <p:cNvGrpSpPr/>
+        <p:nvPr/>
+      </p:nvGrpSpPr>
+      <p:grpSpPr>
+        <a:xfrm>
+          <a:off x="0" y="0"/>
+          <a:ext cx="0" cy="0"/>
+          <a:chOff x="0" y="0"/>
+          <a:chExt cx="0" cy="0"/>
+        </a:xfrm>
+      </p:grpSpPr>
+      <p:sp>
+        <p:nvSpPr>
+          <p:cNvPr id="2" name="Slide Image Placeholder 1"/>
+          <p:cNvSpPr>
+            <a:spLocks noGrp="1" noRot="1" noChangeAspect="1"/>
+          </p:cNvSpPr>
+          <p:nvPr>
+            <p:ph type="sldImg"/>
+          </p:nvPr>
+        </p:nvSpPr>
+        <p:spPr/>
+      </p:sp>
+      <p:sp>
+        <p:nvSpPr>
+          <p:cNvPr id="3" name="Notes Placeholder 2"/>
+          <p:cNvSpPr>
+            <a:spLocks noGrp="1"/>
+          </p:cNvSpPr>
+          <p:nvPr>
+            <p:ph type="body" idx="1"/>
+          </p:nvPr>
+        </p:nvSpPr>
+        <p:spPr/>
+        <p:txBody>
+          <a:bodyPr/>
+          <a:lstStyle/>
+          <a:p>
+            <a:endParaRPr lang="en-US" dirty="0"/>
+          </a:p>
+        </p:txBody>
+      </p:sp>
+      <p:sp>
+        <p:nvSpPr>
+          <p:cNvPr id="4" name="Slide Number Placeholder 3"/>
+          <p:cNvSpPr>
+            <a:spLocks noGrp="1"/>
+          </p:cNvSpPr>
+          <p:nvPr>
+            <p:ph type="sldNum" sz="quarter" idx="5"/>
+          </p:nvPr>
+        </p:nvSpPr>
+        <p:spPr/>
+        <p:txBody>
+          <a:bodyPr/>
+          <a:lstStyle/>
+          <a:p>
+            <a:fld id="{EC6B5AB7-3C93-4F65-B1FA-14AFD04BBA37}" type="slidenum">
+              <a:rPr lang="en-US" smtClean="0"/>
+              <a:t>14</a:t>
+            </a:fld>
+            <a:endParaRPr lang="en-US"/>
+          </a:p>
+        </p:txBody>
+      </p:sp>
+    </p:spTree>
+    <p:extLst>
+      <p:ext uri="{BB962C8B-B14F-4D97-AF65-F5344CB8AC3E}">
+        <p14:creationId xmlns:p14="http://schemas.microsoft.com/office/powerpoint/2010/main" val="3560615897"/>
+      </p:ext>
+    </p:extLst>
+  </p:cSld>
+  <p:clrMapOvr>
+    <a:masterClrMapping/>
+  </p:clrMapOvr>
+</p:notes>
+</file>
+
+<file path=ppt/notesSlides/notesSlide12.xml><?xml version="1.0" encoding="utf-8"?>
+<p:notes xmlns:a="http://schemas.openxmlformats.org/drawingml/2006/main" xmlns:r="http://schemas.openxmlformats.org/officeDocument/2006/relationships" xmlns:p="http://schemas.openxmlformats.org/presentationml/2006/main">
+  <p:cSld>
+    <p:spTree>
+      <p:nvGrpSpPr>
+        <p:cNvPr id="1" name=""/>
+        <p:cNvGrpSpPr/>
+        <p:nvPr/>
+      </p:nvGrpSpPr>
+      <p:grpSpPr>
+        <a:xfrm>
+          <a:off x="0" y="0"/>
+          <a:ext cx="0" cy="0"/>
+          <a:chOff x="0" y="0"/>
+          <a:chExt cx="0" cy="0"/>
+        </a:xfrm>
+      </p:grpSpPr>
+      <p:sp>
+        <p:nvSpPr>
+          <p:cNvPr id="2" name="Slide Image Placeholder 1"/>
+          <p:cNvSpPr>
+            <a:spLocks noGrp="1" noRot="1" noChangeAspect="1"/>
+          </p:cNvSpPr>
+          <p:nvPr>
+            <p:ph type="sldImg"/>
+          </p:nvPr>
+        </p:nvSpPr>
+        <p:spPr/>
+      </p:sp>
+      <p:sp>
+        <p:nvSpPr>
+          <p:cNvPr id="3" name="Notes Placeholder 2"/>
+          <p:cNvSpPr>
+            <a:spLocks noGrp="1"/>
+          </p:cNvSpPr>
+          <p:nvPr>
+            <p:ph type="body" idx="1"/>
+          </p:nvPr>
+        </p:nvSpPr>
+        <p:spPr/>
+        <p:txBody>
+          <a:bodyPr/>
+          <a:lstStyle/>
+          <a:p>
+            <a:endParaRPr lang="en-US" dirty="0"/>
+          </a:p>
+        </p:txBody>
+      </p:sp>
+      <p:sp>
+        <p:nvSpPr>
+          <p:cNvPr id="4" name="Slide Number Placeholder 3"/>
+          <p:cNvSpPr>
+            <a:spLocks noGrp="1"/>
+          </p:cNvSpPr>
+          <p:nvPr>
+            <p:ph type="sldNum" sz="quarter" idx="5"/>
+          </p:nvPr>
+        </p:nvSpPr>
+        <p:spPr/>
+        <p:txBody>
+          <a:bodyPr/>
+          <a:lstStyle/>
+          <a:p>
+            <a:fld id="{EC6B5AB7-3C93-4F65-B1FA-14AFD04BBA37}" type="slidenum">
+              <a:rPr lang="en-US" smtClean="0"/>
+              <a:t>15</a:t>
+            </a:fld>
+            <a:endParaRPr lang="en-US"/>
+          </a:p>
+        </p:txBody>
+      </p:sp>
+    </p:spTree>
+    <p:extLst>
+      <p:ext uri="{BB962C8B-B14F-4D97-AF65-F5344CB8AC3E}">
+        <p14:creationId xmlns:p14="http://schemas.microsoft.com/office/powerpoint/2010/main" val="2330203612"/>
+      </p:ext>
+    </p:extLst>
+  </p:cSld>
+  <p:clrMapOvr>
+    <a:masterClrMapping/>
+  </p:clrMapOvr>
+</p:notes>
+</file>
+
+<file path=ppt/notesSlides/notesSlide13.xml><?xml version="1.0" encoding="utf-8"?>
+<p:notes xmlns:a="http://schemas.openxmlformats.org/drawingml/2006/main" xmlns:r="http://schemas.openxmlformats.org/officeDocument/2006/relationships" xmlns:p="http://schemas.openxmlformats.org/presentationml/2006/main">
+  <p:cSld>
+    <p:spTree>
+      <p:nvGrpSpPr>
+        <p:cNvPr id="1" name=""/>
+        <p:cNvGrpSpPr/>
+        <p:nvPr/>
+      </p:nvGrpSpPr>
+      <p:grpSpPr>
+        <a:xfrm>
+          <a:off x="0" y="0"/>
+          <a:ext cx="0" cy="0"/>
+          <a:chOff x="0" y="0"/>
+          <a:chExt cx="0" cy="0"/>
+        </a:xfrm>
+      </p:grpSpPr>
+      <p:sp>
+        <p:nvSpPr>
+          <p:cNvPr id="2" name="Slide Image Placeholder 1"/>
+          <p:cNvSpPr>
+            <a:spLocks noGrp="1" noRot="1" noChangeAspect="1"/>
+          </p:cNvSpPr>
+          <p:nvPr>
+            <p:ph type="sldImg"/>
+          </p:nvPr>
+        </p:nvSpPr>
+        <p:spPr/>
+      </p:sp>
+      <p:sp>
+        <p:nvSpPr>
+          <p:cNvPr id="3" name="Notes Placeholder 2"/>
+          <p:cNvSpPr>
+            <a:spLocks noGrp="1"/>
+          </p:cNvSpPr>
+          <p:nvPr>
+            <p:ph type="body" idx="1"/>
+          </p:nvPr>
+        </p:nvSpPr>
+        <p:spPr/>
+        <p:txBody>
+          <a:bodyPr/>
+          <a:lstStyle/>
+          <a:p>
+            <a:endParaRPr lang="en-US" dirty="0"/>
+          </a:p>
+        </p:txBody>
+      </p:sp>
+      <p:sp>
+        <p:nvSpPr>
+          <p:cNvPr id="4" name="Slide Number Placeholder 3"/>
+          <p:cNvSpPr>
+            <a:spLocks noGrp="1"/>
+          </p:cNvSpPr>
+          <p:nvPr>
+            <p:ph type="sldNum" sz="quarter" idx="5"/>
+          </p:nvPr>
+        </p:nvSpPr>
+        <p:spPr/>
+        <p:txBody>
+          <a:bodyPr/>
+          <a:lstStyle/>
+          <a:p>
+            <a:fld id="{EC6B5AB7-3C93-4F65-B1FA-14AFD04BBA37}" type="slidenum">
+              <a:rPr lang="en-US" smtClean="0"/>
+              <a:t>16</a:t>
+            </a:fld>
+            <a:endParaRPr lang="en-US"/>
+          </a:p>
+        </p:txBody>
+      </p:sp>
+    </p:spTree>
+    <p:extLst>
+      <p:ext uri="{BB962C8B-B14F-4D97-AF65-F5344CB8AC3E}">
+        <p14:creationId xmlns:p14="http://schemas.microsoft.com/office/powerpoint/2010/main" val="1013388184"/>
+      </p:ext>
+    </p:extLst>
+  </p:cSld>
+  <p:clrMapOvr>
+    <a:masterClrMapping/>
+  </p:clrMapOvr>
+</p:notes>
+</file>
+
+<file path=ppt/notesSlides/notesSlide14.xml><?xml version="1.0" encoding="utf-8"?>
+<p:notes xmlns:a="http://schemas.openxmlformats.org/drawingml/2006/main" xmlns:r="http://schemas.openxmlformats.org/officeDocument/2006/relationships" xmlns:p="http://schemas.openxmlformats.org/presentationml/2006/main">
+  <p:cSld>
+    <p:spTree>
+      <p:nvGrpSpPr>
+        <p:cNvPr id="1" name=""/>
+        <p:cNvGrpSpPr/>
+        <p:nvPr/>
+      </p:nvGrpSpPr>
+      <p:grpSpPr>
+        <a:xfrm>
+          <a:off x="0" y="0"/>
+          <a:ext cx="0" cy="0"/>
+          <a:chOff x="0" y="0"/>
+          <a:chExt cx="0" cy="0"/>
+        </a:xfrm>
+      </p:grpSpPr>
+      <p:sp>
+        <p:nvSpPr>
+          <p:cNvPr id="2" name="Slide Image Placeholder 1"/>
+          <p:cNvSpPr>
+            <a:spLocks noGrp="1" noRot="1" noChangeAspect="1"/>
+          </p:cNvSpPr>
+          <p:nvPr>
+            <p:ph type="sldImg"/>
+          </p:nvPr>
+        </p:nvSpPr>
+        <p:spPr/>
+      </p:sp>
+      <p:sp>
+        <p:nvSpPr>
+          <p:cNvPr id="3" name="Notes Placeholder 2"/>
+          <p:cNvSpPr>
+            <a:spLocks noGrp="1"/>
+          </p:cNvSpPr>
+          <p:nvPr>
+            <p:ph type="body" idx="1"/>
+          </p:nvPr>
+        </p:nvSpPr>
+        <p:spPr/>
+        <p:txBody>
+          <a:bodyPr/>
+          <a:lstStyle/>
+          <a:p>
+            <a:endParaRPr lang="en-US" dirty="0"/>
+          </a:p>
+        </p:txBody>
+      </p:sp>
+      <p:sp>
+        <p:nvSpPr>
+          <p:cNvPr id="4" name="Slide Number Placeholder 3"/>
+          <p:cNvSpPr>
+            <a:spLocks noGrp="1"/>
+          </p:cNvSpPr>
+          <p:nvPr>
+            <p:ph type="sldNum" sz="quarter" idx="5"/>
+          </p:nvPr>
+        </p:nvSpPr>
+        <p:spPr/>
+        <p:txBody>
+          <a:bodyPr/>
+          <a:lstStyle/>
+          <a:p>
+            <a:fld id="{EC6B5AB7-3C93-4F65-B1FA-14AFD04BBA37}" type="slidenum">
+              <a:rPr lang="en-US" smtClean="0"/>
+              <a:t>17</a:t>
+            </a:fld>
+            <a:endParaRPr lang="en-US"/>
+          </a:p>
+        </p:txBody>
+      </p:sp>
+    </p:spTree>
+    <p:extLst>
+      <p:ext uri="{BB962C8B-B14F-4D97-AF65-F5344CB8AC3E}">
+        <p14:creationId xmlns:p14="http://schemas.microsoft.com/office/powerpoint/2010/main" val="17415187"/>
       </p:ext>
     </p:extLst>
   </p:cSld>
@@ -845,10 +1037,7 @@
           <a:bodyPr/>
           <a:lstStyle/>
           <a:p>
-            <a:r>
-              <a:rPr lang="en-US" dirty="0"/>
-              <a:t>Uncooperative behavior</a:t>
-            </a:r>
+            <a:endParaRPr lang="en-US" dirty="0"/>
           </a:p>
         </p:txBody>
       </p:sp>
@@ -869,7 +1058,91 @@
           <a:p>
             <a:fld id="{EC6B5AB7-3C93-4F65-B1FA-14AFD04BBA37}" type="slidenum">
               <a:rPr lang="en-US" smtClean="0"/>
-              <a:t>7</a:t>
+              <a:t>5</a:t>
+            </a:fld>
+            <a:endParaRPr lang="en-US"/>
+          </a:p>
+        </p:txBody>
+      </p:sp>
+    </p:spTree>
+    <p:extLst>
+      <p:ext uri="{BB962C8B-B14F-4D97-AF65-F5344CB8AC3E}">
+        <p14:creationId xmlns:p14="http://schemas.microsoft.com/office/powerpoint/2010/main" val="3478850061"/>
+      </p:ext>
+    </p:extLst>
+  </p:cSld>
+  <p:clrMapOvr>
+    <a:masterClrMapping/>
+  </p:clrMapOvr>
+</p:notes>
+</file>
+
+<file path=ppt/notesSlides/notesSlide3.xml><?xml version="1.0" encoding="utf-8"?>
+<p:notes xmlns:a="http://schemas.openxmlformats.org/drawingml/2006/main" xmlns:r="http://schemas.openxmlformats.org/officeDocument/2006/relationships" xmlns:p="http://schemas.openxmlformats.org/presentationml/2006/main">
+  <p:cSld>
+    <p:spTree>
+      <p:nvGrpSpPr>
+        <p:cNvPr id="1" name=""/>
+        <p:cNvGrpSpPr/>
+        <p:nvPr/>
+      </p:nvGrpSpPr>
+      <p:grpSpPr>
+        <a:xfrm>
+          <a:off x="0" y="0"/>
+          <a:ext cx="0" cy="0"/>
+          <a:chOff x="0" y="0"/>
+          <a:chExt cx="0" cy="0"/>
+        </a:xfrm>
+      </p:grpSpPr>
+      <p:sp>
+        <p:nvSpPr>
+          <p:cNvPr id="2" name="Slide Image Placeholder 1"/>
+          <p:cNvSpPr>
+            <a:spLocks noGrp="1" noRot="1" noChangeAspect="1"/>
+          </p:cNvSpPr>
+          <p:nvPr>
+            <p:ph type="sldImg"/>
+          </p:nvPr>
+        </p:nvSpPr>
+        <p:spPr/>
+      </p:sp>
+      <p:sp>
+        <p:nvSpPr>
+          <p:cNvPr id="3" name="Notes Placeholder 2"/>
+          <p:cNvSpPr>
+            <a:spLocks noGrp="1"/>
+          </p:cNvSpPr>
+          <p:nvPr>
+            <p:ph type="body" idx="1"/>
+          </p:nvPr>
+        </p:nvSpPr>
+        <p:spPr/>
+        <p:txBody>
+          <a:bodyPr/>
+          <a:lstStyle/>
+          <a:p>
+            <a:endParaRPr lang="en-US" dirty="0"/>
+          </a:p>
+        </p:txBody>
+      </p:sp>
+      <p:sp>
+        <p:nvSpPr>
+          <p:cNvPr id="4" name="Slide Number Placeholder 3"/>
+          <p:cNvSpPr>
+            <a:spLocks noGrp="1"/>
+          </p:cNvSpPr>
+          <p:nvPr>
+            <p:ph type="sldNum" sz="quarter" idx="5"/>
+          </p:nvPr>
+        </p:nvSpPr>
+        <p:spPr/>
+        <p:txBody>
+          <a:bodyPr/>
+          <a:lstStyle/>
+          <a:p>
+            <a:fld id="{EC6B5AB7-3C93-4F65-B1FA-14AFD04BBA37}" type="slidenum">
+              <a:rPr lang="en-US" smtClean="0"/>
+              <a:t>6</a:t>
             </a:fld>
             <a:endParaRPr lang="en-US"/>
           </a:p>
@@ -879,6 +1152,510 @@
     <p:extLst>
       <p:ext uri="{BB962C8B-B14F-4D97-AF65-F5344CB8AC3E}">
         <p14:creationId xmlns:p14="http://schemas.microsoft.com/office/powerpoint/2010/main" val="1149572426"/>
+      </p:ext>
+    </p:extLst>
+  </p:cSld>
+  <p:clrMapOvr>
+    <a:masterClrMapping/>
+  </p:clrMapOvr>
+</p:notes>
+</file>
+
+<file path=ppt/notesSlides/notesSlide4.xml><?xml version="1.0" encoding="utf-8"?>
+<p:notes xmlns:a="http://schemas.openxmlformats.org/drawingml/2006/main" xmlns:r="http://schemas.openxmlformats.org/officeDocument/2006/relationships" xmlns:p="http://schemas.openxmlformats.org/presentationml/2006/main">
+  <p:cSld>
+    <p:spTree>
+      <p:nvGrpSpPr>
+        <p:cNvPr id="1" name=""/>
+        <p:cNvGrpSpPr/>
+        <p:nvPr/>
+      </p:nvGrpSpPr>
+      <p:grpSpPr>
+        <a:xfrm>
+          <a:off x="0" y="0"/>
+          <a:ext cx="0" cy="0"/>
+          <a:chOff x="0" y="0"/>
+          <a:chExt cx="0" cy="0"/>
+        </a:xfrm>
+      </p:grpSpPr>
+      <p:sp>
+        <p:nvSpPr>
+          <p:cNvPr id="2" name="Slide Image Placeholder 1"/>
+          <p:cNvSpPr>
+            <a:spLocks noGrp="1" noRot="1" noChangeAspect="1"/>
+          </p:cNvSpPr>
+          <p:nvPr>
+            <p:ph type="sldImg"/>
+          </p:nvPr>
+        </p:nvSpPr>
+        <p:spPr/>
+      </p:sp>
+      <p:sp>
+        <p:nvSpPr>
+          <p:cNvPr id="3" name="Notes Placeholder 2"/>
+          <p:cNvSpPr>
+            <a:spLocks noGrp="1"/>
+          </p:cNvSpPr>
+          <p:nvPr>
+            <p:ph type="body" idx="1"/>
+          </p:nvPr>
+        </p:nvSpPr>
+        <p:spPr/>
+        <p:txBody>
+          <a:bodyPr/>
+          <a:lstStyle/>
+          <a:p>
+            <a:endParaRPr lang="en-US" dirty="0"/>
+          </a:p>
+        </p:txBody>
+      </p:sp>
+      <p:sp>
+        <p:nvSpPr>
+          <p:cNvPr id="4" name="Slide Number Placeholder 3"/>
+          <p:cNvSpPr>
+            <a:spLocks noGrp="1"/>
+          </p:cNvSpPr>
+          <p:nvPr>
+            <p:ph type="sldNum" sz="quarter" idx="5"/>
+          </p:nvPr>
+        </p:nvSpPr>
+        <p:spPr/>
+        <p:txBody>
+          <a:bodyPr/>
+          <a:lstStyle/>
+          <a:p>
+            <a:fld id="{EC6B5AB7-3C93-4F65-B1FA-14AFD04BBA37}" type="slidenum">
+              <a:rPr lang="en-US" smtClean="0"/>
+              <a:t>7</a:t>
+            </a:fld>
+            <a:endParaRPr lang="en-US"/>
+          </a:p>
+        </p:txBody>
+      </p:sp>
+    </p:spTree>
+    <p:extLst>
+      <p:ext uri="{BB962C8B-B14F-4D97-AF65-F5344CB8AC3E}">
+        <p14:creationId xmlns:p14="http://schemas.microsoft.com/office/powerpoint/2010/main" val="395309362"/>
+      </p:ext>
+    </p:extLst>
+  </p:cSld>
+  <p:clrMapOvr>
+    <a:masterClrMapping/>
+  </p:clrMapOvr>
+</p:notes>
+</file>
+
+<file path=ppt/notesSlides/notesSlide5.xml><?xml version="1.0" encoding="utf-8"?>
+<p:notes xmlns:a="http://schemas.openxmlformats.org/drawingml/2006/main" xmlns:r="http://schemas.openxmlformats.org/officeDocument/2006/relationships" xmlns:p="http://schemas.openxmlformats.org/presentationml/2006/main">
+  <p:cSld>
+    <p:spTree>
+      <p:nvGrpSpPr>
+        <p:cNvPr id="1" name=""/>
+        <p:cNvGrpSpPr/>
+        <p:nvPr/>
+      </p:nvGrpSpPr>
+      <p:grpSpPr>
+        <a:xfrm>
+          <a:off x="0" y="0"/>
+          <a:ext cx="0" cy="0"/>
+          <a:chOff x="0" y="0"/>
+          <a:chExt cx="0" cy="0"/>
+        </a:xfrm>
+      </p:grpSpPr>
+      <p:sp>
+        <p:nvSpPr>
+          <p:cNvPr id="2" name="Slide Image Placeholder 1"/>
+          <p:cNvSpPr>
+            <a:spLocks noGrp="1" noRot="1" noChangeAspect="1"/>
+          </p:cNvSpPr>
+          <p:nvPr>
+            <p:ph type="sldImg"/>
+          </p:nvPr>
+        </p:nvSpPr>
+        <p:spPr/>
+      </p:sp>
+      <p:sp>
+        <p:nvSpPr>
+          <p:cNvPr id="3" name="Notes Placeholder 2"/>
+          <p:cNvSpPr>
+            <a:spLocks noGrp="1"/>
+          </p:cNvSpPr>
+          <p:nvPr>
+            <p:ph type="body" idx="1"/>
+          </p:nvPr>
+        </p:nvSpPr>
+        <p:spPr/>
+        <p:txBody>
+          <a:bodyPr/>
+          <a:lstStyle/>
+          <a:p>
+            <a:endParaRPr lang="en-US" dirty="0"/>
+          </a:p>
+        </p:txBody>
+      </p:sp>
+      <p:sp>
+        <p:nvSpPr>
+          <p:cNvPr id="4" name="Slide Number Placeholder 3"/>
+          <p:cNvSpPr>
+            <a:spLocks noGrp="1"/>
+          </p:cNvSpPr>
+          <p:nvPr>
+            <p:ph type="sldNum" sz="quarter" idx="5"/>
+          </p:nvPr>
+        </p:nvSpPr>
+        <p:spPr/>
+        <p:txBody>
+          <a:bodyPr/>
+          <a:lstStyle/>
+          <a:p>
+            <a:fld id="{EC6B5AB7-3C93-4F65-B1FA-14AFD04BBA37}" type="slidenum">
+              <a:rPr lang="en-US" smtClean="0"/>
+              <a:t>8</a:t>
+            </a:fld>
+            <a:endParaRPr lang="en-US"/>
+          </a:p>
+        </p:txBody>
+      </p:sp>
+    </p:spTree>
+    <p:extLst>
+      <p:ext uri="{BB962C8B-B14F-4D97-AF65-F5344CB8AC3E}">
+        <p14:creationId xmlns:p14="http://schemas.microsoft.com/office/powerpoint/2010/main" val="3859394837"/>
+      </p:ext>
+    </p:extLst>
+  </p:cSld>
+  <p:clrMapOvr>
+    <a:masterClrMapping/>
+  </p:clrMapOvr>
+</p:notes>
+</file>
+
+<file path=ppt/notesSlides/notesSlide6.xml><?xml version="1.0" encoding="utf-8"?>
+<p:notes xmlns:a="http://schemas.openxmlformats.org/drawingml/2006/main" xmlns:r="http://schemas.openxmlformats.org/officeDocument/2006/relationships" xmlns:p="http://schemas.openxmlformats.org/presentationml/2006/main">
+  <p:cSld>
+    <p:spTree>
+      <p:nvGrpSpPr>
+        <p:cNvPr id="1" name=""/>
+        <p:cNvGrpSpPr/>
+        <p:nvPr/>
+      </p:nvGrpSpPr>
+      <p:grpSpPr>
+        <a:xfrm>
+          <a:off x="0" y="0"/>
+          <a:ext cx="0" cy="0"/>
+          <a:chOff x="0" y="0"/>
+          <a:chExt cx="0" cy="0"/>
+        </a:xfrm>
+      </p:grpSpPr>
+      <p:sp>
+        <p:nvSpPr>
+          <p:cNvPr id="2" name="Slide Image Placeholder 1"/>
+          <p:cNvSpPr>
+            <a:spLocks noGrp="1" noRot="1" noChangeAspect="1"/>
+          </p:cNvSpPr>
+          <p:nvPr>
+            <p:ph type="sldImg"/>
+          </p:nvPr>
+        </p:nvSpPr>
+        <p:spPr/>
+      </p:sp>
+      <p:sp>
+        <p:nvSpPr>
+          <p:cNvPr id="3" name="Notes Placeholder 2"/>
+          <p:cNvSpPr>
+            <a:spLocks noGrp="1"/>
+          </p:cNvSpPr>
+          <p:nvPr>
+            <p:ph type="body" idx="1"/>
+          </p:nvPr>
+        </p:nvSpPr>
+        <p:spPr/>
+        <p:txBody>
+          <a:bodyPr/>
+          <a:lstStyle/>
+          <a:p>
+            <a:endParaRPr lang="en-US" dirty="0"/>
+          </a:p>
+        </p:txBody>
+      </p:sp>
+      <p:sp>
+        <p:nvSpPr>
+          <p:cNvPr id="4" name="Slide Number Placeholder 3"/>
+          <p:cNvSpPr>
+            <a:spLocks noGrp="1"/>
+          </p:cNvSpPr>
+          <p:nvPr>
+            <p:ph type="sldNum" sz="quarter" idx="5"/>
+          </p:nvPr>
+        </p:nvSpPr>
+        <p:spPr/>
+        <p:txBody>
+          <a:bodyPr/>
+          <a:lstStyle/>
+          <a:p>
+            <a:fld id="{EC6B5AB7-3C93-4F65-B1FA-14AFD04BBA37}" type="slidenum">
+              <a:rPr lang="en-US" smtClean="0"/>
+              <a:t>9</a:t>
+            </a:fld>
+            <a:endParaRPr lang="en-US"/>
+          </a:p>
+        </p:txBody>
+      </p:sp>
+    </p:spTree>
+    <p:extLst>
+      <p:ext uri="{BB962C8B-B14F-4D97-AF65-F5344CB8AC3E}">
+        <p14:creationId xmlns:p14="http://schemas.microsoft.com/office/powerpoint/2010/main" val="3682509954"/>
+      </p:ext>
+    </p:extLst>
+  </p:cSld>
+  <p:clrMapOvr>
+    <a:masterClrMapping/>
+  </p:clrMapOvr>
+</p:notes>
+</file>
+
+<file path=ppt/notesSlides/notesSlide7.xml><?xml version="1.0" encoding="utf-8"?>
+<p:notes xmlns:a="http://schemas.openxmlformats.org/drawingml/2006/main" xmlns:r="http://schemas.openxmlformats.org/officeDocument/2006/relationships" xmlns:p="http://schemas.openxmlformats.org/presentationml/2006/main">
+  <p:cSld>
+    <p:spTree>
+      <p:nvGrpSpPr>
+        <p:cNvPr id="1" name=""/>
+        <p:cNvGrpSpPr/>
+        <p:nvPr/>
+      </p:nvGrpSpPr>
+      <p:grpSpPr>
+        <a:xfrm>
+          <a:off x="0" y="0"/>
+          <a:ext cx="0" cy="0"/>
+          <a:chOff x="0" y="0"/>
+          <a:chExt cx="0" cy="0"/>
+        </a:xfrm>
+      </p:grpSpPr>
+      <p:sp>
+        <p:nvSpPr>
+          <p:cNvPr id="2" name="Slide Image Placeholder 1"/>
+          <p:cNvSpPr>
+            <a:spLocks noGrp="1" noRot="1" noChangeAspect="1"/>
+          </p:cNvSpPr>
+          <p:nvPr>
+            <p:ph type="sldImg"/>
+          </p:nvPr>
+        </p:nvSpPr>
+        <p:spPr/>
+      </p:sp>
+      <p:sp>
+        <p:nvSpPr>
+          <p:cNvPr id="3" name="Notes Placeholder 2"/>
+          <p:cNvSpPr>
+            <a:spLocks noGrp="1"/>
+          </p:cNvSpPr>
+          <p:nvPr>
+            <p:ph type="body" idx="1"/>
+          </p:nvPr>
+        </p:nvSpPr>
+        <p:spPr/>
+        <p:txBody>
+          <a:bodyPr/>
+          <a:lstStyle/>
+          <a:p>
+            <a:endParaRPr lang="en-US" dirty="0"/>
+          </a:p>
+        </p:txBody>
+      </p:sp>
+      <p:sp>
+        <p:nvSpPr>
+          <p:cNvPr id="4" name="Slide Number Placeholder 3"/>
+          <p:cNvSpPr>
+            <a:spLocks noGrp="1"/>
+          </p:cNvSpPr>
+          <p:nvPr>
+            <p:ph type="sldNum" sz="quarter" idx="5"/>
+          </p:nvPr>
+        </p:nvSpPr>
+        <p:spPr/>
+        <p:txBody>
+          <a:bodyPr/>
+          <a:lstStyle/>
+          <a:p>
+            <a:fld id="{EC6B5AB7-3C93-4F65-B1FA-14AFD04BBA37}" type="slidenum">
+              <a:rPr lang="en-US" smtClean="0"/>
+              <a:t>10</a:t>
+            </a:fld>
+            <a:endParaRPr lang="en-US"/>
+          </a:p>
+        </p:txBody>
+      </p:sp>
+    </p:spTree>
+    <p:extLst>
+      <p:ext uri="{BB962C8B-B14F-4D97-AF65-F5344CB8AC3E}">
+        <p14:creationId xmlns:p14="http://schemas.microsoft.com/office/powerpoint/2010/main" val="1966574186"/>
+      </p:ext>
+    </p:extLst>
+  </p:cSld>
+  <p:clrMapOvr>
+    <a:masterClrMapping/>
+  </p:clrMapOvr>
+</p:notes>
+</file>
+
+<file path=ppt/notesSlides/notesSlide8.xml><?xml version="1.0" encoding="utf-8"?>
+<p:notes xmlns:a="http://schemas.openxmlformats.org/drawingml/2006/main" xmlns:r="http://schemas.openxmlformats.org/officeDocument/2006/relationships" xmlns:p="http://schemas.openxmlformats.org/presentationml/2006/main">
+  <p:cSld>
+    <p:spTree>
+      <p:nvGrpSpPr>
+        <p:cNvPr id="1" name=""/>
+        <p:cNvGrpSpPr/>
+        <p:nvPr/>
+      </p:nvGrpSpPr>
+      <p:grpSpPr>
+        <a:xfrm>
+          <a:off x="0" y="0"/>
+          <a:ext cx="0" cy="0"/>
+          <a:chOff x="0" y="0"/>
+          <a:chExt cx="0" cy="0"/>
+        </a:xfrm>
+      </p:grpSpPr>
+      <p:sp>
+        <p:nvSpPr>
+          <p:cNvPr id="2" name="Slide Image Placeholder 1"/>
+          <p:cNvSpPr>
+            <a:spLocks noGrp="1" noRot="1" noChangeAspect="1"/>
+          </p:cNvSpPr>
+          <p:nvPr>
+            <p:ph type="sldImg"/>
+          </p:nvPr>
+        </p:nvSpPr>
+        <p:spPr/>
+      </p:sp>
+      <p:sp>
+        <p:nvSpPr>
+          <p:cNvPr id="3" name="Notes Placeholder 2"/>
+          <p:cNvSpPr>
+            <a:spLocks noGrp="1"/>
+          </p:cNvSpPr>
+          <p:nvPr>
+            <p:ph type="body" idx="1"/>
+          </p:nvPr>
+        </p:nvSpPr>
+        <p:spPr/>
+        <p:txBody>
+          <a:bodyPr/>
+          <a:lstStyle/>
+          <a:p>
+            <a:endParaRPr lang="en-US" dirty="0"/>
+          </a:p>
+        </p:txBody>
+      </p:sp>
+      <p:sp>
+        <p:nvSpPr>
+          <p:cNvPr id="4" name="Slide Number Placeholder 3"/>
+          <p:cNvSpPr>
+            <a:spLocks noGrp="1"/>
+          </p:cNvSpPr>
+          <p:nvPr>
+            <p:ph type="sldNum" sz="quarter" idx="5"/>
+          </p:nvPr>
+        </p:nvSpPr>
+        <p:spPr/>
+        <p:txBody>
+          <a:bodyPr/>
+          <a:lstStyle/>
+          <a:p>
+            <a:fld id="{EC6B5AB7-3C93-4F65-B1FA-14AFD04BBA37}" type="slidenum">
+              <a:rPr lang="en-US" smtClean="0"/>
+              <a:t>11</a:t>
+            </a:fld>
+            <a:endParaRPr lang="en-US"/>
+          </a:p>
+        </p:txBody>
+      </p:sp>
+    </p:spTree>
+    <p:extLst>
+      <p:ext uri="{BB962C8B-B14F-4D97-AF65-F5344CB8AC3E}">
+        <p14:creationId xmlns:p14="http://schemas.microsoft.com/office/powerpoint/2010/main" val="982917104"/>
+      </p:ext>
+    </p:extLst>
+  </p:cSld>
+  <p:clrMapOvr>
+    <a:masterClrMapping/>
+  </p:clrMapOvr>
+</p:notes>
+</file>
+
+<file path=ppt/notesSlides/notesSlide9.xml><?xml version="1.0" encoding="utf-8"?>
+<p:notes xmlns:a="http://schemas.openxmlformats.org/drawingml/2006/main" xmlns:r="http://schemas.openxmlformats.org/officeDocument/2006/relationships" xmlns:p="http://schemas.openxmlformats.org/presentationml/2006/main">
+  <p:cSld>
+    <p:spTree>
+      <p:nvGrpSpPr>
+        <p:cNvPr id="1" name=""/>
+        <p:cNvGrpSpPr/>
+        <p:nvPr/>
+      </p:nvGrpSpPr>
+      <p:grpSpPr>
+        <a:xfrm>
+          <a:off x="0" y="0"/>
+          <a:ext cx="0" cy="0"/>
+          <a:chOff x="0" y="0"/>
+          <a:chExt cx="0" cy="0"/>
+        </a:xfrm>
+      </p:grpSpPr>
+      <p:sp>
+        <p:nvSpPr>
+          <p:cNvPr id="2" name="Slide Image Placeholder 1"/>
+          <p:cNvSpPr>
+            <a:spLocks noGrp="1" noRot="1" noChangeAspect="1"/>
+          </p:cNvSpPr>
+          <p:nvPr>
+            <p:ph type="sldImg"/>
+          </p:nvPr>
+        </p:nvSpPr>
+        <p:spPr/>
+      </p:sp>
+      <p:sp>
+        <p:nvSpPr>
+          <p:cNvPr id="3" name="Notes Placeholder 2"/>
+          <p:cNvSpPr>
+            <a:spLocks noGrp="1"/>
+          </p:cNvSpPr>
+          <p:nvPr>
+            <p:ph type="body" idx="1"/>
+          </p:nvPr>
+        </p:nvSpPr>
+        <p:spPr/>
+        <p:txBody>
+          <a:bodyPr/>
+          <a:lstStyle/>
+          <a:p>
+            <a:endParaRPr lang="en-US" dirty="0"/>
+          </a:p>
+        </p:txBody>
+      </p:sp>
+      <p:sp>
+        <p:nvSpPr>
+          <p:cNvPr id="4" name="Slide Number Placeholder 3"/>
+          <p:cNvSpPr>
+            <a:spLocks noGrp="1"/>
+          </p:cNvSpPr>
+          <p:nvPr>
+            <p:ph type="sldNum" sz="quarter" idx="5"/>
+          </p:nvPr>
+        </p:nvSpPr>
+        <p:spPr/>
+        <p:txBody>
+          <a:bodyPr/>
+          <a:lstStyle/>
+          <a:p>
+            <a:fld id="{EC6B5AB7-3C93-4F65-B1FA-14AFD04BBA37}" type="slidenum">
+              <a:rPr lang="en-US" smtClean="0"/>
+              <a:t>12</a:t>
+            </a:fld>
+            <a:endParaRPr lang="en-US"/>
+          </a:p>
+        </p:txBody>
+      </p:sp>
+    </p:spTree>
+    <p:extLst>
+      <p:ext uri="{BB962C8B-B14F-4D97-AF65-F5344CB8AC3E}">
+        <p14:creationId xmlns:p14="http://schemas.microsoft.com/office/powerpoint/2010/main" val="142425944"/>
       </p:ext>
     </p:extLst>
   </p:cSld>
@@ -4627,11 +5404,7 @@
           </p:cNvGraphicFramePr>
           <p:nvPr>
             <p:ph idx="1"/>
-            <p:extLst>
-              <p:ext uri="{D42A27DB-BD31-4B8C-83A1-F6EECF244321}">
-                <p14:modId xmlns:p14="http://schemas.microsoft.com/office/powerpoint/2010/main" val="3436683706"/>
-              </p:ext>
-            </p:extLst>
+            <p:extLst/>
           </p:nvPr>
         </p:nvGraphicFramePr>
         <p:xfrm>
@@ -5243,7 +6016,7 @@
     </p:spTree>
     <p:extLst>
       <p:ext uri="{BB962C8B-B14F-4D97-AF65-F5344CB8AC3E}">
-        <p14:creationId xmlns:p14="http://schemas.microsoft.com/office/powerpoint/2010/main" val="1429795469"/>
+        <p14:creationId xmlns:p14="http://schemas.microsoft.com/office/powerpoint/2010/main" val="933316547"/>
       </p:ext>
     </p:extLst>
   </p:cSld>
@@ -5786,12 +6559,6 @@
           <a:p>
             <a:r>
               <a:rPr lang="en-US" dirty="0"/>
-              <a:t>No entries for Restaurant and Taxi domain.</a:t>
-            </a:r>
-          </a:p>
-          <a:p>
-            <a:r>
-              <a:rPr lang="en-US" dirty="0"/>
               <a:t>4 reinforcement learning-based agents and 1 rule-based agent.</a:t>
             </a:r>
           </a:p>
@@ -5811,6 +6578,12 @@
             <a:r>
               <a:rPr lang="en-US" dirty="0"/>
               <a:t>More details available from participants’ presentation.</a:t>
+            </a:r>
+          </a:p>
+          <a:p>
+            <a:r>
+              <a:rPr lang="en-US" dirty="0"/>
+              <a:t>No entries for Restaurant and Taxi domain.</a:t>
             </a:r>
           </a:p>
         </p:txBody>
@@ -6071,13 +6844,13 @@
           </p:nvPr>
         </p:nvPicPr>
         <p:blipFill>
-          <a:blip r:embed="rId2">
+          <a:blip r:embed="rId3">
             <a:extLst>
               <a:ext uri="{28A0092B-C50C-407E-A947-70E740481C1C}">
                 <a14:useLocalDpi xmlns:a14="http://schemas.microsoft.com/office/drawing/2010/main" val="0"/>
               </a:ext>
               <a:ext uri="{96DAC541-7B7A-43D3-8B79-37D633B846F1}">
-                <asvg:svgBlip xmlns:asvg="http://schemas.microsoft.com/office/drawing/2016/SVG/main" r:embed="rId3"/>
+                <asvg:svgBlip xmlns:asvg="http://schemas.microsoft.com/office/drawing/2016/SVG/main" r:embed="rId4"/>
               </a:ext>
             </a:extLst>
           </a:blip>
@@ -6240,13 +7013,13 @@
           <p:nvPr/>
         </p:nvPicPr>
         <p:blipFill>
-          <a:blip r:embed="rId4">
+          <a:blip r:embed="rId5">
             <a:extLst>
               <a:ext uri="{28A0092B-C50C-407E-A947-70E740481C1C}">
                 <a14:useLocalDpi xmlns:a14="http://schemas.microsoft.com/office/drawing/2010/main" val="0"/>
               </a:ext>
               <a:ext uri="{96DAC541-7B7A-43D3-8B79-37D633B846F1}">
-                <asvg:svgBlip xmlns:asvg="http://schemas.microsoft.com/office/drawing/2016/SVG/main" r:embed="rId5"/>
+                <asvg:svgBlip xmlns:asvg="http://schemas.microsoft.com/office/drawing/2016/SVG/main" r:embed="rId6"/>
               </a:ext>
             </a:extLst>
           </a:blip>
@@ -6325,13 +7098,13 @@
           <p:nvPr/>
         </p:nvPicPr>
         <p:blipFill>
-          <a:blip r:embed="rId6">
+          <a:blip r:embed="rId7">
             <a:extLst>
               <a:ext uri="{28A0092B-C50C-407E-A947-70E740481C1C}">
                 <a14:useLocalDpi xmlns:a14="http://schemas.microsoft.com/office/drawing/2010/main" val="0"/>
               </a:ext>
               <a:ext uri="{96DAC541-7B7A-43D3-8B79-37D633B846F1}">
-                <asvg:svgBlip xmlns:asvg="http://schemas.microsoft.com/office/drawing/2016/SVG/main" r:embed="rId7"/>
+                <asvg:svgBlip xmlns:asvg="http://schemas.microsoft.com/office/drawing/2016/SVG/main" r:embed="rId8"/>
               </a:ext>
             </a:extLst>
           </a:blip>
@@ -6652,7 +7425,7 @@
           <p:nvPr/>
         </p:nvPicPr>
         <p:blipFill>
-          <a:blip r:embed="rId8">
+          <a:blip r:embed="rId9">
             <a:extLst>
               <a:ext uri="{28A0092B-C50C-407E-A947-70E740481C1C}">
                 <a14:useLocalDpi xmlns:a14="http://schemas.microsoft.com/office/drawing/2010/main" val="0"/>
@@ -8669,14 +9442,19 @@
           <a:p>
             <a:r>
               <a:rPr lang="en-US" dirty="0"/>
-              <a:t>Chinese data in the Movie domain.</a:t>
+              <a:t>Chinese as low resource language in the Movie domain.</a:t>
             </a:r>
           </a:p>
           <a:p>
             <a:r>
-              <a:rPr lang="en-US" dirty="0"/>
-              <a:t>Cross-lingual settings between English and Chinese.</a:t>
+              <a:rPr lang="en-US" dirty="0">
+                <a:solidFill>
+                  <a:schemeClr val="tx1"/>
+                </a:solidFill>
+              </a:rPr>
+              <a:t>Build a Chinese bot with a small amount of Chinese dialog data by leveraging all the resources available for English bot.</a:t>
             </a:r>
+            <a:endParaRPr lang="en-US" dirty="0"/>
           </a:p>
           <a:p>
             <a:r>
@@ -8972,13 +9750,13 @@
           <p:nvPr/>
         </p:nvPicPr>
         <p:blipFill>
-          <a:blip r:embed="rId2">
+          <a:blip r:embed="rId3">
             <a:extLst>
               <a:ext uri="{28A0092B-C50C-407E-A947-70E740481C1C}">
                 <a14:useLocalDpi xmlns:a14="http://schemas.microsoft.com/office/drawing/2010/main" val="0"/>
               </a:ext>
               <a:ext uri="{96DAC541-7B7A-43D3-8B79-37D633B846F1}">
-                <asvg:svgBlip xmlns:asvg="http://schemas.microsoft.com/office/drawing/2016/SVG/main" r:embed="rId3"/>
+                <asvg:svgBlip xmlns:asvg="http://schemas.microsoft.com/office/drawing/2016/SVG/main" r:embed="rId4"/>
               </a:ext>
             </a:extLst>
           </a:blip>
@@ -9246,13 +10024,13 @@
           <p:nvPr/>
         </p:nvPicPr>
         <p:blipFill>
-          <a:blip r:embed="rId2">
+          <a:blip r:embed="rId3">
             <a:extLst>
               <a:ext uri="{28A0092B-C50C-407E-A947-70E740481C1C}">
                 <a14:useLocalDpi xmlns:a14="http://schemas.microsoft.com/office/drawing/2010/main" val="0"/>
               </a:ext>
               <a:ext uri="{96DAC541-7B7A-43D3-8B79-37D633B846F1}">
-                <asvg:svgBlip xmlns:asvg="http://schemas.microsoft.com/office/drawing/2016/SVG/main" r:embed="rId3"/>
+                <asvg:svgBlip xmlns:asvg="http://schemas.microsoft.com/office/drawing/2016/SVG/main" r:embed="rId4"/>
               </a:ext>
             </a:extLst>
           </a:blip>
@@ -9285,13 +10063,13 @@
           <p:nvPr/>
         </p:nvPicPr>
         <p:blipFill>
-          <a:blip r:embed="rId4">
+          <a:blip r:embed="rId5">
             <a:extLst>
               <a:ext uri="{28A0092B-C50C-407E-A947-70E740481C1C}">
                 <a14:useLocalDpi xmlns:a14="http://schemas.microsoft.com/office/drawing/2010/main" val="0"/>
               </a:ext>
               <a:ext uri="{96DAC541-7B7A-43D3-8B79-37D633B846F1}">
-                <asvg:svgBlip xmlns:asvg="http://schemas.microsoft.com/office/drawing/2016/SVG/main" r:embed="rId5"/>
+                <asvg:svgBlip xmlns:asvg="http://schemas.microsoft.com/office/drawing/2016/SVG/main" r:embed="rId6"/>
               </a:ext>
             </a:extLst>
           </a:blip>
@@ -9324,13 +10102,13 @@
           <p:nvPr/>
         </p:nvPicPr>
         <p:blipFill>
-          <a:blip r:embed="rId6">
+          <a:blip r:embed="rId7">
             <a:extLst>
               <a:ext uri="{28A0092B-C50C-407E-A947-70E740481C1C}">
                 <a14:useLocalDpi xmlns:a14="http://schemas.microsoft.com/office/drawing/2010/main" val="0"/>
               </a:ext>
               <a:ext uri="{96DAC541-7B7A-43D3-8B79-37D633B846F1}">
-                <asvg:svgBlip xmlns:asvg="http://schemas.microsoft.com/office/drawing/2016/SVG/main" r:embed="rId7"/>
+                <asvg:svgBlip xmlns:asvg="http://schemas.microsoft.com/office/drawing/2016/SVG/main" r:embed="rId8"/>
               </a:ext>
             </a:extLst>
           </a:blip>
@@ -10608,13 +11386,13 @@
           <p:nvPr/>
         </p:nvPicPr>
         <p:blipFill>
-          <a:blip r:embed="rId2">
+          <a:blip r:embed="rId3">
             <a:extLst>
               <a:ext uri="{28A0092B-C50C-407E-A947-70E740481C1C}">
                 <a14:useLocalDpi xmlns:a14="http://schemas.microsoft.com/office/drawing/2010/main" val="0"/>
               </a:ext>
               <a:ext uri="{96DAC541-7B7A-43D3-8B79-37D633B846F1}">
-                <asvg:svgBlip xmlns:asvg="http://schemas.microsoft.com/office/drawing/2016/SVG/main" r:embed="rId3"/>
+                <asvg:svgBlip xmlns:asvg="http://schemas.microsoft.com/office/drawing/2016/SVG/main" r:embed="rId4"/>
               </a:ext>
             </a:extLst>
           </a:blip>
@@ -10647,13 +11425,13 @@
           <p:nvPr/>
         </p:nvPicPr>
         <p:blipFill>
-          <a:blip r:embed="rId2">
+          <a:blip r:embed="rId3">
             <a:extLst>
               <a:ext uri="{28A0092B-C50C-407E-A947-70E740481C1C}">
                 <a14:useLocalDpi xmlns:a14="http://schemas.microsoft.com/office/drawing/2010/main" val="0"/>
               </a:ext>
               <a:ext uri="{96DAC541-7B7A-43D3-8B79-37D633B846F1}">
-                <asvg:svgBlip xmlns:asvg="http://schemas.microsoft.com/office/drawing/2016/SVG/main" r:embed="rId3"/>
+                <asvg:svgBlip xmlns:asvg="http://schemas.microsoft.com/office/drawing/2016/SVG/main" r:embed="rId4"/>
               </a:ext>
             </a:extLst>
           </a:blip>
@@ -10686,13 +11464,13 @@
           <p:nvPr/>
         </p:nvPicPr>
         <p:blipFill>
-          <a:blip r:embed="rId2">
+          <a:blip r:embed="rId3">
             <a:extLst>
               <a:ext uri="{28A0092B-C50C-407E-A947-70E740481C1C}">
                 <a14:useLocalDpi xmlns:a14="http://schemas.microsoft.com/office/drawing/2010/main" val="0"/>
               </a:ext>
               <a:ext uri="{96DAC541-7B7A-43D3-8B79-37D633B846F1}">
-                <asvg:svgBlip xmlns:asvg="http://schemas.microsoft.com/office/drawing/2016/SVG/main" r:embed="rId3"/>
+                <asvg:svgBlip xmlns:asvg="http://schemas.microsoft.com/office/drawing/2016/SVG/main" r:embed="rId4"/>
               </a:ext>
             </a:extLst>
           </a:blip>
@@ -11610,13 +12388,13 @@
           <p:nvPr/>
         </p:nvPicPr>
         <p:blipFill>
-          <a:blip r:embed="rId2">
+          <a:blip r:embed="rId3">
             <a:extLst>
               <a:ext uri="{28A0092B-C50C-407E-A947-70E740481C1C}">
                 <a14:useLocalDpi xmlns:a14="http://schemas.microsoft.com/office/drawing/2010/main" val="0"/>
               </a:ext>
               <a:ext uri="{96DAC541-7B7A-43D3-8B79-37D633B846F1}">
-                <asvg:svgBlip xmlns:asvg="http://schemas.microsoft.com/office/drawing/2016/SVG/main" r:embed="rId3"/>
+                <asvg:svgBlip xmlns:asvg="http://schemas.microsoft.com/office/drawing/2016/SVG/main" r:embed="rId4"/>
               </a:ext>
             </a:extLst>
           </a:blip>
@@ -13669,14 +14447,14 @@
           <p:nvPr/>
         </p:nvPicPr>
         <p:blipFill rotWithShape="1">
-          <a:blip r:embed="rId2">
+          <a:blip r:embed="rId3">
             <a:extLst>
               <a:ext uri="{28A0092B-C50C-407E-A947-70E740481C1C}">
                 <a14:useLocalDpi xmlns:a14="http://schemas.microsoft.com/office/drawing/2010/main" val="0"/>
               </a:ext>
             </a:extLst>
           </a:blip>
-          <a:srcRect l="7560" t="20552" r="9258" b="29574"/>
+          <a:srcRect/>
           <a:stretch/>
         </p:blipFill>
         <p:spPr bwMode="auto">
@@ -13714,7 +14492,7 @@
           <p:nvPr/>
         </p:nvPicPr>
         <p:blipFill>
-          <a:blip r:embed="rId3">
+          <a:blip r:embed="rId4">
             <a:extLst>
               <a:ext uri="{28A0092B-C50C-407E-A947-70E740481C1C}">
                 <a14:useLocalDpi xmlns:a14="http://schemas.microsoft.com/office/drawing/2010/main" val="0"/>
@@ -13778,10 +14556,10 @@
       </p:grpSpPr>
       <p:sp>
         <p:nvSpPr>
-          <p:cNvPr id="13" name="Rectangle: Rounded Corners 12">
+          <p:cNvPr id="11" name="Rectangle: Rounded Corners 10">
             <a:extLst>
               <a:ext uri="{FF2B5EF4-FFF2-40B4-BE49-F238E27FC236}">
-                <a16:creationId xmlns:a16="http://schemas.microsoft.com/office/drawing/2014/main" id="{7CEB894C-F008-4F32-A394-10E8B5BF5DBF}"/>
+                <a16:creationId xmlns:a16="http://schemas.microsoft.com/office/drawing/2014/main" id="{3F1DDF9D-977D-4C6E-AAE8-F17846012829}"/>
               </a:ext>
             </a:extLst>
           </p:cNvPr>
@@ -13790,8 +14568,8 @@
         </p:nvSpPr>
         <p:spPr>
           <a:xfrm>
-            <a:off x="1097281" y="3268721"/>
-            <a:ext cx="3600844" cy="1923393"/>
+            <a:off x="5465378" y="3976094"/>
+            <a:ext cx="5341366" cy="1975154"/>
           </a:xfrm>
           <a:prstGeom prst="roundRect">
             <a:avLst/>
@@ -13825,53 +14603,6 @@
       </p:sp>
       <p:sp>
         <p:nvSpPr>
-          <p:cNvPr id="11" name="Rectangle: Rounded Corners 10">
-            <a:extLst>
-              <a:ext uri="{FF2B5EF4-FFF2-40B4-BE49-F238E27FC236}">
-                <a16:creationId xmlns:a16="http://schemas.microsoft.com/office/drawing/2014/main" id="{3F1DDF9D-977D-4C6E-AAE8-F17846012829}"/>
-              </a:ext>
-            </a:extLst>
-          </p:cNvPr>
-          <p:cNvSpPr/>
-          <p:nvPr/>
-        </p:nvSpPr>
-        <p:spPr>
-          <a:xfrm>
-            <a:off x="5465378" y="3268721"/>
-            <a:ext cx="5341366" cy="1923393"/>
-          </a:xfrm>
-          <a:prstGeom prst="roundRect">
-            <a:avLst/>
-          </a:prstGeom>
-          <a:ln>
-            <a:prstDash val="sysDash"/>
-          </a:ln>
-        </p:spPr>
-        <p:style>
-          <a:lnRef idx="2">
-            <a:schemeClr val="dk1"/>
-          </a:lnRef>
-          <a:fillRef idx="1">
-            <a:schemeClr val="lt1"/>
-          </a:fillRef>
-          <a:effectRef idx="0">
-            <a:schemeClr val="dk1"/>
-          </a:effectRef>
-          <a:fontRef idx="minor">
-            <a:schemeClr val="dk1"/>
-          </a:fontRef>
-        </p:style>
-        <p:txBody>
-          <a:bodyPr rtlCol="0" anchor="ctr"/>
-          <a:lstStyle/>
-          <a:p>
-            <a:pPr algn="ctr"/>
-            <a:endParaRPr lang="en-US" dirty="0"/>
-          </a:p>
-        </p:txBody>
-      </p:sp>
-      <p:sp>
-        <p:nvSpPr>
           <p:cNvPr id="2" name="Title 1">
             <a:extLst>
               <a:ext uri="{FF2B5EF4-FFF2-40B4-BE49-F238E27FC236}">
@@ -13917,16 +14648,24 @@
         <p:spPr>
           <a:xfrm>
             <a:off x="1097280" y="1845734"/>
-            <a:ext cx="10058400" cy="1310688"/>
+            <a:ext cx="10058400" cy="1830484"/>
           </a:xfrm>
         </p:spPr>
         <p:txBody>
-          <a:bodyPr/>
+          <a:bodyPr>
+            <a:normAutofit lnSpcReduction="10000"/>
+          </a:bodyPr>
           <a:lstStyle/>
           <a:p>
             <a:r>
               <a:rPr lang="en-US" dirty="0"/>
-              <a:t>Challenges help the dialogue research community evaluate on common testbeds and evaluation suits. </a:t>
+              <a:t>Challenges help the dialogue research community evaluate on common testbeds and advance the technology together. </a:t>
+            </a:r>
+          </a:p>
+          <a:p>
+            <a:r>
+              <a:rPr lang="en-US" dirty="0"/>
+              <a:t>Previous challenges were largely focused on particular components, trained and tested on static datasets</a:t>
             </a:r>
           </a:p>
           <a:p>
@@ -13940,15 +14679,7 @@
             </a:r>
             <a:r>
               <a:rPr lang="en-US" dirty="0"/>
-              <a:t> system evaluation with </a:t>
-            </a:r>
-            <a:r>
-              <a:rPr lang="en-US" b="1" dirty="0"/>
-              <a:t>real users</a:t>
-            </a:r>
-            <a:r>
-              <a:rPr lang="en-US" dirty="0"/>
-              <a:t>.</a:t>
+              <a:t> system evaluation.</a:t>
             </a:r>
           </a:p>
           <a:p>
@@ -13958,10 +14689,10 @@
       </p:sp>
       <p:sp>
         <p:nvSpPr>
-          <p:cNvPr id="4" name="TextBox 3">
+          <p:cNvPr id="6" name="TextBox 5">
             <a:extLst>
               <a:ext uri="{FF2B5EF4-FFF2-40B4-BE49-F238E27FC236}">
-                <a16:creationId xmlns:a16="http://schemas.microsoft.com/office/drawing/2014/main" id="{CB2F5F29-8306-4068-901E-B99A2F1C1573}"/>
+                <a16:creationId xmlns:a16="http://schemas.microsoft.com/office/drawing/2014/main" id="{28FBA1C0-827B-42EC-AA85-CC0F9BFDB6F7}"/>
               </a:ext>
             </a:extLst>
           </p:cNvPr>
@@ -13970,7 +14701,7 @@
         </p:nvSpPr>
         <p:spPr>
           <a:xfrm>
-            <a:off x="3091091" y="3839875"/>
+            <a:off x="5765405" y="4536734"/>
             <a:ext cx="1303283" cy="369332"/>
           </a:xfrm>
           <a:prstGeom prst="rect">
@@ -14000,17 +14731,17 @@
             <a:pPr algn="ctr"/>
             <a:r>
               <a:rPr lang="en-US" dirty="0"/>
-              <a:t>NLG</a:t>
+              <a:t>NLU</a:t>
             </a:r>
           </a:p>
         </p:txBody>
       </p:sp>
       <p:sp>
         <p:nvSpPr>
-          <p:cNvPr id="5" name="TextBox 4">
+          <p:cNvPr id="7" name="TextBox 6">
             <a:extLst>
               <a:ext uri="{FF2B5EF4-FFF2-40B4-BE49-F238E27FC236}">
-                <a16:creationId xmlns:a16="http://schemas.microsoft.com/office/drawing/2014/main" id="{6667270B-C5A1-49E8-8966-75B210B4C552}"/>
+                <a16:creationId xmlns:a16="http://schemas.microsoft.com/office/drawing/2014/main" id="{B122B5EB-C043-47F8-A6DB-260473D08B3A}"/>
               </a:ext>
             </a:extLst>
           </p:cNvPr>
@@ -14019,7 +14750,7 @@
         </p:nvSpPr>
         <p:spPr>
           <a:xfrm>
-            <a:off x="3091090" y="4620959"/>
+            <a:off x="5765404" y="5317818"/>
             <a:ext cx="1303283" cy="369332"/>
           </a:xfrm>
           <a:prstGeom prst="rect">
@@ -14052,17 +14783,17 @@
             <a:pPr algn="ctr"/>
             <a:r>
               <a:rPr lang="en-US" dirty="0"/>
-              <a:t>NLU</a:t>
+              <a:t>NLG</a:t>
             </a:r>
           </a:p>
         </p:txBody>
       </p:sp>
       <p:sp>
         <p:nvSpPr>
-          <p:cNvPr id="6" name="TextBox 5">
+          <p:cNvPr id="8" name="TextBox 7">
             <a:extLst>
               <a:ext uri="{FF2B5EF4-FFF2-40B4-BE49-F238E27FC236}">
-                <a16:creationId xmlns:a16="http://schemas.microsoft.com/office/drawing/2014/main" id="{28FBA1C0-827B-42EC-AA85-CC0F9BFDB6F7}"/>
+                <a16:creationId xmlns:a16="http://schemas.microsoft.com/office/drawing/2014/main" id="{E7EB59FD-2FF7-4C6E-AD95-B444579E352F}"/>
               </a:ext>
             </a:extLst>
           </p:cNvPr>
@@ -14071,7 +14802,235 @@
         </p:nvSpPr>
         <p:spPr>
           <a:xfrm>
-            <a:off x="5765405" y="3829361"/>
+            <a:off x="7493309" y="4536734"/>
+            <a:ext cx="1397875" cy="369332"/>
+          </a:xfrm>
+          <a:prstGeom prst="rect">
+            <a:avLst/>
+          </a:prstGeom>
+        </p:spPr>
+        <p:style>
+          <a:lnRef idx="2">
+            <a:schemeClr val="accent6"/>
+          </a:lnRef>
+          <a:fillRef idx="1">
+            <a:schemeClr val="lt1"/>
+          </a:fillRef>
+          <a:effectRef idx="0">
+            <a:schemeClr val="accent6"/>
+          </a:effectRef>
+          <a:fontRef idx="minor">
+            <a:schemeClr val="dk1"/>
+          </a:fontRef>
+        </p:style>
+        <p:txBody>
+          <a:bodyPr wrap="square" rtlCol="0" anchor="ctr" anchorCtr="0">
+            <a:spAutoFit/>
+          </a:bodyPr>
+          <a:lstStyle/>
+          <a:p>
+            <a:pPr algn="ctr"/>
+            <a:r>
+              <a:rPr lang="en-US" dirty="0" err="1"/>
+              <a:t>StateTracker</a:t>
+            </a:r>
+            <a:endParaRPr lang="en-US" dirty="0"/>
+          </a:p>
+        </p:txBody>
+      </p:sp>
+      <p:sp>
+        <p:nvSpPr>
+          <p:cNvPr id="9" name="TextBox 8">
+            <a:extLst>
+              <a:ext uri="{FF2B5EF4-FFF2-40B4-BE49-F238E27FC236}">
+                <a16:creationId xmlns:a16="http://schemas.microsoft.com/office/drawing/2014/main" id="{2F119129-1DF9-4E49-9E6F-DE76F76E6508}"/>
+              </a:ext>
+            </a:extLst>
+          </p:cNvPr>
+          <p:cNvSpPr txBox="1"/>
+          <p:nvPr/>
+        </p:nvSpPr>
+        <p:spPr>
+          <a:xfrm>
+            <a:off x="7493308" y="5317818"/>
+            <a:ext cx="1397875" cy="369332"/>
+          </a:xfrm>
+          <a:prstGeom prst="rect">
+            <a:avLst/>
+          </a:prstGeom>
+        </p:spPr>
+        <p:style>
+          <a:lnRef idx="2">
+            <a:schemeClr val="accent6"/>
+          </a:lnRef>
+          <a:fillRef idx="1">
+            <a:schemeClr val="lt1"/>
+          </a:fillRef>
+          <a:effectRef idx="0">
+            <a:schemeClr val="accent6"/>
+          </a:effectRef>
+          <a:fontRef idx="minor">
+            <a:schemeClr val="dk1"/>
+          </a:fontRef>
+        </p:style>
+        <p:txBody>
+          <a:bodyPr wrap="square" rtlCol="0" anchor="ctr" anchorCtr="0">
+            <a:spAutoFit/>
+          </a:bodyPr>
+          <a:lstStyle/>
+          <a:p>
+            <a:pPr algn="ctr"/>
+            <a:r>
+              <a:rPr lang="en-US" dirty="0"/>
+              <a:t>Policy</a:t>
+            </a:r>
+          </a:p>
+        </p:txBody>
+      </p:sp>
+      <p:sp>
+        <p:nvSpPr>
+          <p:cNvPr id="10" name="Cylinder 9">
+            <a:extLst>
+              <a:ext uri="{FF2B5EF4-FFF2-40B4-BE49-F238E27FC236}">
+                <a16:creationId xmlns:a16="http://schemas.microsoft.com/office/drawing/2014/main" id="{76EDEB3A-7BAB-40AA-BDCB-D24F3A0279D8}"/>
+              </a:ext>
+            </a:extLst>
+          </p:cNvPr>
+          <p:cNvSpPr/>
+          <p:nvPr/>
+        </p:nvSpPr>
+        <p:spPr>
+          <a:xfrm>
+            <a:off x="9269556" y="4778472"/>
+            <a:ext cx="1219200" cy="539346"/>
+          </a:xfrm>
+          <a:prstGeom prst="can">
+            <a:avLst/>
+          </a:prstGeom>
+        </p:spPr>
+        <p:style>
+          <a:lnRef idx="2">
+            <a:schemeClr val="accent6"/>
+          </a:lnRef>
+          <a:fillRef idx="1">
+            <a:schemeClr val="lt1"/>
+          </a:fillRef>
+          <a:effectRef idx="0">
+            <a:schemeClr val="accent6"/>
+          </a:effectRef>
+          <a:fontRef idx="minor">
+            <a:schemeClr val="dk1"/>
+          </a:fontRef>
+        </p:style>
+        <p:txBody>
+          <a:bodyPr rtlCol="0" anchor="ctr"/>
+          <a:lstStyle/>
+          <a:p>
+            <a:pPr algn="ctr"/>
+            <a:r>
+              <a:rPr lang="en-US" dirty="0"/>
+              <a:t>Backend</a:t>
+            </a:r>
+          </a:p>
+        </p:txBody>
+      </p:sp>
+      <p:sp>
+        <p:nvSpPr>
+          <p:cNvPr id="12" name="TextBox 11">
+            <a:extLst>
+              <a:ext uri="{FF2B5EF4-FFF2-40B4-BE49-F238E27FC236}">
+                <a16:creationId xmlns:a16="http://schemas.microsoft.com/office/drawing/2014/main" id="{801A6025-8109-4AE4-9179-1D5C717EBE31}"/>
+              </a:ext>
+            </a:extLst>
+          </p:cNvPr>
+          <p:cNvSpPr txBox="1"/>
+          <p:nvPr/>
+        </p:nvSpPr>
+        <p:spPr>
+          <a:xfrm>
+            <a:off x="7445277" y="3940316"/>
+            <a:ext cx="1493935" cy="369332"/>
+          </a:xfrm>
+          <a:prstGeom prst="rect">
+            <a:avLst/>
+          </a:prstGeom>
+          <a:noFill/>
+        </p:spPr>
+        <p:txBody>
+          <a:bodyPr wrap="none" rtlCol="0">
+            <a:spAutoFit/>
+          </a:bodyPr>
+          <a:lstStyle/>
+          <a:p>
+            <a:r>
+              <a:rPr lang="en-US" dirty="0"/>
+              <a:t>Dialog System</a:t>
+            </a:r>
+          </a:p>
+        </p:txBody>
+      </p:sp>
+      <p:sp>
+        <p:nvSpPr>
+          <p:cNvPr id="13" name="Rectangle: Rounded Corners 12">
+            <a:extLst>
+              <a:ext uri="{FF2B5EF4-FFF2-40B4-BE49-F238E27FC236}">
+                <a16:creationId xmlns:a16="http://schemas.microsoft.com/office/drawing/2014/main" id="{7CEB894C-F008-4F32-A394-10E8B5BF5DBF}"/>
+              </a:ext>
+            </a:extLst>
+          </p:cNvPr>
+          <p:cNvSpPr/>
+          <p:nvPr/>
+        </p:nvSpPr>
+        <p:spPr>
+          <a:xfrm>
+            <a:off x="1097280" y="4027855"/>
+            <a:ext cx="3600844" cy="1923393"/>
+          </a:xfrm>
+          <a:prstGeom prst="roundRect">
+            <a:avLst/>
+          </a:prstGeom>
+          <a:ln>
+            <a:prstDash val="sysDash"/>
+          </a:ln>
+        </p:spPr>
+        <p:style>
+          <a:lnRef idx="2">
+            <a:schemeClr val="dk1"/>
+          </a:lnRef>
+          <a:fillRef idx="1">
+            <a:schemeClr val="lt1"/>
+          </a:fillRef>
+          <a:effectRef idx="0">
+            <a:schemeClr val="dk1"/>
+          </a:effectRef>
+          <a:fontRef idx="minor">
+            <a:schemeClr val="dk1"/>
+          </a:fontRef>
+        </p:style>
+        <p:txBody>
+          <a:bodyPr rtlCol="0" anchor="ctr"/>
+          <a:lstStyle/>
+          <a:p>
+            <a:pPr algn="ctr"/>
+            <a:endParaRPr lang="en-US" dirty="0"/>
+          </a:p>
+        </p:txBody>
+      </p:sp>
+      <p:sp>
+        <p:nvSpPr>
+          <p:cNvPr id="4" name="TextBox 3">
+            <a:extLst>
+              <a:ext uri="{FF2B5EF4-FFF2-40B4-BE49-F238E27FC236}">
+                <a16:creationId xmlns:a16="http://schemas.microsoft.com/office/drawing/2014/main" id="{CB2F5F29-8306-4068-901E-B99A2F1C1573}"/>
+              </a:ext>
+            </a:extLst>
+          </p:cNvPr>
+          <p:cNvSpPr txBox="1"/>
+          <p:nvPr/>
+        </p:nvSpPr>
+        <p:spPr>
+          <a:xfrm>
+            <a:off x="3091090" y="4599009"/>
             <a:ext cx="1303283" cy="369332"/>
           </a:xfrm>
           <a:prstGeom prst="rect">
@@ -14101,17 +15060,17 @@
             <a:pPr algn="ctr"/>
             <a:r>
               <a:rPr lang="en-US" dirty="0"/>
-              <a:t>NLU</a:t>
+              <a:t>NLG</a:t>
             </a:r>
           </a:p>
         </p:txBody>
       </p:sp>
       <p:sp>
         <p:nvSpPr>
-          <p:cNvPr id="7" name="TextBox 6">
+          <p:cNvPr id="5" name="TextBox 4">
             <a:extLst>
               <a:ext uri="{FF2B5EF4-FFF2-40B4-BE49-F238E27FC236}">
-                <a16:creationId xmlns:a16="http://schemas.microsoft.com/office/drawing/2014/main" id="{B122B5EB-C043-47F8-A6DB-260473D08B3A}"/>
+                <a16:creationId xmlns:a16="http://schemas.microsoft.com/office/drawing/2014/main" id="{6667270B-C5A1-49E8-8966-75B210B4C552}"/>
               </a:ext>
             </a:extLst>
           </p:cNvPr>
@@ -14120,7 +15079,7 @@
         </p:nvSpPr>
         <p:spPr>
           <a:xfrm>
-            <a:off x="5765404" y="4610445"/>
+            <a:off x="3091089" y="5317818"/>
             <a:ext cx="1303283" cy="369332"/>
           </a:xfrm>
           <a:prstGeom prst="rect">
@@ -14153,188 +15112,7 @@
             <a:pPr algn="ctr"/>
             <a:r>
               <a:rPr lang="en-US" dirty="0"/>
-              <a:t>NLG</a:t>
-            </a:r>
-          </a:p>
-        </p:txBody>
-      </p:sp>
-      <p:sp>
-        <p:nvSpPr>
-          <p:cNvPr id="8" name="TextBox 7">
-            <a:extLst>
-              <a:ext uri="{FF2B5EF4-FFF2-40B4-BE49-F238E27FC236}">
-                <a16:creationId xmlns:a16="http://schemas.microsoft.com/office/drawing/2014/main" id="{E7EB59FD-2FF7-4C6E-AD95-B444579E352F}"/>
-              </a:ext>
-            </a:extLst>
-          </p:cNvPr>
-          <p:cNvSpPr txBox="1"/>
-          <p:nvPr/>
-        </p:nvSpPr>
-        <p:spPr>
-          <a:xfrm>
-            <a:off x="7493309" y="3829361"/>
-            <a:ext cx="1397875" cy="369332"/>
-          </a:xfrm>
-          <a:prstGeom prst="rect">
-            <a:avLst/>
-          </a:prstGeom>
-        </p:spPr>
-        <p:style>
-          <a:lnRef idx="2">
-            <a:schemeClr val="accent6"/>
-          </a:lnRef>
-          <a:fillRef idx="1">
-            <a:schemeClr val="lt1"/>
-          </a:fillRef>
-          <a:effectRef idx="0">
-            <a:schemeClr val="accent6"/>
-          </a:effectRef>
-          <a:fontRef idx="minor">
-            <a:schemeClr val="dk1"/>
-          </a:fontRef>
-        </p:style>
-        <p:txBody>
-          <a:bodyPr wrap="square" rtlCol="0" anchor="ctr" anchorCtr="0">
-            <a:spAutoFit/>
-          </a:bodyPr>
-          <a:lstStyle/>
-          <a:p>
-            <a:pPr algn="ctr"/>
-            <a:r>
-              <a:rPr lang="en-US" dirty="0" err="1"/>
-              <a:t>StateTracker</a:t>
-            </a:r>
-            <a:endParaRPr lang="en-US" dirty="0"/>
-          </a:p>
-        </p:txBody>
-      </p:sp>
-      <p:sp>
-        <p:nvSpPr>
-          <p:cNvPr id="9" name="TextBox 8">
-            <a:extLst>
-              <a:ext uri="{FF2B5EF4-FFF2-40B4-BE49-F238E27FC236}">
-                <a16:creationId xmlns:a16="http://schemas.microsoft.com/office/drawing/2014/main" id="{2F119129-1DF9-4E49-9E6F-DE76F76E6508}"/>
-              </a:ext>
-            </a:extLst>
-          </p:cNvPr>
-          <p:cNvSpPr txBox="1"/>
-          <p:nvPr/>
-        </p:nvSpPr>
-        <p:spPr>
-          <a:xfrm>
-            <a:off x="7493308" y="4610445"/>
-            <a:ext cx="1397875" cy="369332"/>
-          </a:xfrm>
-          <a:prstGeom prst="rect">
-            <a:avLst/>
-          </a:prstGeom>
-        </p:spPr>
-        <p:style>
-          <a:lnRef idx="2">
-            <a:schemeClr val="accent6"/>
-          </a:lnRef>
-          <a:fillRef idx="1">
-            <a:schemeClr val="lt1"/>
-          </a:fillRef>
-          <a:effectRef idx="0">
-            <a:schemeClr val="accent6"/>
-          </a:effectRef>
-          <a:fontRef idx="minor">
-            <a:schemeClr val="dk1"/>
-          </a:fontRef>
-        </p:style>
-        <p:txBody>
-          <a:bodyPr wrap="square" rtlCol="0" anchor="ctr" anchorCtr="0">
-            <a:spAutoFit/>
-          </a:bodyPr>
-          <a:lstStyle/>
-          <a:p>
-            <a:pPr algn="ctr"/>
-            <a:r>
-              <a:rPr lang="en-US" dirty="0"/>
-              <a:t>Policy</a:t>
-            </a:r>
-          </a:p>
-        </p:txBody>
-      </p:sp>
-      <p:sp>
-        <p:nvSpPr>
-          <p:cNvPr id="10" name="Cylinder 9">
-            <a:extLst>
-              <a:ext uri="{FF2B5EF4-FFF2-40B4-BE49-F238E27FC236}">
-                <a16:creationId xmlns:a16="http://schemas.microsoft.com/office/drawing/2014/main" id="{76EDEB3A-7BAB-40AA-BDCB-D24F3A0279D8}"/>
-              </a:ext>
-            </a:extLst>
-          </p:cNvPr>
-          <p:cNvSpPr/>
-          <p:nvPr/>
-        </p:nvSpPr>
-        <p:spPr>
-          <a:xfrm>
-            <a:off x="9269556" y="4071099"/>
-            <a:ext cx="1219200" cy="539346"/>
-          </a:xfrm>
-          <a:prstGeom prst="can">
-            <a:avLst/>
-          </a:prstGeom>
-        </p:spPr>
-        <p:style>
-          <a:lnRef idx="2">
-            <a:schemeClr val="accent6"/>
-          </a:lnRef>
-          <a:fillRef idx="1">
-            <a:schemeClr val="lt1"/>
-          </a:fillRef>
-          <a:effectRef idx="0">
-            <a:schemeClr val="accent6"/>
-          </a:effectRef>
-          <a:fontRef idx="minor">
-            <a:schemeClr val="dk1"/>
-          </a:fontRef>
-        </p:style>
-        <p:txBody>
-          <a:bodyPr rtlCol="0" anchor="ctr"/>
-          <a:lstStyle/>
-          <a:p>
-            <a:pPr algn="ctr"/>
-            <a:r>
-              <a:rPr lang="en-US" dirty="0"/>
-              <a:t>Backend</a:t>
-            </a:r>
-          </a:p>
-        </p:txBody>
-      </p:sp>
-      <p:sp>
-        <p:nvSpPr>
-          <p:cNvPr id="12" name="TextBox 11">
-            <a:extLst>
-              <a:ext uri="{FF2B5EF4-FFF2-40B4-BE49-F238E27FC236}">
-                <a16:creationId xmlns:a16="http://schemas.microsoft.com/office/drawing/2014/main" id="{801A6025-8109-4AE4-9179-1D5C717EBE31}"/>
-              </a:ext>
-            </a:extLst>
-          </p:cNvPr>
-          <p:cNvSpPr txBox="1"/>
-          <p:nvPr/>
-        </p:nvSpPr>
-        <p:spPr>
-          <a:xfrm>
-            <a:off x="7445277" y="3232943"/>
-            <a:ext cx="1493935" cy="369332"/>
-          </a:xfrm>
-          <a:prstGeom prst="rect">
-            <a:avLst/>
-          </a:prstGeom>
-          <a:noFill/>
-        </p:spPr>
-        <p:txBody>
-          <a:bodyPr wrap="none" rtlCol="0">
-            <a:spAutoFit/>
-          </a:bodyPr>
-          <a:lstStyle/>
-          <a:p>
-            <a:r>
-              <a:rPr lang="en-US" dirty="0"/>
-              <a:t>Dialog System</a:t>
+              <a:t>NLU</a:t>
             </a:r>
           </a:p>
         </p:txBody>
@@ -14353,7 +15131,7 @@
         </p:nvSpPr>
         <p:spPr>
           <a:xfrm>
-            <a:off x="2198279" y="3268721"/>
+            <a:off x="2198278" y="4027855"/>
             <a:ext cx="1573316" cy="369332"/>
           </a:xfrm>
           <a:prstGeom prst="rect">
@@ -14388,8 +15166,8 @@
         </p:nvSpPr>
         <p:spPr>
           <a:xfrm>
-            <a:off x="1385256" y="3839876"/>
-            <a:ext cx="1397875" cy="1150416"/>
+            <a:off x="1385255" y="4599010"/>
+            <a:ext cx="1397875" cy="1088140"/>
           </a:xfrm>
           <a:prstGeom prst="rect">
             <a:avLst/>
@@ -14452,7 +15230,7 @@
         </p:nvSpPr>
         <p:spPr>
           <a:xfrm>
-            <a:off x="4750675" y="4087599"/>
+            <a:off x="4745420" y="4804886"/>
             <a:ext cx="672661" cy="369332"/>
           </a:xfrm>
           <a:prstGeom prst="leftRightArrow">
@@ -14480,7 +15258,7 @@
           <a:lstStyle/>
           <a:p>
             <a:pPr algn="ctr"/>
-            <a:endParaRPr lang="en-US"/>
+            <a:endParaRPr lang="en-US" dirty="0"/>
           </a:p>
         </p:txBody>
       </p:sp>
@@ -14501,7 +15279,7 @@
         </p:nvCxnSpPr>
         <p:spPr>
           <a:xfrm>
-            <a:off x="8891184" y="4014027"/>
+            <a:off x="8891184" y="4721400"/>
             <a:ext cx="987972" cy="191909"/>
           </a:xfrm>
           <a:prstGeom prst="bentConnector2">
@@ -14547,7 +15325,7 @@
         </p:nvCxnSpPr>
         <p:spPr>
           <a:xfrm rot="5400000">
-            <a:off x="9292837" y="4208792"/>
+            <a:off x="9292837" y="4916165"/>
             <a:ext cx="184666" cy="987973"/>
           </a:xfrm>
           <a:prstGeom prst="bentConnector2">
@@ -14592,7 +15370,7 @@
         </p:nvCxnSpPr>
         <p:spPr>
           <a:xfrm>
-            <a:off x="7068688" y="4014027"/>
+            <a:off x="7068688" y="4721400"/>
             <a:ext cx="424621" cy="0"/>
           </a:xfrm>
           <a:prstGeom prst="straightConnector1">
@@ -14635,7 +15413,7 @@
         </p:nvCxnSpPr>
         <p:spPr>
           <a:xfrm flipH="1">
-            <a:off x="7068687" y="4795111"/>
+            <a:off x="7068687" y="5502484"/>
             <a:ext cx="424621" cy="0"/>
           </a:xfrm>
           <a:prstGeom prst="straightConnector1">
@@ -14661,91 +15439,6 @@
           </a:fontRef>
         </p:style>
       </p:cxnSp>
-      <p:pic>
-        <p:nvPicPr>
-          <p:cNvPr id="32" name="Graphic 31" descr="Users">
-            <a:extLst>
-              <a:ext uri="{FF2B5EF4-FFF2-40B4-BE49-F238E27FC236}">
-                <a16:creationId xmlns:a16="http://schemas.microsoft.com/office/drawing/2014/main" id="{9A551426-7F81-4415-85F8-BE87734CA1F8}"/>
-              </a:ext>
-            </a:extLst>
-          </p:cNvPr>
-          <p:cNvPicPr>
-            <a:picLocks noChangeAspect="1"/>
-          </p:cNvPicPr>
-          <p:nvPr/>
-        </p:nvPicPr>
-        <p:blipFill>
-          <a:blip r:embed="rId3">
-            <a:extLst>
-              <a:ext uri="{28A0092B-C50C-407E-A947-70E740481C1C}">
-                <a14:useLocalDpi xmlns:a14="http://schemas.microsoft.com/office/drawing/2010/main" val="0"/>
-              </a:ext>
-              <a:ext uri="{96DAC541-7B7A-43D3-8B79-37D633B846F1}">
-                <asvg:svgBlip xmlns:asvg="http://schemas.microsoft.com/office/drawing/2016/SVG/main" r:embed="rId4"/>
-              </a:ext>
-            </a:extLst>
-          </a:blip>
-          <a:stretch>
-            <a:fillRect/>
-          </a:stretch>
-        </p:blipFill>
-        <p:spPr>
-          <a:xfrm>
-            <a:off x="3147232" y="5138905"/>
-            <a:ext cx="1248726" cy="1248726"/>
-          </a:xfrm>
-          <a:prstGeom prst="rect">
-            <a:avLst/>
-          </a:prstGeom>
-        </p:spPr>
-      </p:pic>
-      <p:sp>
-        <p:nvSpPr>
-          <p:cNvPr id="33" name="Arrow: Left-Up 32">
-            <a:extLst>
-              <a:ext uri="{FF2B5EF4-FFF2-40B4-BE49-F238E27FC236}">
-                <a16:creationId xmlns:a16="http://schemas.microsoft.com/office/drawing/2014/main" id="{44AC23BB-80A5-4CB4-A6E4-8519BA984D65}"/>
-              </a:ext>
-            </a:extLst>
-          </p:cNvPr>
-          <p:cNvSpPr/>
-          <p:nvPr/>
-        </p:nvSpPr>
-        <p:spPr>
-          <a:xfrm>
-            <a:off x="4394373" y="5304413"/>
-            <a:ext cx="1605029" cy="633008"/>
-          </a:xfrm>
-          <a:prstGeom prst="leftUpArrow">
-            <a:avLst/>
-          </a:prstGeom>
-        </p:spPr>
-        <p:style>
-          <a:lnRef idx="2">
-            <a:schemeClr val="accent1">
-              <a:shade val="50000"/>
-            </a:schemeClr>
-          </a:lnRef>
-          <a:fillRef idx="1">
-            <a:schemeClr val="accent1"/>
-          </a:fillRef>
-          <a:effectRef idx="0">
-            <a:schemeClr val="accent1"/>
-          </a:effectRef>
-          <a:fontRef idx="minor">
-            <a:schemeClr val="lt1"/>
-          </a:fontRef>
-        </p:style>
-        <p:txBody>
-          <a:bodyPr rtlCol="0" anchor="ctr"/>
-          <a:lstStyle/>
-          <a:p>
-            <a:pPr algn="ctr"/>
-            <a:endParaRPr lang="en-US"/>
-          </a:p>
-        </p:txBody>
-      </p:sp>
     </p:spTree>
     <p:extLst>
       <p:ext uri="{BB962C8B-B14F-4D97-AF65-F5344CB8AC3E}">
@@ -14830,186 +15523,6 @@
                                   </p:childTnLst>
                                 </p:cTn>
                               </p:par>
-                              <p:par>
-                                <p:cTn id="9" presetID="1" presetClass="entr" presetSubtype="0" fill="hold" grpId="0" nodeType="withEffect">
-                                  <p:stCondLst>
-                                    <p:cond delay="0"/>
-                                  </p:stCondLst>
-                                  <p:childTnLst>
-                                    <p:set>
-                                      <p:cBhvr>
-                                        <p:cTn id="10" dur="1" fill="hold">
-                                          <p:stCondLst>
-                                            <p:cond delay="0"/>
-                                          </p:stCondLst>
-                                        </p:cTn>
-                                        <p:tgtEl>
-                                          <p:spTgt spid="6"/>
-                                        </p:tgtEl>
-                                        <p:attrNameLst>
-                                          <p:attrName>style.visibility</p:attrName>
-                                        </p:attrNameLst>
-                                      </p:cBhvr>
-                                      <p:to>
-                                        <p:strVal val="visible"/>
-                                      </p:to>
-                                    </p:set>
-                                  </p:childTnLst>
-                                </p:cTn>
-                              </p:par>
-                              <p:par>
-                                <p:cTn id="11" presetID="1" presetClass="entr" presetSubtype="0" fill="hold" grpId="0" nodeType="withEffect">
-                                  <p:stCondLst>
-                                    <p:cond delay="0"/>
-                                  </p:stCondLst>
-                                  <p:childTnLst>
-                                    <p:set>
-                                      <p:cBhvr>
-                                        <p:cTn id="12" dur="1" fill="hold">
-                                          <p:stCondLst>
-                                            <p:cond delay="0"/>
-                                          </p:stCondLst>
-                                        </p:cTn>
-                                        <p:tgtEl>
-                                          <p:spTgt spid="7"/>
-                                        </p:tgtEl>
-                                        <p:attrNameLst>
-                                          <p:attrName>style.visibility</p:attrName>
-                                        </p:attrNameLst>
-                                      </p:cBhvr>
-                                      <p:to>
-                                        <p:strVal val="visible"/>
-                                      </p:to>
-                                    </p:set>
-                                  </p:childTnLst>
-                                </p:cTn>
-                              </p:par>
-                              <p:par>
-                                <p:cTn id="13" presetID="1" presetClass="entr" presetSubtype="0" fill="hold" nodeType="withEffect">
-                                  <p:stCondLst>
-                                    <p:cond delay="0"/>
-                                  </p:stCondLst>
-                                  <p:childTnLst>
-                                    <p:set>
-                                      <p:cBhvr>
-                                        <p:cTn id="14" dur="1" fill="hold">
-                                          <p:stCondLst>
-                                            <p:cond delay="0"/>
-                                          </p:stCondLst>
-                                        </p:cTn>
-                                        <p:tgtEl>
-                                          <p:spTgt spid="26"/>
-                                        </p:tgtEl>
-                                        <p:attrNameLst>
-                                          <p:attrName>style.visibility</p:attrName>
-                                        </p:attrNameLst>
-                                      </p:cBhvr>
-                                      <p:to>
-                                        <p:strVal val="visible"/>
-                                      </p:to>
-                                    </p:set>
-                                  </p:childTnLst>
-                                </p:cTn>
-                              </p:par>
-                              <p:par>
-                                <p:cTn id="15" presetID="1" presetClass="entr" presetSubtype="0" fill="hold" nodeType="withEffect">
-                                  <p:stCondLst>
-                                    <p:cond delay="0"/>
-                                  </p:stCondLst>
-                                  <p:childTnLst>
-                                    <p:set>
-                                      <p:cBhvr>
-                                        <p:cTn id="16" dur="1" fill="hold">
-                                          <p:stCondLst>
-                                            <p:cond delay="0"/>
-                                          </p:stCondLst>
-                                        </p:cTn>
-                                        <p:tgtEl>
-                                          <p:spTgt spid="27"/>
-                                        </p:tgtEl>
-                                        <p:attrNameLst>
-                                          <p:attrName>style.visibility</p:attrName>
-                                        </p:attrNameLst>
-                                      </p:cBhvr>
-                                      <p:to>
-                                        <p:strVal val="visible"/>
-                                      </p:to>
-                                    </p:set>
-                                  </p:childTnLst>
-                                </p:cTn>
-                              </p:par>
-                            </p:childTnLst>
-                          </p:cTn>
-                        </p:par>
-                      </p:childTnLst>
-                    </p:cTn>
-                  </p:par>
-                  <p:par>
-                    <p:cTn id="17" fill="hold">
-                      <p:stCondLst>
-                        <p:cond delay="indefinite"/>
-                      </p:stCondLst>
-                      <p:childTnLst>
-                        <p:par>
-                          <p:cTn id="18" fill="hold">
-                            <p:stCondLst>
-                              <p:cond delay="0"/>
-                            </p:stCondLst>
-                            <p:childTnLst>
-                              <p:par>
-                                <p:cTn id="19" presetID="1" presetClass="entr" presetSubtype="0" fill="hold" grpId="0" nodeType="clickEffect">
-                                  <p:stCondLst>
-                                    <p:cond delay="0"/>
-                                  </p:stCondLst>
-                                  <p:childTnLst>
-                                    <p:set>
-                                      <p:cBhvr>
-                                        <p:cTn id="20" dur="1" fill="hold">
-                                          <p:stCondLst>
-                                            <p:cond delay="0"/>
-                                          </p:stCondLst>
-                                        </p:cTn>
-                                        <p:tgtEl>
-                                          <p:spTgt spid="33"/>
-                                        </p:tgtEl>
-                                        <p:attrNameLst>
-                                          <p:attrName>style.visibility</p:attrName>
-                                        </p:attrNameLst>
-                                      </p:cBhvr>
-                                      <p:to>
-                                        <p:strVal val="visible"/>
-                                      </p:to>
-                                    </p:set>
-                                  </p:childTnLst>
-                                </p:cTn>
-                              </p:par>
-                              <p:par>
-                                <p:cTn id="21" presetID="1" presetClass="entr" presetSubtype="0" fill="hold" nodeType="withEffect">
-                                  <p:stCondLst>
-                                    <p:cond delay="0"/>
-                                  </p:stCondLst>
-                                  <p:childTnLst>
-                                    <p:set>
-                                      <p:cBhvr>
-                                        <p:cTn id="22" dur="1" fill="hold">
-                                          <p:stCondLst>
-                                            <p:cond delay="0"/>
-                                          </p:stCondLst>
-                                        </p:cTn>
-                                        <p:tgtEl>
-                                          <p:spTgt spid="32"/>
-                                        </p:tgtEl>
-                                        <p:attrNameLst>
-                                          <p:attrName>style.visibility</p:attrName>
-                                        </p:attrNameLst>
-                                      </p:cBhvr>
-                                      <p:to>
-                                        <p:strVal val="visible"/>
-                                      </p:to>
-                                    </p:set>
-                                  </p:childTnLst>
-                                </p:cTn>
-                              </p:par>
                             </p:childTnLst>
                           </p:cTn>
                         </p:par>
@@ -15040,1588 +15553,12 @@
     <p:bldLst>
       <p:bldP spid="4" grpId="0" animBg="1"/>
       <p:bldP spid="5" grpId="0" animBg="1"/>
-      <p:bldP spid="6" grpId="0" animBg="1"/>
-      <p:bldP spid="7" grpId="0" animBg="1"/>
-      <p:bldP spid="33" grpId="0" animBg="1"/>
     </p:bldLst>
   </p:timing>
 </p:sld>
 </file>
 
 <file path=ppt/slides/slide6.xml><?xml version="1.0" encoding="utf-8"?>
-<p:sld xmlns:a="http://schemas.openxmlformats.org/drawingml/2006/main" xmlns:r="http://schemas.openxmlformats.org/officeDocument/2006/relationships" xmlns:p="http://schemas.openxmlformats.org/presentationml/2006/main">
-  <p:cSld>
-    <p:spTree>
-      <p:nvGrpSpPr>
-        <p:cNvPr id="1" name=""/>
-        <p:cNvGrpSpPr/>
-        <p:nvPr/>
-      </p:nvGrpSpPr>
-      <p:grpSpPr>
-        <a:xfrm>
-          <a:off x="0" y="0"/>
-          <a:ext cx="0" cy="0"/>
-          <a:chOff x="0" y="0"/>
-          <a:chExt cx="0" cy="0"/>
-        </a:xfrm>
-      </p:grpSpPr>
-      <p:sp>
-        <p:nvSpPr>
-          <p:cNvPr id="2" name="Title 1">
-            <a:extLst>
-              <a:ext uri="{FF2B5EF4-FFF2-40B4-BE49-F238E27FC236}">
-                <a16:creationId xmlns:a16="http://schemas.microsoft.com/office/drawing/2014/main" id="{D7770B6D-54DC-41B7-A277-5BFA54BA46E6}"/>
-              </a:ext>
-            </a:extLst>
-          </p:cNvPr>
-          <p:cNvSpPr>
-            <a:spLocks noGrp="1"/>
-          </p:cNvSpPr>
-          <p:nvPr>
-            <p:ph type="title"/>
-          </p:nvPr>
-        </p:nvSpPr>
-        <p:spPr/>
-        <p:txBody>
-          <a:bodyPr/>
-          <a:lstStyle/>
-          <a:p>
-            <a:r>
-              <a:rPr lang="en-US" dirty="0"/>
-              <a:t>Learning Resources</a:t>
-            </a:r>
-          </a:p>
-        </p:txBody>
-      </p:sp>
-      <p:sp>
-        <p:nvSpPr>
-          <p:cNvPr id="3" name="Content Placeholder 2">
-            <a:extLst>
-              <a:ext uri="{FF2B5EF4-FFF2-40B4-BE49-F238E27FC236}">
-                <a16:creationId xmlns:a16="http://schemas.microsoft.com/office/drawing/2014/main" id="{61509419-5CE2-4E86-A74B-3C5D2F01A9CA}"/>
-              </a:ext>
-            </a:extLst>
-          </p:cNvPr>
-          <p:cNvSpPr>
-            <a:spLocks noGrp="1"/>
-          </p:cNvSpPr>
-          <p:nvPr>
-            <p:ph idx="1"/>
-          </p:nvPr>
-        </p:nvSpPr>
-        <p:spPr>
-          <a:xfrm>
-            <a:off x="1097280" y="1845734"/>
-            <a:ext cx="10058400" cy="1128694"/>
-          </a:xfrm>
-        </p:spPr>
-        <p:txBody>
-          <a:bodyPr/>
-          <a:lstStyle/>
-          <a:p>
-            <a:r>
-              <a:rPr lang="en-US" dirty="0"/>
-              <a:t>MS Dialogue Challenge provides different types of learning resources to allow for various training strategies.</a:t>
-            </a:r>
-          </a:p>
-          <a:p>
-            <a:r>
-              <a:rPr lang="en-US" dirty="0"/>
-              <a:t>State-of-the-art components are available.</a:t>
-            </a:r>
-          </a:p>
-        </p:txBody>
-      </p:sp>
-      <p:grpSp>
-        <p:nvGrpSpPr>
-          <p:cNvPr id="73" name="Group 72">
-            <a:extLst>
-              <a:ext uri="{FF2B5EF4-FFF2-40B4-BE49-F238E27FC236}">
-                <a16:creationId xmlns:a16="http://schemas.microsoft.com/office/drawing/2014/main" id="{2B0F6C45-A520-4B4C-8945-3669065194B6}"/>
-              </a:ext>
-            </a:extLst>
-          </p:cNvPr>
-          <p:cNvGrpSpPr/>
-          <p:nvPr/>
-        </p:nvGrpSpPr>
-        <p:grpSpPr>
-          <a:xfrm>
-            <a:off x="271158" y="3247919"/>
-            <a:ext cx="3644707" cy="2658892"/>
-            <a:chOff x="271158" y="2943125"/>
-            <a:chExt cx="3644707" cy="2658892"/>
-          </a:xfrm>
-        </p:grpSpPr>
-        <p:grpSp>
-          <p:nvGrpSpPr>
-            <p:cNvPr id="70" name="Group 69">
-              <a:extLst>
-                <a:ext uri="{FF2B5EF4-FFF2-40B4-BE49-F238E27FC236}">
-                  <a16:creationId xmlns:a16="http://schemas.microsoft.com/office/drawing/2014/main" id="{5C7F189B-9F05-4834-BA54-5844366DF00F}"/>
-                </a:ext>
-              </a:extLst>
-            </p:cNvPr>
-            <p:cNvGrpSpPr/>
-            <p:nvPr/>
-          </p:nvGrpSpPr>
-          <p:grpSpPr>
-            <a:xfrm>
-              <a:off x="1923105" y="2943125"/>
-              <a:ext cx="1992760" cy="2658892"/>
-              <a:chOff x="1923105" y="2943125"/>
-              <a:chExt cx="1992760" cy="2658892"/>
-            </a:xfrm>
-          </p:grpSpPr>
-          <p:grpSp>
-            <p:nvGrpSpPr>
-              <p:cNvPr id="25" name="Group 24">
-                <a:extLst>
-                  <a:ext uri="{FF2B5EF4-FFF2-40B4-BE49-F238E27FC236}">
-                    <a16:creationId xmlns:a16="http://schemas.microsoft.com/office/drawing/2014/main" id="{48C46A12-960C-42F3-87DB-A97B347972B3}"/>
-                  </a:ext>
-                </a:extLst>
-              </p:cNvPr>
-              <p:cNvGrpSpPr/>
-              <p:nvPr/>
-            </p:nvGrpSpPr>
-            <p:grpSpPr>
-              <a:xfrm>
-                <a:off x="1923105" y="2943125"/>
-                <a:ext cx="1992760" cy="2658892"/>
-                <a:chOff x="1097281" y="3268721"/>
-                <a:chExt cx="3600844" cy="3037486"/>
-              </a:xfrm>
-            </p:grpSpPr>
-            <p:sp>
-              <p:nvSpPr>
-                <p:cNvPr id="26" name="Rectangle: Rounded Corners 25">
-                  <a:extLst>
-                    <a:ext uri="{FF2B5EF4-FFF2-40B4-BE49-F238E27FC236}">
-                      <a16:creationId xmlns:a16="http://schemas.microsoft.com/office/drawing/2014/main" id="{3C85A6C6-513B-4DE8-A98F-D98EB8EBAE80}"/>
-                    </a:ext>
-                  </a:extLst>
-                </p:cNvPr>
-                <p:cNvSpPr/>
-                <p:nvPr/>
-              </p:nvSpPr>
-              <p:spPr>
-                <a:xfrm>
-                  <a:off x="1097281" y="3268721"/>
-                  <a:ext cx="3600844" cy="3037486"/>
-                </a:xfrm>
-                <a:prstGeom prst="roundRect">
-                  <a:avLst/>
-                </a:prstGeom>
-                <a:ln>
-                  <a:prstDash val="sysDash"/>
-                </a:ln>
-              </p:spPr>
-              <p:style>
-                <a:lnRef idx="2">
-                  <a:schemeClr val="dk1"/>
-                </a:lnRef>
-                <a:fillRef idx="1">
-                  <a:schemeClr val="lt1"/>
-                </a:fillRef>
-                <a:effectRef idx="0">
-                  <a:schemeClr val="dk1"/>
-                </a:effectRef>
-                <a:fontRef idx="minor">
-                  <a:schemeClr val="dk1"/>
-                </a:fontRef>
-              </p:style>
-              <p:txBody>
-                <a:bodyPr rtlCol="0" anchor="ctr"/>
-                <a:lstStyle/>
-                <a:p>
-                  <a:pPr algn="ctr"/>
-                  <a:endParaRPr lang="en-US" dirty="0"/>
-                </a:p>
-              </p:txBody>
-            </p:sp>
-            <p:sp>
-              <p:nvSpPr>
-                <p:cNvPr id="27" name="TextBox 26">
-                  <a:extLst>
-                    <a:ext uri="{FF2B5EF4-FFF2-40B4-BE49-F238E27FC236}">
-                      <a16:creationId xmlns:a16="http://schemas.microsoft.com/office/drawing/2014/main" id="{F63EB055-E984-4FAD-A628-37F3D4B8FEDD}"/>
-                    </a:ext>
-                  </a:extLst>
-                </p:cNvPr>
-                <p:cNvSpPr txBox="1"/>
-                <p:nvPr/>
-              </p:nvSpPr>
-              <p:spPr>
-                <a:xfrm>
-                  <a:off x="1533570" y="3268721"/>
-                  <a:ext cx="2699486" cy="389581"/>
-                </a:xfrm>
-                <a:prstGeom prst="rect">
-                  <a:avLst/>
-                </a:prstGeom>
-                <a:noFill/>
-              </p:spPr>
-              <p:txBody>
-                <a:bodyPr wrap="none" rtlCol="0">
-                  <a:spAutoFit/>
-                </a:bodyPr>
-                <a:lstStyle/>
-                <a:p>
-                  <a:r>
-                    <a:rPr lang="en-US" dirty="0"/>
-                    <a:t>Dialog System</a:t>
-                  </a:r>
-                </a:p>
-              </p:txBody>
-            </p:sp>
-          </p:grpSp>
-          <p:sp>
-            <p:nvSpPr>
-              <p:cNvPr id="30" name="TextBox 29">
-                <a:extLst>
-                  <a:ext uri="{FF2B5EF4-FFF2-40B4-BE49-F238E27FC236}">
-                    <a16:creationId xmlns:a16="http://schemas.microsoft.com/office/drawing/2014/main" id="{2DA4155A-A470-46F1-8675-82CC62FB50B5}"/>
-                  </a:ext>
-                </a:extLst>
-              </p:cNvPr>
-              <p:cNvSpPr txBox="1"/>
-              <p:nvPr/>
-            </p:nvSpPr>
-            <p:spPr>
-              <a:xfrm>
-                <a:off x="2211079" y="3482479"/>
-                <a:ext cx="1397875" cy="369332"/>
-              </a:xfrm>
-              <a:prstGeom prst="rect">
-                <a:avLst/>
-              </a:prstGeom>
-            </p:spPr>
-            <p:style>
-              <a:lnRef idx="2">
-                <a:schemeClr val="accent6"/>
-              </a:lnRef>
-              <a:fillRef idx="1">
-                <a:schemeClr val="lt1"/>
-              </a:fillRef>
-              <a:effectRef idx="0">
-                <a:schemeClr val="accent6"/>
-              </a:effectRef>
-              <a:fontRef idx="minor">
-                <a:schemeClr val="dk1"/>
-              </a:fontRef>
-            </p:style>
-            <p:txBody>
-              <a:bodyPr wrap="square" rtlCol="0" anchor="ctr" anchorCtr="0">
-                <a:spAutoFit/>
-              </a:bodyPr>
-              <a:lstStyle/>
-              <a:p>
-                <a:pPr algn="ctr"/>
-                <a:r>
-                  <a:rPr lang="en-US" dirty="0"/>
-                  <a:t>NLU</a:t>
-                </a:r>
-              </a:p>
-            </p:txBody>
-          </p:sp>
-          <p:sp>
-            <p:nvSpPr>
-              <p:cNvPr id="31" name="TextBox 30">
-                <a:extLst>
-                  <a:ext uri="{FF2B5EF4-FFF2-40B4-BE49-F238E27FC236}">
-                    <a16:creationId xmlns:a16="http://schemas.microsoft.com/office/drawing/2014/main" id="{B5591A5E-F135-442A-860D-E4FE693D0F02}"/>
-                  </a:ext>
-                </a:extLst>
-              </p:cNvPr>
-              <p:cNvSpPr txBox="1"/>
-              <p:nvPr/>
-            </p:nvSpPr>
-            <p:spPr>
-              <a:xfrm>
-                <a:off x="2220547" y="3996366"/>
-                <a:ext cx="1397875" cy="369332"/>
-              </a:xfrm>
-              <a:prstGeom prst="rect">
-                <a:avLst/>
-              </a:prstGeom>
-            </p:spPr>
-            <p:style>
-              <a:lnRef idx="2">
-                <a:schemeClr val="accent6"/>
-              </a:lnRef>
-              <a:fillRef idx="1">
-                <a:schemeClr val="lt1"/>
-              </a:fillRef>
-              <a:effectRef idx="0">
-                <a:schemeClr val="accent6"/>
-              </a:effectRef>
-              <a:fontRef idx="minor">
-                <a:schemeClr val="dk1"/>
-              </a:fontRef>
-            </p:style>
-            <p:txBody>
-              <a:bodyPr wrap="square" rtlCol="0" anchor="ctr" anchorCtr="0">
-                <a:spAutoFit/>
-              </a:bodyPr>
-              <a:lstStyle/>
-              <a:p>
-                <a:pPr algn="ctr"/>
-                <a:r>
-                  <a:rPr lang="en-US" dirty="0" err="1"/>
-                  <a:t>StateTracker</a:t>
-                </a:r>
-                <a:endParaRPr lang="en-US" dirty="0"/>
-              </a:p>
-            </p:txBody>
-          </p:sp>
-          <p:sp>
-            <p:nvSpPr>
-              <p:cNvPr id="32" name="TextBox 31">
-                <a:extLst>
-                  <a:ext uri="{FF2B5EF4-FFF2-40B4-BE49-F238E27FC236}">
-                    <a16:creationId xmlns:a16="http://schemas.microsoft.com/office/drawing/2014/main" id="{7F89D65C-5A1F-4BA4-ABB8-106248C3AD51}"/>
-                  </a:ext>
-                </a:extLst>
-              </p:cNvPr>
-              <p:cNvSpPr txBox="1"/>
-              <p:nvPr/>
-            </p:nvSpPr>
-            <p:spPr>
-              <a:xfrm>
-                <a:off x="2220547" y="4535720"/>
-                <a:ext cx="1397875" cy="369332"/>
-              </a:xfrm>
-              <a:prstGeom prst="rect">
-                <a:avLst/>
-              </a:prstGeom>
-            </p:spPr>
-            <p:style>
-              <a:lnRef idx="2">
-                <a:schemeClr val="accent2"/>
-              </a:lnRef>
-              <a:fillRef idx="1">
-                <a:schemeClr val="lt1"/>
-              </a:fillRef>
-              <a:effectRef idx="0">
-                <a:schemeClr val="accent2"/>
-              </a:effectRef>
-              <a:fontRef idx="minor">
-                <a:schemeClr val="dk1"/>
-              </a:fontRef>
-            </p:style>
-            <p:txBody>
-              <a:bodyPr wrap="square" rtlCol="0" anchor="ctr" anchorCtr="0">
-                <a:spAutoFit/>
-              </a:bodyPr>
-              <a:lstStyle/>
-              <a:p>
-                <a:pPr algn="ctr"/>
-                <a:r>
-                  <a:rPr lang="en-US" dirty="0"/>
-                  <a:t>Policy</a:t>
-                </a:r>
-              </a:p>
-            </p:txBody>
-          </p:sp>
-          <p:sp>
-            <p:nvSpPr>
-              <p:cNvPr id="33" name="TextBox 32">
-                <a:extLst>
-                  <a:ext uri="{FF2B5EF4-FFF2-40B4-BE49-F238E27FC236}">
-                    <a16:creationId xmlns:a16="http://schemas.microsoft.com/office/drawing/2014/main" id="{1BC3B63C-AAF1-45F8-A763-29A378ED40AE}"/>
-                  </a:ext>
-                </a:extLst>
-              </p:cNvPr>
-              <p:cNvSpPr txBox="1"/>
-              <p:nvPr/>
-            </p:nvSpPr>
-            <p:spPr>
-              <a:xfrm>
-                <a:off x="2220547" y="5064755"/>
-                <a:ext cx="1397875" cy="369332"/>
-              </a:xfrm>
-              <a:prstGeom prst="rect">
-                <a:avLst/>
-              </a:prstGeom>
-            </p:spPr>
-            <p:style>
-              <a:lnRef idx="2">
-                <a:schemeClr val="accent6"/>
-              </a:lnRef>
-              <a:fillRef idx="1">
-                <a:schemeClr val="lt1"/>
-              </a:fillRef>
-              <a:effectRef idx="0">
-                <a:schemeClr val="accent6"/>
-              </a:effectRef>
-              <a:fontRef idx="minor">
-                <a:schemeClr val="dk1"/>
-              </a:fontRef>
-            </p:style>
-            <p:txBody>
-              <a:bodyPr wrap="square" rtlCol="0" anchor="ctr" anchorCtr="0">
-                <a:spAutoFit/>
-              </a:bodyPr>
-              <a:lstStyle/>
-              <a:p>
-                <a:pPr algn="ctr"/>
-                <a:r>
-                  <a:rPr lang="en-US" dirty="0"/>
-                  <a:t>NLG</a:t>
-                </a:r>
-              </a:p>
-            </p:txBody>
-          </p:sp>
-        </p:grpSp>
-        <p:pic>
-          <p:nvPicPr>
-            <p:cNvPr id="41" name="Graphic 40" descr="Robot">
-              <a:extLst>
-                <a:ext uri="{FF2B5EF4-FFF2-40B4-BE49-F238E27FC236}">
-                  <a16:creationId xmlns:a16="http://schemas.microsoft.com/office/drawing/2014/main" id="{B9BE7EDA-3468-4AE3-B0A1-175861E90107}"/>
-                </a:ext>
-              </a:extLst>
-            </p:cNvPr>
-            <p:cNvPicPr>
-              <a:picLocks noChangeAspect="1"/>
-            </p:cNvPicPr>
-            <p:nvPr/>
-          </p:nvPicPr>
-          <p:blipFill>
-            <a:blip r:embed="rId2">
-              <a:extLst>
-                <a:ext uri="{28A0092B-C50C-407E-A947-70E740481C1C}">
-                  <a14:useLocalDpi xmlns:a14="http://schemas.microsoft.com/office/drawing/2010/main" val="0"/>
-                </a:ext>
-                <a:ext uri="{96DAC541-7B7A-43D3-8B79-37D633B846F1}">
-                  <asvg:svgBlip xmlns:asvg="http://schemas.microsoft.com/office/drawing/2016/SVG/main" r:embed="rId3"/>
-                </a:ext>
-              </a:extLst>
-            </a:blip>
-            <a:stretch>
-              <a:fillRect/>
-            </a:stretch>
-          </p:blipFill>
-          <p:spPr>
-            <a:xfrm>
-              <a:off x="271158" y="3336065"/>
-              <a:ext cx="914400" cy="914400"/>
-            </a:xfrm>
-            <a:prstGeom prst="rect">
-              <a:avLst/>
-            </a:prstGeom>
-          </p:spPr>
-        </p:pic>
-        <p:sp>
-          <p:nvSpPr>
-            <p:cNvPr id="43" name="Arrow: Left-Right 42">
-              <a:extLst>
-                <a:ext uri="{FF2B5EF4-FFF2-40B4-BE49-F238E27FC236}">
-                  <a16:creationId xmlns:a16="http://schemas.microsoft.com/office/drawing/2014/main" id="{7D31785F-7613-492D-892B-E06B36FE9065}"/>
-                </a:ext>
-              </a:extLst>
-            </p:cNvPr>
-            <p:cNvSpPr/>
-            <p:nvPr/>
-          </p:nvSpPr>
-          <p:spPr>
-            <a:xfrm>
-              <a:off x="1146668" y="3677980"/>
-              <a:ext cx="672661" cy="369332"/>
-            </a:xfrm>
-            <a:prstGeom prst="leftRightArrow">
-              <a:avLst/>
-            </a:prstGeom>
-          </p:spPr>
-          <p:style>
-            <a:lnRef idx="2">
-              <a:schemeClr val="accent2">
-                <a:shade val="50000"/>
-              </a:schemeClr>
-            </a:lnRef>
-            <a:fillRef idx="1">
-              <a:schemeClr val="accent2"/>
-            </a:fillRef>
-            <a:effectRef idx="0">
-              <a:schemeClr val="accent2"/>
-            </a:effectRef>
-            <a:fontRef idx="minor">
-              <a:schemeClr val="lt1"/>
-            </a:fontRef>
-          </p:style>
-          <p:txBody>
-            <a:bodyPr rtlCol="0" anchor="ctr"/>
-            <a:lstStyle/>
-            <a:p>
-              <a:pPr algn="ctr"/>
-              <a:endParaRPr lang="en-US"/>
-            </a:p>
-          </p:txBody>
-        </p:sp>
-      </p:grpSp>
-      <p:grpSp>
-        <p:nvGrpSpPr>
-          <p:cNvPr id="74" name="Group 73">
-            <a:extLst>
-              <a:ext uri="{FF2B5EF4-FFF2-40B4-BE49-F238E27FC236}">
-                <a16:creationId xmlns:a16="http://schemas.microsoft.com/office/drawing/2014/main" id="{0AA08486-5BB1-4898-A492-2A4F0D634960}"/>
-              </a:ext>
-            </a:extLst>
-          </p:cNvPr>
-          <p:cNvGrpSpPr/>
-          <p:nvPr/>
-        </p:nvGrpSpPr>
-        <p:grpSpPr>
-          <a:xfrm>
-            <a:off x="271158" y="4751835"/>
-            <a:ext cx="1713870" cy="1068598"/>
-            <a:chOff x="271158" y="4447041"/>
-            <a:chExt cx="1713870" cy="1068598"/>
-          </a:xfrm>
-        </p:grpSpPr>
-        <p:pic>
-          <p:nvPicPr>
-            <p:cNvPr id="35" name="Graphic 34" descr="Books">
-              <a:extLst>
-                <a:ext uri="{FF2B5EF4-FFF2-40B4-BE49-F238E27FC236}">
-                  <a16:creationId xmlns:a16="http://schemas.microsoft.com/office/drawing/2014/main" id="{7CD6C0D3-37FB-48BD-A6FB-9B1FB8A20F49}"/>
-                </a:ext>
-              </a:extLst>
-            </p:cNvPr>
-            <p:cNvPicPr>
-              <a:picLocks noChangeAspect="1"/>
-            </p:cNvPicPr>
-            <p:nvPr/>
-          </p:nvPicPr>
-          <p:blipFill>
-            <a:blip r:embed="rId4">
-              <a:extLst>
-                <a:ext uri="{28A0092B-C50C-407E-A947-70E740481C1C}">
-                  <a14:useLocalDpi xmlns:a14="http://schemas.microsoft.com/office/drawing/2010/main" val="0"/>
-                </a:ext>
-                <a:ext uri="{96DAC541-7B7A-43D3-8B79-37D633B846F1}">
-                  <asvg:svgBlip xmlns:asvg="http://schemas.microsoft.com/office/drawing/2016/SVG/main" r:embed="rId5"/>
-                </a:ext>
-              </a:extLst>
-            </a:blip>
-            <a:stretch>
-              <a:fillRect/>
-            </a:stretch>
-          </p:blipFill>
-          <p:spPr>
-            <a:xfrm>
-              <a:off x="271158" y="4447041"/>
-              <a:ext cx="914400" cy="914400"/>
-            </a:xfrm>
-            <a:prstGeom prst="rect">
-              <a:avLst/>
-            </a:prstGeom>
-          </p:spPr>
-        </p:pic>
-        <p:sp>
-          <p:nvSpPr>
-            <p:cNvPr id="39" name="TextBox 38">
-              <a:extLst>
-                <a:ext uri="{FF2B5EF4-FFF2-40B4-BE49-F238E27FC236}">
-                  <a16:creationId xmlns:a16="http://schemas.microsoft.com/office/drawing/2014/main" id="{7E6FD55E-29A6-4534-A43F-B7D4A17C29F4}"/>
-                </a:ext>
-              </a:extLst>
-            </p:cNvPr>
-            <p:cNvSpPr txBox="1"/>
-            <p:nvPr/>
-          </p:nvSpPr>
-          <p:spPr>
-            <a:xfrm>
-              <a:off x="980971" y="5146307"/>
-              <a:ext cx="1004057" cy="369332"/>
-            </a:xfrm>
-            <a:prstGeom prst="rect">
-              <a:avLst/>
-            </a:prstGeom>
-            <a:noFill/>
-          </p:spPr>
-          <p:txBody>
-            <a:bodyPr wrap="none" rtlCol="0">
-              <a:spAutoFit/>
-            </a:bodyPr>
-            <a:lstStyle/>
-            <a:p>
-              <a:r>
-                <a:rPr lang="en-US" dirty="0"/>
-                <a:t>Pre-train</a:t>
-              </a:r>
-            </a:p>
-          </p:txBody>
-        </p:sp>
-        <p:sp>
-          <p:nvSpPr>
-            <p:cNvPr id="45" name="Arrow: Right 44">
-              <a:extLst>
-                <a:ext uri="{FF2B5EF4-FFF2-40B4-BE49-F238E27FC236}">
-                  <a16:creationId xmlns:a16="http://schemas.microsoft.com/office/drawing/2014/main" id="{15A4F6DB-71C6-44B7-9290-E01703B5E6FA}"/>
-                </a:ext>
-              </a:extLst>
-            </p:cNvPr>
-            <p:cNvSpPr/>
-            <p:nvPr/>
-          </p:nvSpPr>
-          <p:spPr>
-            <a:xfrm>
-              <a:off x="1185558" y="4691968"/>
-              <a:ext cx="633771" cy="369332"/>
-            </a:xfrm>
-            <a:prstGeom prst="rightArrow">
-              <a:avLst/>
-            </a:prstGeom>
-          </p:spPr>
-          <p:style>
-            <a:lnRef idx="2">
-              <a:schemeClr val="accent1">
-                <a:shade val="50000"/>
-              </a:schemeClr>
-            </a:lnRef>
-            <a:fillRef idx="1">
-              <a:schemeClr val="accent1"/>
-            </a:fillRef>
-            <a:effectRef idx="0">
-              <a:schemeClr val="accent1"/>
-            </a:effectRef>
-            <a:fontRef idx="minor">
-              <a:schemeClr val="lt1"/>
-            </a:fontRef>
-          </p:style>
-          <p:txBody>
-            <a:bodyPr rtlCol="0" anchor="ctr"/>
-            <a:lstStyle/>
-            <a:p>
-              <a:pPr algn="ctr"/>
-              <a:endParaRPr lang="en-US"/>
-            </a:p>
-          </p:txBody>
-        </p:sp>
-      </p:grpSp>
-      <p:grpSp>
-        <p:nvGrpSpPr>
-          <p:cNvPr id="71" name="Group 70">
-            <a:extLst>
-              <a:ext uri="{FF2B5EF4-FFF2-40B4-BE49-F238E27FC236}">
-                <a16:creationId xmlns:a16="http://schemas.microsoft.com/office/drawing/2014/main" id="{2FD963E0-760B-4723-B45E-5AA7F3C475B4}"/>
-              </a:ext>
-            </a:extLst>
-          </p:cNvPr>
-          <p:cNvGrpSpPr/>
-          <p:nvPr/>
-        </p:nvGrpSpPr>
-        <p:grpSpPr>
-          <a:xfrm>
-            <a:off x="4129232" y="3279222"/>
-            <a:ext cx="3644707" cy="2658892"/>
-            <a:chOff x="4318412" y="2974428"/>
-            <a:chExt cx="3644707" cy="2658892"/>
-          </a:xfrm>
-        </p:grpSpPr>
-        <p:grpSp>
-          <p:nvGrpSpPr>
-            <p:cNvPr id="46" name="Group 45">
-              <a:extLst>
-                <a:ext uri="{FF2B5EF4-FFF2-40B4-BE49-F238E27FC236}">
-                  <a16:creationId xmlns:a16="http://schemas.microsoft.com/office/drawing/2014/main" id="{77DE280B-7A99-42BF-A21A-EF2893114A60}"/>
-                </a:ext>
-              </a:extLst>
-            </p:cNvPr>
-            <p:cNvGrpSpPr/>
-            <p:nvPr/>
-          </p:nvGrpSpPr>
-          <p:grpSpPr>
-            <a:xfrm>
-              <a:off x="5970359" y="2974428"/>
-              <a:ext cx="1992760" cy="2658892"/>
-              <a:chOff x="1097281" y="3268721"/>
-              <a:chExt cx="3600844" cy="3037486"/>
-            </a:xfrm>
-          </p:grpSpPr>
-          <p:sp>
-            <p:nvSpPr>
-              <p:cNvPr id="47" name="Rectangle: Rounded Corners 46">
-                <a:extLst>
-                  <a:ext uri="{FF2B5EF4-FFF2-40B4-BE49-F238E27FC236}">
-                    <a16:creationId xmlns:a16="http://schemas.microsoft.com/office/drawing/2014/main" id="{95FD1F30-B425-4DAE-A1CE-C8B6C8A28951}"/>
-                  </a:ext>
-                </a:extLst>
-              </p:cNvPr>
-              <p:cNvSpPr/>
-              <p:nvPr/>
-            </p:nvSpPr>
-            <p:spPr>
-              <a:xfrm>
-                <a:off x="1097281" y="3268721"/>
-                <a:ext cx="3600844" cy="3037486"/>
-              </a:xfrm>
-              <a:prstGeom prst="roundRect">
-                <a:avLst/>
-              </a:prstGeom>
-              <a:ln>
-                <a:prstDash val="sysDash"/>
-              </a:ln>
-            </p:spPr>
-            <p:style>
-              <a:lnRef idx="2">
-                <a:schemeClr val="dk1"/>
-              </a:lnRef>
-              <a:fillRef idx="1">
-                <a:schemeClr val="lt1"/>
-              </a:fillRef>
-              <a:effectRef idx="0">
-                <a:schemeClr val="dk1"/>
-              </a:effectRef>
-              <a:fontRef idx="minor">
-                <a:schemeClr val="dk1"/>
-              </a:fontRef>
-            </p:style>
-            <p:txBody>
-              <a:bodyPr rtlCol="0" anchor="ctr"/>
-              <a:lstStyle/>
-              <a:p>
-                <a:pPr algn="ctr"/>
-                <a:endParaRPr lang="en-US" dirty="0"/>
-              </a:p>
-            </p:txBody>
-          </p:sp>
-          <p:sp>
-            <p:nvSpPr>
-              <p:cNvPr id="48" name="TextBox 47">
-                <a:extLst>
-                  <a:ext uri="{FF2B5EF4-FFF2-40B4-BE49-F238E27FC236}">
-                    <a16:creationId xmlns:a16="http://schemas.microsoft.com/office/drawing/2014/main" id="{F6DECE01-96BC-4355-8A01-3627DAF72C3A}"/>
-                  </a:ext>
-                </a:extLst>
-              </p:cNvPr>
-              <p:cNvSpPr txBox="1"/>
-              <p:nvPr/>
-            </p:nvSpPr>
-            <p:spPr>
-              <a:xfrm>
-                <a:off x="1533570" y="3268721"/>
-                <a:ext cx="2699486" cy="389581"/>
-              </a:xfrm>
-              <a:prstGeom prst="rect">
-                <a:avLst/>
-              </a:prstGeom>
-              <a:noFill/>
-            </p:spPr>
-            <p:txBody>
-              <a:bodyPr wrap="none" rtlCol="0">
-                <a:spAutoFit/>
-              </a:bodyPr>
-              <a:lstStyle/>
-              <a:p>
-                <a:r>
-                  <a:rPr lang="en-US" dirty="0"/>
-                  <a:t>Dialog System</a:t>
-                </a:r>
-              </a:p>
-            </p:txBody>
-          </p:sp>
-        </p:grpSp>
-        <p:sp>
-          <p:nvSpPr>
-            <p:cNvPr id="51" name="TextBox 50">
-              <a:extLst>
-                <a:ext uri="{FF2B5EF4-FFF2-40B4-BE49-F238E27FC236}">
-                  <a16:creationId xmlns:a16="http://schemas.microsoft.com/office/drawing/2014/main" id="{49EDD9EA-8C06-4D8E-A834-A3B32E1BA3A6}"/>
-                </a:ext>
-              </a:extLst>
-            </p:cNvPr>
-            <p:cNvSpPr txBox="1"/>
-            <p:nvPr/>
-          </p:nvSpPr>
-          <p:spPr>
-            <a:xfrm>
-              <a:off x="6267801" y="3482480"/>
-              <a:ext cx="1397875" cy="1951608"/>
-            </a:xfrm>
-            <a:prstGeom prst="rect">
-              <a:avLst/>
-            </a:prstGeom>
-            <a:gradFill>
-              <a:gsLst>
-                <a:gs pos="0">
-                  <a:schemeClr val="accent1">
-                    <a:lumMod val="5000"/>
-                    <a:lumOff val="95000"/>
-                  </a:schemeClr>
-                </a:gs>
-                <a:gs pos="74000">
-                  <a:schemeClr val="accent1">
-                    <a:lumMod val="45000"/>
-                    <a:lumOff val="55000"/>
-                  </a:schemeClr>
-                </a:gs>
-                <a:gs pos="83000">
-                  <a:schemeClr val="accent1">
-                    <a:lumMod val="45000"/>
-                    <a:lumOff val="55000"/>
-                  </a:schemeClr>
-                </a:gs>
-                <a:gs pos="100000">
-                  <a:schemeClr val="accent1">
-                    <a:lumMod val="30000"/>
-                    <a:lumOff val="70000"/>
-                  </a:schemeClr>
-                </a:gs>
-              </a:gsLst>
-              <a:lin ang="5400000" scaled="1"/>
-            </a:gradFill>
-          </p:spPr>
-          <p:style>
-            <a:lnRef idx="2">
-              <a:schemeClr val="accent2"/>
-            </a:lnRef>
-            <a:fillRef idx="1">
-              <a:schemeClr val="lt1"/>
-            </a:fillRef>
-            <a:effectRef idx="0">
-              <a:schemeClr val="accent2"/>
-            </a:effectRef>
-            <a:fontRef idx="minor">
-              <a:schemeClr val="dk1"/>
-            </a:fontRef>
-          </p:style>
-          <p:txBody>
-            <a:bodyPr wrap="square" rtlCol="0" anchor="ctr" anchorCtr="0">
-              <a:noAutofit/>
-            </a:bodyPr>
-            <a:lstStyle/>
-            <a:p>
-              <a:pPr algn="ctr"/>
-              <a:r>
-                <a:rPr lang="en-US" dirty="0"/>
-                <a:t>E2E</a:t>
-              </a:r>
-            </a:p>
-            <a:p>
-              <a:pPr algn="ctr"/>
-              <a:r>
-                <a:rPr lang="en-US" dirty="0"/>
-                <a:t>Neural</a:t>
-              </a:r>
-            </a:p>
-            <a:p>
-              <a:pPr algn="ctr"/>
-              <a:r>
-                <a:rPr lang="en-US" dirty="0"/>
-                <a:t>Network</a:t>
-              </a:r>
-            </a:p>
-          </p:txBody>
-        </p:sp>
-        <p:pic>
-          <p:nvPicPr>
-            <p:cNvPr id="53" name="Graphic 52" descr="Books">
-              <a:extLst>
-                <a:ext uri="{FF2B5EF4-FFF2-40B4-BE49-F238E27FC236}">
-                  <a16:creationId xmlns:a16="http://schemas.microsoft.com/office/drawing/2014/main" id="{363A8CDA-69FA-466C-B6D9-DAF4033E6356}"/>
-                </a:ext>
-              </a:extLst>
-            </p:cNvPr>
-            <p:cNvPicPr>
-              <a:picLocks noChangeAspect="1"/>
-            </p:cNvPicPr>
-            <p:nvPr/>
-          </p:nvPicPr>
-          <p:blipFill>
-            <a:blip r:embed="rId4">
-              <a:extLst>
-                <a:ext uri="{28A0092B-C50C-407E-A947-70E740481C1C}">
-                  <a14:useLocalDpi xmlns:a14="http://schemas.microsoft.com/office/drawing/2010/main" val="0"/>
-                </a:ext>
-                <a:ext uri="{96DAC541-7B7A-43D3-8B79-37D633B846F1}">
-                  <asvg:svgBlip xmlns:asvg="http://schemas.microsoft.com/office/drawing/2016/SVG/main" r:embed="rId5"/>
-                </a:ext>
-              </a:extLst>
-            </a:blip>
-            <a:stretch>
-              <a:fillRect/>
-            </a:stretch>
-          </p:blipFill>
-          <p:spPr>
-            <a:xfrm>
-              <a:off x="4318412" y="3942313"/>
-              <a:ext cx="914400" cy="914400"/>
-            </a:xfrm>
-            <a:prstGeom prst="rect">
-              <a:avLst/>
-            </a:prstGeom>
-          </p:spPr>
-        </p:pic>
-        <p:sp>
-          <p:nvSpPr>
-            <p:cNvPr id="57" name="Arrow: Right 56">
-              <a:extLst>
-                <a:ext uri="{FF2B5EF4-FFF2-40B4-BE49-F238E27FC236}">
-                  <a16:creationId xmlns:a16="http://schemas.microsoft.com/office/drawing/2014/main" id="{97DA059B-26E7-44D1-BB46-4DB0C4529B56}"/>
-                </a:ext>
-              </a:extLst>
-            </p:cNvPr>
-            <p:cNvSpPr/>
-            <p:nvPr/>
-          </p:nvSpPr>
-          <p:spPr>
-            <a:xfrm>
-              <a:off x="5232812" y="4187240"/>
-              <a:ext cx="633771" cy="369332"/>
-            </a:xfrm>
-            <a:prstGeom prst="rightArrow">
-              <a:avLst/>
-            </a:prstGeom>
-          </p:spPr>
-          <p:style>
-            <a:lnRef idx="2">
-              <a:schemeClr val="accent1">
-                <a:shade val="50000"/>
-              </a:schemeClr>
-            </a:lnRef>
-            <a:fillRef idx="1">
-              <a:schemeClr val="accent1"/>
-            </a:fillRef>
-            <a:effectRef idx="0">
-              <a:schemeClr val="accent1"/>
-            </a:effectRef>
-            <a:fontRef idx="minor">
-              <a:schemeClr val="lt1"/>
-            </a:fontRef>
-          </p:style>
-          <p:txBody>
-            <a:bodyPr rtlCol="0" anchor="ctr"/>
-            <a:lstStyle/>
-            <a:p>
-              <a:pPr algn="ctr"/>
-              <a:endParaRPr lang="en-US"/>
-            </a:p>
-          </p:txBody>
-        </p:sp>
-      </p:grpSp>
-      <p:grpSp>
-        <p:nvGrpSpPr>
-          <p:cNvPr id="72" name="Group 71">
-            <a:extLst>
-              <a:ext uri="{FF2B5EF4-FFF2-40B4-BE49-F238E27FC236}">
-                <a16:creationId xmlns:a16="http://schemas.microsoft.com/office/drawing/2014/main" id="{50248B22-9222-4D40-AD8A-2735BF48766C}"/>
-              </a:ext>
-            </a:extLst>
-          </p:cNvPr>
-          <p:cNvGrpSpPr/>
-          <p:nvPr/>
-        </p:nvGrpSpPr>
-        <p:grpSpPr>
-          <a:xfrm>
-            <a:off x="8140257" y="3279222"/>
-            <a:ext cx="3644707" cy="2658892"/>
-            <a:chOff x="8329437" y="2974428"/>
-            <a:chExt cx="3644707" cy="2658892"/>
-          </a:xfrm>
-        </p:grpSpPr>
-        <p:grpSp>
-          <p:nvGrpSpPr>
-            <p:cNvPr id="58" name="Group 57">
-              <a:extLst>
-                <a:ext uri="{FF2B5EF4-FFF2-40B4-BE49-F238E27FC236}">
-                  <a16:creationId xmlns:a16="http://schemas.microsoft.com/office/drawing/2014/main" id="{E06FD390-57F2-40C0-948A-CA113AD4CAC6}"/>
-                </a:ext>
-              </a:extLst>
-            </p:cNvPr>
-            <p:cNvGrpSpPr/>
-            <p:nvPr/>
-          </p:nvGrpSpPr>
-          <p:grpSpPr>
-            <a:xfrm>
-              <a:off x="9981384" y="2974428"/>
-              <a:ext cx="1992760" cy="2658892"/>
-              <a:chOff x="1097281" y="3268721"/>
-              <a:chExt cx="3600844" cy="3037486"/>
-            </a:xfrm>
-          </p:grpSpPr>
-          <p:sp>
-            <p:nvSpPr>
-              <p:cNvPr id="59" name="Rectangle: Rounded Corners 58">
-                <a:extLst>
-                  <a:ext uri="{FF2B5EF4-FFF2-40B4-BE49-F238E27FC236}">
-                    <a16:creationId xmlns:a16="http://schemas.microsoft.com/office/drawing/2014/main" id="{C3666FF5-78FB-40F4-A7DD-6065CC0FC603}"/>
-                  </a:ext>
-                </a:extLst>
-              </p:cNvPr>
-              <p:cNvSpPr/>
-              <p:nvPr/>
-            </p:nvSpPr>
-            <p:spPr>
-              <a:xfrm>
-                <a:off x="1097281" y="3268721"/>
-                <a:ext cx="3600844" cy="3037486"/>
-              </a:xfrm>
-              <a:prstGeom prst="roundRect">
-                <a:avLst/>
-              </a:prstGeom>
-              <a:ln>
-                <a:prstDash val="sysDash"/>
-              </a:ln>
-            </p:spPr>
-            <p:style>
-              <a:lnRef idx="2">
-                <a:schemeClr val="dk1"/>
-              </a:lnRef>
-              <a:fillRef idx="1">
-                <a:schemeClr val="lt1"/>
-              </a:fillRef>
-              <a:effectRef idx="0">
-                <a:schemeClr val="dk1"/>
-              </a:effectRef>
-              <a:fontRef idx="minor">
-                <a:schemeClr val="dk1"/>
-              </a:fontRef>
-            </p:style>
-            <p:txBody>
-              <a:bodyPr rtlCol="0" anchor="ctr"/>
-              <a:lstStyle/>
-              <a:p>
-                <a:pPr algn="ctr"/>
-                <a:endParaRPr lang="en-US" dirty="0"/>
-              </a:p>
-            </p:txBody>
-          </p:sp>
-          <p:sp>
-            <p:nvSpPr>
-              <p:cNvPr id="60" name="TextBox 59">
-                <a:extLst>
-                  <a:ext uri="{FF2B5EF4-FFF2-40B4-BE49-F238E27FC236}">
-                    <a16:creationId xmlns:a16="http://schemas.microsoft.com/office/drawing/2014/main" id="{004F3889-E594-4107-B813-215AB45B1A69}"/>
-                  </a:ext>
-                </a:extLst>
-              </p:cNvPr>
-              <p:cNvSpPr txBox="1"/>
-              <p:nvPr/>
-            </p:nvSpPr>
-            <p:spPr>
-              <a:xfrm>
-                <a:off x="1533570" y="3268721"/>
-                <a:ext cx="2699486" cy="389581"/>
-              </a:xfrm>
-              <a:prstGeom prst="rect">
-                <a:avLst/>
-              </a:prstGeom>
-              <a:noFill/>
-            </p:spPr>
-            <p:txBody>
-              <a:bodyPr wrap="none" rtlCol="0">
-                <a:spAutoFit/>
-              </a:bodyPr>
-              <a:lstStyle/>
-              <a:p>
-                <a:r>
-                  <a:rPr lang="en-US" dirty="0"/>
-                  <a:t>Dialog System</a:t>
-                </a:r>
-              </a:p>
-            </p:txBody>
-          </p:sp>
-        </p:grpSp>
-        <p:sp>
-          <p:nvSpPr>
-            <p:cNvPr id="62" name="TextBox 61">
-              <a:extLst>
-                <a:ext uri="{FF2B5EF4-FFF2-40B4-BE49-F238E27FC236}">
-                  <a16:creationId xmlns:a16="http://schemas.microsoft.com/office/drawing/2014/main" id="{ACF1C76B-0274-40C9-9C0D-D5A9C72AF7C8}"/>
-                </a:ext>
-              </a:extLst>
-            </p:cNvPr>
-            <p:cNvSpPr txBox="1"/>
-            <p:nvPr/>
-          </p:nvSpPr>
-          <p:spPr>
-            <a:xfrm>
-              <a:off x="10278826" y="3482479"/>
-              <a:ext cx="1397875" cy="914522"/>
-            </a:xfrm>
-            <a:prstGeom prst="rect">
-              <a:avLst/>
-            </a:prstGeom>
-          </p:spPr>
-          <p:style>
-            <a:lnRef idx="2">
-              <a:schemeClr val="accent1"/>
-            </a:lnRef>
-            <a:fillRef idx="1">
-              <a:schemeClr val="lt1"/>
-            </a:fillRef>
-            <a:effectRef idx="0">
-              <a:schemeClr val="accent1"/>
-            </a:effectRef>
-            <a:fontRef idx="minor">
-              <a:schemeClr val="dk1"/>
-            </a:fontRef>
-          </p:style>
-          <p:txBody>
-            <a:bodyPr wrap="square" rtlCol="0" anchor="ctr" anchorCtr="0">
-              <a:noAutofit/>
-            </a:bodyPr>
-            <a:lstStyle/>
-            <a:p>
-              <a:pPr algn="ctr"/>
-              <a:r>
-                <a:rPr lang="en-US" dirty="0" err="1"/>
-                <a:t>StateTracker</a:t>
-              </a:r>
-              <a:endParaRPr lang="en-US" dirty="0"/>
-            </a:p>
-          </p:txBody>
-        </p:sp>
-        <p:sp>
-          <p:nvSpPr>
-            <p:cNvPr id="63" name="TextBox 62">
-              <a:extLst>
-                <a:ext uri="{FF2B5EF4-FFF2-40B4-BE49-F238E27FC236}">
-                  <a16:creationId xmlns:a16="http://schemas.microsoft.com/office/drawing/2014/main" id="{359B56F3-D193-4FBB-9563-69E32A07BDFA}"/>
-                </a:ext>
-              </a:extLst>
-            </p:cNvPr>
-            <p:cNvSpPr txBox="1"/>
-            <p:nvPr/>
-          </p:nvSpPr>
-          <p:spPr>
-            <a:xfrm>
-              <a:off x="10278826" y="4567023"/>
-              <a:ext cx="1397875" cy="369332"/>
-            </a:xfrm>
-            <a:prstGeom prst="rect">
-              <a:avLst/>
-            </a:prstGeom>
-          </p:spPr>
-          <p:style>
-            <a:lnRef idx="2">
-              <a:schemeClr val="accent2"/>
-            </a:lnRef>
-            <a:fillRef idx="1">
-              <a:schemeClr val="lt1"/>
-            </a:fillRef>
-            <a:effectRef idx="0">
-              <a:schemeClr val="accent2"/>
-            </a:effectRef>
-            <a:fontRef idx="minor">
-              <a:schemeClr val="dk1"/>
-            </a:fontRef>
-          </p:style>
-          <p:txBody>
-            <a:bodyPr wrap="square" rtlCol="0" anchor="ctr" anchorCtr="0">
-              <a:spAutoFit/>
-            </a:bodyPr>
-            <a:lstStyle/>
-            <a:p>
-              <a:pPr algn="ctr"/>
-              <a:r>
-                <a:rPr lang="en-US" dirty="0"/>
-                <a:t>Policy</a:t>
-              </a:r>
-            </a:p>
-          </p:txBody>
-        </p:sp>
-        <p:sp>
-          <p:nvSpPr>
-            <p:cNvPr id="64" name="TextBox 63">
-              <a:extLst>
-                <a:ext uri="{FF2B5EF4-FFF2-40B4-BE49-F238E27FC236}">
-                  <a16:creationId xmlns:a16="http://schemas.microsoft.com/office/drawing/2014/main" id="{AE2AE12E-8EF0-4274-961A-493BD07E7600}"/>
-                </a:ext>
-              </a:extLst>
-            </p:cNvPr>
-            <p:cNvSpPr txBox="1"/>
-            <p:nvPr/>
-          </p:nvSpPr>
-          <p:spPr>
-            <a:xfrm>
-              <a:off x="10278826" y="5096058"/>
-              <a:ext cx="1397875" cy="369332"/>
-            </a:xfrm>
-            <a:prstGeom prst="rect">
-              <a:avLst/>
-            </a:prstGeom>
-          </p:spPr>
-          <p:style>
-            <a:lnRef idx="2">
-              <a:schemeClr val="accent6"/>
-            </a:lnRef>
-            <a:fillRef idx="1">
-              <a:schemeClr val="lt1"/>
-            </a:fillRef>
-            <a:effectRef idx="0">
-              <a:schemeClr val="accent6"/>
-            </a:effectRef>
-            <a:fontRef idx="minor">
-              <a:schemeClr val="dk1"/>
-            </a:fontRef>
-          </p:style>
-          <p:txBody>
-            <a:bodyPr wrap="square" rtlCol="0" anchor="ctr" anchorCtr="0">
-              <a:spAutoFit/>
-            </a:bodyPr>
-            <a:lstStyle/>
-            <a:p>
-              <a:pPr algn="ctr"/>
-              <a:r>
-                <a:rPr lang="en-US" dirty="0"/>
-                <a:t>NLG</a:t>
-              </a:r>
-            </a:p>
-          </p:txBody>
-        </p:sp>
-        <p:pic>
-          <p:nvPicPr>
-            <p:cNvPr id="65" name="Graphic 64" descr="Books">
-              <a:extLst>
-                <a:ext uri="{FF2B5EF4-FFF2-40B4-BE49-F238E27FC236}">
-                  <a16:creationId xmlns:a16="http://schemas.microsoft.com/office/drawing/2014/main" id="{C8F2ECAD-B785-403C-B31B-5C6F29EB3DB1}"/>
-                </a:ext>
-              </a:extLst>
-            </p:cNvPr>
-            <p:cNvPicPr>
-              <a:picLocks noChangeAspect="1"/>
-            </p:cNvPicPr>
-            <p:nvPr/>
-          </p:nvPicPr>
-          <p:blipFill>
-            <a:blip r:embed="rId4">
-              <a:extLst>
-                <a:ext uri="{28A0092B-C50C-407E-A947-70E740481C1C}">
-                  <a14:useLocalDpi xmlns:a14="http://schemas.microsoft.com/office/drawing/2010/main" val="0"/>
-                </a:ext>
-                <a:ext uri="{96DAC541-7B7A-43D3-8B79-37D633B846F1}">
-                  <asvg:svgBlip xmlns:asvg="http://schemas.microsoft.com/office/drawing/2016/SVG/main" r:embed="rId5"/>
-                </a:ext>
-              </a:extLst>
-            </a:blip>
-            <a:stretch>
-              <a:fillRect/>
-            </a:stretch>
-          </p:blipFill>
-          <p:spPr>
-            <a:xfrm>
-              <a:off x="8329437" y="3416801"/>
-              <a:ext cx="914400" cy="914400"/>
-            </a:xfrm>
-            <a:prstGeom prst="rect">
-              <a:avLst/>
-            </a:prstGeom>
-          </p:spPr>
-        </p:pic>
-        <p:pic>
-          <p:nvPicPr>
-            <p:cNvPr id="67" name="Graphic 66" descr="Robot">
-              <a:extLst>
-                <a:ext uri="{FF2B5EF4-FFF2-40B4-BE49-F238E27FC236}">
-                  <a16:creationId xmlns:a16="http://schemas.microsoft.com/office/drawing/2014/main" id="{860E6322-FFC1-4B7B-B836-F59043F0C5FA}"/>
-                </a:ext>
-              </a:extLst>
-            </p:cNvPr>
-            <p:cNvPicPr>
-              <a:picLocks noChangeAspect="1"/>
-            </p:cNvPicPr>
-            <p:nvPr/>
-          </p:nvPicPr>
-          <p:blipFill>
-            <a:blip r:embed="rId2">
-              <a:extLst>
-                <a:ext uri="{28A0092B-C50C-407E-A947-70E740481C1C}">
-                  <a14:useLocalDpi xmlns:a14="http://schemas.microsoft.com/office/drawing/2010/main" val="0"/>
-                </a:ext>
-                <a:ext uri="{96DAC541-7B7A-43D3-8B79-37D633B846F1}">
-                  <asvg:svgBlip xmlns:asvg="http://schemas.microsoft.com/office/drawing/2016/SVG/main" r:embed="rId3"/>
-                </a:ext>
-              </a:extLst>
-            </a:blip>
-            <a:stretch>
-              <a:fillRect/>
-            </a:stretch>
-          </p:blipFill>
-          <p:spPr>
-            <a:xfrm>
-              <a:off x="8329437" y="4449932"/>
-              <a:ext cx="914400" cy="914400"/>
-            </a:xfrm>
-            <a:prstGeom prst="rect">
-              <a:avLst/>
-            </a:prstGeom>
-          </p:spPr>
-        </p:pic>
-        <p:sp>
-          <p:nvSpPr>
-            <p:cNvPr id="68" name="Arrow: Left-Right 67">
-              <a:extLst>
-                <a:ext uri="{FF2B5EF4-FFF2-40B4-BE49-F238E27FC236}">
-                  <a16:creationId xmlns:a16="http://schemas.microsoft.com/office/drawing/2014/main" id="{5ED95190-2CB9-4E17-BAE5-032346385B69}"/>
-                </a:ext>
-              </a:extLst>
-            </p:cNvPr>
-            <p:cNvSpPr/>
-            <p:nvPr/>
-          </p:nvSpPr>
-          <p:spPr>
-            <a:xfrm>
-              <a:off x="9204947" y="4791847"/>
-              <a:ext cx="672661" cy="369332"/>
-            </a:xfrm>
-            <a:prstGeom prst="leftRightArrow">
-              <a:avLst/>
-            </a:prstGeom>
-          </p:spPr>
-          <p:style>
-            <a:lnRef idx="2">
-              <a:schemeClr val="accent2">
-                <a:shade val="50000"/>
-              </a:schemeClr>
-            </a:lnRef>
-            <a:fillRef idx="1">
-              <a:schemeClr val="accent2"/>
-            </a:fillRef>
-            <a:effectRef idx="0">
-              <a:schemeClr val="accent2"/>
-            </a:effectRef>
-            <a:fontRef idx="minor">
-              <a:schemeClr val="lt1"/>
-            </a:fontRef>
-          </p:style>
-          <p:txBody>
-            <a:bodyPr rtlCol="0" anchor="ctr"/>
-            <a:lstStyle/>
-            <a:p>
-              <a:pPr algn="ctr"/>
-              <a:endParaRPr lang="en-US"/>
-            </a:p>
-          </p:txBody>
-        </p:sp>
-        <p:sp>
-          <p:nvSpPr>
-            <p:cNvPr id="69" name="Arrow: Right 68">
-              <a:extLst>
-                <a:ext uri="{FF2B5EF4-FFF2-40B4-BE49-F238E27FC236}">
-                  <a16:creationId xmlns:a16="http://schemas.microsoft.com/office/drawing/2014/main" id="{99F28FEF-E947-4809-A6CE-FAD2845DDF57}"/>
-                </a:ext>
-              </a:extLst>
-            </p:cNvPr>
-            <p:cNvSpPr/>
-            <p:nvPr/>
-          </p:nvSpPr>
-          <p:spPr>
-            <a:xfrm>
-              <a:off x="9243837" y="3661728"/>
-              <a:ext cx="633771" cy="369332"/>
-            </a:xfrm>
-            <a:prstGeom prst="rightArrow">
-              <a:avLst/>
-            </a:prstGeom>
-          </p:spPr>
-          <p:style>
-            <a:lnRef idx="2">
-              <a:schemeClr val="accent1">
-                <a:shade val="50000"/>
-              </a:schemeClr>
-            </a:lnRef>
-            <a:fillRef idx="1">
-              <a:schemeClr val="accent1"/>
-            </a:fillRef>
-            <a:effectRef idx="0">
-              <a:schemeClr val="accent1"/>
-            </a:effectRef>
-            <a:fontRef idx="minor">
-              <a:schemeClr val="lt1"/>
-            </a:fontRef>
-          </p:style>
-          <p:txBody>
-            <a:bodyPr rtlCol="0" anchor="ctr"/>
-            <a:lstStyle/>
-            <a:p>
-              <a:pPr algn="ctr"/>
-              <a:endParaRPr lang="en-US"/>
-            </a:p>
-          </p:txBody>
-        </p:sp>
-      </p:grpSp>
-    </p:spTree>
-    <p:extLst>
-      <p:ext uri="{BB962C8B-B14F-4D97-AF65-F5344CB8AC3E}">
-        <p14:creationId xmlns:p14="http://schemas.microsoft.com/office/powerpoint/2010/main" val="4066072993"/>
-      </p:ext>
-    </p:extLst>
-  </p:cSld>
-  <p:clrMapOvr>
-    <a:masterClrMapping/>
-  </p:clrMapOvr>
-  <p:timing>
-    <p:tnLst>
-      <p:par>
-        <p:cTn id="1" dur="indefinite" restart="never" nodeType="tmRoot">
-          <p:childTnLst>
-            <p:seq concurrent="1" nextAc="seek">
-              <p:cTn id="2" dur="indefinite" nodeType="mainSeq">
-                <p:childTnLst>
-                  <p:par>
-                    <p:cTn id="3" fill="hold">
-                      <p:stCondLst>
-                        <p:cond delay="indefinite"/>
-                      </p:stCondLst>
-                      <p:childTnLst>
-                        <p:par>
-                          <p:cTn id="4" fill="hold">
-                            <p:stCondLst>
-                              <p:cond delay="0"/>
-                            </p:stCondLst>
-                            <p:childTnLst>
-                              <p:par>
-                                <p:cTn id="5" presetID="1" presetClass="entr" presetSubtype="0" fill="hold" nodeType="clickEffect">
-                                  <p:stCondLst>
-                                    <p:cond delay="0"/>
-                                  </p:stCondLst>
-                                  <p:childTnLst>
-                                    <p:set>
-                                      <p:cBhvr>
-                                        <p:cTn id="6" dur="1" fill="hold">
-                                          <p:stCondLst>
-                                            <p:cond delay="0"/>
-                                          </p:stCondLst>
-                                        </p:cTn>
-                                        <p:tgtEl>
-                                          <p:spTgt spid="74"/>
-                                        </p:tgtEl>
-                                        <p:attrNameLst>
-                                          <p:attrName>style.visibility</p:attrName>
-                                        </p:attrNameLst>
-                                      </p:cBhvr>
-                                      <p:to>
-                                        <p:strVal val="visible"/>
-                                      </p:to>
-                                    </p:set>
-                                  </p:childTnLst>
-                                </p:cTn>
-                              </p:par>
-                            </p:childTnLst>
-                          </p:cTn>
-                        </p:par>
-                      </p:childTnLst>
-                    </p:cTn>
-                  </p:par>
-                  <p:par>
-                    <p:cTn id="7" fill="hold">
-                      <p:stCondLst>
-                        <p:cond delay="indefinite"/>
-                      </p:stCondLst>
-                      <p:childTnLst>
-                        <p:par>
-                          <p:cTn id="8" fill="hold">
-                            <p:stCondLst>
-                              <p:cond delay="0"/>
-                            </p:stCondLst>
-                            <p:childTnLst>
-                              <p:par>
-                                <p:cTn id="9" presetID="1" presetClass="entr" presetSubtype="0" fill="hold" nodeType="clickEffect">
-                                  <p:stCondLst>
-                                    <p:cond delay="0"/>
-                                  </p:stCondLst>
-                                  <p:childTnLst>
-                                    <p:set>
-                                      <p:cBhvr>
-                                        <p:cTn id="10" dur="1" fill="hold">
-                                          <p:stCondLst>
-                                            <p:cond delay="0"/>
-                                          </p:stCondLst>
-                                        </p:cTn>
-                                        <p:tgtEl>
-                                          <p:spTgt spid="71"/>
-                                        </p:tgtEl>
-                                        <p:attrNameLst>
-                                          <p:attrName>style.visibility</p:attrName>
-                                        </p:attrNameLst>
-                                      </p:cBhvr>
-                                      <p:to>
-                                        <p:strVal val="visible"/>
-                                      </p:to>
-                                    </p:set>
-                                  </p:childTnLst>
-                                </p:cTn>
-                              </p:par>
-                            </p:childTnLst>
-                          </p:cTn>
-                        </p:par>
-                      </p:childTnLst>
-                    </p:cTn>
-                  </p:par>
-                  <p:par>
-                    <p:cTn id="11" fill="hold">
-                      <p:stCondLst>
-                        <p:cond delay="indefinite"/>
-                      </p:stCondLst>
-                      <p:childTnLst>
-                        <p:par>
-                          <p:cTn id="12" fill="hold">
-                            <p:stCondLst>
-                              <p:cond delay="0"/>
-                            </p:stCondLst>
-                            <p:childTnLst>
-                              <p:par>
-                                <p:cTn id="13" presetID="1" presetClass="entr" presetSubtype="0" fill="hold" nodeType="clickEffect">
-                                  <p:stCondLst>
-                                    <p:cond delay="0"/>
-                                  </p:stCondLst>
-                                  <p:childTnLst>
-                                    <p:set>
-                                      <p:cBhvr>
-                                        <p:cTn id="14" dur="1" fill="hold">
-                                          <p:stCondLst>
-                                            <p:cond delay="0"/>
-                                          </p:stCondLst>
-                                        </p:cTn>
-                                        <p:tgtEl>
-                                          <p:spTgt spid="72"/>
-                                        </p:tgtEl>
-                                        <p:attrNameLst>
-                                          <p:attrName>style.visibility</p:attrName>
-                                        </p:attrNameLst>
-                                      </p:cBhvr>
-                                      <p:to>
-                                        <p:strVal val="visible"/>
-                                      </p:to>
-                                    </p:set>
-                                  </p:childTnLst>
-                                </p:cTn>
-                              </p:par>
-                            </p:childTnLst>
-                          </p:cTn>
-                        </p:par>
-                      </p:childTnLst>
-                    </p:cTn>
-                  </p:par>
-                </p:childTnLst>
-              </p:cTn>
-              <p:prevCondLst>
-                <p:cond evt="onPrev" delay="0">
-                  <p:tgtEl>
-                    <p:sldTgt/>
-                  </p:tgtEl>
-                </p:cond>
-              </p:prevCondLst>
-              <p:nextCondLst>
-                <p:cond evt="onNext" delay="0">
-                  <p:tgtEl>
-                    <p:sldTgt/>
-                  </p:tgtEl>
-                </p:cond>
-              </p:nextCondLst>
-            </p:seq>
-          </p:childTnLst>
-        </p:cTn>
-      </p:par>
-    </p:tnLst>
-  </p:timing>
-</p:sld>
-</file>
-
-<file path=ppt/slides/slide7.xml><?xml version="1.0" encoding="utf-8"?>
 <p:sld xmlns:a="http://schemas.openxmlformats.org/drawingml/2006/main" xmlns:r="http://schemas.openxmlformats.org/officeDocument/2006/relationships" xmlns:p="http://schemas.openxmlformats.org/presentationml/2006/main">
   <p:cSld>
     <p:spTree>
@@ -16699,8 +15636,12 @@
           </a:p>
           <a:p>
             <a:r>
+              <a:rPr lang="en-US" b="1" dirty="0"/>
+              <a:t>Unpaid</a:t>
+            </a:r>
+            <a:r>
               <a:rPr lang="en-US" dirty="0"/>
-              <a:t>Unpaid users are again significantly different from paid users </a:t>
+              <a:t> users are again significantly different from paid users </a:t>
             </a:r>
             <a:r>
               <a:rPr lang="en-US" sz="1800" i="1" dirty="0"/>
@@ -17544,6 +16485,1579 @@
 </p:sld>
 </file>
 
+<file path=ppt/slides/slide7.xml><?xml version="1.0" encoding="utf-8"?>
+<p:sld xmlns:a="http://schemas.openxmlformats.org/drawingml/2006/main" xmlns:r="http://schemas.openxmlformats.org/officeDocument/2006/relationships" xmlns:p="http://schemas.openxmlformats.org/presentationml/2006/main">
+  <p:cSld>
+    <p:spTree>
+      <p:nvGrpSpPr>
+        <p:cNvPr id="1" name=""/>
+        <p:cNvGrpSpPr/>
+        <p:nvPr/>
+      </p:nvGrpSpPr>
+      <p:grpSpPr>
+        <a:xfrm>
+          <a:off x="0" y="0"/>
+          <a:ext cx="0" cy="0"/>
+          <a:chOff x="0" y="0"/>
+          <a:chExt cx="0" cy="0"/>
+        </a:xfrm>
+      </p:grpSpPr>
+      <p:sp>
+        <p:nvSpPr>
+          <p:cNvPr id="2" name="Title 1">
+            <a:extLst>
+              <a:ext uri="{FF2B5EF4-FFF2-40B4-BE49-F238E27FC236}">
+                <a16:creationId xmlns:a16="http://schemas.microsoft.com/office/drawing/2014/main" id="{D7770B6D-54DC-41B7-A277-5BFA54BA46E6}"/>
+              </a:ext>
+            </a:extLst>
+          </p:cNvPr>
+          <p:cNvSpPr>
+            <a:spLocks noGrp="1"/>
+          </p:cNvSpPr>
+          <p:nvPr>
+            <p:ph type="title"/>
+          </p:nvPr>
+        </p:nvSpPr>
+        <p:spPr/>
+        <p:txBody>
+          <a:bodyPr/>
+          <a:lstStyle/>
+          <a:p>
+            <a:r>
+              <a:rPr lang="en-US" dirty="0"/>
+              <a:t>Learning Resources</a:t>
+            </a:r>
+          </a:p>
+        </p:txBody>
+      </p:sp>
+      <p:sp>
+        <p:nvSpPr>
+          <p:cNvPr id="3" name="Content Placeholder 2">
+            <a:extLst>
+              <a:ext uri="{FF2B5EF4-FFF2-40B4-BE49-F238E27FC236}">
+                <a16:creationId xmlns:a16="http://schemas.microsoft.com/office/drawing/2014/main" id="{61509419-5CE2-4E86-A74B-3C5D2F01A9CA}"/>
+              </a:ext>
+            </a:extLst>
+          </p:cNvPr>
+          <p:cNvSpPr>
+            <a:spLocks noGrp="1"/>
+          </p:cNvSpPr>
+          <p:nvPr>
+            <p:ph idx="1"/>
+          </p:nvPr>
+        </p:nvSpPr>
+        <p:spPr>
+          <a:xfrm>
+            <a:off x="1097280" y="1845734"/>
+            <a:ext cx="10058400" cy="1128694"/>
+          </a:xfrm>
+        </p:spPr>
+        <p:txBody>
+          <a:bodyPr/>
+          <a:lstStyle/>
+          <a:p>
+            <a:r>
+              <a:rPr lang="en-US" dirty="0"/>
+              <a:t>MS Dialogue Challenge provides different types of learning resources to allow for training various approaches.</a:t>
+            </a:r>
+          </a:p>
+          <a:p>
+            <a:r>
+              <a:rPr lang="en-US" dirty="0"/>
+              <a:t>State-of-the-art components are available.</a:t>
+            </a:r>
+          </a:p>
+        </p:txBody>
+      </p:sp>
+      <p:grpSp>
+        <p:nvGrpSpPr>
+          <p:cNvPr id="73" name="Group 72">
+            <a:extLst>
+              <a:ext uri="{FF2B5EF4-FFF2-40B4-BE49-F238E27FC236}">
+                <a16:creationId xmlns:a16="http://schemas.microsoft.com/office/drawing/2014/main" id="{2B0F6C45-A520-4B4C-8945-3669065194B6}"/>
+              </a:ext>
+            </a:extLst>
+          </p:cNvPr>
+          <p:cNvGrpSpPr/>
+          <p:nvPr/>
+        </p:nvGrpSpPr>
+        <p:grpSpPr>
+          <a:xfrm>
+            <a:off x="271158" y="3247919"/>
+            <a:ext cx="3644707" cy="2658892"/>
+            <a:chOff x="271158" y="2943125"/>
+            <a:chExt cx="3644707" cy="2658892"/>
+          </a:xfrm>
+        </p:grpSpPr>
+        <p:grpSp>
+          <p:nvGrpSpPr>
+            <p:cNvPr id="70" name="Group 69">
+              <a:extLst>
+                <a:ext uri="{FF2B5EF4-FFF2-40B4-BE49-F238E27FC236}">
+                  <a16:creationId xmlns:a16="http://schemas.microsoft.com/office/drawing/2014/main" id="{5C7F189B-9F05-4834-BA54-5844366DF00F}"/>
+                </a:ext>
+              </a:extLst>
+            </p:cNvPr>
+            <p:cNvGrpSpPr/>
+            <p:nvPr/>
+          </p:nvGrpSpPr>
+          <p:grpSpPr>
+            <a:xfrm>
+              <a:off x="1923105" y="2943125"/>
+              <a:ext cx="1992760" cy="2658892"/>
+              <a:chOff x="1923105" y="2943125"/>
+              <a:chExt cx="1992760" cy="2658892"/>
+            </a:xfrm>
+          </p:grpSpPr>
+          <p:grpSp>
+            <p:nvGrpSpPr>
+              <p:cNvPr id="25" name="Group 24">
+                <a:extLst>
+                  <a:ext uri="{FF2B5EF4-FFF2-40B4-BE49-F238E27FC236}">
+                    <a16:creationId xmlns:a16="http://schemas.microsoft.com/office/drawing/2014/main" id="{48C46A12-960C-42F3-87DB-A97B347972B3}"/>
+                  </a:ext>
+                </a:extLst>
+              </p:cNvPr>
+              <p:cNvGrpSpPr/>
+              <p:nvPr/>
+            </p:nvGrpSpPr>
+            <p:grpSpPr>
+              <a:xfrm>
+                <a:off x="1923105" y="2943125"/>
+                <a:ext cx="1992760" cy="2658892"/>
+                <a:chOff x="1097281" y="3268721"/>
+                <a:chExt cx="3600844" cy="3037486"/>
+              </a:xfrm>
+            </p:grpSpPr>
+            <p:sp>
+              <p:nvSpPr>
+                <p:cNvPr id="26" name="Rectangle: Rounded Corners 25">
+                  <a:extLst>
+                    <a:ext uri="{FF2B5EF4-FFF2-40B4-BE49-F238E27FC236}">
+                      <a16:creationId xmlns:a16="http://schemas.microsoft.com/office/drawing/2014/main" id="{3C85A6C6-513B-4DE8-A98F-D98EB8EBAE80}"/>
+                    </a:ext>
+                  </a:extLst>
+                </p:cNvPr>
+                <p:cNvSpPr/>
+                <p:nvPr/>
+              </p:nvSpPr>
+              <p:spPr>
+                <a:xfrm>
+                  <a:off x="1097281" y="3268721"/>
+                  <a:ext cx="3600844" cy="3037486"/>
+                </a:xfrm>
+                <a:prstGeom prst="roundRect">
+                  <a:avLst/>
+                </a:prstGeom>
+                <a:ln>
+                  <a:prstDash val="sysDash"/>
+                </a:ln>
+              </p:spPr>
+              <p:style>
+                <a:lnRef idx="2">
+                  <a:schemeClr val="dk1"/>
+                </a:lnRef>
+                <a:fillRef idx="1">
+                  <a:schemeClr val="lt1"/>
+                </a:fillRef>
+                <a:effectRef idx="0">
+                  <a:schemeClr val="dk1"/>
+                </a:effectRef>
+                <a:fontRef idx="minor">
+                  <a:schemeClr val="dk1"/>
+                </a:fontRef>
+              </p:style>
+              <p:txBody>
+                <a:bodyPr rtlCol="0" anchor="ctr"/>
+                <a:lstStyle/>
+                <a:p>
+                  <a:pPr algn="ctr"/>
+                  <a:endParaRPr lang="en-US" dirty="0"/>
+                </a:p>
+              </p:txBody>
+            </p:sp>
+            <p:sp>
+              <p:nvSpPr>
+                <p:cNvPr id="27" name="TextBox 26">
+                  <a:extLst>
+                    <a:ext uri="{FF2B5EF4-FFF2-40B4-BE49-F238E27FC236}">
+                      <a16:creationId xmlns:a16="http://schemas.microsoft.com/office/drawing/2014/main" id="{F63EB055-E984-4FAD-A628-37F3D4B8FEDD}"/>
+                    </a:ext>
+                  </a:extLst>
+                </p:cNvPr>
+                <p:cNvSpPr txBox="1"/>
+                <p:nvPr/>
+              </p:nvSpPr>
+              <p:spPr>
+                <a:xfrm>
+                  <a:off x="1533570" y="3268721"/>
+                  <a:ext cx="2699486" cy="389581"/>
+                </a:xfrm>
+                <a:prstGeom prst="rect">
+                  <a:avLst/>
+                </a:prstGeom>
+                <a:noFill/>
+              </p:spPr>
+              <p:txBody>
+                <a:bodyPr wrap="none" rtlCol="0">
+                  <a:spAutoFit/>
+                </a:bodyPr>
+                <a:lstStyle/>
+                <a:p>
+                  <a:r>
+                    <a:rPr lang="en-US" dirty="0"/>
+                    <a:t>Dialog System</a:t>
+                  </a:r>
+                </a:p>
+              </p:txBody>
+            </p:sp>
+          </p:grpSp>
+          <p:sp>
+            <p:nvSpPr>
+              <p:cNvPr id="30" name="TextBox 29">
+                <a:extLst>
+                  <a:ext uri="{FF2B5EF4-FFF2-40B4-BE49-F238E27FC236}">
+                    <a16:creationId xmlns:a16="http://schemas.microsoft.com/office/drawing/2014/main" id="{2DA4155A-A470-46F1-8675-82CC62FB50B5}"/>
+                  </a:ext>
+                </a:extLst>
+              </p:cNvPr>
+              <p:cNvSpPr txBox="1"/>
+              <p:nvPr/>
+            </p:nvSpPr>
+            <p:spPr>
+              <a:xfrm>
+                <a:off x="2211079" y="3482479"/>
+                <a:ext cx="1397875" cy="369332"/>
+              </a:xfrm>
+              <a:prstGeom prst="rect">
+                <a:avLst/>
+              </a:prstGeom>
+            </p:spPr>
+            <p:style>
+              <a:lnRef idx="2">
+                <a:schemeClr val="accent6"/>
+              </a:lnRef>
+              <a:fillRef idx="1">
+                <a:schemeClr val="lt1"/>
+              </a:fillRef>
+              <a:effectRef idx="0">
+                <a:schemeClr val="accent6"/>
+              </a:effectRef>
+              <a:fontRef idx="minor">
+                <a:schemeClr val="dk1"/>
+              </a:fontRef>
+            </p:style>
+            <p:txBody>
+              <a:bodyPr wrap="square" rtlCol="0" anchor="ctr" anchorCtr="0">
+                <a:spAutoFit/>
+              </a:bodyPr>
+              <a:lstStyle/>
+              <a:p>
+                <a:pPr algn="ctr"/>
+                <a:r>
+                  <a:rPr lang="en-US" dirty="0"/>
+                  <a:t>NLU</a:t>
+                </a:r>
+              </a:p>
+            </p:txBody>
+          </p:sp>
+          <p:sp>
+            <p:nvSpPr>
+              <p:cNvPr id="31" name="TextBox 30">
+                <a:extLst>
+                  <a:ext uri="{FF2B5EF4-FFF2-40B4-BE49-F238E27FC236}">
+                    <a16:creationId xmlns:a16="http://schemas.microsoft.com/office/drawing/2014/main" id="{B5591A5E-F135-442A-860D-E4FE693D0F02}"/>
+                  </a:ext>
+                </a:extLst>
+              </p:cNvPr>
+              <p:cNvSpPr txBox="1"/>
+              <p:nvPr/>
+            </p:nvSpPr>
+            <p:spPr>
+              <a:xfrm>
+                <a:off x="2220547" y="3996366"/>
+                <a:ext cx="1397875" cy="369332"/>
+              </a:xfrm>
+              <a:prstGeom prst="rect">
+                <a:avLst/>
+              </a:prstGeom>
+            </p:spPr>
+            <p:style>
+              <a:lnRef idx="2">
+                <a:schemeClr val="accent6"/>
+              </a:lnRef>
+              <a:fillRef idx="1">
+                <a:schemeClr val="lt1"/>
+              </a:fillRef>
+              <a:effectRef idx="0">
+                <a:schemeClr val="accent6"/>
+              </a:effectRef>
+              <a:fontRef idx="minor">
+                <a:schemeClr val="dk1"/>
+              </a:fontRef>
+            </p:style>
+            <p:txBody>
+              <a:bodyPr wrap="square" rtlCol="0" anchor="ctr" anchorCtr="0">
+                <a:spAutoFit/>
+              </a:bodyPr>
+              <a:lstStyle/>
+              <a:p>
+                <a:pPr algn="ctr"/>
+                <a:r>
+                  <a:rPr lang="en-US" dirty="0" err="1"/>
+                  <a:t>StateTracker</a:t>
+                </a:r>
+                <a:endParaRPr lang="en-US" dirty="0"/>
+              </a:p>
+            </p:txBody>
+          </p:sp>
+          <p:sp>
+            <p:nvSpPr>
+              <p:cNvPr id="32" name="TextBox 31">
+                <a:extLst>
+                  <a:ext uri="{FF2B5EF4-FFF2-40B4-BE49-F238E27FC236}">
+                    <a16:creationId xmlns:a16="http://schemas.microsoft.com/office/drawing/2014/main" id="{7F89D65C-5A1F-4BA4-ABB8-106248C3AD51}"/>
+                  </a:ext>
+                </a:extLst>
+              </p:cNvPr>
+              <p:cNvSpPr txBox="1"/>
+              <p:nvPr/>
+            </p:nvSpPr>
+            <p:spPr>
+              <a:xfrm>
+                <a:off x="2220547" y="4535720"/>
+                <a:ext cx="1397875" cy="369332"/>
+              </a:xfrm>
+              <a:prstGeom prst="rect">
+                <a:avLst/>
+              </a:prstGeom>
+            </p:spPr>
+            <p:style>
+              <a:lnRef idx="2">
+                <a:schemeClr val="accent2"/>
+              </a:lnRef>
+              <a:fillRef idx="1">
+                <a:schemeClr val="lt1"/>
+              </a:fillRef>
+              <a:effectRef idx="0">
+                <a:schemeClr val="accent2"/>
+              </a:effectRef>
+              <a:fontRef idx="minor">
+                <a:schemeClr val="dk1"/>
+              </a:fontRef>
+            </p:style>
+            <p:txBody>
+              <a:bodyPr wrap="square" rtlCol="0" anchor="ctr" anchorCtr="0">
+                <a:spAutoFit/>
+              </a:bodyPr>
+              <a:lstStyle/>
+              <a:p>
+                <a:pPr algn="ctr"/>
+                <a:r>
+                  <a:rPr lang="en-US" dirty="0"/>
+                  <a:t>Policy</a:t>
+                </a:r>
+              </a:p>
+            </p:txBody>
+          </p:sp>
+          <p:sp>
+            <p:nvSpPr>
+              <p:cNvPr id="33" name="TextBox 32">
+                <a:extLst>
+                  <a:ext uri="{FF2B5EF4-FFF2-40B4-BE49-F238E27FC236}">
+                    <a16:creationId xmlns:a16="http://schemas.microsoft.com/office/drawing/2014/main" id="{1BC3B63C-AAF1-45F8-A763-29A378ED40AE}"/>
+                  </a:ext>
+                </a:extLst>
+              </p:cNvPr>
+              <p:cNvSpPr txBox="1"/>
+              <p:nvPr/>
+            </p:nvSpPr>
+            <p:spPr>
+              <a:xfrm>
+                <a:off x="2220547" y="5064755"/>
+                <a:ext cx="1397875" cy="369332"/>
+              </a:xfrm>
+              <a:prstGeom prst="rect">
+                <a:avLst/>
+              </a:prstGeom>
+            </p:spPr>
+            <p:style>
+              <a:lnRef idx="2">
+                <a:schemeClr val="accent6"/>
+              </a:lnRef>
+              <a:fillRef idx="1">
+                <a:schemeClr val="lt1"/>
+              </a:fillRef>
+              <a:effectRef idx="0">
+                <a:schemeClr val="accent6"/>
+              </a:effectRef>
+              <a:fontRef idx="minor">
+                <a:schemeClr val="dk1"/>
+              </a:fontRef>
+            </p:style>
+            <p:txBody>
+              <a:bodyPr wrap="square" rtlCol="0" anchor="ctr" anchorCtr="0">
+                <a:spAutoFit/>
+              </a:bodyPr>
+              <a:lstStyle/>
+              <a:p>
+                <a:pPr algn="ctr"/>
+                <a:r>
+                  <a:rPr lang="en-US" dirty="0"/>
+                  <a:t>NLG</a:t>
+                </a:r>
+              </a:p>
+            </p:txBody>
+          </p:sp>
+        </p:grpSp>
+        <p:pic>
+          <p:nvPicPr>
+            <p:cNvPr id="41" name="Graphic 40" descr="Robot">
+              <a:extLst>
+                <a:ext uri="{FF2B5EF4-FFF2-40B4-BE49-F238E27FC236}">
+                  <a16:creationId xmlns:a16="http://schemas.microsoft.com/office/drawing/2014/main" id="{B9BE7EDA-3468-4AE3-B0A1-175861E90107}"/>
+                </a:ext>
+              </a:extLst>
+            </p:cNvPr>
+            <p:cNvPicPr>
+              <a:picLocks noChangeAspect="1"/>
+            </p:cNvPicPr>
+            <p:nvPr/>
+          </p:nvPicPr>
+          <p:blipFill>
+            <a:blip r:embed="rId3">
+              <a:extLst>
+                <a:ext uri="{28A0092B-C50C-407E-A947-70E740481C1C}">
+                  <a14:useLocalDpi xmlns:a14="http://schemas.microsoft.com/office/drawing/2010/main" val="0"/>
+                </a:ext>
+                <a:ext uri="{96DAC541-7B7A-43D3-8B79-37D633B846F1}">
+                  <asvg:svgBlip xmlns:asvg="http://schemas.microsoft.com/office/drawing/2016/SVG/main" r:embed="rId4"/>
+                </a:ext>
+              </a:extLst>
+            </a:blip>
+            <a:stretch>
+              <a:fillRect/>
+            </a:stretch>
+          </p:blipFill>
+          <p:spPr>
+            <a:xfrm>
+              <a:off x="271158" y="3336065"/>
+              <a:ext cx="914400" cy="914400"/>
+            </a:xfrm>
+            <a:prstGeom prst="rect">
+              <a:avLst/>
+            </a:prstGeom>
+          </p:spPr>
+        </p:pic>
+        <p:sp>
+          <p:nvSpPr>
+            <p:cNvPr id="43" name="Arrow: Left-Right 42">
+              <a:extLst>
+                <a:ext uri="{FF2B5EF4-FFF2-40B4-BE49-F238E27FC236}">
+                  <a16:creationId xmlns:a16="http://schemas.microsoft.com/office/drawing/2014/main" id="{7D31785F-7613-492D-892B-E06B36FE9065}"/>
+                </a:ext>
+              </a:extLst>
+            </p:cNvPr>
+            <p:cNvSpPr/>
+            <p:nvPr/>
+          </p:nvSpPr>
+          <p:spPr>
+            <a:xfrm>
+              <a:off x="1146668" y="3677980"/>
+              <a:ext cx="672661" cy="369332"/>
+            </a:xfrm>
+            <a:prstGeom prst="leftRightArrow">
+              <a:avLst/>
+            </a:prstGeom>
+          </p:spPr>
+          <p:style>
+            <a:lnRef idx="2">
+              <a:schemeClr val="accent2">
+                <a:shade val="50000"/>
+              </a:schemeClr>
+            </a:lnRef>
+            <a:fillRef idx="1">
+              <a:schemeClr val="accent2"/>
+            </a:fillRef>
+            <a:effectRef idx="0">
+              <a:schemeClr val="accent2"/>
+            </a:effectRef>
+            <a:fontRef idx="minor">
+              <a:schemeClr val="lt1"/>
+            </a:fontRef>
+          </p:style>
+          <p:txBody>
+            <a:bodyPr rtlCol="0" anchor="ctr"/>
+            <a:lstStyle/>
+            <a:p>
+              <a:pPr algn="ctr"/>
+              <a:endParaRPr lang="en-US"/>
+            </a:p>
+          </p:txBody>
+        </p:sp>
+      </p:grpSp>
+      <p:grpSp>
+        <p:nvGrpSpPr>
+          <p:cNvPr id="74" name="Group 73">
+            <a:extLst>
+              <a:ext uri="{FF2B5EF4-FFF2-40B4-BE49-F238E27FC236}">
+                <a16:creationId xmlns:a16="http://schemas.microsoft.com/office/drawing/2014/main" id="{0AA08486-5BB1-4898-A492-2A4F0D634960}"/>
+              </a:ext>
+            </a:extLst>
+          </p:cNvPr>
+          <p:cNvGrpSpPr/>
+          <p:nvPr/>
+        </p:nvGrpSpPr>
+        <p:grpSpPr>
+          <a:xfrm>
+            <a:off x="271158" y="4751835"/>
+            <a:ext cx="1713870" cy="1068598"/>
+            <a:chOff x="271158" y="4447041"/>
+            <a:chExt cx="1713870" cy="1068598"/>
+          </a:xfrm>
+        </p:grpSpPr>
+        <p:pic>
+          <p:nvPicPr>
+            <p:cNvPr id="35" name="Graphic 34" descr="Books">
+              <a:extLst>
+                <a:ext uri="{FF2B5EF4-FFF2-40B4-BE49-F238E27FC236}">
+                  <a16:creationId xmlns:a16="http://schemas.microsoft.com/office/drawing/2014/main" id="{7CD6C0D3-37FB-48BD-A6FB-9B1FB8A20F49}"/>
+                </a:ext>
+              </a:extLst>
+            </p:cNvPr>
+            <p:cNvPicPr>
+              <a:picLocks noChangeAspect="1"/>
+            </p:cNvPicPr>
+            <p:nvPr/>
+          </p:nvPicPr>
+          <p:blipFill>
+            <a:blip r:embed="rId5">
+              <a:extLst>
+                <a:ext uri="{28A0092B-C50C-407E-A947-70E740481C1C}">
+                  <a14:useLocalDpi xmlns:a14="http://schemas.microsoft.com/office/drawing/2010/main" val="0"/>
+                </a:ext>
+                <a:ext uri="{96DAC541-7B7A-43D3-8B79-37D633B846F1}">
+                  <asvg:svgBlip xmlns:asvg="http://schemas.microsoft.com/office/drawing/2016/SVG/main" r:embed="rId6"/>
+                </a:ext>
+              </a:extLst>
+            </a:blip>
+            <a:stretch>
+              <a:fillRect/>
+            </a:stretch>
+          </p:blipFill>
+          <p:spPr>
+            <a:xfrm>
+              <a:off x="271158" y="4447041"/>
+              <a:ext cx="914400" cy="914400"/>
+            </a:xfrm>
+            <a:prstGeom prst="rect">
+              <a:avLst/>
+            </a:prstGeom>
+          </p:spPr>
+        </p:pic>
+        <p:sp>
+          <p:nvSpPr>
+            <p:cNvPr id="39" name="TextBox 38">
+              <a:extLst>
+                <a:ext uri="{FF2B5EF4-FFF2-40B4-BE49-F238E27FC236}">
+                  <a16:creationId xmlns:a16="http://schemas.microsoft.com/office/drawing/2014/main" id="{7E6FD55E-29A6-4534-A43F-B7D4A17C29F4}"/>
+                </a:ext>
+              </a:extLst>
+            </p:cNvPr>
+            <p:cNvSpPr txBox="1"/>
+            <p:nvPr/>
+          </p:nvSpPr>
+          <p:spPr>
+            <a:xfrm>
+              <a:off x="980971" y="5146307"/>
+              <a:ext cx="1004057" cy="369332"/>
+            </a:xfrm>
+            <a:prstGeom prst="rect">
+              <a:avLst/>
+            </a:prstGeom>
+            <a:noFill/>
+          </p:spPr>
+          <p:txBody>
+            <a:bodyPr wrap="none" rtlCol="0">
+              <a:spAutoFit/>
+            </a:bodyPr>
+            <a:lstStyle/>
+            <a:p>
+              <a:r>
+                <a:rPr lang="en-US" dirty="0"/>
+                <a:t>Pre-train</a:t>
+              </a:r>
+            </a:p>
+          </p:txBody>
+        </p:sp>
+        <p:sp>
+          <p:nvSpPr>
+            <p:cNvPr id="45" name="Arrow: Right 44">
+              <a:extLst>
+                <a:ext uri="{FF2B5EF4-FFF2-40B4-BE49-F238E27FC236}">
+                  <a16:creationId xmlns:a16="http://schemas.microsoft.com/office/drawing/2014/main" id="{15A4F6DB-71C6-44B7-9290-E01703B5E6FA}"/>
+                </a:ext>
+              </a:extLst>
+            </p:cNvPr>
+            <p:cNvSpPr/>
+            <p:nvPr/>
+          </p:nvSpPr>
+          <p:spPr>
+            <a:xfrm>
+              <a:off x="1185558" y="4691968"/>
+              <a:ext cx="633771" cy="369332"/>
+            </a:xfrm>
+            <a:prstGeom prst="rightArrow">
+              <a:avLst/>
+            </a:prstGeom>
+          </p:spPr>
+          <p:style>
+            <a:lnRef idx="2">
+              <a:schemeClr val="accent1">
+                <a:shade val="50000"/>
+              </a:schemeClr>
+            </a:lnRef>
+            <a:fillRef idx="1">
+              <a:schemeClr val="accent1"/>
+            </a:fillRef>
+            <a:effectRef idx="0">
+              <a:schemeClr val="accent1"/>
+            </a:effectRef>
+            <a:fontRef idx="minor">
+              <a:schemeClr val="lt1"/>
+            </a:fontRef>
+          </p:style>
+          <p:txBody>
+            <a:bodyPr rtlCol="0" anchor="ctr"/>
+            <a:lstStyle/>
+            <a:p>
+              <a:pPr algn="ctr"/>
+              <a:endParaRPr lang="en-US"/>
+            </a:p>
+          </p:txBody>
+        </p:sp>
+      </p:grpSp>
+      <p:grpSp>
+        <p:nvGrpSpPr>
+          <p:cNvPr id="71" name="Group 70">
+            <a:extLst>
+              <a:ext uri="{FF2B5EF4-FFF2-40B4-BE49-F238E27FC236}">
+                <a16:creationId xmlns:a16="http://schemas.microsoft.com/office/drawing/2014/main" id="{2FD963E0-760B-4723-B45E-5AA7F3C475B4}"/>
+              </a:ext>
+            </a:extLst>
+          </p:cNvPr>
+          <p:cNvGrpSpPr/>
+          <p:nvPr/>
+        </p:nvGrpSpPr>
+        <p:grpSpPr>
+          <a:xfrm>
+            <a:off x="4129232" y="3279222"/>
+            <a:ext cx="3644707" cy="2658892"/>
+            <a:chOff x="4318412" y="2974428"/>
+            <a:chExt cx="3644707" cy="2658892"/>
+          </a:xfrm>
+        </p:grpSpPr>
+        <p:grpSp>
+          <p:nvGrpSpPr>
+            <p:cNvPr id="46" name="Group 45">
+              <a:extLst>
+                <a:ext uri="{FF2B5EF4-FFF2-40B4-BE49-F238E27FC236}">
+                  <a16:creationId xmlns:a16="http://schemas.microsoft.com/office/drawing/2014/main" id="{77DE280B-7A99-42BF-A21A-EF2893114A60}"/>
+                </a:ext>
+              </a:extLst>
+            </p:cNvPr>
+            <p:cNvGrpSpPr/>
+            <p:nvPr/>
+          </p:nvGrpSpPr>
+          <p:grpSpPr>
+            <a:xfrm>
+              <a:off x="5970359" y="2974428"/>
+              <a:ext cx="1992760" cy="2658892"/>
+              <a:chOff x="1097281" y="3268721"/>
+              <a:chExt cx="3600844" cy="3037486"/>
+            </a:xfrm>
+          </p:grpSpPr>
+          <p:sp>
+            <p:nvSpPr>
+              <p:cNvPr id="47" name="Rectangle: Rounded Corners 46">
+                <a:extLst>
+                  <a:ext uri="{FF2B5EF4-FFF2-40B4-BE49-F238E27FC236}">
+                    <a16:creationId xmlns:a16="http://schemas.microsoft.com/office/drawing/2014/main" id="{95FD1F30-B425-4DAE-A1CE-C8B6C8A28951}"/>
+                  </a:ext>
+                </a:extLst>
+              </p:cNvPr>
+              <p:cNvSpPr/>
+              <p:nvPr/>
+            </p:nvSpPr>
+            <p:spPr>
+              <a:xfrm>
+                <a:off x="1097281" y="3268721"/>
+                <a:ext cx="3600844" cy="3037486"/>
+              </a:xfrm>
+              <a:prstGeom prst="roundRect">
+                <a:avLst/>
+              </a:prstGeom>
+              <a:ln>
+                <a:prstDash val="sysDash"/>
+              </a:ln>
+            </p:spPr>
+            <p:style>
+              <a:lnRef idx="2">
+                <a:schemeClr val="dk1"/>
+              </a:lnRef>
+              <a:fillRef idx="1">
+                <a:schemeClr val="lt1"/>
+              </a:fillRef>
+              <a:effectRef idx="0">
+                <a:schemeClr val="dk1"/>
+              </a:effectRef>
+              <a:fontRef idx="minor">
+                <a:schemeClr val="dk1"/>
+              </a:fontRef>
+            </p:style>
+            <p:txBody>
+              <a:bodyPr rtlCol="0" anchor="ctr"/>
+              <a:lstStyle/>
+              <a:p>
+                <a:pPr algn="ctr"/>
+                <a:endParaRPr lang="en-US" dirty="0"/>
+              </a:p>
+            </p:txBody>
+          </p:sp>
+          <p:sp>
+            <p:nvSpPr>
+              <p:cNvPr id="48" name="TextBox 47">
+                <a:extLst>
+                  <a:ext uri="{FF2B5EF4-FFF2-40B4-BE49-F238E27FC236}">
+                    <a16:creationId xmlns:a16="http://schemas.microsoft.com/office/drawing/2014/main" id="{F6DECE01-96BC-4355-8A01-3627DAF72C3A}"/>
+                  </a:ext>
+                </a:extLst>
+              </p:cNvPr>
+              <p:cNvSpPr txBox="1"/>
+              <p:nvPr/>
+            </p:nvSpPr>
+            <p:spPr>
+              <a:xfrm>
+                <a:off x="1533570" y="3268721"/>
+                <a:ext cx="2699486" cy="389581"/>
+              </a:xfrm>
+              <a:prstGeom prst="rect">
+                <a:avLst/>
+              </a:prstGeom>
+              <a:noFill/>
+            </p:spPr>
+            <p:txBody>
+              <a:bodyPr wrap="none" rtlCol="0">
+                <a:spAutoFit/>
+              </a:bodyPr>
+              <a:lstStyle/>
+              <a:p>
+                <a:r>
+                  <a:rPr lang="en-US" dirty="0"/>
+                  <a:t>Dialog System</a:t>
+                </a:r>
+              </a:p>
+            </p:txBody>
+          </p:sp>
+        </p:grpSp>
+        <p:sp>
+          <p:nvSpPr>
+            <p:cNvPr id="51" name="TextBox 50">
+              <a:extLst>
+                <a:ext uri="{FF2B5EF4-FFF2-40B4-BE49-F238E27FC236}">
+                  <a16:creationId xmlns:a16="http://schemas.microsoft.com/office/drawing/2014/main" id="{49EDD9EA-8C06-4D8E-A834-A3B32E1BA3A6}"/>
+                </a:ext>
+              </a:extLst>
+            </p:cNvPr>
+            <p:cNvSpPr txBox="1"/>
+            <p:nvPr/>
+          </p:nvSpPr>
+          <p:spPr>
+            <a:xfrm>
+              <a:off x="6267801" y="3482480"/>
+              <a:ext cx="1397875" cy="1951608"/>
+            </a:xfrm>
+            <a:prstGeom prst="rect">
+              <a:avLst/>
+            </a:prstGeom>
+            <a:gradFill>
+              <a:gsLst>
+                <a:gs pos="0">
+                  <a:schemeClr val="accent1">
+                    <a:lumMod val="5000"/>
+                    <a:lumOff val="95000"/>
+                  </a:schemeClr>
+                </a:gs>
+                <a:gs pos="74000">
+                  <a:schemeClr val="accent1">
+                    <a:lumMod val="45000"/>
+                    <a:lumOff val="55000"/>
+                  </a:schemeClr>
+                </a:gs>
+                <a:gs pos="83000">
+                  <a:schemeClr val="accent1">
+                    <a:lumMod val="45000"/>
+                    <a:lumOff val="55000"/>
+                  </a:schemeClr>
+                </a:gs>
+                <a:gs pos="100000">
+                  <a:schemeClr val="accent1">
+                    <a:lumMod val="30000"/>
+                    <a:lumOff val="70000"/>
+                  </a:schemeClr>
+                </a:gs>
+              </a:gsLst>
+              <a:lin ang="5400000" scaled="1"/>
+            </a:gradFill>
+          </p:spPr>
+          <p:style>
+            <a:lnRef idx="2">
+              <a:schemeClr val="accent2"/>
+            </a:lnRef>
+            <a:fillRef idx="1">
+              <a:schemeClr val="lt1"/>
+            </a:fillRef>
+            <a:effectRef idx="0">
+              <a:schemeClr val="accent2"/>
+            </a:effectRef>
+            <a:fontRef idx="minor">
+              <a:schemeClr val="dk1"/>
+            </a:fontRef>
+          </p:style>
+          <p:txBody>
+            <a:bodyPr wrap="square" rtlCol="0" anchor="ctr" anchorCtr="0">
+              <a:noAutofit/>
+            </a:bodyPr>
+            <a:lstStyle/>
+            <a:p>
+              <a:pPr algn="ctr"/>
+              <a:r>
+                <a:rPr lang="en-US" dirty="0"/>
+                <a:t>E2E</a:t>
+              </a:r>
+            </a:p>
+            <a:p>
+              <a:pPr algn="ctr"/>
+              <a:r>
+                <a:rPr lang="en-US" dirty="0"/>
+                <a:t>Neural</a:t>
+              </a:r>
+            </a:p>
+            <a:p>
+              <a:pPr algn="ctr"/>
+              <a:r>
+                <a:rPr lang="en-US" dirty="0"/>
+                <a:t>Network</a:t>
+              </a:r>
+            </a:p>
+          </p:txBody>
+        </p:sp>
+        <p:pic>
+          <p:nvPicPr>
+            <p:cNvPr id="53" name="Graphic 52" descr="Books">
+              <a:extLst>
+                <a:ext uri="{FF2B5EF4-FFF2-40B4-BE49-F238E27FC236}">
+                  <a16:creationId xmlns:a16="http://schemas.microsoft.com/office/drawing/2014/main" id="{363A8CDA-69FA-466C-B6D9-DAF4033E6356}"/>
+                </a:ext>
+              </a:extLst>
+            </p:cNvPr>
+            <p:cNvPicPr>
+              <a:picLocks noChangeAspect="1"/>
+            </p:cNvPicPr>
+            <p:nvPr/>
+          </p:nvPicPr>
+          <p:blipFill>
+            <a:blip r:embed="rId5">
+              <a:extLst>
+                <a:ext uri="{28A0092B-C50C-407E-A947-70E740481C1C}">
+                  <a14:useLocalDpi xmlns:a14="http://schemas.microsoft.com/office/drawing/2010/main" val="0"/>
+                </a:ext>
+                <a:ext uri="{96DAC541-7B7A-43D3-8B79-37D633B846F1}">
+                  <asvg:svgBlip xmlns:asvg="http://schemas.microsoft.com/office/drawing/2016/SVG/main" r:embed="rId6"/>
+                </a:ext>
+              </a:extLst>
+            </a:blip>
+            <a:stretch>
+              <a:fillRect/>
+            </a:stretch>
+          </p:blipFill>
+          <p:spPr>
+            <a:xfrm>
+              <a:off x="4318412" y="3942313"/>
+              <a:ext cx="914400" cy="914400"/>
+            </a:xfrm>
+            <a:prstGeom prst="rect">
+              <a:avLst/>
+            </a:prstGeom>
+          </p:spPr>
+        </p:pic>
+        <p:sp>
+          <p:nvSpPr>
+            <p:cNvPr id="57" name="Arrow: Right 56">
+              <a:extLst>
+                <a:ext uri="{FF2B5EF4-FFF2-40B4-BE49-F238E27FC236}">
+                  <a16:creationId xmlns:a16="http://schemas.microsoft.com/office/drawing/2014/main" id="{97DA059B-26E7-44D1-BB46-4DB0C4529B56}"/>
+                </a:ext>
+              </a:extLst>
+            </p:cNvPr>
+            <p:cNvSpPr/>
+            <p:nvPr/>
+          </p:nvSpPr>
+          <p:spPr>
+            <a:xfrm>
+              <a:off x="5232812" y="4187240"/>
+              <a:ext cx="633771" cy="369332"/>
+            </a:xfrm>
+            <a:prstGeom prst="rightArrow">
+              <a:avLst/>
+            </a:prstGeom>
+          </p:spPr>
+          <p:style>
+            <a:lnRef idx="2">
+              <a:schemeClr val="accent1">
+                <a:shade val="50000"/>
+              </a:schemeClr>
+            </a:lnRef>
+            <a:fillRef idx="1">
+              <a:schemeClr val="accent1"/>
+            </a:fillRef>
+            <a:effectRef idx="0">
+              <a:schemeClr val="accent1"/>
+            </a:effectRef>
+            <a:fontRef idx="minor">
+              <a:schemeClr val="lt1"/>
+            </a:fontRef>
+          </p:style>
+          <p:txBody>
+            <a:bodyPr rtlCol="0" anchor="ctr"/>
+            <a:lstStyle/>
+            <a:p>
+              <a:pPr algn="ctr"/>
+              <a:endParaRPr lang="en-US"/>
+            </a:p>
+          </p:txBody>
+        </p:sp>
+      </p:grpSp>
+      <p:grpSp>
+        <p:nvGrpSpPr>
+          <p:cNvPr id="72" name="Group 71">
+            <a:extLst>
+              <a:ext uri="{FF2B5EF4-FFF2-40B4-BE49-F238E27FC236}">
+                <a16:creationId xmlns:a16="http://schemas.microsoft.com/office/drawing/2014/main" id="{50248B22-9222-4D40-AD8A-2735BF48766C}"/>
+              </a:ext>
+            </a:extLst>
+          </p:cNvPr>
+          <p:cNvGrpSpPr/>
+          <p:nvPr/>
+        </p:nvGrpSpPr>
+        <p:grpSpPr>
+          <a:xfrm>
+            <a:off x="8140257" y="3279222"/>
+            <a:ext cx="3644707" cy="2658892"/>
+            <a:chOff x="8329437" y="2974428"/>
+            <a:chExt cx="3644707" cy="2658892"/>
+          </a:xfrm>
+        </p:grpSpPr>
+        <p:grpSp>
+          <p:nvGrpSpPr>
+            <p:cNvPr id="58" name="Group 57">
+              <a:extLst>
+                <a:ext uri="{FF2B5EF4-FFF2-40B4-BE49-F238E27FC236}">
+                  <a16:creationId xmlns:a16="http://schemas.microsoft.com/office/drawing/2014/main" id="{E06FD390-57F2-40C0-948A-CA113AD4CAC6}"/>
+                </a:ext>
+              </a:extLst>
+            </p:cNvPr>
+            <p:cNvGrpSpPr/>
+            <p:nvPr/>
+          </p:nvGrpSpPr>
+          <p:grpSpPr>
+            <a:xfrm>
+              <a:off x="9981384" y="2974428"/>
+              <a:ext cx="1992760" cy="2658892"/>
+              <a:chOff x="1097281" y="3268721"/>
+              <a:chExt cx="3600844" cy="3037486"/>
+            </a:xfrm>
+          </p:grpSpPr>
+          <p:sp>
+            <p:nvSpPr>
+              <p:cNvPr id="59" name="Rectangle: Rounded Corners 58">
+                <a:extLst>
+                  <a:ext uri="{FF2B5EF4-FFF2-40B4-BE49-F238E27FC236}">
+                    <a16:creationId xmlns:a16="http://schemas.microsoft.com/office/drawing/2014/main" id="{C3666FF5-78FB-40F4-A7DD-6065CC0FC603}"/>
+                  </a:ext>
+                </a:extLst>
+              </p:cNvPr>
+              <p:cNvSpPr/>
+              <p:nvPr/>
+            </p:nvSpPr>
+            <p:spPr>
+              <a:xfrm>
+                <a:off x="1097281" y="3268721"/>
+                <a:ext cx="3600844" cy="3037486"/>
+              </a:xfrm>
+              <a:prstGeom prst="roundRect">
+                <a:avLst/>
+              </a:prstGeom>
+              <a:ln>
+                <a:prstDash val="sysDash"/>
+              </a:ln>
+            </p:spPr>
+            <p:style>
+              <a:lnRef idx="2">
+                <a:schemeClr val="dk1"/>
+              </a:lnRef>
+              <a:fillRef idx="1">
+                <a:schemeClr val="lt1"/>
+              </a:fillRef>
+              <a:effectRef idx="0">
+                <a:schemeClr val="dk1"/>
+              </a:effectRef>
+              <a:fontRef idx="minor">
+                <a:schemeClr val="dk1"/>
+              </a:fontRef>
+            </p:style>
+            <p:txBody>
+              <a:bodyPr rtlCol="0" anchor="ctr"/>
+              <a:lstStyle/>
+              <a:p>
+                <a:pPr algn="ctr"/>
+                <a:endParaRPr lang="en-US" dirty="0"/>
+              </a:p>
+            </p:txBody>
+          </p:sp>
+          <p:sp>
+            <p:nvSpPr>
+              <p:cNvPr id="60" name="TextBox 59">
+                <a:extLst>
+                  <a:ext uri="{FF2B5EF4-FFF2-40B4-BE49-F238E27FC236}">
+                    <a16:creationId xmlns:a16="http://schemas.microsoft.com/office/drawing/2014/main" id="{004F3889-E594-4107-B813-215AB45B1A69}"/>
+                  </a:ext>
+                </a:extLst>
+              </p:cNvPr>
+              <p:cNvSpPr txBox="1"/>
+              <p:nvPr/>
+            </p:nvSpPr>
+            <p:spPr>
+              <a:xfrm>
+                <a:off x="1533570" y="3268721"/>
+                <a:ext cx="2699486" cy="389581"/>
+              </a:xfrm>
+              <a:prstGeom prst="rect">
+                <a:avLst/>
+              </a:prstGeom>
+              <a:noFill/>
+            </p:spPr>
+            <p:txBody>
+              <a:bodyPr wrap="none" rtlCol="0">
+                <a:spAutoFit/>
+              </a:bodyPr>
+              <a:lstStyle/>
+              <a:p>
+                <a:r>
+                  <a:rPr lang="en-US" dirty="0"/>
+                  <a:t>Dialog System</a:t>
+                </a:r>
+              </a:p>
+            </p:txBody>
+          </p:sp>
+        </p:grpSp>
+        <p:sp>
+          <p:nvSpPr>
+            <p:cNvPr id="62" name="TextBox 61">
+              <a:extLst>
+                <a:ext uri="{FF2B5EF4-FFF2-40B4-BE49-F238E27FC236}">
+                  <a16:creationId xmlns:a16="http://schemas.microsoft.com/office/drawing/2014/main" id="{ACF1C76B-0274-40C9-9C0D-D5A9C72AF7C8}"/>
+                </a:ext>
+              </a:extLst>
+            </p:cNvPr>
+            <p:cNvSpPr txBox="1"/>
+            <p:nvPr/>
+          </p:nvSpPr>
+          <p:spPr>
+            <a:xfrm>
+              <a:off x="10278826" y="3482479"/>
+              <a:ext cx="1397875" cy="914522"/>
+            </a:xfrm>
+            <a:prstGeom prst="rect">
+              <a:avLst/>
+            </a:prstGeom>
+          </p:spPr>
+          <p:style>
+            <a:lnRef idx="2">
+              <a:schemeClr val="accent1"/>
+            </a:lnRef>
+            <a:fillRef idx="1">
+              <a:schemeClr val="lt1"/>
+            </a:fillRef>
+            <a:effectRef idx="0">
+              <a:schemeClr val="accent1"/>
+            </a:effectRef>
+            <a:fontRef idx="minor">
+              <a:schemeClr val="dk1"/>
+            </a:fontRef>
+          </p:style>
+          <p:txBody>
+            <a:bodyPr wrap="square" rtlCol="0" anchor="ctr" anchorCtr="0">
+              <a:noAutofit/>
+            </a:bodyPr>
+            <a:lstStyle/>
+            <a:p>
+              <a:pPr algn="ctr"/>
+              <a:r>
+                <a:rPr lang="en-US" dirty="0" err="1"/>
+                <a:t>StateTracker</a:t>
+              </a:r>
+              <a:endParaRPr lang="en-US" dirty="0"/>
+            </a:p>
+          </p:txBody>
+        </p:sp>
+        <p:sp>
+          <p:nvSpPr>
+            <p:cNvPr id="63" name="TextBox 62">
+              <a:extLst>
+                <a:ext uri="{FF2B5EF4-FFF2-40B4-BE49-F238E27FC236}">
+                  <a16:creationId xmlns:a16="http://schemas.microsoft.com/office/drawing/2014/main" id="{359B56F3-D193-4FBB-9563-69E32A07BDFA}"/>
+                </a:ext>
+              </a:extLst>
+            </p:cNvPr>
+            <p:cNvSpPr txBox="1"/>
+            <p:nvPr/>
+          </p:nvSpPr>
+          <p:spPr>
+            <a:xfrm>
+              <a:off x="10278826" y="4567023"/>
+              <a:ext cx="1397875" cy="369332"/>
+            </a:xfrm>
+            <a:prstGeom prst="rect">
+              <a:avLst/>
+            </a:prstGeom>
+          </p:spPr>
+          <p:style>
+            <a:lnRef idx="2">
+              <a:schemeClr val="accent2"/>
+            </a:lnRef>
+            <a:fillRef idx="1">
+              <a:schemeClr val="lt1"/>
+            </a:fillRef>
+            <a:effectRef idx="0">
+              <a:schemeClr val="accent2"/>
+            </a:effectRef>
+            <a:fontRef idx="minor">
+              <a:schemeClr val="dk1"/>
+            </a:fontRef>
+          </p:style>
+          <p:txBody>
+            <a:bodyPr wrap="square" rtlCol="0" anchor="ctr" anchorCtr="0">
+              <a:spAutoFit/>
+            </a:bodyPr>
+            <a:lstStyle/>
+            <a:p>
+              <a:pPr algn="ctr"/>
+              <a:r>
+                <a:rPr lang="en-US" dirty="0"/>
+                <a:t>Policy</a:t>
+              </a:r>
+            </a:p>
+          </p:txBody>
+        </p:sp>
+        <p:sp>
+          <p:nvSpPr>
+            <p:cNvPr id="64" name="TextBox 63">
+              <a:extLst>
+                <a:ext uri="{FF2B5EF4-FFF2-40B4-BE49-F238E27FC236}">
+                  <a16:creationId xmlns:a16="http://schemas.microsoft.com/office/drawing/2014/main" id="{AE2AE12E-8EF0-4274-961A-493BD07E7600}"/>
+                </a:ext>
+              </a:extLst>
+            </p:cNvPr>
+            <p:cNvSpPr txBox="1"/>
+            <p:nvPr/>
+          </p:nvSpPr>
+          <p:spPr>
+            <a:xfrm>
+              <a:off x="10278826" y="5096058"/>
+              <a:ext cx="1397875" cy="369332"/>
+            </a:xfrm>
+            <a:prstGeom prst="rect">
+              <a:avLst/>
+            </a:prstGeom>
+          </p:spPr>
+          <p:style>
+            <a:lnRef idx="2">
+              <a:schemeClr val="accent6"/>
+            </a:lnRef>
+            <a:fillRef idx="1">
+              <a:schemeClr val="lt1"/>
+            </a:fillRef>
+            <a:effectRef idx="0">
+              <a:schemeClr val="accent6"/>
+            </a:effectRef>
+            <a:fontRef idx="minor">
+              <a:schemeClr val="dk1"/>
+            </a:fontRef>
+          </p:style>
+          <p:txBody>
+            <a:bodyPr wrap="square" rtlCol="0" anchor="ctr" anchorCtr="0">
+              <a:spAutoFit/>
+            </a:bodyPr>
+            <a:lstStyle/>
+            <a:p>
+              <a:pPr algn="ctr"/>
+              <a:r>
+                <a:rPr lang="en-US" dirty="0"/>
+                <a:t>NLG</a:t>
+              </a:r>
+            </a:p>
+          </p:txBody>
+        </p:sp>
+        <p:pic>
+          <p:nvPicPr>
+            <p:cNvPr id="65" name="Graphic 64" descr="Books">
+              <a:extLst>
+                <a:ext uri="{FF2B5EF4-FFF2-40B4-BE49-F238E27FC236}">
+                  <a16:creationId xmlns:a16="http://schemas.microsoft.com/office/drawing/2014/main" id="{C8F2ECAD-B785-403C-B31B-5C6F29EB3DB1}"/>
+                </a:ext>
+              </a:extLst>
+            </p:cNvPr>
+            <p:cNvPicPr>
+              <a:picLocks noChangeAspect="1"/>
+            </p:cNvPicPr>
+            <p:nvPr/>
+          </p:nvPicPr>
+          <p:blipFill>
+            <a:blip r:embed="rId5">
+              <a:extLst>
+                <a:ext uri="{28A0092B-C50C-407E-A947-70E740481C1C}">
+                  <a14:useLocalDpi xmlns:a14="http://schemas.microsoft.com/office/drawing/2010/main" val="0"/>
+                </a:ext>
+                <a:ext uri="{96DAC541-7B7A-43D3-8B79-37D633B846F1}">
+                  <asvg:svgBlip xmlns:asvg="http://schemas.microsoft.com/office/drawing/2016/SVG/main" r:embed="rId6"/>
+                </a:ext>
+              </a:extLst>
+            </a:blip>
+            <a:stretch>
+              <a:fillRect/>
+            </a:stretch>
+          </p:blipFill>
+          <p:spPr>
+            <a:xfrm>
+              <a:off x="8329437" y="3416801"/>
+              <a:ext cx="914400" cy="914400"/>
+            </a:xfrm>
+            <a:prstGeom prst="rect">
+              <a:avLst/>
+            </a:prstGeom>
+          </p:spPr>
+        </p:pic>
+        <p:pic>
+          <p:nvPicPr>
+            <p:cNvPr id="67" name="Graphic 66" descr="Robot">
+              <a:extLst>
+                <a:ext uri="{FF2B5EF4-FFF2-40B4-BE49-F238E27FC236}">
+                  <a16:creationId xmlns:a16="http://schemas.microsoft.com/office/drawing/2014/main" id="{860E6322-FFC1-4B7B-B836-F59043F0C5FA}"/>
+                </a:ext>
+              </a:extLst>
+            </p:cNvPr>
+            <p:cNvPicPr>
+              <a:picLocks noChangeAspect="1"/>
+            </p:cNvPicPr>
+            <p:nvPr/>
+          </p:nvPicPr>
+          <p:blipFill>
+            <a:blip r:embed="rId3">
+              <a:extLst>
+                <a:ext uri="{28A0092B-C50C-407E-A947-70E740481C1C}">
+                  <a14:useLocalDpi xmlns:a14="http://schemas.microsoft.com/office/drawing/2010/main" val="0"/>
+                </a:ext>
+                <a:ext uri="{96DAC541-7B7A-43D3-8B79-37D633B846F1}">
+                  <asvg:svgBlip xmlns:asvg="http://schemas.microsoft.com/office/drawing/2016/SVG/main" r:embed="rId4"/>
+                </a:ext>
+              </a:extLst>
+            </a:blip>
+            <a:stretch>
+              <a:fillRect/>
+            </a:stretch>
+          </p:blipFill>
+          <p:spPr>
+            <a:xfrm>
+              <a:off x="8329437" y="4449932"/>
+              <a:ext cx="914400" cy="914400"/>
+            </a:xfrm>
+            <a:prstGeom prst="rect">
+              <a:avLst/>
+            </a:prstGeom>
+          </p:spPr>
+        </p:pic>
+        <p:sp>
+          <p:nvSpPr>
+            <p:cNvPr id="68" name="Arrow: Left-Right 67">
+              <a:extLst>
+                <a:ext uri="{FF2B5EF4-FFF2-40B4-BE49-F238E27FC236}">
+                  <a16:creationId xmlns:a16="http://schemas.microsoft.com/office/drawing/2014/main" id="{5ED95190-2CB9-4E17-BAE5-032346385B69}"/>
+                </a:ext>
+              </a:extLst>
+            </p:cNvPr>
+            <p:cNvSpPr/>
+            <p:nvPr/>
+          </p:nvSpPr>
+          <p:spPr>
+            <a:xfrm>
+              <a:off x="9204947" y="4791847"/>
+              <a:ext cx="672661" cy="369332"/>
+            </a:xfrm>
+            <a:prstGeom prst="leftRightArrow">
+              <a:avLst/>
+            </a:prstGeom>
+          </p:spPr>
+          <p:style>
+            <a:lnRef idx="2">
+              <a:schemeClr val="accent2">
+                <a:shade val="50000"/>
+              </a:schemeClr>
+            </a:lnRef>
+            <a:fillRef idx="1">
+              <a:schemeClr val="accent2"/>
+            </a:fillRef>
+            <a:effectRef idx="0">
+              <a:schemeClr val="accent2"/>
+            </a:effectRef>
+            <a:fontRef idx="minor">
+              <a:schemeClr val="lt1"/>
+            </a:fontRef>
+          </p:style>
+          <p:txBody>
+            <a:bodyPr rtlCol="0" anchor="ctr"/>
+            <a:lstStyle/>
+            <a:p>
+              <a:pPr algn="ctr"/>
+              <a:endParaRPr lang="en-US"/>
+            </a:p>
+          </p:txBody>
+        </p:sp>
+        <p:sp>
+          <p:nvSpPr>
+            <p:cNvPr id="69" name="Arrow: Right 68">
+              <a:extLst>
+                <a:ext uri="{FF2B5EF4-FFF2-40B4-BE49-F238E27FC236}">
+                  <a16:creationId xmlns:a16="http://schemas.microsoft.com/office/drawing/2014/main" id="{99F28FEF-E947-4809-A6CE-FAD2845DDF57}"/>
+                </a:ext>
+              </a:extLst>
+            </p:cNvPr>
+            <p:cNvSpPr/>
+            <p:nvPr/>
+          </p:nvSpPr>
+          <p:spPr>
+            <a:xfrm>
+              <a:off x="9243837" y="3661728"/>
+              <a:ext cx="633771" cy="369332"/>
+            </a:xfrm>
+            <a:prstGeom prst="rightArrow">
+              <a:avLst/>
+            </a:prstGeom>
+          </p:spPr>
+          <p:style>
+            <a:lnRef idx="2">
+              <a:schemeClr val="accent1">
+                <a:shade val="50000"/>
+              </a:schemeClr>
+            </a:lnRef>
+            <a:fillRef idx="1">
+              <a:schemeClr val="accent1"/>
+            </a:fillRef>
+            <a:effectRef idx="0">
+              <a:schemeClr val="accent1"/>
+            </a:effectRef>
+            <a:fontRef idx="minor">
+              <a:schemeClr val="lt1"/>
+            </a:fontRef>
+          </p:style>
+          <p:txBody>
+            <a:bodyPr rtlCol="0" anchor="ctr"/>
+            <a:lstStyle/>
+            <a:p>
+              <a:pPr algn="ctr"/>
+              <a:endParaRPr lang="en-US"/>
+            </a:p>
+          </p:txBody>
+        </p:sp>
+      </p:grpSp>
+    </p:spTree>
+    <p:extLst>
+      <p:ext uri="{BB962C8B-B14F-4D97-AF65-F5344CB8AC3E}">
+        <p14:creationId xmlns:p14="http://schemas.microsoft.com/office/powerpoint/2010/main" val="4066072993"/>
+      </p:ext>
+    </p:extLst>
+  </p:cSld>
+  <p:clrMapOvr>
+    <a:masterClrMapping/>
+  </p:clrMapOvr>
+  <p:timing>
+    <p:tnLst>
+      <p:par>
+        <p:cTn id="1" dur="indefinite" restart="never" nodeType="tmRoot">
+          <p:childTnLst>
+            <p:seq concurrent="1" nextAc="seek">
+              <p:cTn id="2" dur="indefinite" nodeType="mainSeq">
+                <p:childTnLst>
+                  <p:par>
+                    <p:cTn id="3" fill="hold">
+                      <p:stCondLst>
+                        <p:cond delay="indefinite"/>
+                      </p:stCondLst>
+                      <p:childTnLst>
+                        <p:par>
+                          <p:cTn id="4" fill="hold">
+                            <p:stCondLst>
+                              <p:cond delay="0"/>
+                            </p:stCondLst>
+                            <p:childTnLst>
+                              <p:par>
+                                <p:cTn id="5" presetID="1" presetClass="entr" presetSubtype="0" fill="hold" nodeType="clickEffect">
+                                  <p:stCondLst>
+                                    <p:cond delay="0"/>
+                                  </p:stCondLst>
+                                  <p:childTnLst>
+                                    <p:set>
+                                      <p:cBhvr>
+                                        <p:cTn id="6" dur="1" fill="hold">
+                                          <p:stCondLst>
+                                            <p:cond delay="0"/>
+                                          </p:stCondLst>
+                                        </p:cTn>
+                                        <p:tgtEl>
+                                          <p:spTgt spid="74"/>
+                                        </p:tgtEl>
+                                        <p:attrNameLst>
+                                          <p:attrName>style.visibility</p:attrName>
+                                        </p:attrNameLst>
+                                      </p:cBhvr>
+                                      <p:to>
+                                        <p:strVal val="visible"/>
+                                      </p:to>
+                                    </p:set>
+                                  </p:childTnLst>
+                                </p:cTn>
+                              </p:par>
+                            </p:childTnLst>
+                          </p:cTn>
+                        </p:par>
+                      </p:childTnLst>
+                    </p:cTn>
+                  </p:par>
+                  <p:par>
+                    <p:cTn id="7" fill="hold">
+                      <p:stCondLst>
+                        <p:cond delay="indefinite"/>
+                      </p:stCondLst>
+                      <p:childTnLst>
+                        <p:par>
+                          <p:cTn id="8" fill="hold">
+                            <p:stCondLst>
+                              <p:cond delay="0"/>
+                            </p:stCondLst>
+                            <p:childTnLst>
+                              <p:par>
+                                <p:cTn id="9" presetID="1" presetClass="entr" presetSubtype="0" fill="hold" nodeType="clickEffect">
+                                  <p:stCondLst>
+                                    <p:cond delay="0"/>
+                                  </p:stCondLst>
+                                  <p:childTnLst>
+                                    <p:set>
+                                      <p:cBhvr>
+                                        <p:cTn id="10" dur="1" fill="hold">
+                                          <p:stCondLst>
+                                            <p:cond delay="0"/>
+                                          </p:stCondLst>
+                                        </p:cTn>
+                                        <p:tgtEl>
+                                          <p:spTgt spid="71"/>
+                                        </p:tgtEl>
+                                        <p:attrNameLst>
+                                          <p:attrName>style.visibility</p:attrName>
+                                        </p:attrNameLst>
+                                      </p:cBhvr>
+                                      <p:to>
+                                        <p:strVal val="visible"/>
+                                      </p:to>
+                                    </p:set>
+                                  </p:childTnLst>
+                                </p:cTn>
+                              </p:par>
+                            </p:childTnLst>
+                          </p:cTn>
+                        </p:par>
+                      </p:childTnLst>
+                    </p:cTn>
+                  </p:par>
+                  <p:par>
+                    <p:cTn id="11" fill="hold">
+                      <p:stCondLst>
+                        <p:cond delay="indefinite"/>
+                      </p:stCondLst>
+                      <p:childTnLst>
+                        <p:par>
+                          <p:cTn id="12" fill="hold">
+                            <p:stCondLst>
+                              <p:cond delay="0"/>
+                            </p:stCondLst>
+                            <p:childTnLst>
+                              <p:par>
+                                <p:cTn id="13" presetID="1" presetClass="entr" presetSubtype="0" fill="hold" nodeType="clickEffect">
+                                  <p:stCondLst>
+                                    <p:cond delay="0"/>
+                                  </p:stCondLst>
+                                  <p:childTnLst>
+                                    <p:set>
+                                      <p:cBhvr>
+                                        <p:cTn id="14" dur="1" fill="hold">
+                                          <p:stCondLst>
+                                            <p:cond delay="0"/>
+                                          </p:stCondLst>
+                                        </p:cTn>
+                                        <p:tgtEl>
+                                          <p:spTgt spid="72"/>
+                                        </p:tgtEl>
+                                        <p:attrNameLst>
+                                          <p:attrName>style.visibility</p:attrName>
+                                        </p:attrNameLst>
+                                      </p:cBhvr>
+                                      <p:to>
+                                        <p:strVal val="visible"/>
+                                      </p:to>
+                                    </p:set>
+                                  </p:childTnLst>
+                                </p:cTn>
+                              </p:par>
+                            </p:childTnLst>
+                          </p:cTn>
+                        </p:par>
+                      </p:childTnLst>
+                    </p:cTn>
+                  </p:par>
+                </p:childTnLst>
+              </p:cTn>
+              <p:prevCondLst>
+                <p:cond evt="onPrev" delay="0">
+                  <p:tgtEl>
+                    <p:sldTgt/>
+                  </p:tgtEl>
+                </p:cond>
+              </p:prevCondLst>
+              <p:nextCondLst>
+                <p:cond evt="onNext" delay="0">
+                  <p:tgtEl>
+                    <p:sldTgt/>
+                  </p:tgtEl>
+                </p:cond>
+              </p:nextCondLst>
+            </p:seq>
+          </p:childTnLst>
+        </p:cTn>
+      </p:par>
+    </p:tnLst>
+  </p:timing>
+</p:sld>
+</file>
+
 <file path=ppt/slides/slide8.xml><?xml version="1.0" encoding="utf-8"?>
 <p:sld xmlns:a="http://schemas.openxmlformats.org/drawingml/2006/main" xmlns:r="http://schemas.openxmlformats.org/officeDocument/2006/relationships" xmlns:p="http://schemas.openxmlformats.org/presentationml/2006/main">
   <p:cSld>
@@ -17584,7 +18098,7 @@
           <a:p>
             <a:r>
               <a:rPr lang="en-US" dirty="0"/>
-              <a:t>First Challenge Data</a:t>
+              <a:t>First Challenge Domains</a:t>
             </a:r>
           </a:p>
         </p:txBody>
@@ -17630,22 +18144,6 @@
           <a:p>
             <a:r>
               <a:rPr lang="en-US" dirty="0"/>
-              <a:t>Downloadable at </a:t>
-            </a:r>
-            <a:r>
-              <a:rPr lang="en-US" dirty="0">
-                <a:hlinkClick r:id="rId2"/>
-              </a:rPr>
-              <a:t>https://github.com/xiul-msr/e2e_dialog_challenge/tree/master/data</a:t>
-            </a:r>
-            <a:r>
-              <a:rPr lang="en-US" dirty="0"/>
-              <a:t> </a:t>
-            </a:r>
-          </a:p>
-          <a:p>
-            <a:r>
-              <a:rPr lang="en-US" dirty="0"/>
               <a:t> </a:t>
             </a:r>
           </a:p>
@@ -17667,7 +18165,7 @@
             <p:ph sz="half" idx="2"/>
             <p:extLst>
               <p:ext uri="{D42A27DB-BD31-4B8C-83A1-F6EECF244321}">
-                <p14:modId xmlns:p14="http://schemas.microsoft.com/office/powerpoint/2010/main" val="536625458"/>
+                <p14:modId xmlns:p14="http://schemas.microsoft.com/office/powerpoint/2010/main" val="2502367375"/>
               </p:ext>
             </p:extLst>
           </p:nvPr>
@@ -17996,7 +18494,7 @@
                       <a:r>
                         <a:rPr lang="en-US" sz="1400" b="1" i="0" u="none" strike="noStrike" dirty="0">
                           <a:solidFill>
-                            <a:srgbClr val="000000"/>
+                            <a:srgbClr val="0070C0"/>
                           </a:solidFill>
                           <a:effectLst/>
                           <a:latin typeface="Calibri" panose="020F0502020204030204" pitchFamily="34" charset="0"/>
@@ -18100,7 +18598,7 @@
                       <a:r>
                         <a:rPr lang="en-US" sz="1400" b="1" i="0" u="none" strike="noStrike" dirty="0">
                           <a:solidFill>
-                            <a:srgbClr val="000000"/>
+                            <a:srgbClr val="0070C0"/>
                           </a:solidFill>
                           <a:effectLst/>
                           <a:latin typeface="Calibri" panose="020F0502020204030204" pitchFamily="34" charset="0"/>
@@ -18240,13 +18738,13 @@
           <p:nvPr>
             <p:extLst>
               <p:ext uri="{D42A27DB-BD31-4B8C-83A1-F6EECF244321}">
-                <p14:modId xmlns:p14="http://schemas.microsoft.com/office/powerpoint/2010/main" val="545286605"/>
+                <p14:modId xmlns:p14="http://schemas.microsoft.com/office/powerpoint/2010/main" val="603298683"/>
               </p:ext>
             </p:extLst>
           </p:nvPr>
         </p:nvGraphicFramePr>
         <p:xfrm>
-          <a:off x="1036320" y="4340892"/>
+          <a:off x="1036320" y="3564507"/>
           <a:ext cx="4998720" cy="1483360"/>
         </p:xfrm>
         <a:graphic>
@@ -18672,6 +19170,50 @@
           </a:graphicData>
         </a:graphic>
       </p:graphicFrame>
+      <p:sp>
+        <p:nvSpPr>
+          <p:cNvPr id="3" name="Rectangle 2">
+            <a:extLst>
+              <a:ext uri="{FF2B5EF4-FFF2-40B4-BE49-F238E27FC236}">
+                <a16:creationId xmlns:a16="http://schemas.microsoft.com/office/drawing/2014/main" id="{42021FBD-2FFE-4602-BF90-33ED7F28FCFA}"/>
+              </a:ext>
+            </a:extLst>
+          </p:cNvPr>
+          <p:cNvSpPr/>
+          <p:nvPr/>
+        </p:nvSpPr>
+        <p:spPr>
+          <a:xfrm>
+            <a:off x="1097279" y="5331137"/>
+            <a:ext cx="4820442" cy="646331"/>
+          </a:xfrm>
+          <a:prstGeom prst="rect">
+            <a:avLst/>
+          </a:prstGeom>
+        </p:spPr>
+        <p:txBody>
+          <a:bodyPr wrap="square">
+            <a:spAutoFit/>
+          </a:bodyPr>
+          <a:lstStyle/>
+          <a:p>
+            <a:r>
+              <a:rPr lang="en-US" dirty="0"/>
+              <a:t>Downloadable at </a:t>
+            </a:r>
+            <a:r>
+              <a:rPr lang="en-US" dirty="0">
+                <a:hlinkClick r:id="rId3"/>
+              </a:rPr>
+              <a:t>https://github.com/xiul-msr/e2e_dialog_challenge/tree/master/data</a:t>
+            </a:r>
+            <a:r>
+              <a:rPr lang="en-US" dirty="0"/>
+              <a:t> </a:t>
+            </a:r>
+          </a:p>
+        </p:txBody>
+      </p:sp>
     </p:spTree>
     <p:extLst>
       <p:ext uri="{BB962C8B-B14F-4D97-AF65-F5344CB8AC3E}">
@@ -18730,158 +19272,299 @@
           </a:p>
         </p:txBody>
       </p:sp>
-      <p:sp>
-        <p:nvSpPr>
-          <p:cNvPr id="5" name="Content Placeholder 4">
-            <a:extLst>
-              <a:ext uri="{FF2B5EF4-FFF2-40B4-BE49-F238E27FC236}">
-                <a16:creationId xmlns:a16="http://schemas.microsoft.com/office/drawing/2014/main" id="{C505C80B-382A-4ECE-A4DE-E4FD11F8C5AD}"/>
-              </a:ext>
-            </a:extLst>
-          </p:cNvPr>
-          <p:cNvSpPr>
-            <a:spLocks noGrp="1"/>
-          </p:cNvSpPr>
-          <p:nvPr>
-            <p:ph idx="1"/>
-          </p:nvPr>
-        </p:nvSpPr>
-        <p:spPr/>
-        <p:txBody>
-          <a:bodyPr>
-            <a:normAutofit lnSpcReduction="10000"/>
-          </a:bodyPr>
-          <a:lstStyle/>
-          <a:p>
-            <a:r>
-              <a:rPr lang="en-US" dirty="0"/>
-              <a:t>Simulation Evaluation</a:t>
-            </a:r>
-          </a:p>
-          <a:p>
-            <a:pPr lvl="1"/>
-            <a:r>
-              <a:rPr lang="en-US" dirty="0"/>
-              <a:t>Metrics: </a:t>
-            </a:r>
-            <a:r>
-              <a:rPr lang="en-US" b="1" dirty="0"/>
-              <a:t>Success Rate </a:t>
-            </a:r>
-            <a:r>
-              <a:rPr lang="en-US" dirty="0"/>
-              <a:t>(main metric), Average Turns, Average Reward</a:t>
-            </a:r>
-          </a:p>
-          <a:p>
-            <a:pPr lvl="1"/>
-            <a:r>
-              <a:rPr lang="en-US" dirty="0"/>
-              <a:t>Reward: </a:t>
-            </a:r>
-          </a:p>
-          <a:p>
-            <a:pPr lvl="2"/>
-            <a:r>
-              <a:rPr lang="en-US" dirty="0"/>
-              <a:t>Success: 2*</a:t>
-            </a:r>
-            <a:r>
-              <a:rPr lang="en-US" dirty="0" err="1"/>
-              <a:t>max_turn</a:t>
-            </a:r>
-            <a:r>
-              <a:rPr lang="en-US" dirty="0"/>
-              <a:t> – </a:t>
-            </a:r>
-            <a:r>
-              <a:rPr lang="en-US" dirty="0" err="1"/>
-              <a:t>turn_length</a:t>
-            </a:r>
-            <a:endParaRPr lang="en-US" dirty="0"/>
-          </a:p>
-          <a:p>
-            <a:pPr lvl="2"/>
-            <a:r>
-              <a:rPr lang="en-US" dirty="0"/>
-              <a:t>Failure: -</a:t>
-            </a:r>
-            <a:r>
-              <a:rPr lang="en-US" dirty="0" err="1"/>
-              <a:t>max_turn</a:t>
-            </a:r>
-            <a:r>
-              <a:rPr lang="en-US" dirty="0"/>
-              <a:t> – </a:t>
-            </a:r>
-            <a:r>
-              <a:rPr lang="en-US" dirty="0" err="1"/>
-              <a:t>turn_length</a:t>
-            </a:r>
-            <a:endParaRPr lang="en-US" dirty="0"/>
-          </a:p>
-          <a:p>
-            <a:pPr lvl="1"/>
-            <a:r>
-              <a:rPr lang="en-US" dirty="0"/>
-              <a:t>Average over 5 Runs</a:t>
-            </a:r>
-          </a:p>
-          <a:p>
-            <a:pPr lvl="1"/>
-            <a:r>
-              <a:rPr lang="en-US" dirty="0"/>
-              <a:t>Each run simulated 2000 dialogues</a:t>
-            </a:r>
-            <a:br>
-              <a:rPr lang="en-US" dirty="0"/>
-            </a:br>
-            <a:endParaRPr lang="en-US" dirty="0"/>
-          </a:p>
-          <a:p>
-            <a:r>
-              <a:rPr lang="en-US" dirty="0"/>
-              <a:t>Real User Evaluation</a:t>
-            </a:r>
-          </a:p>
-          <a:p>
-            <a:pPr lvl="1"/>
-            <a:r>
-              <a:rPr lang="en-US" dirty="0"/>
-              <a:t>Metrics: </a:t>
-            </a:r>
-            <a:r>
-              <a:rPr lang="en-US" b="1" dirty="0"/>
-              <a:t>Success Rate </a:t>
-            </a:r>
-            <a:r>
-              <a:rPr lang="en-US" dirty="0"/>
-              <a:t>(main metric), Average Turns, Average Reward, and User Rating (1-5).</a:t>
-            </a:r>
-          </a:p>
-          <a:p>
-            <a:pPr lvl="1"/>
-            <a:r>
-              <a:rPr lang="en-US" dirty="0"/>
-              <a:t>Hired human vendors to evaluate the agents</a:t>
-            </a:r>
-          </a:p>
-          <a:p>
-            <a:pPr lvl="1"/>
-            <a:r>
-              <a:rPr lang="en-US" dirty="0"/>
-              <a:t>Overall, 2648 conversations are collected</a:t>
-            </a:r>
-          </a:p>
-          <a:p>
-            <a:pPr lvl="1"/>
-            <a:r>
-              <a:rPr lang="en-US" dirty="0"/>
-              <a:t>On average, 295 dialogues per agent are collected.</a:t>
-            </a:r>
-          </a:p>
-        </p:txBody>
-      </p:sp>
+      <mc:AlternateContent xmlns:mc="http://schemas.openxmlformats.org/markup-compatibility/2006" xmlns:a14="http://schemas.microsoft.com/office/drawing/2010/main">
+        <mc:Choice Requires="a14">
+          <p:sp>
+            <p:nvSpPr>
+              <p:cNvPr id="5" name="Content Placeholder 4">
+                <a:extLst>
+                  <a:ext uri="{FF2B5EF4-FFF2-40B4-BE49-F238E27FC236}">
+                    <a16:creationId xmlns:a16="http://schemas.microsoft.com/office/drawing/2014/main" id="{C505C80B-382A-4ECE-A4DE-E4FD11F8C5AD}"/>
+                  </a:ext>
+                </a:extLst>
+              </p:cNvPr>
+              <p:cNvSpPr>
+                <a:spLocks noGrp="1"/>
+              </p:cNvSpPr>
+              <p:nvPr>
+                <p:ph idx="1"/>
+              </p:nvPr>
+            </p:nvSpPr>
+            <p:spPr/>
+            <p:txBody>
+              <a:bodyPr>
+                <a:normAutofit lnSpcReduction="10000"/>
+              </a:bodyPr>
+              <a:lstStyle/>
+              <a:p>
+                <a:r>
+                  <a:rPr lang="en-US" dirty="0"/>
+                  <a:t>Simulation Evaluation</a:t>
+                </a:r>
+              </a:p>
+              <a:p>
+                <a:pPr lvl="1"/>
+                <a:r>
+                  <a:rPr lang="en-US" dirty="0"/>
+                  <a:t>Metrics: </a:t>
+                </a:r>
+                <a:r>
+                  <a:rPr lang="en-US" b="1" dirty="0"/>
+                  <a:t>Success Rate</a:t>
+                </a:r>
+                <a:r>
+                  <a:rPr lang="en-US" dirty="0"/>
+                  <a:t>, Average Turns, Average Reward</a:t>
+                </a:r>
+              </a:p>
+              <a:p>
+                <a:pPr lvl="1"/>
+                <a:r>
+                  <a:rPr lang="en-US" dirty="0"/>
+                  <a:t>Reward: </a:t>
+                </a:r>
+              </a:p>
+              <a:p>
+                <a:pPr lvl="2"/>
+                <a:r>
+                  <a:rPr lang="en-US" dirty="0"/>
+                  <a:t>Success: </a:t>
+                </a:r>
+                <a14:m>
+                  <m:oMath xmlns:m="http://schemas.openxmlformats.org/officeDocument/2006/math">
+                    <m:r>
+                      <a:rPr lang="en-US" b="0" i="1" u="sng" smtClean="0">
+                        <a:latin typeface="Cambria Math" panose="02040503050406030204" pitchFamily="18" charset="0"/>
+                      </a:rPr>
+                      <m:t>2×</m:t>
+                    </m:r>
+                    <m:r>
+                      <a:rPr lang="en-US" b="0" i="1" u="sng" smtClean="0">
+                        <a:latin typeface="Cambria Math" panose="02040503050406030204" pitchFamily="18" charset="0"/>
+                      </a:rPr>
+                      <m:t>𝑚𝑎𝑥</m:t>
+                    </m:r>
+                    <m:r>
+                      <m:rPr>
+                        <m:lit/>
+                      </m:rPr>
+                      <a:rPr lang="en-US" b="0" i="1" u="sng" smtClean="0">
+                        <a:latin typeface="Cambria Math" panose="02040503050406030204" pitchFamily="18" charset="0"/>
+                      </a:rPr>
+                      <m:t>_</m:t>
+                    </m:r>
+                    <m:r>
+                      <a:rPr lang="en-US" b="0" i="1" u="sng" smtClean="0">
+                        <a:latin typeface="Cambria Math" panose="02040503050406030204" pitchFamily="18" charset="0"/>
+                      </a:rPr>
+                      <m:t>𝑡𝑢𝑟𝑛</m:t>
+                    </m:r>
+                    <m:r>
+                      <a:rPr lang="en-US" b="0" i="1" u="sng" smtClean="0">
+                        <a:latin typeface="Cambria Math" panose="02040503050406030204" pitchFamily="18" charset="0"/>
+                      </a:rPr>
+                      <m:t> −</m:t>
+                    </m:r>
+                    <m:r>
+                      <a:rPr lang="en-US" b="0" i="1" u="sng" smtClean="0">
+                        <a:latin typeface="Cambria Math" panose="02040503050406030204" pitchFamily="18" charset="0"/>
+                      </a:rPr>
+                      <m:t>𝑡𝑢𝑟𝑛</m:t>
+                    </m:r>
+                    <m:r>
+                      <m:rPr>
+                        <m:lit/>
+                      </m:rPr>
+                      <a:rPr lang="en-US" b="0" i="1" u="sng" smtClean="0">
+                        <a:latin typeface="Cambria Math" panose="02040503050406030204" pitchFamily="18" charset="0"/>
+                      </a:rPr>
+                      <m:t>_</m:t>
+                    </m:r>
+                    <m:r>
+                      <a:rPr lang="en-US" b="0" i="1" u="sng" smtClean="0">
+                        <a:latin typeface="Cambria Math" panose="02040503050406030204" pitchFamily="18" charset="0"/>
+                      </a:rPr>
+                      <m:t>𝑙𝑒𝑛</m:t>
+                    </m:r>
+                  </m:oMath>
+                </a14:m>
+                <a:endParaRPr lang="en-US" dirty="0"/>
+              </a:p>
+              <a:p>
+                <a:pPr lvl="2"/>
+                <a:r>
+                  <a:rPr lang="en-US" dirty="0"/>
+                  <a:t>Failure: </a:t>
+                </a:r>
+                <a14:m>
+                  <m:oMath xmlns:m="http://schemas.openxmlformats.org/officeDocument/2006/math">
+                    <m:r>
+                      <a:rPr lang="en-US" i="1" u="sng" dirty="0" smtClean="0">
+                        <a:latin typeface="Cambria Math" panose="02040503050406030204" pitchFamily="18" charset="0"/>
+                      </a:rPr>
+                      <m:t>−</m:t>
+                    </m:r>
+                    <m:r>
+                      <a:rPr lang="en-US" b="0" i="1" u="sng" dirty="0" smtClean="0">
+                        <a:latin typeface="Cambria Math" panose="02040503050406030204" pitchFamily="18" charset="0"/>
+                      </a:rPr>
+                      <m:t> </m:t>
+                    </m:r>
+                    <m:r>
+                      <a:rPr lang="en-US" i="1" u="sng">
+                        <a:latin typeface="Cambria Math" panose="02040503050406030204" pitchFamily="18" charset="0"/>
+                      </a:rPr>
+                      <m:t>𝑚𝑎𝑥</m:t>
+                    </m:r>
+                    <m:r>
+                      <m:rPr>
+                        <m:lit/>
+                      </m:rPr>
+                      <a:rPr lang="en-US" i="1" u="sng">
+                        <a:latin typeface="Cambria Math" panose="02040503050406030204" pitchFamily="18" charset="0"/>
+                      </a:rPr>
+                      <m:t>_</m:t>
+                    </m:r>
+                    <m:r>
+                      <a:rPr lang="en-US" i="1" u="sng">
+                        <a:latin typeface="Cambria Math" panose="02040503050406030204" pitchFamily="18" charset="0"/>
+                      </a:rPr>
+                      <m:t>𝑡𝑢𝑟𝑛</m:t>
+                    </m:r>
+                    <m:r>
+                      <a:rPr lang="en-US" i="1" u="sng">
+                        <a:latin typeface="Cambria Math" panose="02040503050406030204" pitchFamily="18" charset="0"/>
+                      </a:rPr>
+                      <m:t> −</m:t>
+                    </m:r>
+                    <m:r>
+                      <a:rPr lang="en-US" i="1" u="sng">
+                        <a:latin typeface="Cambria Math" panose="02040503050406030204" pitchFamily="18" charset="0"/>
+                      </a:rPr>
+                      <m:t>𝑡𝑢𝑟𝑛</m:t>
+                    </m:r>
+                    <m:r>
+                      <m:rPr>
+                        <m:lit/>
+                      </m:rPr>
+                      <a:rPr lang="en-US" i="1" u="sng">
+                        <a:latin typeface="Cambria Math" panose="02040503050406030204" pitchFamily="18" charset="0"/>
+                      </a:rPr>
+                      <m:t>_</m:t>
+                    </m:r>
+                    <m:r>
+                      <a:rPr lang="en-US" i="1" u="sng">
+                        <a:latin typeface="Cambria Math" panose="02040503050406030204" pitchFamily="18" charset="0"/>
+                      </a:rPr>
+                      <m:t>𝑙𝑒𝑛</m:t>
+                    </m:r>
+                  </m:oMath>
+                </a14:m>
+                <a:endParaRPr lang="en-US" dirty="0"/>
+              </a:p>
+              <a:p>
+                <a:pPr lvl="1"/>
+                <a:r>
+                  <a:rPr lang="en-US" dirty="0"/>
+                  <a:t>Average over 5 Runs</a:t>
+                </a:r>
+              </a:p>
+              <a:p>
+                <a:pPr lvl="1"/>
+                <a:r>
+                  <a:rPr lang="en-US" dirty="0"/>
+                  <a:t>Each run simulated 2000 dialogues</a:t>
+                </a:r>
+                <a:br>
+                  <a:rPr lang="en-US" dirty="0"/>
+                </a:br>
+                <a:endParaRPr lang="en-US" dirty="0"/>
+              </a:p>
+              <a:p>
+                <a:r>
+                  <a:rPr lang="en-US" dirty="0"/>
+                  <a:t>Real User Evaluation</a:t>
+                </a:r>
+              </a:p>
+              <a:p>
+                <a:pPr lvl="1"/>
+                <a:r>
+                  <a:rPr lang="en-US" dirty="0"/>
+                  <a:t>Metrics: </a:t>
+                </a:r>
+                <a:r>
+                  <a:rPr lang="en-US" b="1" dirty="0"/>
+                  <a:t>Success Rate</a:t>
+                </a:r>
+                <a:r>
+                  <a:rPr lang="en-US" dirty="0"/>
+                  <a:t>, Average Turns, Average Reward, and User Rating (1-5).</a:t>
+                </a:r>
+              </a:p>
+              <a:p>
+                <a:pPr lvl="1"/>
+                <a:r>
+                  <a:rPr lang="en-US" dirty="0"/>
+                  <a:t>Hired human judges to evaluate the agents</a:t>
+                </a:r>
+              </a:p>
+              <a:p>
+                <a:pPr lvl="1"/>
+                <a:r>
+                  <a:rPr lang="en-US" dirty="0"/>
+                  <a:t>Overall, 2648 conversations are collected</a:t>
+                </a:r>
+              </a:p>
+              <a:p>
+                <a:pPr lvl="1"/>
+                <a:r>
+                  <a:rPr lang="en-US" dirty="0"/>
+                  <a:t>On average, 295 dialogues per human judge are collected.</a:t>
+                </a:r>
+              </a:p>
+            </p:txBody>
+          </p:sp>
+        </mc:Choice>
+        <mc:Fallback xmlns="">
+          <p:sp>
+            <p:nvSpPr>
+              <p:cNvPr id="5" name="Content Placeholder 4">
+                <a:extLst>
+                  <a:ext uri="{FF2B5EF4-FFF2-40B4-BE49-F238E27FC236}">
+                    <a16:creationId xmlns:a16="http://schemas.microsoft.com/office/drawing/2014/main" id="{C505C80B-382A-4ECE-A4DE-E4FD11F8C5AD}"/>
+                  </a:ext>
+                </a:extLst>
+              </p:cNvPr>
+              <p:cNvSpPr>
+                <a:spLocks noGrp="1" noRot="1" noChangeAspect="1" noMove="1" noResize="1" noEditPoints="1" noAdjustHandles="1" noChangeArrowheads="1" noChangeShapeType="1" noTextEdit="1"/>
+              </p:cNvSpPr>
+              <p:nvPr>
+                <p:ph idx="1"/>
+              </p:nvPr>
+            </p:nvSpPr>
+            <p:spPr>
+              <a:blipFill>
+                <a:blip r:embed="rId3"/>
+                <a:stretch>
+                  <a:fillRect l="-606" t="-2273"/>
+                </a:stretch>
+              </a:blipFill>
+            </p:spPr>
+            <p:txBody>
+              <a:bodyPr/>
+              <a:lstStyle/>
+              <a:p>
+                <a:r>
+                  <a:rPr lang="en-US">
+                    <a:noFill/>
+                  </a:rPr>
+                  <a:t> </a:t>
+                </a:r>
+              </a:p>
+            </p:txBody>
+          </p:sp>
+        </mc:Fallback>
+      </mc:AlternateContent>
     </p:spTree>
     <p:extLst>
       <p:ext uri="{BB962C8B-B14F-4D97-AF65-F5344CB8AC3E}">
